--- a/lectures/13.visitor/visitor.pptx
+++ b/lectures/13.visitor/visitor.pptx
@@ -5,7 +5,7 @@
     <p:sldMasterId id="2147483672" r:id="rId1"/>
   </p:sldMasterIdLst>
   <p:notesMasterIdLst>
-    <p:notesMasterId r:id="rId21"/>
+    <p:notesMasterId r:id="rId22"/>
   </p:notesMasterIdLst>
   <p:sldIdLst>
     <p:sldId id="256" r:id="rId2"/>
@@ -27,11 +27,12 @@
     <p:sldId id="271" r:id="rId18"/>
     <p:sldId id="263" r:id="rId19"/>
     <p:sldId id="264" r:id="rId20"/>
+    <p:sldId id="276" r:id="rId21"/>
   </p:sldIdLst>
   <p:sldSz cx="9144000" cy="6858000" type="screen4x3"/>
   <p:notesSz cx="6858000" cy="9144000"/>
   <p:custDataLst>
-    <p:tags r:id="rId22"/>
+    <p:tags r:id="rId23"/>
   </p:custDataLst>
   <p:defaultTextStyle>
     <a:defPPr>
@@ -229,7 +230,7 @@
           <a:p>
             <a:fld id="{2F3DCB6D-0B48-4A3D-B663-06C3F903A9D3}" type="datetimeFigureOut">
               <a:rPr lang="ru-RU" smtClean="0"/>
-              <a:t>15.04.2019</a:t>
+              <a:t>24.10.2019</a:t>
             </a:fld>
             <a:endParaRPr lang="ru-RU"/>
           </a:p>
@@ -1519,7 +1520,7 @@
           <a:p>
             <a:fld id="{2590F9C9-AB92-4E86-B698-DEC9BF4350FF}" type="datetimeFigureOut">
               <a:rPr lang="ru-RU" smtClean="0"/>
-              <a:t>15.04.2019</a:t>
+              <a:t>24.10.2019</a:t>
             </a:fld>
             <a:endParaRPr lang="ru-RU"/>
           </a:p>
@@ -1743,7 +1744,7 @@
           <a:p>
             <a:fld id="{2590F9C9-AB92-4E86-B698-DEC9BF4350FF}" type="datetimeFigureOut">
               <a:rPr lang="ru-RU" smtClean="0"/>
-              <a:t>15.04.2019</a:t>
+              <a:t>24.10.2019</a:t>
             </a:fld>
             <a:endParaRPr lang="ru-RU"/>
           </a:p>
@@ -2015,7 +2016,7 @@
           <a:p>
             <a:fld id="{2590F9C9-AB92-4E86-B698-DEC9BF4350FF}" type="datetimeFigureOut">
               <a:rPr lang="ru-RU" smtClean="0"/>
-              <a:t>15.04.2019</a:t>
+              <a:t>24.10.2019</a:t>
             </a:fld>
             <a:endParaRPr lang="ru-RU"/>
           </a:p>
@@ -2190,7 +2191,7 @@
           <a:p>
             <a:fld id="{2590F9C9-AB92-4E86-B698-DEC9BF4350FF}" type="datetimeFigureOut">
               <a:rPr lang="ru-RU" smtClean="0"/>
-              <a:t>15.04.2019</a:t>
+              <a:t>24.10.2019</a:t>
             </a:fld>
             <a:endParaRPr lang="ru-RU"/>
           </a:p>
@@ -2551,7 +2552,7 @@
           <a:p>
             <a:fld id="{2590F9C9-AB92-4E86-B698-DEC9BF4350FF}" type="datetimeFigureOut">
               <a:rPr lang="ru-RU" smtClean="0"/>
-              <a:t>15.04.2019</a:t>
+              <a:t>24.10.2019</a:t>
             </a:fld>
             <a:endParaRPr lang="ru-RU"/>
           </a:p>
@@ -2836,7 +2837,7 @@
           <a:p>
             <a:fld id="{2590F9C9-AB92-4E86-B698-DEC9BF4350FF}" type="datetimeFigureOut">
               <a:rPr lang="ru-RU" smtClean="0"/>
-              <a:t>15.04.2019</a:t>
+              <a:t>24.10.2019</a:t>
             </a:fld>
             <a:endParaRPr lang="ru-RU"/>
           </a:p>
@@ -3258,7 +3259,7 @@
           <a:p>
             <a:fld id="{2590F9C9-AB92-4E86-B698-DEC9BF4350FF}" type="datetimeFigureOut">
               <a:rPr lang="ru-RU" smtClean="0"/>
-              <a:t>15.04.2019</a:t>
+              <a:t>24.10.2019</a:t>
             </a:fld>
             <a:endParaRPr lang="ru-RU"/>
           </a:p>
@@ -3371,7 +3372,7 @@
           <a:p>
             <a:fld id="{2590F9C9-AB92-4E86-B698-DEC9BF4350FF}" type="datetimeFigureOut">
               <a:rPr lang="ru-RU" smtClean="0"/>
-              <a:t>15.04.2019</a:t>
+              <a:t>24.10.2019</a:t>
             </a:fld>
             <a:endParaRPr lang="ru-RU"/>
           </a:p>
@@ -3468,7 +3469,7 @@
           <a:p>
             <a:fld id="{2590F9C9-AB92-4E86-B698-DEC9BF4350FF}" type="datetimeFigureOut">
               <a:rPr lang="ru-RU" smtClean="0"/>
-              <a:t>15.04.2019</a:t>
+              <a:t>24.10.2019</a:t>
             </a:fld>
             <a:endParaRPr lang="ru-RU"/>
           </a:p>
@@ -3753,7 +3754,7 @@
           <a:p>
             <a:fld id="{2590F9C9-AB92-4E86-B698-DEC9BF4350FF}" type="datetimeFigureOut">
               <a:rPr lang="ru-RU" smtClean="0"/>
-              <a:t>15.04.2019</a:t>
+              <a:t>24.10.2019</a:t>
             </a:fld>
             <a:endParaRPr lang="ru-RU"/>
           </a:p>
@@ -4115,7 +4116,7 @@
           <a:p>
             <a:fld id="{2590F9C9-AB92-4E86-B698-DEC9BF4350FF}" type="datetimeFigureOut">
               <a:rPr lang="ru-RU" smtClean="0"/>
-              <a:t>15.04.2019</a:t>
+              <a:t>24.10.2019</a:t>
             </a:fld>
             <a:endParaRPr lang="ru-RU"/>
           </a:p>
@@ -4540,7 +4541,7 @@
           <a:p>
             <a:fld id="{2590F9C9-AB92-4E86-B698-DEC9BF4350FF}" type="datetimeFigureOut">
               <a:rPr lang="ru-RU" smtClean="0"/>
-              <a:t>15.04.2019</a:t>
+              <a:t>24.10.2019</a:t>
             </a:fld>
             <a:endParaRPr lang="ru-RU"/>
           </a:p>
@@ -5059,7 +5060,11 @@
           <a:bodyPr/>
           <a:lstStyle/>
           <a:p>
-            <a:endParaRPr lang="ru-RU"/>
+            <a:r>
+              <a:rPr lang="ru-RU" dirty="0" smtClean="0"/>
+              <a:t>Классическое решение</a:t>
+            </a:r>
+            <a:endParaRPr lang="ru-RU" dirty="0"/>
           </a:p>
         </p:txBody>
       </p:sp>
@@ -5164,8 +5169,8 @@
         </p:blipFill>
         <p:spPr>
           <a:xfrm>
-            <a:off x="699356" y="2780928"/>
-            <a:ext cx="7745288" cy="2706800"/>
+            <a:off x="202843" y="2780928"/>
+            <a:ext cx="8653891" cy="3024336"/>
           </a:xfrm>
           <a:prstGeom prst="rect">
             <a:avLst/>
@@ -6373,7 +6378,7 @@
         <p:spPr>
           <a:xfrm>
             <a:off x="23842" y="1523458"/>
-            <a:ext cx="5319534" cy="5394105"/>
+            <a:ext cx="6852414" cy="5394105"/>
           </a:xfrm>
           <a:prstGeom prst="rect">
             <a:avLst/>
@@ -7687,6 +7692,53 @@
           </a:p>
         </p:txBody>
       </p:sp>
+      <p:sp>
+        <p:nvSpPr>
+          <p:cNvPr id="3" name="Rectangle 2"/>
+          <p:cNvSpPr/>
+          <p:nvPr/>
+        </p:nvSpPr>
+        <p:spPr>
+          <a:xfrm>
+            <a:off x="179512" y="5157192"/>
+            <a:ext cx="5400600" cy="1008112"/>
+          </a:xfrm>
+          <a:prstGeom prst="rect">
+            <a:avLst/>
+          </a:prstGeom>
+          <a:noFill/>
+          <a:ln w="57150">
+            <a:solidFill>
+              <a:srgbClr val="FF0000"/>
+            </a:solidFill>
+            <a:prstDash val="solid"/>
+          </a:ln>
+        </p:spPr>
+        <p:style>
+          <a:lnRef idx="2">
+            <a:schemeClr val="accent1">
+              <a:shade val="50000"/>
+            </a:schemeClr>
+          </a:lnRef>
+          <a:fillRef idx="1">
+            <a:schemeClr val="accent1"/>
+          </a:fillRef>
+          <a:effectRef idx="0">
+            <a:schemeClr val="accent1"/>
+          </a:effectRef>
+          <a:fontRef idx="minor">
+            <a:schemeClr val="lt1"/>
+          </a:fontRef>
+        </p:style>
+        <p:txBody>
+          <a:bodyPr rtlCol="0" anchor="ctr"/>
+          <a:lstStyle/>
+          <a:p>
+            <a:pPr algn="ctr"/>
+            <a:endParaRPr lang="ru-RU"/>
+          </a:p>
+        </p:txBody>
+      </p:sp>
     </p:spTree>
     <p:extLst>
       <p:ext uri="{BB962C8B-B14F-4D97-AF65-F5344CB8AC3E}">
@@ -7700,9 +7752,640 @@
   <p:timing>
     <p:tnLst>
       <p:par>
-        <p:cTn id="1" dur="indefinite" restart="never" nodeType="tmRoot"/>
+        <p:cTn id="1" dur="indefinite" restart="never" nodeType="tmRoot">
+          <p:childTnLst>
+            <p:seq concurrent="1" nextAc="seek">
+              <p:cTn id="2" dur="indefinite" nodeType="mainSeq">
+                <p:childTnLst>
+                  <p:par>
+                    <p:cTn id="3" fill="hold">
+                      <p:stCondLst>
+                        <p:cond delay="indefinite"/>
+                      </p:stCondLst>
+                      <p:childTnLst>
+                        <p:par>
+                          <p:cTn id="4" fill="hold">
+                            <p:stCondLst>
+                              <p:cond delay="0"/>
+                            </p:stCondLst>
+                            <p:childTnLst>
+                              <p:par>
+                                <p:cTn id="5" presetID="10" presetClass="entr" presetSubtype="0" fill="hold" nodeType="clickEffect">
+                                  <p:stCondLst>
+                                    <p:cond delay="0"/>
+                                  </p:stCondLst>
+                                  <p:childTnLst>
+                                    <p:set>
+                                      <p:cBhvr>
+                                        <p:cTn id="6" dur="1" fill="hold">
+                                          <p:stCondLst>
+                                            <p:cond delay="0"/>
+                                          </p:stCondLst>
+                                        </p:cTn>
+                                        <p:tgtEl>
+                                          <p:spTgt spid="2">
+                                            <p:txEl>
+                                              <p:pRg st="6" end="6"/>
+                                            </p:txEl>
+                                          </p:spTgt>
+                                        </p:tgtEl>
+                                        <p:attrNameLst>
+                                          <p:attrName>style.visibility</p:attrName>
+                                        </p:attrNameLst>
+                                      </p:cBhvr>
+                                      <p:to>
+                                        <p:strVal val="visible"/>
+                                      </p:to>
+                                    </p:set>
+                                    <p:animEffect transition="in" filter="fade">
+                                      <p:cBhvr>
+                                        <p:cTn id="7" dur="500"/>
+                                        <p:tgtEl>
+                                          <p:spTgt spid="2">
+                                            <p:txEl>
+                                              <p:pRg st="6" end="6"/>
+                                            </p:txEl>
+                                          </p:spTgt>
+                                        </p:tgtEl>
+                                      </p:cBhvr>
+                                    </p:animEffect>
+                                  </p:childTnLst>
+                                </p:cTn>
+                              </p:par>
+                              <p:par>
+                                <p:cTn id="8" presetID="10" presetClass="entr" presetSubtype="0" fill="hold" nodeType="withEffect">
+                                  <p:stCondLst>
+                                    <p:cond delay="0"/>
+                                  </p:stCondLst>
+                                  <p:childTnLst>
+                                    <p:set>
+                                      <p:cBhvr>
+                                        <p:cTn id="9" dur="1" fill="hold">
+                                          <p:stCondLst>
+                                            <p:cond delay="0"/>
+                                          </p:stCondLst>
+                                        </p:cTn>
+                                        <p:tgtEl>
+                                          <p:spTgt spid="2">
+                                            <p:txEl>
+                                              <p:pRg st="7" end="7"/>
+                                            </p:txEl>
+                                          </p:spTgt>
+                                        </p:tgtEl>
+                                        <p:attrNameLst>
+                                          <p:attrName>style.visibility</p:attrName>
+                                        </p:attrNameLst>
+                                      </p:cBhvr>
+                                      <p:to>
+                                        <p:strVal val="visible"/>
+                                      </p:to>
+                                    </p:set>
+                                    <p:animEffect transition="in" filter="fade">
+                                      <p:cBhvr>
+                                        <p:cTn id="10" dur="500"/>
+                                        <p:tgtEl>
+                                          <p:spTgt spid="2">
+                                            <p:txEl>
+                                              <p:pRg st="7" end="7"/>
+                                            </p:txEl>
+                                          </p:spTgt>
+                                        </p:tgtEl>
+                                      </p:cBhvr>
+                                    </p:animEffect>
+                                  </p:childTnLst>
+                                </p:cTn>
+                              </p:par>
+                              <p:par>
+                                <p:cTn id="11" presetID="10" presetClass="entr" presetSubtype="0" fill="hold" nodeType="withEffect">
+                                  <p:stCondLst>
+                                    <p:cond delay="0"/>
+                                  </p:stCondLst>
+                                  <p:childTnLst>
+                                    <p:set>
+                                      <p:cBhvr>
+                                        <p:cTn id="12" dur="1" fill="hold">
+                                          <p:stCondLst>
+                                            <p:cond delay="0"/>
+                                          </p:stCondLst>
+                                        </p:cTn>
+                                        <p:tgtEl>
+                                          <p:spTgt spid="2">
+                                            <p:txEl>
+                                              <p:pRg st="8" end="8"/>
+                                            </p:txEl>
+                                          </p:spTgt>
+                                        </p:tgtEl>
+                                        <p:attrNameLst>
+                                          <p:attrName>style.visibility</p:attrName>
+                                        </p:attrNameLst>
+                                      </p:cBhvr>
+                                      <p:to>
+                                        <p:strVal val="visible"/>
+                                      </p:to>
+                                    </p:set>
+                                    <p:animEffect transition="in" filter="fade">
+                                      <p:cBhvr>
+                                        <p:cTn id="13" dur="500"/>
+                                        <p:tgtEl>
+                                          <p:spTgt spid="2">
+                                            <p:txEl>
+                                              <p:pRg st="8" end="8"/>
+                                            </p:txEl>
+                                          </p:spTgt>
+                                        </p:tgtEl>
+                                      </p:cBhvr>
+                                    </p:animEffect>
+                                  </p:childTnLst>
+                                </p:cTn>
+                              </p:par>
+                              <p:par>
+                                <p:cTn id="14" presetID="10" presetClass="entr" presetSubtype="0" fill="hold" nodeType="withEffect">
+                                  <p:stCondLst>
+                                    <p:cond delay="0"/>
+                                  </p:stCondLst>
+                                  <p:childTnLst>
+                                    <p:set>
+                                      <p:cBhvr>
+                                        <p:cTn id="15" dur="1" fill="hold">
+                                          <p:stCondLst>
+                                            <p:cond delay="0"/>
+                                          </p:stCondLst>
+                                        </p:cTn>
+                                        <p:tgtEl>
+                                          <p:spTgt spid="2">
+                                            <p:txEl>
+                                              <p:pRg st="9" end="9"/>
+                                            </p:txEl>
+                                          </p:spTgt>
+                                        </p:tgtEl>
+                                        <p:attrNameLst>
+                                          <p:attrName>style.visibility</p:attrName>
+                                        </p:attrNameLst>
+                                      </p:cBhvr>
+                                      <p:to>
+                                        <p:strVal val="visible"/>
+                                      </p:to>
+                                    </p:set>
+                                    <p:animEffect transition="in" filter="fade">
+                                      <p:cBhvr>
+                                        <p:cTn id="16" dur="500"/>
+                                        <p:tgtEl>
+                                          <p:spTgt spid="2">
+                                            <p:txEl>
+                                              <p:pRg st="9" end="9"/>
+                                            </p:txEl>
+                                          </p:spTgt>
+                                        </p:tgtEl>
+                                      </p:cBhvr>
+                                    </p:animEffect>
+                                  </p:childTnLst>
+                                </p:cTn>
+                              </p:par>
+                              <p:par>
+                                <p:cTn id="17" presetID="10" presetClass="entr" presetSubtype="0" fill="hold" nodeType="withEffect">
+                                  <p:stCondLst>
+                                    <p:cond delay="0"/>
+                                  </p:stCondLst>
+                                  <p:childTnLst>
+                                    <p:set>
+                                      <p:cBhvr>
+                                        <p:cTn id="18" dur="1" fill="hold">
+                                          <p:stCondLst>
+                                            <p:cond delay="0"/>
+                                          </p:stCondLst>
+                                        </p:cTn>
+                                        <p:tgtEl>
+                                          <p:spTgt spid="2">
+                                            <p:txEl>
+                                              <p:pRg st="11" end="11"/>
+                                            </p:txEl>
+                                          </p:spTgt>
+                                        </p:tgtEl>
+                                        <p:attrNameLst>
+                                          <p:attrName>style.visibility</p:attrName>
+                                        </p:attrNameLst>
+                                      </p:cBhvr>
+                                      <p:to>
+                                        <p:strVal val="visible"/>
+                                      </p:to>
+                                    </p:set>
+                                    <p:animEffect transition="in" filter="fade">
+                                      <p:cBhvr>
+                                        <p:cTn id="19" dur="500"/>
+                                        <p:tgtEl>
+                                          <p:spTgt spid="2">
+                                            <p:txEl>
+                                              <p:pRg st="11" end="11"/>
+                                            </p:txEl>
+                                          </p:spTgt>
+                                        </p:tgtEl>
+                                      </p:cBhvr>
+                                    </p:animEffect>
+                                  </p:childTnLst>
+                                </p:cTn>
+                              </p:par>
+                              <p:par>
+                                <p:cTn id="20" presetID="10" presetClass="entr" presetSubtype="0" fill="hold" nodeType="withEffect">
+                                  <p:stCondLst>
+                                    <p:cond delay="0"/>
+                                  </p:stCondLst>
+                                  <p:childTnLst>
+                                    <p:set>
+                                      <p:cBhvr>
+                                        <p:cTn id="21" dur="1" fill="hold">
+                                          <p:stCondLst>
+                                            <p:cond delay="0"/>
+                                          </p:stCondLst>
+                                        </p:cTn>
+                                        <p:tgtEl>
+                                          <p:spTgt spid="2">
+                                            <p:txEl>
+                                              <p:pRg st="12" end="12"/>
+                                            </p:txEl>
+                                          </p:spTgt>
+                                        </p:tgtEl>
+                                        <p:attrNameLst>
+                                          <p:attrName>style.visibility</p:attrName>
+                                        </p:attrNameLst>
+                                      </p:cBhvr>
+                                      <p:to>
+                                        <p:strVal val="visible"/>
+                                      </p:to>
+                                    </p:set>
+                                    <p:animEffect transition="in" filter="fade">
+                                      <p:cBhvr>
+                                        <p:cTn id="22" dur="500"/>
+                                        <p:tgtEl>
+                                          <p:spTgt spid="2">
+                                            <p:txEl>
+                                              <p:pRg st="12" end="12"/>
+                                            </p:txEl>
+                                          </p:spTgt>
+                                        </p:tgtEl>
+                                      </p:cBhvr>
+                                    </p:animEffect>
+                                  </p:childTnLst>
+                                </p:cTn>
+                              </p:par>
+                              <p:par>
+                                <p:cTn id="23" presetID="10" presetClass="entr" presetSubtype="0" fill="hold" nodeType="withEffect">
+                                  <p:stCondLst>
+                                    <p:cond delay="0"/>
+                                  </p:stCondLst>
+                                  <p:childTnLst>
+                                    <p:set>
+                                      <p:cBhvr>
+                                        <p:cTn id="24" dur="1" fill="hold">
+                                          <p:stCondLst>
+                                            <p:cond delay="0"/>
+                                          </p:stCondLst>
+                                        </p:cTn>
+                                        <p:tgtEl>
+                                          <p:spTgt spid="2">
+                                            <p:txEl>
+                                              <p:pRg st="13" end="13"/>
+                                            </p:txEl>
+                                          </p:spTgt>
+                                        </p:tgtEl>
+                                        <p:attrNameLst>
+                                          <p:attrName>style.visibility</p:attrName>
+                                        </p:attrNameLst>
+                                      </p:cBhvr>
+                                      <p:to>
+                                        <p:strVal val="visible"/>
+                                      </p:to>
+                                    </p:set>
+                                    <p:animEffect transition="in" filter="fade">
+                                      <p:cBhvr>
+                                        <p:cTn id="25" dur="500"/>
+                                        <p:tgtEl>
+                                          <p:spTgt spid="2">
+                                            <p:txEl>
+                                              <p:pRg st="13" end="13"/>
+                                            </p:txEl>
+                                          </p:spTgt>
+                                        </p:tgtEl>
+                                      </p:cBhvr>
+                                    </p:animEffect>
+                                  </p:childTnLst>
+                                </p:cTn>
+                              </p:par>
+                              <p:par>
+                                <p:cTn id="26" presetID="10" presetClass="entr" presetSubtype="0" fill="hold" nodeType="withEffect">
+                                  <p:stCondLst>
+                                    <p:cond delay="0"/>
+                                  </p:stCondLst>
+                                  <p:childTnLst>
+                                    <p:set>
+                                      <p:cBhvr>
+                                        <p:cTn id="27" dur="1" fill="hold">
+                                          <p:stCondLst>
+                                            <p:cond delay="0"/>
+                                          </p:stCondLst>
+                                        </p:cTn>
+                                        <p:tgtEl>
+                                          <p:spTgt spid="2">
+                                            <p:txEl>
+                                              <p:pRg st="14" end="14"/>
+                                            </p:txEl>
+                                          </p:spTgt>
+                                        </p:tgtEl>
+                                        <p:attrNameLst>
+                                          <p:attrName>style.visibility</p:attrName>
+                                        </p:attrNameLst>
+                                      </p:cBhvr>
+                                      <p:to>
+                                        <p:strVal val="visible"/>
+                                      </p:to>
+                                    </p:set>
+                                    <p:animEffect transition="in" filter="fade">
+                                      <p:cBhvr>
+                                        <p:cTn id="28" dur="500"/>
+                                        <p:tgtEl>
+                                          <p:spTgt spid="2">
+                                            <p:txEl>
+                                              <p:pRg st="14" end="14"/>
+                                            </p:txEl>
+                                          </p:spTgt>
+                                        </p:tgtEl>
+                                      </p:cBhvr>
+                                    </p:animEffect>
+                                  </p:childTnLst>
+                                </p:cTn>
+                              </p:par>
+                            </p:childTnLst>
+                          </p:cTn>
+                        </p:par>
+                      </p:childTnLst>
+                    </p:cTn>
+                  </p:par>
+                  <p:par>
+                    <p:cTn id="29" fill="hold">
+                      <p:stCondLst>
+                        <p:cond delay="indefinite"/>
+                      </p:stCondLst>
+                      <p:childTnLst>
+                        <p:par>
+                          <p:cTn id="30" fill="hold">
+                            <p:stCondLst>
+                              <p:cond delay="0"/>
+                            </p:stCondLst>
+                            <p:childTnLst>
+                              <p:par>
+                                <p:cTn id="31" presetID="10" presetClass="entr" presetSubtype="0" fill="hold" nodeType="clickEffect">
+                                  <p:stCondLst>
+                                    <p:cond delay="0"/>
+                                  </p:stCondLst>
+                                  <p:childTnLst>
+                                    <p:set>
+                                      <p:cBhvr>
+                                        <p:cTn id="32" dur="1" fill="hold">
+                                          <p:stCondLst>
+                                            <p:cond delay="0"/>
+                                          </p:stCondLst>
+                                        </p:cTn>
+                                        <p:tgtEl>
+                                          <p:spTgt spid="2">
+                                            <p:txEl>
+                                              <p:pRg st="16" end="16"/>
+                                            </p:txEl>
+                                          </p:spTgt>
+                                        </p:tgtEl>
+                                        <p:attrNameLst>
+                                          <p:attrName>style.visibility</p:attrName>
+                                        </p:attrNameLst>
+                                      </p:cBhvr>
+                                      <p:to>
+                                        <p:strVal val="visible"/>
+                                      </p:to>
+                                    </p:set>
+                                    <p:animEffect transition="in" filter="fade">
+                                      <p:cBhvr>
+                                        <p:cTn id="33" dur="500"/>
+                                        <p:tgtEl>
+                                          <p:spTgt spid="2">
+                                            <p:txEl>
+                                              <p:pRg st="16" end="16"/>
+                                            </p:txEl>
+                                          </p:spTgt>
+                                        </p:tgtEl>
+                                      </p:cBhvr>
+                                    </p:animEffect>
+                                  </p:childTnLst>
+                                </p:cTn>
+                              </p:par>
+                              <p:par>
+                                <p:cTn id="34" presetID="10" presetClass="entr" presetSubtype="0" fill="hold" nodeType="withEffect">
+                                  <p:stCondLst>
+                                    <p:cond delay="0"/>
+                                  </p:stCondLst>
+                                  <p:childTnLst>
+                                    <p:set>
+                                      <p:cBhvr>
+                                        <p:cTn id="35" dur="1" fill="hold">
+                                          <p:stCondLst>
+                                            <p:cond delay="0"/>
+                                          </p:stCondLst>
+                                        </p:cTn>
+                                        <p:tgtEl>
+                                          <p:spTgt spid="2">
+                                            <p:txEl>
+                                              <p:pRg st="17" end="17"/>
+                                            </p:txEl>
+                                          </p:spTgt>
+                                        </p:tgtEl>
+                                        <p:attrNameLst>
+                                          <p:attrName>style.visibility</p:attrName>
+                                        </p:attrNameLst>
+                                      </p:cBhvr>
+                                      <p:to>
+                                        <p:strVal val="visible"/>
+                                      </p:to>
+                                    </p:set>
+                                    <p:animEffect transition="in" filter="fade">
+                                      <p:cBhvr>
+                                        <p:cTn id="36" dur="500"/>
+                                        <p:tgtEl>
+                                          <p:spTgt spid="2">
+                                            <p:txEl>
+                                              <p:pRg st="17" end="17"/>
+                                            </p:txEl>
+                                          </p:spTgt>
+                                        </p:tgtEl>
+                                      </p:cBhvr>
+                                    </p:animEffect>
+                                  </p:childTnLst>
+                                </p:cTn>
+                              </p:par>
+                              <p:par>
+                                <p:cTn id="37" presetID="10" presetClass="entr" presetSubtype="0" fill="hold" nodeType="withEffect">
+                                  <p:stCondLst>
+                                    <p:cond delay="0"/>
+                                  </p:stCondLst>
+                                  <p:childTnLst>
+                                    <p:set>
+                                      <p:cBhvr>
+                                        <p:cTn id="38" dur="1" fill="hold">
+                                          <p:stCondLst>
+                                            <p:cond delay="0"/>
+                                          </p:stCondLst>
+                                        </p:cTn>
+                                        <p:tgtEl>
+                                          <p:spTgt spid="2">
+                                            <p:txEl>
+                                              <p:pRg st="18" end="18"/>
+                                            </p:txEl>
+                                          </p:spTgt>
+                                        </p:tgtEl>
+                                        <p:attrNameLst>
+                                          <p:attrName>style.visibility</p:attrName>
+                                        </p:attrNameLst>
+                                      </p:cBhvr>
+                                      <p:to>
+                                        <p:strVal val="visible"/>
+                                      </p:to>
+                                    </p:set>
+                                    <p:animEffect transition="in" filter="fade">
+                                      <p:cBhvr>
+                                        <p:cTn id="39" dur="500"/>
+                                        <p:tgtEl>
+                                          <p:spTgt spid="2">
+                                            <p:txEl>
+                                              <p:pRg st="18" end="18"/>
+                                            </p:txEl>
+                                          </p:spTgt>
+                                        </p:tgtEl>
+                                      </p:cBhvr>
+                                    </p:animEffect>
+                                  </p:childTnLst>
+                                </p:cTn>
+                              </p:par>
+                              <p:par>
+                                <p:cTn id="40" presetID="10" presetClass="entr" presetSubtype="0" fill="hold" nodeType="withEffect">
+                                  <p:stCondLst>
+                                    <p:cond delay="0"/>
+                                  </p:stCondLst>
+                                  <p:childTnLst>
+                                    <p:set>
+                                      <p:cBhvr>
+                                        <p:cTn id="41" dur="1" fill="hold">
+                                          <p:stCondLst>
+                                            <p:cond delay="0"/>
+                                          </p:stCondLst>
+                                        </p:cTn>
+                                        <p:tgtEl>
+                                          <p:spTgt spid="2">
+                                            <p:txEl>
+                                              <p:pRg st="19" end="19"/>
+                                            </p:txEl>
+                                          </p:spTgt>
+                                        </p:tgtEl>
+                                        <p:attrNameLst>
+                                          <p:attrName>style.visibility</p:attrName>
+                                        </p:attrNameLst>
+                                      </p:cBhvr>
+                                      <p:to>
+                                        <p:strVal val="visible"/>
+                                      </p:to>
+                                    </p:set>
+                                    <p:animEffect transition="in" filter="fade">
+                                      <p:cBhvr>
+                                        <p:cTn id="42" dur="500"/>
+                                        <p:tgtEl>
+                                          <p:spTgt spid="2">
+                                            <p:txEl>
+                                              <p:pRg st="19" end="19"/>
+                                            </p:txEl>
+                                          </p:spTgt>
+                                        </p:tgtEl>
+                                      </p:cBhvr>
+                                    </p:animEffect>
+                                  </p:childTnLst>
+                                </p:cTn>
+                              </p:par>
+                            </p:childTnLst>
+                          </p:cTn>
+                        </p:par>
+                      </p:childTnLst>
+                    </p:cTn>
+                  </p:par>
+                  <p:par>
+                    <p:cTn id="43" fill="hold">
+                      <p:stCondLst>
+                        <p:cond delay="indefinite"/>
+                      </p:stCondLst>
+                      <p:childTnLst>
+                        <p:par>
+                          <p:cTn id="44" fill="hold">
+                            <p:stCondLst>
+                              <p:cond delay="0"/>
+                            </p:stCondLst>
+                            <p:childTnLst>
+                              <p:par>
+                                <p:cTn id="45" presetID="10" presetClass="entr" presetSubtype="0" fill="hold" grpId="0" nodeType="clickEffect">
+                                  <p:stCondLst>
+                                    <p:cond delay="0"/>
+                                  </p:stCondLst>
+                                  <p:childTnLst>
+                                    <p:set>
+                                      <p:cBhvr>
+                                        <p:cTn id="46" dur="1" fill="hold">
+                                          <p:stCondLst>
+                                            <p:cond delay="0"/>
+                                          </p:stCondLst>
+                                        </p:cTn>
+                                        <p:tgtEl>
+                                          <p:spTgt spid="3"/>
+                                        </p:tgtEl>
+                                        <p:attrNameLst>
+                                          <p:attrName>style.visibility</p:attrName>
+                                        </p:attrNameLst>
+                                      </p:cBhvr>
+                                      <p:to>
+                                        <p:strVal val="visible"/>
+                                      </p:to>
+                                    </p:set>
+                                    <p:animEffect transition="in" filter="fade">
+                                      <p:cBhvr>
+                                        <p:cTn id="47" dur="500"/>
+                                        <p:tgtEl>
+                                          <p:spTgt spid="3"/>
+                                        </p:tgtEl>
+                                      </p:cBhvr>
+                                    </p:animEffect>
+                                  </p:childTnLst>
+                                </p:cTn>
+                              </p:par>
+                            </p:childTnLst>
+                          </p:cTn>
+                        </p:par>
+                      </p:childTnLst>
+                    </p:cTn>
+                  </p:par>
+                </p:childTnLst>
+              </p:cTn>
+              <p:prevCondLst>
+                <p:cond evt="onPrev" delay="0">
+                  <p:tgtEl>
+                    <p:sldTgt/>
+                  </p:tgtEl>
+                </p:cond>
+              </p:prevCondLst>
+              <p:nextCondLst>
+                <p:cond evt="onNext" delay="0">
+                  <p:tgtEl>
+                    <p:sldTgt/>
+                  </p:tgtEl>
+                </p:cond>
+              </p:nextCondLst>
+            </p:seq>
+          </p:childTnLst>
+        </p:cTn>
       </p:par>
     </p:tnLst>
+    <p:bldLst>
+      <p:bldP spid="3" grpId="0" animBg="1"/>
+    </p:bldLst>
   </p:timing>
 </p:sld>
 </file>
@@ -8670,7 +9353,410 @@
   <p:timing>
     <p:tnLst>
       <p:par>
-        <p:cTn id="1" dur="indefinite" restart="never" nodeType="tmRoot"/>
+        <p:cTn id="1" dur="indefinite" restart="never" nodeType="tmRoot">
+          <p:childTnLst>
+            <p:seq concurrent="1" nextAc="seek">
+              <p:cTn id="2" dur="indefinite" nodeType="mainSeq">
+                <p:childTnLst>
+                  <p:par>
+                    <p:cTn id="3" fill="hold">
+                      <p:stCondLst>
+                        <p:cond delay="indefinite"/>
+                      </p:stCondLst>
+                      <p:childTnLst>
+                        <p:par>
+                          <p:cTn id="4" fill="hold">
+                            <p:stCondLst>
+                              <p:cond delay="0"/>
+                            </p:stCondLst>
+                            <p:childTnLst>
+                              <p:par>
+                                <p:cTn id="5" presetID="10" presetClass="entr" presetSubtype="0" fill="hold" nodeType="clickEffect">
+                                  <p:stCondLst>
+                                    <p:cond delay="0"/>
+                                  </p:stCondLst>
+                                  <p:childTnLst>
+                                    <p:set>
+                                      <p:cBhvr>
+                                        <p:cTn id="6" dur="1" fill="hold">
+                                          <p:stCondLst>
+                                            <p:cond delay="0"/>
+                                          </p:stCondLst>
+                                        </p:cTn>
+                                        <p:tgtEl>
+                                          <p:spTgt spid="2">
+                                            <p:txEl>
+                                              <p:pRg st="6" end="6"/>
+                                            </p:txEl>
+                                          </p:spTgt>
+                                        </p:tgtEl>
+                                        <p:attrNameLst>
+                                          <p:attrName>style.visibility</p:attrName>
+                                        </p:attrNameLst>
+                                      </p:cBhvr>
+                                      <p:to>
+                                        <p:strVal val="visible"/>
+                                      </p:to>
+                                    </p:set>
+                                    <p:animEffect transition="in" filter="fade">
+                                      <p:cBhvr>
+                                        <p:cTn id="7" dur="500"/>
+                                        <p:tgtEl>
+                                          <p:spTgt spid="2">
+                                            <p:txEl>
+                                              <p:pRg st="6" end="6"/>
+                                            </p:txEl>
+                                          </p:spTgt>
+                                        </p:tgtEl>
+                                      </p:cBhvr>
+                                    </p:animEffect>
+                                  </p:childTnLst>
+                                </p:cTn>
+                              </p:par>
+                              <p:par>
+                                <p:cTn id="8" presetID="10" presetClass="entr" presetSubtype="0" fill="hold" nodeType="withEffect">
+                                  <p:stCondLst>
+                                    <p:cond delay="0"/>
+                                  </p:stCondLst>
+                                  <p:childTnLst>
+                                    <p:set>
+                                      <p:cBhvr>
+                                        <p:cTn id="9" dur="1" fill="hold">
+                                          <p:stCondLst>
+                                            <p:cond delay="0"/>
+                                          </p:stCondLst>
+                                        </p:cTn>
+                                        <p:tgtEl>
+                                          <p:spTgt spid="2">
+                                            <p:txEl>
+                                              <p:pRg st="7" end="7"/>
+                                            </p:txEl>
+                                          </p:spTgt>
+                                        </p:tgtEl>
+                                        <p:attrNameLst>
+                                          <p:attrName>style.visibility</p:attrName>
+                                        </p:attrNameLst>
+                                      </p:cBhvr>
+                                      <p:to>
+                                        <p:strVal val="visible"/>
+                                      </p:to>
+                                    </p:set>
+                                    <p:animEffect transition="in" filter="fade">
+                                      <p:cBhvr>
+                                        <p:cTn id="10" dur="500"/>
+                                        <p:tgtEl>
+                                          <p:spTgt spid="2">
+                                            <p:txEl>
+                                              <p:pRg st="7" end="7"/>
+                                            </p:txEl>
+                                          </p:spTgt>
+                                        </p:tgtEl>
+                                      </p:cBhvr>
+                                    </p:animEffect>
+                                  </p:childTnLst>
+                                </p:cTn>
+                              </p:par>
+                              <p:par>
+                                <p:cTn id="11" presetID="10" presetClass="entr" presetSubtype="0" fill="hold" nodeType="withEffect">
+                                  <p:stCondLst>
+                                    <p:cond delay="0"/>
+                                  </p:stCondLst>
+                                  <p:childTnLst>
+                                    <p:set>
+                                      <p:cBhvr>
+                                        <p:cTn id="12" dur="1" fill="hold">
+                                          <p:stCondLst>
+                                            <p:cond delay="0"/>
+                                          </p:stCondLst>
+                                        </p:cTn>
+                                        <p:tgtEl>
+                                          <p:spTgt spid="2">
+                                            <p:txEl>
+                                              <p:pRg st="8" end="8"/>
+                                            </p:txEl>
+                                          </p:spTgt>
+                                        </p:tgtEl>
+                                        <p:attrNameLst>
+                                          <p:attrName>style.visibility</p:attrName>
+                                        </p:attrNameLst>
+                                      </p:cBhvr>
+                                      <p:to>
+                                        <p:strVal val="visible"/>
+                                      </p:to>
+                                    </p:set>
+                                    <p:animEffect transition="in" filter="fade">
+                                      <p:cBhvr>
+                                        <p:cTn id="13" dur="500"/>
+                                        <p:tgtEl>
+                                          <p:spTgt spid="2">
+                                            <p:txEl>
+                                              <p:pRg st="8" end="8"/>
+                                            </p:txEl>
+                                          </p:spTgt>
+                                        </p:tgtEl>
+                                      </p:cBhvr>
+                                    </p:animEffect>
+                                  </p:childTnLst>
+                                </p:cTn>
+                              </p:par>
+                              <p:par>
+                                <p:cTn id="14" presetID="10" presetClass="entr" presetSubtype="0" fill="hold" nodeType="withEffect">
+                                  <p:stCondLst>
+                                    <p:cond delay="0"/>
+                                  </p:stCondLst>
+                                  <p:childTnLst>
+                                    <p:set>
+                                      <p:cBhvr>
+                                        <p:cTn id="15" dur="1" fill="hold">
+                                          <p:stCondLst>
+                                            <p:cond delay="0"/>
+                                          </p:stCondLst>
+                                        </p:cTn>
+                                        <p:tgtEl>
+                                          <p:spTgt spid="2">
+                                            <p:txEl>
+                                              <p:pRg st="9" end="9"/>
+                                            </p:txEl>
+                                          </p:spTgt>
+                                        </p:tgtEl>
+                                        <p:attrNameLst>
+                                          <p:attrName>style.visibility</p:attrName>
+                                        </p:attrNameLst>
+                                      </p:cBhvr>
+                                      <p:to>
+                                        <p:strVal val="visible"/>
+                                      </p:to>
+                                    </p:set>
+                                    <p:animEffect transition="in" filter="fade">
+                                      <p:cBhvr>
+                                        <p:cTn id="16" dur="500"/>
+                                        <p:tgtEl>
+                                          <p:spTgt spid="2">
+                                            <p:txEl>
+                                              <p:pRg st="9" end="9"/>
+                                            </p:txEl>
+                                          </p:spTgt>
+                                        </p:tgtEl>
+                                      </p:cBhvr>
+                                    </p:animEffect>
+                                  </p:childTnLst>
+                                </p:cTn>
+                              </p:par>
+                            </p:childTnLst>
+                          </p:cTn>
+                        </p:par>
+                      </p:childTnLst>
+                    </p:cTn>
+                  </p:par>
+                  <p:par>
+                    <p:cTn id="17" fill="hold">
+                      <p:stCondLst>
+                        <p:cond delay="indefinite"/>
+                      </p:stCondLst>
+                      <p:childTnLst>
+                        <p:par>
+                          <p:cTn id="18" fill="hold">
+                            <p:stCondLst>
+                              <p:cond delay="0"/>
+                            </p:stCondLst>
+                            <p:childTnLst>
+                              <p:par>
+                                <p:cTn id="19" presetID="10" presetClass="entr" presetSubtype="0" fill="hold" nodeType="clickEffect">
+                                  <p:stCondLst>
+                                    <p:cond delay="0"/>
+                                  </p:stCondLst>
+                                  <p:childTnLst>
+                                    <p:set>
+                                      <p:cBhvr>
+                                        <p:cTn id="20" dur="1" fill="hold">
+                                          <p:stCondLst>
+                                            <p:cond delay="0"/>
+                                          </p:stCondLst>
+                                        </p:cTn>
+                                        <p:tgtEl>
+                                          <p:spTgt spid="2">
+                                            <p:txEl>
+                                              <p:pRg st="11" end="11"/>
+                                            </p:txEl>
+                                          </p:spTgt>
+                                        </p:tgtEl>
+                                        <p:attrNameLst>
+                                          <p:attrName>style.visibility</p:attrName>
+                                        </p:attrNameLst>
+                                      </p:cBhvr>
+                                      <p:to>
+                                        <p:strVal val="visible"/>
+                                      </p:to>
+                                    </p:set>
+                                    <p:animEffect transition="in" filter="fade">
+                                      <p:cBhvr>
+                                        <p:cTn id="21" dur="500"/>
+                                        <p:tgtEl>
+                                          <p:spTgt spid="2">
+                                            <p:txEl>
+                                              <p:pRg st="11" end="11"/>
+                                            </p:txEl>
+                                          </p:spTgt>
+                                        </p:tgtEl>
+                                      </p:cBhvr>
+                                    </p:animEffect>
+                                  </p:childTnLst>
+                                </p:cTn>
+                              </p:par>
+                              <p:par>
+                                <p:cTn id="22" presetID="10" presetClass="entr" presetSubtype="0" fill="hold" nodeType="withEffect">
+                                  <p:stCondLst>
+                                    <p:cond delay="0"/>
+                                  </p:stCondLst>
+                                  <p:childTnLst>
+                                    <p:set>
+                                      <p:cBhvr>
+                                        <p:cTn id="23" dur="1" fill="hold">
+                                          <p:stCondLst>
+                                            <p:cond delay="0"/>
+                                          </p:stCondLst>
+                                        </p:cTn>
+                                        <p:tgtEl>
+                                          <p:spTgt spid="2">
+                                            <p:txEl>
+                                              <p:pRg st="12" end="12"/>
+                                            </p:txEl>
+                                          </p:spTgt>
+                                        </p:tgtEl>
+                                        <p:attrNameLst>
+                                          <p:attrName>style.visibility</p:attrName>
+                                        </p:attrNameLst>
+                                      </p:cBhvr>
+                                      <p:to>
+                                        <p:strVal val="visible"/>
+                                      </p:to>
+                                    </p:set>
+                                    <p:animEffect transition="in" filter="fade">
+                                      <p:cBhvr>
+                                        <p:cTn id="24" dur="500"/>
+                                        <p:tgtEl>
+                                          <p:spTgt spid="2">
+                                            <p:txEl>
+                                              <p:pRg st="12" end="12"/>
+                                            </p:txEl>
+                                          </p:spTgt>
+                                        </p:tgtEl>
+                                      </p:cBhvr>
+                                    </p:animEffect>
+                                  </p:childTnLst>
+                                </p:cTn>
+                              </p:par>
+                              <p:par>
+                                <p:cTn id="25" presetID="10" presetClass="entr" presetSubtype="0" fill="hold" nodeType="withEffect">
+                                  <p:stCondLst>
+                                    <p:cond delay="0"/>
+                                  </p:stCondLst>
+                                  <p:childTnLst>
+                                    <p:set>
+                                      <p:cBhvr>
+                                        <p:cTn id="26" dur="1" fill="hold">
+                                          <p:stCondLst>
+                                            <p:cond delay="0"/>
+                                          </p:stCondLst>
+                                        </p:cTn>
+                                        <p:tgtEl>
+                                          <p:spTgt spid="2">
+                                            <p:txEl>
+                                              <p:pRg st="13" end="13"/>
+                                            </p:txEl>
+                                          </p:spTgt>
+                                        </p:tgtEl>
+                                        <p:attrNameLst>
+                                          <p:attrName>style.visibility</p:attrName>
+                                        </p:attrNameLst>
+                                      </p:cBhvr>
+                                      <p:to>
+                                        <p:strVal val="visible"/>
+                                      </p:to>
+                                    </p:set>
+                                    <p:animEffect transition="in" filter="fade">
+                                      <p:cBhvr>
+                                        <p:cTn id="27" dur="500"/>
+                                        <p:tgtEl>
+                                          <p:spTgt spid="2">
+                                            <p:txEl>
+                                              <p:pRg st="13" end="13"/>
+                                            </p:txEl>
+                                          </p:spTgt>
+                                        </p:tgtEl>
+                                      </p:cBhvr>
+                                    </p:animEffect>
+                                  </p:childTnLst>
+                                </p:cTn>
+                              </p:par>
+                              <p:par>
+                                <p:cTn id="28" presetID="10" presetClass="entr" presetSubtype="0" fill="hold" nodeType="withEffect">
+                                  <p:stCondLst>
+                                    <p:cond delay="0"/>
+                                  </p:stCondLst>
+                                  <p:childTnLst>
+                                    <p:set>
+                                      <p:cBhvr>
+                                        <p:cTn id="29" dur="1" fill="hold">
+                                          <p:stCondLst>
+                                            <p:cond delay="0"/>
+                                          </p:stCondLst>
+                                        </p:cTn>
+                                        <p:tgtEl>
+                                          <p:spTgt spid="2">
+                                            <p:txEl>
+                                              <p:pRg st="14" end="14"/>
+                                            </p:txEl>
+                                          </p:spTgt>
+                                        </p:tgtEl>
+                                        <p:attrNameLst>
+                                          <p:attrName>style.visibility</p:attrName>
+                                        </p:attrNameLst>
+                                      </p:cBhvr>
+                                      <p:to>
+                                        <p:strVal val="visible"/>
+                                      </p:to>
+                                    </p:set>
+                                    <p:animEffect transition="in" filter="fade">
+                                      <p:cBhvr>
+                                        <p:cTn id="30" dur="500"/>
+                                        <p:tgtEl>
+                                          <p:spTgt spid="2">
+                                            <p:txEl>
+                                              <p:pRg st="14" end="14"/>
+                                            </p:txEl>
+                                          </p:spTgt>
+                                        </p:tgtEl>
+                                      </p:cBhvr>
+                                    </p:animEffect>
+                                  </p:childTnLst>
+                                </p:cTn>
+                              </p:par>
+                            </p:childTnLst>
+                          </p:cTn>
+                        </p:par>
+                      </p:childTnLst>
+                    </p:cTn>
+                  </p:par>
+                </p:childTnLst>
+              </p:cTn>
+              <p:prevCondLst>
+                <p:cond evt="onPrev" delay="0">
+                  <p:tgtEl>
+                    <p:sldTgt/>
+                  </p:tgtEl>
+                </p:cond>
+              </p:prevCondLst>
+              <p:nextCondLst>
+                <p:cond evt="onNext" delay="0">
+                  <p:tgtEl>
+                    <p:sldTgt/>
+                  </p:tgtEl>
+                </p:cond>
+              </p:nextCondLst>
+            </p:seq>
+          </p:childTnLst>
+        </p:cTn>
       </p:par>
     </p:tnLst>
   </p:timing>
@@ -8703,7 +9789,7 @@
         <p:spPr>
           <a:xfrm>
             <a:off x="0" y="1620281"/>
-            <a:ext cx="5454352" cy="5262979"/>
+            <a:ext cx="5508104" cy="5262979"/>
           </a:xfrm>
           <a:prstGeom prst="rect">
             <a:avLst/>
@@ -8721,7 +9807,7 @@
               </a:spcAft>
             </a:pPr>
             <a:r>
-              <a:rPr lang="en-US" sz="1400" dirty="0" err="1">
+              <a:rPr lang="en-US" sz="1400" dirty="0" smtClean="0">
                 <a:solidFill>
                   <a:srgbClr val="0000FF"/>
                 </a:solidFill>
@@ -8729,10 +9815,10 @@
                 <a:ea typeface="Calibri" panose="020F0502020204030204" pitchFamily="34" charset="0"/>
                 <a:cs typeface="Consolas" panose="020B0609020204030204" pitchFamily="49" charset="0"/>
               </a:rPr>
-              <a:t>typedef</a:t>
-            </a:r>
-            <a:r>
-              <a:rPr lang="en-US" sz="1400" dirty="0">
+              <a:t>using</a:t>
+            </a:r>
+            <a:r>
+              <a:rPr lang="en-US" sz="1400" dirty="0" smtClean="0">
                 <a:solidFill>
                   <a:srgbClr val="000000"/>
                 </a:solidFill>
@@ -8751,10 +9837,32 @@
                 <a:ea typeface="Calibri" panose="020F0502020204030204" pitchFamily="34" charset="0"/>
                 <a:cs typeface="Consolas" panose="020B0609020204030204" pitchFamily="49" charset="0"/>
               </a:rPr>
+              <a:t>Shapes </a:t>
+            </a:r>
+            <a:r>
+              <a:rPr lang="en-US" sz="1400" dirty="0" smtClean="0">
+                <a:solidFill>
+                  <a:srgbClr val="000000"/>
+                </a:solidFill>
+                <a:latin typeface="Consolas" panose="020B0609020204030204" pitchFamily="49" charset="0"/>
+                <a:ea typeface="Calibri" panose="020F0502020204030204" pitchFamily="34" charset="0"/>
+                <a:cs typeface="Consolas" panose="020B0609020204030204" pitchFamily="49" charset="0"/>
+              </a:rPr>
+              <a:t>= </a:t>
+            </a:r>
+            <a:r>
+              <a:rPr lang="en-US" sz="1400" dirty="0" smtClean="0">
+                <a:solidFill>
+                  <a:srgbClr val="2B91AF"/>
+                </a:solidFill>
+                <a:latin typeface="Consolas" panose="020B0609020204030204" pitchFamily="49" charset="0"/>
+                <a:ea typeface="Calibri" panose="020F0502020204030204" pitchFamily="34" charset="0"/>
+                <a:cs typeface="Consolas" panose="020B0609020204030204" pitchFamily="49" charset="0"/>
+              </a:rPr>
               <a:t>vector</a:t>
             </a:r>
             <a:r>
-              <a:rPr lang="en-US" sz="1400" dirty="0">
+              <a:rPr lang="en-US" sz="1400" dirty="0" smtClean="0">
                 <a:solidFill>
                   <a:srgbClr val="000000"/>
                 </a:solidFill>
@@ -8765,7 +9873,7 @@
               <a:t>&lt;</a:t>
             </a:r>
             <a:r>
-              <a:rPr lang="en-US" sz="1400" dirty="0" err="1">
+              <a:rPr lang="en-US" sz="1400" dirty="0" err="1" smtClean="0">
                 <a:solidFill>
                   <a:srgbClr val="2B91AF"/>
                 </a:solidFill>
@@ -8776,7 +9884,7 @@
               <a:t>shared_ptr</a:t>
             </a:r>
             <a:r>
-              <a:rPr lang="en-US" sz="1400" dirty="0">
+              <a:rPr lang="en-US" sz="1400" dirty="0" smtClean="0">
                 <a:solidFill>
                   <a:srgbClr val="000000"/>
                 </a:solidFill>
@@ -8787,7 +9895,7 @@
               <a:t>&lt;</a:t>
             </a:r>
             <a:r>
-              <a:rPr lang="en-US" sz="1400" dirty="0" err="1">
+              <a:rPr lang="en-US" sz="1400" dirty="0" err="1" smtClean="0">
                 <a:solidFill>
                   <a:srgbClr val="2B91AF"/>
                 </a:solidFill>
@@ -8798,37 +9906,15 @@
               <a:t>CShape</a:t>
             </a:r>
             <a:r>
-              <a:rPr lang="en-US" sz="1400" dirty="0">
-                <a:solidFill>
-                  <a:srgbClr val="000000"/>
-                </a:solidFill>
-                <a:latin typeface="Consolas" panose="020B0609020204030204" pitchFamily="49" charset="0"/>
-                <a:ea typeface="Calibri" panose="020F0502020204030204" pitchFamily="34" charset="0"/>
-                <a:cs typeface="Consolas" panose="020B0609020204030204" pitchFamily="49" charset="0"/>
-              </a:rPr>
-              <a:t>&gt;&gt; </a:t>
-            </a:r>
-            <a:r>
-              <a:rPr lang="en-US" sz="1400" dirty="0">
-                <a:solidFill>
-                  <a:srgbClr val="2B91AF"/>
-                </a:solidFill>
-                <a:latin typeface="Consolas" panose="020B0609020204030204" pitchFamily="49" charset="0"/>
-                <a:ea typeface="Calibri" panose="020F0502020204030204" pitchFamily="34" charset="0"/>
-                <a:cs typeface="Consolas" panose="020B0609020204030204" pitchFamily="49" charset="0"/>
-              </a:rPr>
-              <a:t>Shapes</a:t>
-            </a:r>
-            <a:r>
-              <a:rPr lang="en-US" sz="1400" dirty="0">
-                <a:solidFill>
-                  <a:srgbClr val="000000"/>
-                </a:solidFill>
-                <a:latin typeface="Consolas" panose="020B0609020204030204" pitchFamily="49" charset="0"/>
-                <a:ea typeface="Calibri" panose="020F0502020204030204" pitchFamily="34" charset="0"/>
-                <a:cs typeface="Consolas" panose="020B0609020204030204" pitchFamily="49" charset="0"/>
-              </a:rPr>
-              <a:t>;</a:t>
+              <a:rPr lang="en-US" sz="1400" dirty="0" smtClean="0">
+                <a:solidFill>
+                  <a:srgbClr val="000000"/>
+                </a:solidFill>
+                <a:latin typeface="Consolas" panose="020B0609020204030204" pitchFamily="49" charset="0"/>
+                <a:ea typeface="Calibri" panose="020F0502020204030204" pitchFamily="34" charset="0"/>
+                <a:cs typeface="Consolas" panose="020B0609020204030204" pitchFamily="49" charset="0"/>
+              </a:rPr>
+              <a:t>&gt;&gt;;</a:t>
             </a:r>
             <a:endParaRPr lang="ru-RU" sz="1400" dirty="0">
               <a:latin typeface="Consolas" panose="020B0609020204030204" pitchFamily="49" charset="0"/>
@@ -10114,7 +11200,790 @@
   <p:timing>
     <p:tnLst>
       <p:par>
-        <p:cTn id="1" dur="indefinite" restart="never" nodeType="tmRoot"/>
+        <p:cTn id="1" dur="indefinite" restart="never" nodeType="tmRoot">
+          <p:childTnLst>
+            <p:seq concurrent="1" nextAc="seek">
+              <p:cTn id="2" dur="indefinite" nodeType="mainSeq">
+                <p:childTnLst>
+                  <p:par>
+                    <p:cTn id="3" fill="hold">
+                      <p:stCondLst>
+                        <p:cond delay="indefinite"/>
+                      </p:stCondLst>
+                      <p:childTnLst>
+                        <p:par>
+                          <p:cTn id="4" fill="hold">
+                            <p:stCondLst>
+                              <p:cond delay="0"/>
+                            </p:stCondLst>
+                            <p:childTnLst>
+                              <p:par>
+                                <p:cTn id="5" presetID="10" presetClass="entr" presetSubtype="0" fill="hold" nodeType="clickEffect">
+                                  <p:stCondLst>
+                                    <p:cond delay="0"/>
+                                  </p:stCondLst>
+                                  <p:childTnLst>
+                                    <p:set>
+                                      <p:cBhvr>
+                                        <p:cTn id="6" dur="1" fill="hold">
+                                          <p:stCondLst>
+                                            <p:cond delay="0"/>
+                                          </p:stCondLst>
+                                        </p:cTn>
+                                        <p:tgtEl>
+                                          <p:spTgt spid="2">
+                                            <p:txEl>
+                                              <p:pRg st="5" end="5"/>
+                                            </p:txEl>
+                                          </p:spTgt>
+                                        </p:tgtEl>
+                                        <p:attrNameLst>
+                                          <p:attrName>style.visibility</p:attrName>
+                                        </p:attrNameLst>
+                                      </p:cBhvr>
+                                      <p:to>
+                                        <p:strVal val="visible"/>
+                                      </p:to>
+                                    </p:set>
+                                    <p:animEffect transition="in" filter="fade">
+                                      <p:cBhvr>
+                                        <p:cTn id="7" dur="500"/>
+                                        <p:tgtEl>
+                                          <p:spTgt spid="2">
+                                            <p:txEl>
+                                              <p:pRg st="5" end="5"/>
+                                            </p:txEl>
+                                          </p:spTgt>
+                                        </p:tgtEl>
+                                      </p:cBhvr>
+                                    </p:animEffect>
+                                  </p:childTnLst>
+                                </p:cTn>
+                              </p:par>
+                              <p:par>
+                                <p:cTn id="8" presetID="10" presetClass="entr" presetSubtype="0" fill="hold" nodeType="withEffect">
+                                  <p:stCondLst>
+                                    <p:cond delay="0"/>
+                                  </p:stCondLst>
+                                  <p:childTnLst>
+                                    <p:set>
+                                      <p:cBhvr>
+                                        <p:cTn id="9" dur="1" fill="hold">
+                                          <p:stCondLst>
+                                            <p:cond delay="0"/>
+                                          </p:stCondLst>
+                                        </p:cTn>
+                                        <p:tgtEl>
+                                          <p:spTgt spid="2">
+                                            <p:txEl>
+                                              <p:pRg st="6" end="6"/>
+                                            </p:txEl>
+                                          </p:spTgt>
+                                        </p:tgtEl>
+                                        <p:attrNameLst>
+                                          <p:attrName>style.visibility</p:attrName>
+                                        </p:attrNameLst>
+                                      </p:cBhvr>
+                                      <p:to>
+                                        <p:strVal val="visible"/>
+                                      </p:to>
+                                    </p:set>
+                                    <p:animEffect transition="in" filter="fade">
+                                      <p:cBhvr>
+                                        <p:cTn id="10" dur="500"/>
+                                        <p:tgtEl>
+                                          <p:spTgt spid="2">
+                                            <p:txEl>
+                                              <p:pRg st="6" end="6"/>
+                                            </p:txEl>
+                                          </p:spTgt>
+                                        </p:tgtEl>
+                                      </p:cBhvr>
+                                    </p:animEffect>
+                                  </p:childTnLst>
+                                </p:cTn>
+                              </p:par>
+                              <p:par>
+                                <p:cTn id="11" presetID="10" presetClass="entr" presetSubtype="0" fill="hold" nodeType="withEffect">
+                                  <p:stCondLst>
+                                    <p:cond delay="0"/>
+                                  </p:stCondLst>
+                                  <p:childTnLst>
+                                    <p:set>
+                                      <p:cBhvr>
+                                        <p:cTn id="12" dur="1" fill="hold">
+                                          <p:stCondLst>
+                                            <p:cond delay="0"/>
+                                          </p:stCondLst>
+                                        </p:cTn>
+                                        <p:tgtEl>
+                                          <p:spTgt spid="2">
+                                            <p:txEl>
+                                              <p:pRg st="7" end="7"/>
+                                            </p:txEl>
+                                          </p:spTgt>
+                                        </p:tgtEl>
+                                        <p:attrNameLst>
+                                          <p:attrName>style.visibility</p:attrName>
+                                        </p:attrNameLst>
+                                      </p:cBhvr>
+                                      <p:to>
+                                        <p:strVal val="visible"/>
+                                      </p:to>
+                                    </p:set>
+                                    <p:animEffect transition="in" filter="fade">
+                                      <p:cBhvr>
+                                        <p:cTn id="13" dur="500"/>
+                                        <p:tgtEl>
+                                          <p:spTgt spid="2">
+                                            <p:txEl>
+                                              <p:pRg st="7" end="7"/>
+                                            </p:txEl>
+                                          </p:spTgt>
+                                        </p:tgtEl>
+                                      </p:cBhvr>
+                                    </p:animEffect>
+                                  </p:childTnLst>
+                                </p:cTn>
+                              </p:par>
+                              <p:par>
+                                <p:cTn id="14" presetID="10" presetClass="entr" presetSubtype="0" fill="hold" nodeType="withEffect">
+                                  <p:stCondLst>
+                                    <p:cond delay="0"/>
+                                  </p:stCondLst>
+                                  <p:childTnLst>
+                                    <p:set>
+                                      <p:cBhvr>
+                                        <p:cTn id="15" dur="1" fill="hold">
+                                          <p:stCondLst>
+                                            <p:cond delay="0"/>
+                                          </p:stCondLst>
+                                        </p:cTn>
+                                        <p:tgtEl>
+                                          <p:spTgt spid="2">
+                                            <p:txEl>
+                                              <p:pRg st="8" end="8"/>
+                                            </p:txEl>
+                                          </p:spTgt>
+                                        </p:tgtEl>
+                                        <p:attrNameLst>
+                                          <p:attrName>style.visibility</p:attrName>
+                                        </p:attrNameLst>
+                                      </p:cBhvr>
+                                      <p:to>
+                                        <p:strVal val="visible"/>
+                                      </p:to>
+                                    </p:set>
+                                    <p:animEffect transition="in" filter="fade">
+                                      <p:cBhvr>
+                                        <p:cTn id="16" dur="500"/>
+                                        <p:tgtEl>
+                                          <p:spTgt spid="2">
+                                            <p:txEl>
+                                              <p:pRg st="8" end="8"/>
+                                            </p:txEl>
+                                          </p:spTgt>
+                                        </p:tgtEl>
+                                      </p:cBhvr>
+                                    </p:animEffect>
+                                  </p:childTnLst>
+                                </p:cTn>
+                              </p:par>
+                            </p:childTnLst>
+                          </p:cTn>
+                        </p:par>
+                      </p:childTnLst>
+                    </p:cTn>
+                  </p:par>
+                  <p:par>
+                    <p:cTn id="17" fill="hold">
+                      <p:stCondLst>
+                        <p:cond delay="indefinite"/>
+                      </p:stCondLst>
+                      <p:childTnLst>
+                        <p:par>
+                          <p:cTn id="18" fill="hold">
+                            <p:stCondLst>
+                              <p:cond delay="0"/>
+                            </p:stCondLst>
+                            <p:childTnLst>
+                              <p:par>
+                                <p:cTn id="19" presetID="10" presetClass="entr" presetSubtype="0" fill="hold" nodeType="clickEffect">
+                                  <p:stCondLst>
+                                    <p:cond delay="0"/>
+                                  </p:stCondLst>
+                                  <p:childTnLst>
+                                    <p:set>
+                                      <p:cBhvr>
+                                        <p:cTn id="20" dur="1" fill="hold">
+                                          <p:stCondLst>
+                                            <p:cond delay="0"/>
+                                          </p:stCondLst>
+                                        </p:cTn>
+                                        <p:tgtEl>
+                                          <p:spTgt spid="2">
+                                            <p:txEl>
+                                              <p:pRg st="9" end="9"/>
+                                            </p:txEl>
+                                          </p:spTgt>
+                                        </p:tgtEl>
+                                        <p:attrNameLst>
+                                          <p:attrName>style.visibility</p:attrName>
+                                        </p:attrNameLst>
+                                      </p:cBhvr>
+                                      <p:to>
+                                        <p:strVal val="visible"/>
+                                      </p:to>
+                                    </p:set>
+                                    <p:animEffect transition="in" filter="fade">
+                                      <p:cBhvr>
+                                        <p:cTn id="21" dur="500"/>
+                                        <p:tgtEl>
+                                          <p:spTgt spid="2">
+                                            <p:txEl>
+                                              <p:pRg st="9" end="9"/>
+                                            </p:txEl>
+                                          </p:spTgt>
+                                        </p:tgtEl>
+                                      </p:cBhvr>
+                                    </p:animEffect>
+                                  </p:childTnLst>
+                                </p:cTn>
+                              </p:par>
+                              <p:par>
+                                <p:cTn id="22" presetID="10" presetClass="entr" presetSubtype="0" fill="hold" nodeType="withEffect">
+                                  <p:stCondLst>
+                                    <p:cond delay="0"/>
+                                  </p:stCondLst>
+                                  <p:childTnLst>
+                                    <p:set>
+                                      <p:cBhvr>
+                                        <p:cTn id="23" dur="1" fill="hold">
+                                          <p:stCondLst>
+                                            <p:cond delay="0"/>
+                                          </p:stCondLst>
+                                        </p:cTn>
+                                        <p:tgtEl>
+                                          <p:spTgt spid="2">
+                                            <p:txEl>
+                                              <p:pRg st="10" end="10"/>
+                                            </p:txEl>
+                                          </p:spTgt>
+                                        </p:tgtEl>
+                                        <p:attrNameLst>
+                                          <p:attrName>style.visibility</p:attrName>
+                                        </p:attrNameLst>
+                                      </p:cBhvr>
+                                      <p:to>
+                                        <p:strVal val="visible"/>
+                                      </p:to>
+                                    </p:set>
+                                    <p:animEffect transition="in" filter="fade">
+                                      <p:cBhvr>
+                                        <p:cTn id="24" dur="500"/>
+                                        <p:tgtEl>
+                                          <p:spTgt spid="2">
+                                            <p:txEl>
+                                              <p:pRg st="10" end="10"/>
+                                            </p:txEl>
+                                          </p:spTgt>
+                                        </p:tgtEl>
+                                      </p:cBhvr>
+                                    </p:animEffect>
+                                  </p:childTnLst>
+                                </p:cTn>
+                              </p:par>
+                              <p:par>
+                                <p:cTn id="25" presetID="10" presetClass="entr" presetSubtype="0" fill="hold" nodeType="withEffect">
+                                  <p:stCondLst>
+                                    <p:cond delay="0"/>
+                                  </p:stCondLst>
+                                  <p:childTnLst>
+                                    <p:set>
+                                      <p:cBhvr>
+                                        <p:cTn id="26" dur="1" fill="hold">
+                                          <p:stCondLst>
+                                            <p:cond delay="0"/>
+                                          </p:stCondLst>
+                                        </p:cTn>
+                                        <p:tgtEl>
+                                          <p:spTgt spid="2">
+                                            <p:txEl>
+                                              <p:pRg st="11" end="11"/>
+                                            </p:txEl>
+                                          </p:spTgt>
+                                        </p:tgtEl>
+                                        <p:attrNameLst>
+                                          <p:attrName>style.visibility</p:attrName>
+                                        </p:attrNameLst>
+                                      </p:cBhvr>
+                                      <p:to>
+                                        <p:strVal val="visible"/>
+                                      </p:to>
+                                    </p:set>
+                                    <p:animEffect transition="in" filter="fade">
+                                      <p:cBhvr>
+                                        <p:cTn id="27" dur="500"/>
+                                        <p:tgtEl>
+                                          <p:spTgt spid="2">
+                                            <p:txEl>
+                                              <p:pRg st="11" end="11"/>
+                                            </p:txEl>
+                                          </p:spTgt>
+                                        </p:tgtEl>
+                                      </p:cBhvr>
+                                    </p:animEffect>
+                                  </p:childTnLst>
+                                </p:cTn>
+                              </p:par>
+                              <p:par>
+                                <p:cTn id="28" presetID="10" presetClass="entr" presetSubtype="0" fill="hold" nodeType="withEffect">
+                                  <p:stCondLst>
+                                    <p:cond delay="0"/>
+                                  </p:stCondLst>
+                                  <p:childTnLst>
+                                    <p:set>
+                                      <p:cBhvr>
+                                        <p:cTn id="29" dur="1" fill="hold">
+                                          <p:stCondLst>
+                                            <p:cond delay="0"/>
+                                          </p:stCondLst>
+                                        </p:cTn>
+                                        <p:tgtEl>
+                                          <p:spTgt spid="2">
+                                            <p:txEl>
+                                              <p:pRg st="12" end="12"/>
+                                            </p:txEl>
+                                          </p:spTgt>
+                                        </p:tgtEl>
+                                        <p:attrNameLst>
+                                          <p:attrName>style.visibility</p:attrName>
+                                        </p:attrNameLst>
+                                      </p:cBhvr>
+                                      <p:to>
+                                        <p:strVal val="visible"/>
+                                      </p:to>
+                                    </p:set>
+                                    <p:animEffect transition="in" filter="fade">
+                                      <p:cBhvr>
+                                        <p:cTn id="30" dur="500"/>
+                                        <p:tgtEl>
+                                          <p:spTgt spid="2">
+                                            <p:txEl>
+                                              <p:pRg st="12" end="12"/>
+                                            </p:txEl>
+                                          </p:spTgt>
+                                        </p:tgtEl>
+                                      </p:cBhvr>
+                                    </p:animEffect>
+                                  </p:childTnLst>
+                                </p:cTn>
+                              </p:par>
+                            </p:childTnLst>
+                          </p:cTn>
+                        </p:par>
+                      </p:childTnLst>
+                    </p:cTn>
+                  </p:par>
+                  <p:par>
+                    <p:cTn id="31" fill="hold">
+                      <p:stCondLst>
+                        <p:cond delay="indefinite"/>
+                      </p:stCondLst>
+                      <p:childTnLst>
+                        <p:par>
+                          <p:cTn id="32" fill="hold">
+                            <p:stCondLst>
+                              <p:cond delay="0"/>
+                            </p:stCondLst>
+                            <p:childTnLst>
+                              <p:par>
+                                <p:cTn id="33" presetID="10" presetClass="entr" presetSubtype="0" fill="hold" nodeType="clickEffect">
+                                  <p:stCondLst>
+                                    <p:cond delay="0"/>
+                                  </p:stCondLst>
+                                  <p:childTnLst>
+                                    <p:set>
+                                      <p:cBhvr>
+                                        <p:cTn id="34" dur="1" fill="hold">
+                                          <p:stCondLst>
+                                            <p:cond delay="0"/>
+                                          </p:stCondLst>
+                                        </p:cTn>
+                                        <p:tgtEl>
+                                          <p:spTgt spid="2">
+                                            <p:txEl>
+                                              <p:pRg st="13" end="13"/>
+                                            </p:txEl>
+                                          </p:spTgt>
+                                        </p:tgtEl>
+                                        <p:attrNameLst>
+                                          <p:attrName>style.visibility</p:attrName>
+                                        </p:attrNameLst>
+                                      </p:cBhvr>
+                                      <p:to>
+                                        <p:strVal val="visible"/>
+                                      </p:to>
+                                    </p:set>
+                                    <p:animEffect transition="in" filter="fade">
+                                      <p:cBhvr>
+                                        <p:cTn id="35" dur="500"/>
+                                        <p:tgtEl>
+                                          <p:spTgt spid="2">
+                                            <p:txEl>
+                                              <p:pRg st="13" end="13"/>
+                                            </p:txEl>
+                                          </p:spTgt>
+                                        </p:tgtEl>
+                                      </p:cBhvr>
+                                    </p:animEffect>
+                                  </p:childTnLst>
+                                </p:cTn>
+                              </p:par>
+                              <p:par>
+                                <p:cTn id="36" presetID="10" presetClass="entr" presetSubtype="0" fill="hold" nodeType="withEffect">
+                                  <p:stCondLst>
+                                    <p:cond delay="0"/>
+                                  </p:stCondLst>
+                                  <p:childTnLst>
+                                    <p:set>
+                                      <p:cBhvr>
+                                        <p:cTn id="37" dur="1" fill="hold">
+                                          <p:stCondLst>
+                                            <p:cond delay="0"/>
+                                          </p:stCondLst>
+                                        </p:cTn>
+                                        <p:tgtEl>
+                                          <p:spTgt spid="2">
+                                            <p:txEl>
+                                              <p:pRg st="14" end="14"/>
+                                            </p:txEl>
+                                          </p:spTgt>
+                                        </p:tgtEl>
+                                        <p:attrNameLst>
+                                          <p:attrName>style.visibility</p:attrName>
+                                        </p:attrNameLst>
+                                      </p:cBhvr>
+                                      <p:to>
+                                        <p:strVal val="visible"/>
+                                      </p:to>
+                                    </p:set>
+                                    <p:animEffect transition="in" filter="fade">
+                                      <p:cBhvr>
+                                        <p:cTn id="38" dur="500"/>
+                                        <p:tgtEl>
+                                          <p:spTgt spid="2">
+                                            <p:txEl>
+                                              <p:pRg st="14" end="14"/>
+                                            </p:txEl>
+                                          </p:spTgt>
+                                        </p:tgtEl>
+                                      </p:cBhvr>
+                                    </p:animEffect>
+                                  </p:childTnLst>
+                                </p:cTn>
+                              </p:par>
+                              <p:par>
+                                <p:cTn id="39" presetID="10" presetClass="entr" presetSubtype="0" fill="hold" nodeType="withEffect">
+                                  <p:stCondLst>
+                                    <p:cond delay="0"/>
+                                  </p:stCondLst>
+                                  <p:childTnLst>
+                                    <p:set>
+                                      <p:cBhvr>
+                                        <p:cTn id="40" dur="1" fill="hold">
+                                          <p:stCondLst>
+                                            <p:cond delay="0"/>
+                                          </p:stCondLst>
+                                        </p:cTn>
+                                        <p:tgtEl>
+                                          <p:spTgt spid="2">
+                                            <p:txEl>
+                                              <p:pRg st="15" end="15"/>
+                                            </p:txEl>
+                                          </p:spTgt>
+                                        </p:tgtEl>
+                                        <p:attrNameLst>
+                                          <p:attrName>style.visibility</p:attrName>
+                                        </p:attrNameLst>
+                                      </p:cBhvr>
+                                      <p:to>
+                                        <p:strVal val="visible"/>
+                                      </p:to>
+                                    </p:set>
+                                    <p:animEffect transition="in" filter="fade">
+                                      <p:cBhvr>
+                                        <p:cTn id="41" dur="500"/>
+                                        <p:tgtEl>
+                                          <p:spTgt spid="2">
+                                            <p:txEl>
+                                              <p:pRg st="15" end="15"/>
+                                            </p:txEl>
+                                          </p:spTgt>
+                                        </p:tgtEl>
+                                      </p:cBhvr>
+                                    </p:animEffect>
+                                  </p:childTnLst>
+                                </p:cTn>
+                              </p:par>
+                              <p:par>
+                                <p:cTn id="42" presetID="10" presetClass="entr" presetSubtype="0" fill="hold" nodeType="withEffect">
+                                  <p:stCondLst>
+                                    <p:cond delay="0"/>
+                                  </p:stCondLst>
+                                  <p:childTnLst>
+                                    <p:set>
+                                      <p:cBhvr>
+                                        <p:cTn id="43" dur="1" fill="hold">
+                                          <p:stCondLst>
+                                            <p:cond delay="0"/>
+                                          </p:stCondLst>
+                                        </p:cTn>
+                                        <p:tgtEl>
+                                          <p:spTgt spid="2">
+                                            <p:txEl>
+                                              <p:pRg st="16" end="16"/>
+                                            </p:txEl>
+                                          </p:spTgt>
+                                        </p:tgtEl>
+                                        <p:attrNameLst>
+                                          <p:attrName>style.visibility</p:attrName>
+                                        </p:attrNameLst>
+                                      </p:cBhvr>
+                                      <p:to>
+                                        <p:strVal val="visible"/>
+                                      </p:to>
+                                    </p:set>
+                                    <p:animEffect transition="in" filter="fade">
+                                      <p:cBhvr>
+                                        <p:cTn id="44" dur="500"/>
+                                        <p:tgtEl>
+                                          <p:spTgt spid="2">
+                                            <p:txEl>
+                                              <p:pRg st="16" end="16"/>
+                                            </p:txEl>
+                                          </p:spTgt>
+                                        </p:tgtEl>
+                                      </p:cBhvr>
+                                    </p:animEffect>
+                                  </p:childTnLst>
+                                </p:cTn>
+                              </p:par>
+                            </p:childTnLst>
+                          </p:cTn>
+                        </p:par>
+                      </p:childTnLst>
+                    </p:cTn>
+                  </p:par>
+                  <p:par>
+                    <p:cTn id="45" fill="hold">
+                      <p:stCondLst>
+                        <p:cond delay="indefinite"/>
+                      </p:stCondLst>
+                      <p:childTnLst>
+                        <p:par>
+                          <p:cTn id="46" fill="hold">
+                            <p:stCondLst>
+                              <p:cond delay="0"/>
+                            </p:stCondLst>
+                            <p:childTnLst>
+                              <p:par>
+                                <p:cTn id="47" presetID="10" presetClass="entr" presetSubtype="0" fill="hold" nodeType="clickEffect">
+                                  <p:stCondLst>
+                                    <p:cond delay="0"/>
+                                  </p:stCondLst>
+                                  <p:childTnLst>
+                                    <p:set>
+                                      <p:cBhvr>
+                                        <p:cTn id="48" dur="1" fill="hold">
+                                          <p:stCondLst>
+                                            <p:cond delay="0"/>
+                                          </p:stCondLst>
+                                        </p:cTn>
+                                        <p:tgtEl>
+                                          <p:spTgt spid="2">
+                                            <p:txEl>
+                                              <p:pRg st="17" end="17"/>
+                                            </p:txEl>
+                                          </p:spTgt>
+                                        </p:tgtEl>
+                                        <p:attrNameLst>
+                                          <p:attrName>style.visibility</p:attrName>
+                                        </p:attrNameLst>
+                                      </p:cBhvr>
+                                      <p:to>
+                                        <p:strVal val="visible"/>
+                                      </p:to>
+                                    </p:set>
+                                    <p:animEffect transition="in" filter="fade">
+                                      <p:cBhvr>
+                                        <p:cTn id="49" dur="500"/>
+                                        <p:tgtEl>
+                                          <p:spTgt spid="2">
+                                            <p:txEl>
+                                              <p:pRg st="17" end="17"/>
+                                            </p:txEl>
+                                          </p:spTgt>
+                                        </p:tgtEl>
+                                      </p:cBhvr>
+                                    </p:animEffect>
+                                  </p:childTnLst>
+                                </p:cTn>
+                              </p:par>
+                              <p:par>
+                                <p:cTn id="50" presetID="10" presetClass="entr" presetSubtype="0" fill="hold" nodeType="withEffect">
+                                  <p:stCondLst>
+                                    <p:cond delay="0"/>
+                                  </p:stCondLst>
+                                  <p:childTnLst>
+                                    <p:set>
+                                      <p:cBhvr>
+                                        <p:cTn id="51" dur="1" fill="hold">
+                                          <p:stCondLst>
+                                            <p:cond delay="0"/>
+                                          </p:stCondLst>
+                                        </p:cTn>
+                                        <p:tgtEl>
+                                          <p:spTgt spid="2">
+                                            <p:txEl>
+                                              <p:pRg st="18" end="18"/>
+                                            </p:txEl>
+                                          </p:spTgt>
+                                        </p:tgtEl>
+                                        <p:attrNameLst>
+                                          <p:attrName>style.visibility</p:attrName>
+                                        </p:attrNameLst>
+                                      </p:cBhvr>
+                                      <p:to>
+                                        <p:strVal val="visible"/>
+                                      </p:to>
+                                    </p:set>
+                                    <p:animEffect transition="in" filter="fade">
+                                      <p:cBhvr>
+                                        <p:cTn id="52" dur="500"/>
+                                        <p:tgtEl>
+                                          <p:spTgt spid="2">
+                                            <p:txEl>
+                                              <p:pRg st="18" end="18"/>
+                                            </p:txEl>
+                                          </p:spTgt>
+                                        </p:tgtEl>
+                                      </p:cBhvr>
+                                    </p:animEffect>
+                                  </p:childTnLst>
+                                </p:cTn>
+                              </p:par>
+                              <p:par>
+                                <p:cTn id="53" presetID="10" presetClass="entr" presetSubtype="0" fill="hold" nodeType="withEffect">
+                                  <p:stCondLst>
+                                    <p:cond delay="0"/>
+                                  </p:stCondLst>
+                                  <p:childTnLst>
+                                    <p:set>
+                                      <p:cBhvr>
+                                        <p:cTn id="54" dur="1" fill="hold">
+                                          <p:stCondLst>
+                                            <p:cond delay="0"/>
+                                          </p:stCondLst>
+                                        </p:cTn>
+                                        <p:tgtEl>
+                                          <p:spTgt spid="2">
+                                            <p:txEl>
+                                              <p:pRg st="19" end="19"/>
+                                            </p:txEl>
+                                          </p:spTgt>
+                                        </p:tgtEl>
+                                        <p:attrNameLst>
+                                          <p:attrName>style.visibility</p:attrName>
+                                        </p:attrNameLst>
+                                      </p:cBhvr>
+                                      <p:to>
+                                        <p:strVal val="visible"/>
+                                      </p:to>
+                                    </p:set>
+                                    <p:animEffect transition="in" filter="fade">
+                                      <p:cBhvr>
+                                        <p:cTn id="55" dur="500"/>
+                                        <p:tgtEl>
+                                          <p:spTgt spid="2">
+                                            <p:txEl>
+                                              <p:pRg st="19" end="19"/>
+                                            </p:txEl>
+                                          </p:spTgt>
+                                        </p:tgtEl>
+                                      </p:cBhvr>
+                                    </p:animEffect>
+                                  </p:childTnLst>
+                                </p:cTn>
+                              </p:par>
+                              <p:par>
+                                <p:cTn id="56" presetID="10" presetClass="entr" presetSubtype="0" fill="hold" nodeType="withEffect">
+                                  <p:stCondLst>
+                                    <p:cond delay="0"/>
+                                  </p:stCondLst>
+                                  <p:childTnLst>
+                                    <p:set>
+                                      <p:cBhvr>
+                                        <p:cTn id="57" dur="1" fill="hold">
+                                          <p:stCondLst>
+                                            <p:cond delay="0"/>
+                                          </p:stCondLst>
+                                        </p:cTn>
+                                        <p:tgtEl>
+                                          <p:spTgt spid="2">
+                                            <p:txEl>
+                                              <p:pRg st="20" end="20"/>
+                                            </p:txEl>
+                                          </p:spTgt>
+                                        </p:tgtEl>
+                                        <p:attrNameLst>
+                                          <p:attrName>style.visibility</p:attrName>
+                                        </p:attrNameLst>
+                                      </p:cBhvr>
+                                      <p:to>
+                                        <p:strVal val="visible"/>
+                                      </p:to>
+                                    </p:set>
+                                    <p:animEffect transition="in" filter="fade">
+                                      <p:cBhvr>
+                                        <p:cTn id="58" dur="500"/>
+                                        <p:tgtEl>
+                                          <p:spTgt spid="2">
+                                            <p:txEl>
+                                              <p:pRg st="20" end="20"/>
+                                            </p:txEl>
+                                          </p:spTgt>
+                                        </p:tgtEl>
+                                      </p:cBhvr>
+                                    </p:animEffect>
+                                  </p:childTnLst>
+                                </p:cTn>
+                              </p:par>
+                            </p:childTnLst>
+                          </p:cTn>
+                        </p:par>
+                      </p:childTnLst>
+                    </p:cTn>
+                  </p:par>
+                </p:childTnLst>
+              </p:cTn>
+              <p:prevCondLst>
+                <p:cond evt="onPrev" delay="0">
+                  <p:tgtEl>
+                    <p:sldTgt/>
+                  </p:tgtEl>
+                </p:cond>
+              </p:prevCondLst>
+              <p:nextCondLst>
+                <p:cond evt="onNext" delay="0">
+                  <p:tgtEl>
+                    <p:sldTgt/>
+                  </p:tgtEl>
+                </p:cond>
+              </p:nextCondLst>
+            </p:seq>
+          </p:childTnLst>
+        </p:cTn>
       </p:par>
     </p:tnLst>
   </p:timing>
@@ -12727,7 +14596,1030 @@
   <p:timing>
     <p:tnLst>
       <p:par>
-        <p:cTn id="1" dur="indefinite" restart="never" nodeType="tmRoot"/>
+        <p:cTn id="1" dur="indefinite" restart="never" nodeType="tmRoot">
+          <p:childTnLst>
+            <p:seq concurrent="1" nextAc="seek">
+              <p:cTn id="2" dur="indefinite" nodeType="mainSeq">
+                <p:childTnLst>
+                  <p:par>
+                    <p:cTn id="3" fill="hold">
+                      <p:stCondLst>
+                        <p:cond delay="indefinite"/>
+                      </p:stCondLst>
+                      <p:childTnLst>
+                        <p:par>
+                          <p:cTn id="4" fill="hold">
+                            <p:stCondLst>
+                              <p:cond delay="0"/>
+                            </p:stCondLst>
+                            <p:childTnLst>
+                              <p:par>
+                                <p:cTn id="5" presetID="10" presetClass="entr" presetSubtype="0" fill="hold" nodeType="clickEffect">
+                                  <p:stCondLst>
+                                    <p:cond delay="0"/>
+                                  </p:stCondLst>
+                                  <p:childTnLst>
+                                    <p:set>
+                                      <p:cBhvr>
+                                        <p:cTn id="6" dur="1" fill="hold">
+                                          <p:stCondLst>
+                                            <p:cond delay="0"/>
+                                          </p:stCondLst>
+                                        </p:cTn>
+                                        <p:tgtEl>
+                                          <p:spTgt spid="2">
+                                            <p:txEl>
+                                              <p:pRg st="7" end="7"/>
+                                            </p:txEl>
+                                          </p:spTgt>
+                                        </p:tgtEl>
+                                        <p:attrNameLst>
+                                          <p:attrName>style.visibility</p:attrName>
+                                        </p:attrNameLst>
+                                      </p:cBhvr>
+                                      <p:to>
+                                        <p:strVal val="visible"/>
+                                      </p:to>
+                                    </p:set>
+                                    <p:animEffect transition="in" filter="fade">
+                                      <p:cBhvr>
+                                        <p:cTn id="7" dur="500"/>
+                                        <p:tgtEl>
+                                          <p:spTgt spid="2">
+                                            <p:txEl>
+                                              <p:pRg st="7" end="7"/>
+                                            </p:txEl>
+                                          </p:spTgt>
+                                        </p:tgtEl>
+                                      </p:cBhvr>
+                                    </p:animEffect>
+                                  </p:childTnLst>
+                                </p:cTn>
+                              </p:par>
+                              <p:par>
+                                <p:cTn id="8" presetID="10" presetClass="entr" presetSubtype="0" fill="hold" nodeType="withEffect">
+                                  <p:stCondLst>
+                                    <p:cond delay="0"/>
+                                  </p:stCondLst>
+                                  <p:childTnLst>
+                                    <p:set>
+                                      <p:cBhvr>
+                                        <p:cTn id="9" dur="1" fill="hold">
+                                          <p:stCondLst>
+                                            <p:cond delay="0"/>
+                                          </p:stCondLst>
+                                        </p:cTn>
+                                        <p:tgtEl>
+                                          <p:spTgt spid="2">
+                                            <p:txEl>
+                                              <p:pRg st="8" end="8"/>
+                                            </p:txEl>
+                                          </p:spTgt>
+                                        </p:tgtEl>
+                                        <p:attrNameLst>
+                                          <p:attrName>style.visibility</p:attrName>
+                                        </p:attrNameLst>
+                                      </p:cBhvr>
+                                      <p:to>
+                                        <p:strVal val="visible"/>
+                                      </p:to>
+                                    </p:set>
+                                    <p:animEffect transition="in" filter="fade">
+                                      <p:cBhvr>
+                                        <p:cTn id="10" dur="500"/>
+                                        <p:tgtEl>
+                                          <p:spTgt spid="2">
+                                            <p:txEl>
+                                              <p:pRg st="8" end="8"/>
+                                            </p:txEl>
+                                          </p:spTgt>
+                                        </p:tgtEl>
+                                      </p:cBhvr>
+                                    </p:animEffect>
+                                  </p:childTnLst>
+                                </p:cTn>
+                              </p:par>
+                              <p:par>
+                                <p:cTn id="11" presetID="10" presetClass="entr" presetSubtype="0" fill="hold" nodeType="withEffect">
+                                  <p:stCondLst>
+                                    <p:cond delay="0"/>
+                                  </p:stCondLst>
+                                  <p:childTnLst>
+                                    <p:set>
+                                      <p:cBhvr>
+                                        <p:cTn id="12" dur="1" fill="hold">
+                                          <p:stCondLst>
+                                            <p:cond delay="0"/>
+                                          </p:stCondLst>
+                                        </p:cTn>
+                                        <p:tgtEl>
+                                          <p:spTgt spid="2">
+                                            <p:txEl>
+                                              <p:pRg st="9" end="9"/>
+                                            </p:txEl>
+                                          </p:spTgt>
+                                        </p:tgtEl>
+                                        <p:attrNameLst>
+                                          <p:attrName>style.visibility</p:attrName>
+                                        </p:attrNameLst>
+                                      </p:cBhvr>
+                                      <p:to>
+                                        <p:strVal val="visible"/>
+                                      </p:to>
+                                    </p:set>
+                                    <p:animEffect transition="in" filter="fade">
+                                      <p:cBhvr>
+                                        <p:cTn id="13" dur="500"/>
+                                        <p:tgtEl>
+                                          <p:spTgt spid="2">
+                                            <p:txEl>
+                                              <p:pRg st="9" end="9"/>
+                                            </p:txEl>
+                                          </p:spTgt>
+                                        </p:tgtEl>
+                                      </p:cBhvr>
+                                    </p:animEffect>
+                                  </p:childTnLst>
+                                </p:cTn>
+                              </p:par>
+                              <p:par>
+                                <p:cTn id="14" presetID="10" presetClass="entr" presetSubtype="0" fill="hold" nodeType="withEffect">
+                                  <p:stCondLst>
+                                    <p:cond delay="0"/>
+                                  </p:stCondLst>
+                                  <p:childTnLst>
+                                    <p:set>
+                                      <p:cBhvr>
+                                        <p:cTn id="15" dur="1" fill="hold">
+                                          <p:stCondLst>
+                                            <p:cond delay="0"/>
+                                          </p:stCondLst>
+                                        </p:cTn>
+                                        <p:tgtEl>
+                                          <p:spTgt spid="2">
+                                            <p:txEl>
+                                              <p:pRg st="10" end="10"/>
+                                            </p:txEl>
+                                          </p:spTgt>
+                                        </p:tgtEl>
+                                        <p:attrNameLst>
+                                          <p:attrName>style.visibility</p:attrName>
+                                        </p:attrNameLst>
+                                      </p:cBhvr>
+                                      <p:to>
+                                        <p:strVal val="visible"/>
+                                      </p:to>
+                                    </p:set>
+                                    <p:animEffect transition="in" filter="fade">
+                                      <p:cBhvr>
+                                        <p:cTn id="16" dur="500"/>
+                                        <p:tgtEl>
+                                          <p:spTgt spid="2">
+                                            <p:txEl>
+                                              <p:pRg st="10" end="10"/>
+                                            </p:txEl>
+                                          </p:spTgt>
+                                        </p:tgtEl>
+                                      </p:cBhvr>
+                                    </p:animEffect>
+                                  </p:childTnLst>
+                                </p:cTn>
+                              </p:par>
+                              <p:par>
+                                <p:cTn id="17" presetID="10" presetClass="entr" presetSubtype="0" fill="hold" nodeType="withEffect">
+                                  <p:stCondLst>
+                                    <p:cond delay="0"/>
+                                  </p:stCondLst>
+                                  <p:childTnLst>
+                                    <p:set>
+                                      <p:cBhvr>
+                                        <p:cTn id="18" dur="1" fill="hold">
+                                          <p:stCondLst>
+                                            <p:cond delay="0"/>
+                                          </p:stCondLst>
+                                        </p:cTn>
+                                        <p:tgtEl>
+                                          <p:spTgt spid="2">
+                                            <p:txEl>
+                                              <p:pRg st="11" end="11"/>
+                                            </p:txEl>
+                                          </p:spTgt>
+                                        </p:tgtEl>
+                                        <p:attrNameLst>
+                                          <p:attrName>style.visibility</p:attrName>
+                                        </p:attrNameLst>
+                                      </p:cBhvr>
+                                      <p:to>
+                                        <p:strVal val="visible"/>
+                                      </p:to>
+                                    </p:set>
+                                    <p:animEffect transition="in" filter="fade">
+                                      <p:cBhvr>
+                                        <p:cTn id="19" dur="500"/>
+                                        <p:tgtEl>
+                                          <p:spTgt spid="2">
+                                            <p:txEl>
+                                              <p:pRg st="11" end="11"/>
+                                            </p:txEl>
+                                          </p:spTgt>
+                                        </p:tgtEl>
+                                      </p:cBhvr>
+                                    </p:animEffect>
+                                  </p:childTnLst>
+                                </p:cTn>
+                              </p:par>
+                              <p:par>
+                                <p:cTn id="20" presetID="10" presetClass="entr" presetSubtype="0" fill="hold" nodeType="withEffect">
+                                  <p:stCondLst>
+                                    <p:cond delay="0"/>
+                                  </p:stCondLst>
+                                  <p:childTnLst>
+                                    <p:set>
+                                      <p:cBhvr>
+                                        <p:cTn id="21" dur="1" fill="hold">
+                                          <p:stCondLst>
+                                            <p:cond delay="0"/>
+                                          </p:stCondLst>
+                                        </p:cTn>
+                                        <p:tgtEl>
+                                          <p:spTgt spid="2">
+                                            <p:txEl>
+                                              <p:pRg st="12" end="12"/>
+                                            </p:txEl>
+                                          </p:spTgt>
+                                        </p:tgtEl>
+                                        <p:attrNameLst>
+                                          <p:attrName>style.visibility</p:attrName>
+                                        </p:attrNameLst>
+                                      </p:cBhvr>
+                                      <p:to>
+                                        <p:strVal val="visible"/>
+                                      </p:to>
+                                    </p:set>
+                                    <p:animEffect transition="in" filter="fade">
+                                      <p:cBhvr>
+                                        <p:cTn id="22" dur="500"/>
+                                        <p:tgtEl>
+                                          <p:spTgt spid="2">
+                                            <p:txEl>
+                                              <p:pRg st="12" end="12"/>
+                                            </p:txEl>
+                                          </p:spTgt>
+                                        </p:tgtEl>
+                                      </p:cBhvr>
+                                    </p:animEffect>
+                                  </p:childTnLst>
+                                </p:cTn>
+                              </p:par>
+                            </p:childTnLst>
+                          </p:cTn>
+                        </p:par>
+                      </p:childTnLst>
+                    </p:cTn>
+                  </p:par>
+                  <p:par>
+                    <p:cTn id="23" fill="hold">
+                      <p:stCondLst>
+                        <p:cond delay="indefinite"/>
+                      </p:stCondLst>
+                      <p:childTnLst>
+                        <p:par>
+                          <p:cTn id="24" fill="hold">
+                            <p:stCondLst>
+                              <p:cond delay="0"/>
+                            </p:stCondLst>
+                            <p:childTnLst>
+                              <p:par>
+                                <p:cTn id="25" presetID="10" presetClass="entr" presetSubtype="0" fill="hold" nodeType="clickEffect">
+                                  <p:stCondLst>
+                                    <p:cond delay="0"/>
+                                  </p:stCondLst>
+                                  <p:childTnLst>
+                                    <p:set>
+                                      <p:cBhvr>
+                                        <p:cTn id="26" dur="1" fill="hold">
+                                          <p:stCondLst>
+                                            <p:cond delay="0"/>
+                                          </p:stCondLst>
+                                        </p:cTn>
+                                        <p:tgtEl>
+                                          <p:spTgt spid="2">
+                                            <p:txEl>
+                                              <p:pRg st="14" end="14"/>
+                                            </p:txEl>
+                                          </p:spTgt>
+                                        </p:tgtEl>
+                                        <p:attrNameLst>
+                                          <p:attrName>style.visibility</p:attrName>
+                                        </p:attrNameLst>
+                                      </p:cBhvr>
+                                      <p:to>
+                                        <p:strVal val="visible"/>
+                                      </p:to>
+                                    </p:set>
+                                    <p:animEffect transition="in" filter="fade">
+                                      <p:cBhvr>
+                                        <p:cTn id="27" dur="500"/>
+                                        <p:tgtEl>
+                                          <p:spTgt spid="2">
+                                            <p:txEl>
+                                              <p:pRg st="14" end="14"/>
+                                            </p:txEl>
+                                          </p:spTgt>
+                                        </p:tgtEl>
+                                      </p:cBhvr>
+                                    </p:animEffect>
+                                  </p:childTnLst>
+                                </p:cTn>
+                              </p:par>
+                              <p:par>
+                                <p:cTn id="28" presetID="10" presetClass="entr" presetSubtype="0" fill="hold" nodeType="withEffect">
+                                  <p:stCondLst>
+                                    <p:cond delay="0"/>
+                                  </p:stCondLst>
+                                  <p:childTnLst>
+                                    <p:set>
+                                      <p:cBhvr>
+                                        <p:cTn id="29" dur="1" fill="hold">
+                                          <p:stCondLst>
+                                            <p:cond delay="0"/>
+                                          </p:stCondLst>
+                                        </p:cTn>
+                                        <p:tgtEl>
+                                          <p:spTgt spid="2">
+                                            <p:txEl>
+                                              <p:pRg st="15" end="15"/>
+                                            </p:txEl>
+                                          </p:spTgt>
+                                        </p:tgtEl>
+                                        <p:attrNameLst>
+                                          <p:attrName>style.visibility</p:attrName>
+                                        </p:attrNameLst>
+                                      </p:cBhvr>
+                                      <p:to>
+                                        <p:strVal val="visible"/>
+                                      </p:to>
+                                    </p:set>
+                                    <p:animEffect transition="in" filter="fade">
+                                      <p:cBhvr>
+                                        <p:cTn id="30" dur="500"/>
+                                        <p:tgtEl>
+                                          <p:spTgt spid="2">
+                                            <p:txEl>
+                                              <p:pRg st="15" end="15"/>
+                                            </p:txEl>
+                                          </p:spTgt>
+                                        </p:tgtEl>
+                                      </p:cBhvr>
+                                    </p:animEffect>
+                                  </p:childTnLst>
+                                </p:cTn>
+                              </p:par>
+                              <p:par>
+                                <p:cTn id="31" presetID="10" presetClass="entr" presetSubtype="0" fill="hold" nodeType="withEffect">
+                                  <p:stCondLst>
+                                    <p:cond delay="0"/>
+                                  </p:stCondLst>
+                                  <p:childTnLst>
+                                    <p:set>
+                                      <p:cBhvr>
+                                        <p:cTn id="32" dur="1" fill="hold">
+                                          <p:stCondLst>
+                                            <p:cond delay="0"/>
+                                          </p:stCondLst>
+                                        </p:cTn>
+                                        <p:tgtEl>
+                                          <p:spTgt spid="2">
+                                            <p:txEl>
+                                              <p:pRg st="16" end="16"/>
+                                            </p:txEl>
+                                          </p:spTgt>
+                                        </p:tgtEl>
+                                        <p:attrNameLst>
+                                          <p:attrName>style.visibility</p:attrName>
+                                        </p:attrNameLst>
+                                      </p:cBhvr>
+                                      <p:to>
+                                        <p:strVal val="visible"/>
+                                      </p:to>
+                                    </p:set>
+                                    <p:animEffect transition="in" filter="fade">
+                                      <p:cBhvr>
+                                        <p:cTn id="33" dur="500"/>
+                                        <p:tgtEl>
+                                          <p:spTgt spid="2">
+                                            <p:txEl>
+                                              <p:pRg st="16" end="16"/>
+                                            </p:txEl>
+                                          </p:spTgt>
+                                        </p:tgtEl>
+                                      </p:cBhvr>
+                                    </p:animEffect>
+                                  </p:childTnLst>
+                                </p:cTn>
+                              </p:par>
+                              <p:par>
+                                <p:cTn id="34" presetID="10" presetClass="entr" presetSubtype="0" fill="hold" nodeType="withEffect">
+                                  <p:stCondLst>
+                                    <p:cond delay="0"/>
+                                  </p:stCondLst>
+                                  <p:childTnLst>
+                                    <p:set>
+                                      <p:cBhvr>
+                                        <p:cTn id="35" dur="1" fill="hold">
+                                          <p:stCondLst>
+                                            <p:cond delay="0"/>
+                                          </p:stCondLst>
+                                        </p:cTn>
+                                        <p:tgtEl>
+                                          <p:spTgt spid="2">
+                                            <p:txEl>
+                                              <p:pRg st="17" end="17"/>
+                                            </p:txEl>
+                                          </p:spTgt>
+                                        </p:tgtEl>
+                                        <p:attrNameLst>
+                                          <p:attrName>style.visibility</p:attrName>
+                                        </p:attrNameLst>
+                                      </p:cBhvr>
+                                      <p:to>
+                                        <p:strVal val="visible"/>
+                                      </p:to>
+                                    </p:set>
+                                    <p:animEffect transition="in" filter="fade">
+                                      <p:cBhvr>
+                                        <p:cTn id="36" dur="500"/>
+                                        <p:tgtEl>
+                                          <p:spTgt spid="2">
+                                            <p:txEl>
+                                              <p:pRg st="17" end="17"/>
+                                            </p:txEl>
+                                          </p:spTgt>
+                                        </p:tgtEl>
+                                      </p:cBhvr>
+                                    </p:animEffect>
+                                  </p:childTnLst>
+                                </p:cTn>
+                              </p:par>
+                              <p:par>
+                                <p:cTn id="37" presetID="10" presetClass="entr" presetSubtype="0" fill="hold" nodeType="withEffect">
+                                  <p:stCondLst>
+                                    <p:cond delay="0"/>
+                                  </p:stCondLst>
+                                  <p:childTnLst>
+                                    <p:set>
+                                      <p:cBhvr>
+                                        <p:cTn id="38" dur="1" fill="hold">
+                                          <p:stCondLst>
+                                            <p:cond delay="0"/>
+                                          </p:stCondLst>
+                                        </p:cTn>
+                                        <p:tgtEl>
+                                          <p:spTgt spid="2">
+                                            <p:txEl>
+                                              <p:pRg st="18" end="18"/>
+                                            </p:txEl>
+                                          </p:spTgt>
+                                        </p:tgtEl>
+                                        <p:attrNameLst>
+                                          <p:attrName>style.visibility</p:attrName>
+                                        </p:attrNameLst>
+                                      </p:cBhvr>
+                                      <p:to>
+                                        <p:strVal val="visible"/>
+                                      </p:to>
+                                    </p:set>
+                                    <p:animEffect transition="in" filter="fade">
+                                      <p:cBhvr>
+                                        <p:cTn id="39" dur="500"/>
+                                        <p:tgtEl>
+                                          <p:spTgt spid="2">
+                                            <p:txEl>
+                                              <p:pRg st="18" end="18"/>
+                                            </p:txEl>
+                                          </p:spTgt>
+                                        </p:tgtEl>
+                                      </p:cBhvr>
+                                    </p:animEffect>
+                                  </p:childTnLst>
+                                </p:cTn>
+                              </p:par>
+                            </p:childTnLst>
+                          </p:cTn>
+                        </p:par>
+                      </p:childTnLst>
+                    </p:cTn>
+                  </p:par>
+                  <p:par>
+                    <p:cTn id="40" fill="hold">
+                      <p:stCondLst>
+                        <p:cond delay="indefinite"/>
+                      </p:stCondLst>
+                      <p:childTnLst>
+                        <p:par>
+                          <p:cTn id="41" fill="hold">
+                            <p:stCondLst>
+                              <p:cond delay="0"/>
+                            </p:stCondLst>
+                            <p:childTnLst>
+                              <p:par>
+                                <p:cTn id="42" presetID="10" presetClass="entr" presetSubtype="0" fill="hold" nodeType="clickEffect">
+                                  <p:stCondLst>
+                                    <p:cond delay="0"/>
+                                  </p:stCondLst>
+                                  <p:childTnLst>
+                                    <p:set>
+                                      <p:cBhvr>
+                                        <p:cTn id="43" dur="1" fill="hold">
+                                          <p:stCondLst>
+                                            <p:cond delay="0"/>
+                                          </p:stCondLst>
+                                        </p:cTn>
+                                        <p:tgtEl>
+                                          <p:spTgt spid="2">
+                                            <p:txEl>
+                                              <p:pRg st="20" end="20"/>
+                                            </p:txEl>
+                                          </p:spTgt>
+                                        </p:tgtEl>
+                                        <p:attrNameLst>
+                                          <p:attrName>style.visibility</p:attrName>
+                                        </p:attrNameLst>
+                                      </p:cBhvr>
+                                      <p:to>
+                                        <p:strVal val="visible"/>
+                                      </p:to>
+                                    </p:set>
+                                    <p:animEffect transition="in" filter="fade">
+                                      <p:cBhvr>
+                                        <p:cTn id="44" dur="500"/>
+                                        <p:tgtEl>
+                                          <p:spTgt spid="2">
+                                            <p:txEl>
+                                              <p:pRg st="20" end="20"/>
+                                            </p:txEl>
+                                          </p:spTgt>
+                                        </p:tgtEl>
+                                      </p:cBhvr>
+                                    </p:animEffect>
+                                  </p:childTnLst>
+                                </p:cTn>
+                              </p:par>
+                              <p:par>
+                                <p:cTn id="45" presetID="10" presetClass="entr" presetSubtype="0" fill="hold" nodeType="withEffect">
+                                  <p:stCondLst>
+                                    <p:cond delay="0"/>
+                                  </p:stCondLst>
+                                  <p:childTnLst>
+                                    <p:set>
+                                      <p:cBhvr>
+                                        <p:cTn id="46" dur="1" fill="hold">
+                                          <p:stCondLst>
+                                            <p:cond delay="0"/>
+                                          </p:stCondLst>
+                                        </p:cTn>
+                                        <p:tgtEl>
+                                          <p:spTgt spid="2">
+                                            <p:txEl>
+                                              <p:pRg st="21" end="21"/>
+                                            </p:txEl>
+                                          </p:spTgt>
+                                        </p:tgtEl>
+                                        <p:attrNameLst>
+                                          <p:attrName>style.visibility</p:attrName>
+                                        </p:attrNameLst>
+                                      </p:cBhvr>
+                                      <p:to>
+                                        <p:strVal val="visible"/>
+                                      </p:to>
+                                    </p:set>
+                                    <p:animEffect transition="in" filter="fade">
+                                      <p:cBhvr>
+                                        <p:cTn id="47" dur="500"/>
+                                        <p:tgtEl>
+                                          <p:spTgt spid="2">
+                                            <p:txEl>
+                                              <p:pRg st="21" end="21"/>
+                                            </p:txEl>
+                                          </p:spTgt>
+                                        </p:tgtEl>
+                                      </p:cBhvr>
+                                    </p:animEffect>
+                                  </p:childTnLst>
+                                </p:cTn>
+                              </p:par>
+                              <p:par>
+                                <p:cTn id="48" presetID="10" presetClass="entr" presetSubtype="0" fill="hold" nodeType="withEffect">
+                                  <p:stCondLst>
+                                    <p:cond delay="0"/>
+                                  </p:stCondLst>
+                                  <p:childTnLst>
+                                    <p:set>
+                                      <p:cBhvr>
+                                        <p:cTn id="49" dur="1" fill="hold">
+                                          <p:stCondLst>
+                                            <p:cond delay="0"/>
+                                          </p:stCondLst>
+                                        </p:cTn>
+                                        <p:tgtEl>
+                                          <p:spTgt spid="2">
+                                            <p:txEl>
+                                              <p:pRg st="22" end="22"/>
+                                            </p:txEl>
+                                          </p:spTgt>
+                                        </p:tgtEl>
+                                        <p:attrNameLst>
+                                          <p:attrName>style.visibility</p:attrName>
+                                        </p:attrNameLst>
+                                      </p:cBhvr>
+                                      <p:to>
+                                        <p:strVal val="visible"/>
+                                      </p:to>
+                                    </p:set>
+                                    <p:animEffect transition="in" filter="fade">
+                                      <p:cBhvr>
+                                        <p:cTn id="50" dur="500"/>
+                                        <p:tgtEl>
+                                          <p:spTgt spid="2">
+                                            <p:txEl>
+                                              <p:pRg st="22" end="22"/>
+                                            </p:txEl>
+                                          </p:spTgt>
+                                        </p:tgtEl>
+                                      </p:cBhvr>
+                                    </p:animEffect>
+                                  </p:childTnLst>
+                                </p:cTn>
+                              </p:par>
+                              <p:par>
+                                <p:cTn id="51" presetID="10" presetClass="entr" presetSubtype="0" fill="hold" nodeType="withEffect">
+                                  <p:stCondLst>
+                                    <p:cond delay="0"/>
+                                  </p:stCondLst>
+                                  <p:childTnLst>
+                                    <p:set>
+                                      <p:cBhvr>
+                                        <p:cTn id="52" dur="1" fill="hold">
+                                          <p:stCondLst>
+                                            <p:cond delay="0"/>
+                                          </p:stCondLst>
+                                        </p:cTn>
+                                        <p:tgtEl>
+                                          <p:spTgt spid="2">
+                                            <p:txEl>
+                                              <p:pRg st="23" end="23"/>
+                                            </p:txEl>
+                                          </p:spTgt>
+                                        </p:tgtEl>
+                                        <p:attrNameLst>
+                                          <p:attrName>style.visibility</p:attrName>
+                                        </p:attrNameLst>
+                                      </p:cBhvr>
+                                      <p:to>
+                                        <p:strVal val="visible"/>
+                                      </p:to>
+                                    </p:set>
+                                    <p:animEffect transition="in" filter="fade">
+                                      <p:cBhvr>
+                                        <p:cTn id="53" dur="500"/>
+                                        <p:tgtEl>
+                                          <p:spTgt spid="2">
+                                            <p:txEl>
+                                              <p:pRg st="23" end="23"/>
+                                            </p:txEl>
+                                          </p:spTgt>
+                                        </p:tgtEl>
+                                      </p:cBhvr>
+                                    </p:animEffect>
+                                  </p:childTnLst>
+                                </p:cTn>
+                              </p:par>
+                              <p:par>
+                                <p:cTn id="54" presetID="10" presetClass="entr" presetSubtype="0" fill="hold" nodeType="withEffect">
+                                  <p:stCondLst>
+                                    <p:cond delay="0"/>
+                                  </p:stCondLst>
+                                  <p:childTnLst>
+                                    <p:set>
+                                      <p:cBhvr>
+                                        <p:cTn id="55" dur="1" fill="hold">
+                                          <p:stCondLst>
+                                            <p:cond delay="0"/>
+                                          </p:stCondLst>
+                                        </p:cTn>
+                                        <p:tgtEl>
+                                          <p:spTgt spid="2">
+                                            <p:txEl>
+                                              <p:pRg st="24" end="24"/>
+                                            </p:txEl>
+                                          </p:spTgt>
+                                        </p:tgtEl>
+                                        <p:attrNameLst>
+                                          <p:attrName>style.visibility</p:attrName>
+                                        </p:attrNameLst>
+                                      </p:cBhvr>
+                                      <p:to>
+                                        <p:strVal val="visible"/>
+                                      </p:to>
+                                    </p:set>
+                                    <p:animEffect transition="in" filter="fade">
+                                      <p:cBhvr>
+                                        <p:cTn id="56" dur="500"/>
+                                        <p:tgtEl>
+                                          <p:spTgt spid="2">
+                                            <p:txEl>
+                                              <p:pRg st="24" end="24"/>
+                                            </p:txEl>
+                                          </p:spTgt>
+                                        </p:tgtEl>
+                                      </p:cBhvr>
+                                    </p:animEffect>
+                                  </p:childTnLst>
+                                </p:cTn>
+                              </p:par>
+                              <p:par>
+                                <p:cTn id="57" presetID="10" presetClass="entr" presetSubtype="0" fill="hold" nodeType="withEffect">
+                                  <p:stCondLst>
+                                    <p:cond delay="0"/>
+                                  </p:stCondLst>
+                                  <p:childTnLst>
+                                    <p:set>
+                                      <p:cBhvr>
+                                        <p:cTn id="58" dur="1" fill="hold">
+                                          <p:stCondLst>
+                                            <p:cond delay="0"/>
+                                          </p:stCondLst>
+                                        </p:cTn>
+                                        <p:tgtEl>
+                                          <p:spTgt spid="2">
+                                            <p:txEl>
+                                              <p:pRg st="25" end="25"/>
+                                            </p:txEl>
+                                          </p:spTgt>
+                                        </p:tgtEl>
+                                        <p:attrNameLst>
+                                          <p:attrName>style.visibility</p:attrName>
+                                        </p:attrNameLst>
+                                      </p:cBhvr>
+                                      <p:to>
+                                        <p:strVal val="visible"/>
+                                      </p:to>
+                                    </p:set>
+                                    <p:animEffect transition="in" filter="fade">
+                                      <p:cBhvr>
+                                        <p:cTn id="59" dur="500"/>
+                                        <p:tgtEl>
+                                          <p:spTgt spid="2">
+                                            <p:txEl>
+                                              <p:pRg st="25" end="25"/>
+                                            </p:txEl>
+                                          </p:spTgt>
+                                        </p:tgtEl>
+                                      </p:cBhvr>
+                                    </p:animEffect>
+                                  </p:childTnLst>
+                                </p:cTn>
+                              </p:par>
+                              <p:par>
+                                <p:cTn id="60" presetID="10" presetClass="entr" presetSubtype="0" fill="hold" nodeType="withEffect">
+                                  <p:stCondLst>
+                                    <p:cond delay="0"/>
+                                  </p:stCondLst>
+                                  <p:childTnLst>
+                                    <p:set>
+                                      <p:cBhvr>
+                                        <p:cTn id="61" dur="1" fill="hold">
+                                          <p:stCondLst>
+                                            <p:cond delay="0"/>
+                                          </p:stCondLst>
+                                        </p:cTn>
+                                        <p:tgtEl>
+                                          <p:spTgt spid="2">
+                                            <p:txEl>
+                                              <p:pRg st="26" end="26"/>
+                                            </p:txEl>
+                                          </p:spTgt>
+                                        </p:tgtEl>
+                                        <p:attrNameLst>
+                                          <p:attrName>style.visibility</p:attrName>
+                                        </p:attrNameLst>
+                                      </p:cBhvr>
+                                      <p:to>
+                                        <p:strVal val="visible"/>
+                                      </p:to>
+                                    </p:set>
+                                    <p:animEffect transition="in" filter="fade">
+                                      <p:cBhvr>
+                                        <p:cTn id="62" dur="500"/>
+                                        <p:tgtEl>
+                                          <p:spTgt spid="2">
+                                            <p:txEl>
+                                              <p:pRg st="26" end="26"/>
+                                            </p:txEl>
+                                          </p:spTgt>
+                                        </p:tgtEl>
+                                      </p:cBhvr>
+                                    </p:animEffect>
+                                  </p:childTnLst>
+                                </p:cTn>
+                              </p:par>
+                              <p:par>
+                                <p:cTn id="63" presetID="10" presetClass="entr" presetSubtype="0" fill="hold" nodeType="withEffect">
+                                  <p:stCondLst>
+                                    <p:cond delay="0"/>
+                                  </p:stCondLst>
+                                  <p:childTnLst>
+                                    <p:set>
+                                      <p:cBhvr>
+                                        <p:cTn id="64" dur="1" fill="hold">
+                                          <p:stCondLst>
+                                            <p:cond delay="0"/>
+                                          </p:stCondLst>
+                                        </p:cTn>
+                                        <p:tgtEl>
+                                          <p:spTgt spid="2">
+                                            <p:txEl>
+                                              <p:pRg st="27" end="27"/>
+                                            </p:txEl>
+                                          </p:spTgt>
+                                        </p:tgtEl>
+                                        <p:attrNameLst>
+                                          <p:attrName>style.visibility</p:attrName>
+                                        </p:attrNameLst>
+                                      </p:cBhvr>
+                                      <p:to>
+                                        <p:strVal val="visible"/>
+                                      </p:to>
+                                    </p:set>
+                                    <p:animEffect transition="in" filter="fade">
+                                      <p:cBhvr>
+                                        <p:cTn id="65" dur="500"/>
+                                        <p:tgtEl>
+                                          <p:spTgt spid="2">
+                                            <p:txEl>
+                                              <p:pRg st="27" end="27"/>
+                                            </p:txEl>
+                                          </p:spTgt>
+                                        </p:tgtEl>
+                                      </p:cBhvr>
+                                    </p:animEffect>
+                                  </p:childTnLst>
+                                </p:cTn>
+                              </p:par>
+                              <p:par>
+                                <p:cTn id="66" presetID="10" presetClass="entr" presetSubtype="0" fill="hold" nodeType="withEffect">
+                                  <p:stCondLst>
+                                    <p:cond delay="0"/>
+                                  </p:stCondLst>
+                                  <p:childTnLst>
+                                    <p:set>
+                                      <p:cBhvr>
+                                        <p:cTn id="67" dur="1" fill="hold">
+                                          <p:stCondLst>
+                                            <p:cond delay="0"/>
+                                          </p:stCondLst>
+                                        </p:cTn>
+                                        <p:tgtEl>
+                                          <p:spTgt spid="2">
+                                            <p:txEl>
+                                              <p:pRg st="28" end="28"/>
+                                            </p:txEl>
+                                          </p:spTgt>
+                                        </p:tgtEl>
+                                        <p:attrNameLst>
+                                          <p:attrName>style.visibility</p:attrName>
+                                        </p:attrNameLst>
+                                      </p:cBhvr>
+                                      <p:to>
+                                        <p:strVal val="visible"/>
+                                      </p:to>
+                                    </p:set>
+                                    <p:animEffect transition="in" filter="fade">
+                                      <p:cBhvr>
+                                        <p:cTn id="68" dur="500"/>
+                                        <p:tgtEl>
+                                          <p:spTgt spid="2">
+                                            <p:txEl>
+                                              <p:pRg st="28" end="28"/>
+                                            </p:txEl>
+                                          </p:spTgt>
+                                        </p:tgtEl>
+                                      </p:cBhvr>
+                                    </p:animEffect>
+                                  </p:childTnLst>
+                                </p:cTn>
+                              </p:par>
+                              <p:par>
+                                <p:cTn id="69" presetID="10" presetClass="entr" presetSubtype="0" fill="hold" nodeType="withEffect">
+                                  <p:stCondLst>
+                                    <p:cond delay="0"/>
+                                  </p:stCondLst>
+                                  <p:childTnLst>
+                                    <p:set>
+                                      <p:cBhvr>
+                                        <p:cTn id="70" dur="1" fill="hold">
+                                          <p:stCondLst>
+                                            <p:cond delay="0"/>
+                                          </p:stCondLst>
+                                        </p:cTn>
+                                        <p:tgtEl>
+                                          <p:spTgt spid="2">
+                                            <p:txEl>
+                                              <p:pRg st="29" end="29"/>
+                                            </p:txEl>
+                                          </p:spTgt>
+                                        </p:tgtEl>
+                                        <p:attrNameLst>
+                                          <p:attrName>style.visibility</p:attrName>
+                                        </p:attrNameLst>
+                                      </p:cBhvr>
+                                      <p:to>
+                                        <p:strVal val="visible"/>
+                                      </p:to>
+                                    </p:set>
+                                    <p:animEffect transition="in" filter="fade">
+                                      <p:cBhvr>
+                                        <p:cTn id="71" dur="500"/>
+                                        <p:tgtEl>
+                                          <p:spTgt spid="2">
+                                            <p:txEl>
+                                              <p:pRg st="29" end="29"/>
+                                            </p:txEl>
+                                          </p:spTgt>
+                                        </p:tgtEl>
+                                      </p:cBhvr>
+                                    </p:animEffect>
+                                  </p:childTnLst>
+                                </p:cTn>
+                              </p:par>
+                              <p:par>
+                                <p:cTn id="72" presetID="10" presetClass="entr" presetSubtype="0" fill="hold" nodeType="withEffect">
+                                  <p:stCondLst>
+                                    <p:cond delay="0"/>
+                                  </p:stCondLst>
+                                  <p:childTnLst>
+                                    <p:set>
+                                      <p:cBhvr>
+                                        <p:cTn id="73" dur="1" fill="hold">
+                                          <p:stCondLst>
+                                            <p:cond delay="0"/>
+                                          </p:stCondLst>
+                                        </p:cTn>
+                                        <p:tgtEl>
+                                          <p:spTgt spid="2">
+                                            <p:txEl>
+                                              <p:pRg st="30" end="30"/>
+                                            </p:txEl>
+                                          </p:spTgt>
+                                        </p:tgtEl>
+                                        <p:attrNameLst>
+                                          <p:attrName>style.visibility</p:attrName>
+                                        </p:attrNameLst>
+                                      </p:cBhvr>
+                                      <p:to>
+                                        <p:strVal val="visible"/>
+                                      </p:to>
+                                    </p:set>
+                                    <p:animEffect transition="in" filter="fade">
+                                      <p:cBhvr>
+                                        <p:cTn id="74" dur="500"/>
+                                        <p:tgtEl>
+                                          <p:spTgt spid="2">
+                                            <p:txEl>
+                                              <p:pRg st="30" end="30"/>
+                                            </p:txEl>
+                                          </p:spTgt>
+                                        </p:tgtEl>
+                                      </p:cBhvr>
+                                    </p:animEffect>
+                                  </p:childTnLst>
+                                </p:cTn>
+                              </p:par>
+                            </p:childTnLst>
+                          </p:cTn>
+                        </p:par>
+                      </p:childTnLst>
+                    </p:cTn>
+                  </p:par>
+                </p:childTnLst>
+              </p:cTn>
+              <p:prevCondLst>
+                <p:cond evt="onPrev" delay="0">
+                  <p:tgtEl>
+                    <p:sldTgt/>
+                  </p:tgtEl>
+                </p:cond>
+              </p:prevCondLst>
+              <p:nextCondLst>
+                <p:cond evt="onNext" delay="0">
+                  <p:tgtEl>
+                    <p:sldTgt/>
+                  </p:tgtEl>
+                </p:cond>
+              </p:nextCondLst>
+            </p:seq>
+          </p:childTnLst>
+        </p:cTn>
       </p:par>
     </p:tnLst>
   </p:timing>
@@ -14849,9 +17741,1346 @@
   <p:timing>
     <p:tnLst>
       <p:par>
-        <p:cTn id="1" dur="indefinite" restart="never" nodeType="tmRoot"/>
+        <p:cTn id="1" dur="indefinite" restart="never" nodeType="tmRoot">
+          <p:childTnLst>
+            <p:seq concurrent="1" nextAc="seek">
+              <p:cTn id="2" dur="indefinite" nodeType="mainSeq">
+                <p:childTnLst>
+                  <p:par>
+                    <p:cTn id="3" fill="hold">
+                      <p:stCondLst>
+                        <p:cond delay="indefinite"/>
+                      </p:stCondLst>
+                      <p:childTnLst>
+                        <p:par>
+                          <p:cTn id="4" fill="hold">
+                            <p:stCondLst>
+                              <p:cond delay="0"/>
+                            </p:stCondLst>
+                            <p:childTnLst>
+                              <p:par>
+                                <p:cTn id="5" presetID="10" presetClass="entr" presetSubtype="0" fill="hold" nodeType="clickEffect">
+                                  <p:stCondLst>
+                                    <p:cond delay="0"/>
+                                  </p:stCondLst>
+                                  <p:childTnLst>
+                                    <p:set>
+                                      <p:cBhvr>
+                                        <p:cTn id="6" dur="1" fill="hold">
+                                          <p:stCondLst>
+                                            <p:cond delay="0"/>
+                                          </p:stCondLst>
+                                        </p:cTn>
+                                        <p:tgtEl>
+                                          <p:spTgt spid="2">
+                                            <p:txEl>
+                                              <p:pRg st="0" end="0"/>
+                                            </p:txEl>
+                                          </p:spTgt>
+                                        </p:tgtEl>
+                                        <p:attrNameLst>
+                                          <p:attrName>style.visibility</p:attrName>
+                                        </p:attrNameLst>
+                                      </p:cBhvr>
+                                      <p:to>
+                                        <p:strVal val="visible"/>
+                                      </p:to>
+                                    </p:set>
+                                    <p:animEffect transition="in" filter="fade">
+                                      <p:cBhvr>
+                                        <p:cTn id="7" dur="500"/>
+                                        <p:tgtEl>
+                                          <p:spTgt spid="2">
+                                            <p:txEl>
+                                              <p:pRg st="0" end="0"/>
+                                            </p:txEl>
+                                          </p:spTgt>
+                                        </p:tgtEl>
+                                      </p:cBhvr>
+                                    </p:animEffect>
+                                  </p:childTnLst>
+                                </p:cTn>
+                              </p:par>
+                              <p:par>
+                                <p:cTn id="8" presetID="10" presetClass="entr" presetSubtype="0" fill="hold" nodeType="withEffect">
+                                  <p:stCondLst>
+                                    <p:cond delay="0"/>
+                                  </p:stCondLst>
+                                  <p:childTnLst>
+                                    <p:set>
+                                      <p:cBhvr>
+                                        <p:cTn id="9" dur="1" fill="hold">
+                                          <p:stCondLst>
+                                            <p:cond delay="0"/>
+                                          </p:stCondLst>
+                                        </p:cTn>
+                                        <p:tgtEl>
+                                          <p:spTgt spid="2">
+                                            <p:txEl>
+                                              <p:pRg st="1" end="1"/>
+                                            </p:txEl>
+                                          </p:spTgt>
+                                        </p:tgtEl>
+                                        <p:attrNameLst>
+                                          <p:attrName>style.visibility</p:attrName>
+                                        </p:attrNameLst>
+                                      </p:cBhvr>
+                                      <p:to>
+                                        <p:strVal val="visible"/>
+                                      </p:to>
+                                    </p:set>
+                                    <p:animEffect transition="in" filter="fade">
+                                      <p:cBhvr>
+                                        <p:cTn id="10" dur="500"/>
+                                        <p:tgtEl>
+                                          <p:spTgt spid="2">
+                                            <p:txEl>
+                                              <p:pRg st="1" end="1"/>
+                                            </p:txEl>
+                                          </p:spTgt>
+                                        </p:tgtEl>
+                                      </p:cBhvr>
+                                    </p:animEffect>
+                                  </p:childTnLst>
+                                </p:cTn>
+                              </p:par>
+                              <p:par>
+                                <p:cTn id="11" presetID="10" presetClass="entr" presetSubtype="0" fill="hold" nodeType="withEffect">
+                                  <p:stCondLst>
+                                    <p:cond delay="0"/>
+                                  </p:stCondLst>
+                                  <p:childTnLst>
+                                    <p:set>
+                                      <p:cBhvr>
+                                        <p:cTn id="12" dur="1" fill="hold">
+                                          <p:stCondLst>
+                                            <p:cond delay="0"/>
+                                          </p:stCondLst>
+                                        </p:cTn>
+                                        <p:tgtEl>
+                                          <p:spTgt spid="2">
+                                            <p:txEl>
+                                              <p:pRg st="2" end="2"/>
+                                            </p:txEl>
+                                          </p:spTgt>
+                                        </p:tgtEl>
+                                        <p:attrNameLst>
+                                          <p:attrName>style.visibility</p:attrName>
+                                        </p:attrNameLst>
+                                      </p:cBhvr>
+                                      <p:to>
+                                        <p:strVal val="visible"/>
+                                      </p:to>
+                                    </p:set>
+                                    <p:animEffect transition="in" filter="fade">
+                                      <p:cBhvr>
+                                        <p:cTn id="13" dur="500"/>
+                                        <p:tgtEl>
+                                          <p:spTgt spid="2">
+                                            <p:txEl>
+                                              <p:pRg st="2" end="2"/>
+                                            </p:txEl>
+                                          </p:spTgt>
+                                        </p:tgtEl>
+                                      </p:cBhvr>
+                                    </p:animEffect>
+                                  </p:childTnLst>
+                                </p:cTn>
+                              </p:par>
+                              <p:par>
+                                <p:cTn id="14" presetID="10" presetClass="entr" presetSubtype="0" fill="hold" nodeType="withEffect">
+                                  <p:stCondLst>
+                                    <p:cond delay="0"/>
+                                  </p:stCondLst>
+                                  <p:childTnLst>
+                                    <p:set>
+                                      <p:cBhvr>
+                                        <p:cTn id="15" dur="1" fill="hold">
+                                          <p:stCondLst>
+                                            <p:cond delay="0"/>
+                                          </p:stCondLst>
+                                        </p:cTn>
+                                        <p:tgtEl>
+                                          <p:spTgt spid="2">
+                                            <p:txEl>
+                                              <p:pRg st="3" end="3"/>
+                                            </p:txEl>
+                                          </p:spTgt>
+                                        </p:tgtEl>
+                                        <p:attrNameLst>
+                                          <p:attrName>style.visibility</p:attrName>
+                                        </p:attrNameLst>
+                                      </p:cBhvr>
+                                      <p:to>
+                                        <p:strVal val="visible"/>
+                                      </p:to>
+                                    </p:set>
+                                    <p:animEffect transition="in" filter="fade">
+                                      <p:cBhvr>
+                                        <p:cTn id="16" dur="500"/>
+                                        <p:tgtEl>
+                                          <p:spTgt spid="2">
+                                            <p:txEl>
+                                              <p:pRg st="3" end="3"/>
+                                            </p:txEl>
+                                          </p:spTgt>
+                                        </p:tgtEl>
+                                      </p:cBhvr>
+                                    </p:animEffect>
+                                  </p:childTnLst>
+                                </p:cTn>
+                              </p:par>
+                              <p:par>
+                                <p:cTn id="17" presetID="10" presetClass="entr" presetSubtype="0" fill="hold" nodeType="withEffect">
+                                  <p:stCondLst>
+                                    <p:cond delay="0"/>
+                                  </p:stCondLst>
+                                  <p:childTnLst>
+                                    <p:set>
+                                      <p:cBhvr>
+                                        <p:cTn id="18" dur="1" fill="hold">
+                                          <p:stCondLst>
+                                            <p:cond delay="0"/>
+                                          </p:stCondLst>
+                                        </p:cTn>
+                                        <p:tgtEl>
+                                          <p:spTgt spid="2">
+                                            <p:txEl>
+                                              <p:pRg st="4" end="4"/>
+                                            </p:txEl>
+                                          </p:spTgt>
+                                        </p:tgtEl>
+                                        <p:attrNameLst>
+                                          <p:attrName>style.visibility</p:attrName>
+                                        </p:attrNameLst>
+                                      </p:cBhvr>
+                                      <p:to>
+                                        <p:strVal val="visible"/>
+                                      </p:to>
+                                    </p:set>
+                                    <p:animEffect transition="in" filter="fade">
+                                      <p:cBhvr>
+                                        <p:cTn id="19" dur="500"/>
+                                        <p:tgtEl>
+                                          <p:spTgt spid="2">
+                                            <p:txEl>
+                                              <p:pRg st="4" end="4"/>
+                                            </p:txEl>
+                                          </p:spTgt>
+                                        </p:tgtEl>
+                                      </p:cBhvr>
+                                    </p:animEffect>
+                                  </p:childTnLst>
+                                </p:cTn>
+                              </p:par>
+                              <p:par>
+                                <p:cTn id="20" presetID="10" presetClass="entr" presetSubtype="0" fill="hold" nodeType="withEffect">
+                                  <p:stCondLst>
+                                    <p:cond delay="0"/>
+                                  </p:stCondLst>
+                                  <p:childTnLst>
+                                    <p:set>
+                                      <p:cBhvr>
+                                        <p:cTn id="21" dur="1" fill="hold">
+                                          <p:stCondLst>
+                                            <p:cond delay="0"/>
+                                          </p:stCondLst>
+                                        </p:cTn>
+                                        <p:tgtEl>
+                                          <p:spTgt spid="2">
+                                            <p:txEl>
+                                              <p:pRg st="5" end="5"/>
+                                            </p:txEl>
+                                          </p:spTgt>
+                                        </p:tgtEl>
+                                        <p:attrNameLst>
+                                          <p:attrName>style.visibility</p:attrName>
+                                        </p:attrNameLst>
+                                      </p:cBhvr>
+                                      <p:to>
+                                        <p:strVal val="visible"/>
+                                      </p:to>
+                                    </p:set>
+                                    <p:animEffect transition="in" filter="fade">
+                                      <p:cBhvr>
+                                        <p:cTn id="22" dur="500"/>
+                                        <p:tgtEl>
+                                          <p:spTgt spid="2">
+                                            <p:txEl>
+                                              <p:pRg st="5" end="5"/>
+                                            </p:txEl>
+                                          </p:spTgt>
+                                        </p:tgtEl>
+                                      </p:cBhvr>
+                                    </p:animEffect>
+                                  </p:childTnLst>
+                                </p:cTn>
+                              </p:par>
+                            </p:childTnLst>
+                          </p:cTn>
+                        </p:par>
+                      </p:childTnLst>
+                    </p:cTn>
+                  </p:par>
+                  <p:par>
+                    <p:cTn id="23" fill="hold">
+                      <p:stCondLst>
+                        <p:cond delay="indefinite"/>
+                      </p:stCondLst>
+                      <p:childTnLst>
+                        <p:par>
+                          <p:cTn id="24" fill="hold">
+                            <p:stCondLst>
+                              <p:cond delay="0"/>
+                            </p:stCondLst>
+                            <p:childTnLst>
+                              <p:par>
+                                <p:cTn id="25" presetID="10" presetClass="entr" presetSubtype="0" fill="hold" nodeType="clickEffect">
+                                  <p:stCondLst>
+                                    <p:cond delay="0"/>
+                                  </p:stCondLst>
+                                  <p:childTnLst>
+                                    <p:set>
+                                      <p:cBhvr>
+                                        <p:cTn id="26" dur="1" fill="hold">
+                                          <p:stCondLst>
+                                            <p:cond delay="0"/>
+                                          </p:stCondLst>
+                                        </p:cTn>
+                                        <p:tgtEl>
+                                          <p:spTgt spid="2">
+                                            <p:txEl>
+                                              <p:pRg st="7" end="7"/>
+                                            </p:txEl>
+                                          </p:spTgt>
+                                        </p:tgtEl>
+                                        <p:attrNameLst>
+                                          <p:attrName>style.visibility</p:attrName>
+                                        </p:attrNameLst>
+                                      </p:cBhvr>
+                                      <p:to>
+                                        <p:strVal val="visible"/>
+                                      </p:to>
+                                    </p:set>
+                                    <p:animEffect transition="in" filter="fade">
+                                      <p:cBhvr>
+                                        <p:cTn id="27" dur="500"/>
+                                        <p:tgtEl>
+                                          <p:spTgt spid="2">
+                                            <p:txEl>
+                                              <p:pRg st="7" end="7"/>
+                                            </p:txEl>
+                                          </p:spTgt>
+                                        </p:tgtEl>
+                                      </p:cBhvr>
+                                    </p:animEffect>
+                                  </p:childTnLst>
+                                </p:cTn>
+                              </p:par>
+                              <p:par>
+                                <p:cTn id="28" presetID="10" presetClass="entr" presetSubtype="0" fill="hold" nodeType="withEffect">
+                                  <p:stCondLst>
+                                    <p:cond delay="0"/>
+                                  </p:stCondLst>
+                                  <p:childTnLst>
+                                    <p:set>
+                                      <p:cBhvr>
+                                        <p:cTn id="29" dur="1" fill="hold">
+                                          <p:stCondLst>
+                                            <p:cond delay="0"/>
+                                          </p:stCondLst>
+                                        </p:cTn>
+                                        <p:tgtEl>
+                                          <p:spTgt spid="2">
+                                            <p:txEl>
+                                              <p:pRg st="8" end="8"/>
+                                            </p:txEl>
+                                          </p:spTgt>
+                                        </p:tgtEl>
+                                        <p:attrNameLst>
+                                          <p:attrName>style.visibility</p:attrName>
+                                        </p:attrNameLst>
+                                      </p:cBhvr>
+                                      <p:to>
+                                        <p:strVal val="visible"/>
+                                      </p:to>
+                                    </p:set>
+                                    <p:animEffect transition="in" filter="fade">
+                                      <p:cBhvr>
+                                        <p:cTn id="30" dur="500"/>
+                                        <p:tgtEl>
+                                          <p:spTgt spid="2">
+                                            <p:txEl>
+                                              <p:pRg st="8" end="8"/>
+                                            </p:txEl>
+                                          </p:spTgt>
+                                        </p:tgtEl>
+                                      </p:cBhvr>
+                                    </p:animEffect>
+                                  </p:childTnLst>
+                                </p:cTn>
+                              </p:par>
+                              <p:par>
+                                <p:cTn id="31" presetID="10" presetClass="entr" presetSubtype="0" fill="hold" nodeType="withEffect">
+                                  <p:stCondLst>
+                                    <p:cond delay="0"/>
+                                  </p:stCondLst>
+                                  <p:childTnLst>
+                                    <p:set>
+                                      <p:cBhvr>
+                                        <p:cTn id="32" dur="1" fill="hold">
+                                          <p:stCondLst>
+                                            <p:cond delay="0"/>
+                                          </p:stCondLst>
+                                        </p:cTn>
+                                        <p:tgtEl>
+                                          <p:spTgt spid="2">
+                                            <p:txEl>
+                                              <p:pRg st="9" end="9"/>
+                                            </p:txEl>
+                                          </p:spTgt>
+                                        </p:tgtEl>
+                                        <p:attrNameLst>
+                                          <p:attrName>style.visibility</p:attrName>
+                                        </p:attrNameLst>
+                                      </p:cBhvr>
+                                      <p:to>
+                                        <p:strVal val="visible"/>
+                                      </p:to>
+                                    </p:set>
+                                    <p:animEffect transition="in" filter="fade">
+                                      <p:cBhvr>
+                                        <p:cTn id="33" dur="500"/>
+                                        <p:tgtEl>
+                                          <p:spTgt spid="2">
+                                            <p:txEl>
+                                              <p:pRg st="9" end="9"/>
+                                            </p:txEl>
+                                          </p:spTgt>
+                                        </p:tgtEl>
+                                      </p:cBhvr>
+                                    </p:animEffect>
+                                  </p:childTnLst>
+                                </p:cTn>
+                              </p:par>
+                              <p:par>
+                                <p:cTn id="34" presetID="10" presetClass="entr" presetSubtype="0" fill="hold" nodeType="withEffect">
+                                  <p:stCondLst>
+                                    <p:cond delay="0"/>
+                                  </p:stCondLst>
+                                  <p:childTnLst>
+                                    <p:set>
+                                      <p:cBhvr>
+                                        <p:cTn id="35" dur="1" fill="hold">
+                                          <p:stCondLst>
+                                            <p:cond delay="0"/>
+                                          </p:stCondLst>
+                                        </p:cTn>
+                                        <p:tgtEl>
+                                          <p:spTgt spid="2">
+                                            <p:txEl>
+                                              <p:pRg st="10" end="10"/>
+                                            </p:txEl>
+                                          </p:spTgt>
+                                        </p:tgtEl>
+                                        <p:attrNameLst>
+                                          <p:attrName>style.visibility</p:attrName>
+                                        </p:attrNameLst>
+                                      </p:cBhvr>
+                                      <p:to>
+                                        <p:strVal val="visible"/>
+                                      </p:to>
+                                    </p:set>
+                                    <p:animEffect transition="in" filter="fade">
+                                      <p:cBhvr>
+                                        <p:cTn id="36" dur="500"/>
+                                        <p:tgtEl>
+                                          <p:spTgt spid="2">
+                                            <p:txEl>
+                                              <p:pRg st="10" end="10"/>
+                                            </p:txEl>
+                                          </p:spTgt>
+                                        </p:tgtEl>
+                                      </p:cBhvr>
+                                    </p:animEffect>
+                                  </p:childTnLst>
+                                </p:cTn>
+                              </p:par>
+                              <p:par>
+                                <p:cTn id="37" presetID="10" presetClass="entr" presetSubtype="0" fill="hold" nodeType="withEffect">
+                                  <p:stCondLst>
+                                    <p:cond delay="0"/>
+                                  </p:stCondLst>
+                                  <p:childTnLst>
+                                    <p:set>
+                                      <p:cBhvr>
+                                        <p:cTn id="38" dur="1" fill="hold">
+                                          <p:stCondLst>
+                                            <p:cond delay="0"/>
+                                          </p:stCondLst>
+                                        </p:cTn>
+                                        <p:tgtEl>
+                                          <p:spTgt spid="2">
+                                            <p:txEl>
+                                              <p:pRg st="11" end="11"/>
+                                            </p:txEl>
+                                          </p:spTgt>
+                                        </p:tgtEl>
+                                        <p:attrNameLst>
+                                          <p:attrName>style.visibility</p:attrName>
+                                        </p:attrNameLst>
+                                      </p:cBhvr>
+                                      <p:to>
+                                        <p:strVal val="visible"/>
+                                      </p:to>
+                                    </p:set>
+                                    <p:animEffect transition="in" filter="fade">
+                                      <p:cBhvr>
+                                        <p:cTn id="39" dur="500"/>
+                                        <p:tgtEl>
+                                          <p:spTgt spid="2">
+                                            <p:txEl>
+                                              <p:pRg st="11" end="11"/>
+                                            </p:txEl>
+                                          </p:spTgt>
+                                        </p:tgtEl>
+                                      </p:cBhvr>
+                                    </p:animEffect>
+                                  </p:childTnLst>
+                                </p:cTn>
+                              </p:par>
+                              <p:par>
+                                <p:cTn id="40" presetID="10" presetClass="entr" presetSubtype="0" fill="hold" nodeType="withEffect">
+                                  <p:stCondLst>
+                                    <p:cond delay="0"/>
+                                  </p:stCondLst>
+                                  <p:childTnLst>
+                                    <p:set>
+                                      <p:cBhvr>
+                                        <p:cTn id="41" dur="1" fill="hold">
+                                          <p:stCondLst>
+                                            <p:cond delay="0"/>
+                                          </p:stCondLst>
+                                        </p:cTn>
+                                        <p:tgtEl>
+                                          <p:spTgt spid="2">
+                                            <p:txEl>
+                                              <p:pRg st="12" end="12"/>
+                                            </p:txEl>
+                                          </p:spTgt>
+                                        </p:tgtEl>
+                                        <p:attrNameLst>
+                                          <p:attrName>style.visibility</p:attrName>
+                                        </p:attrNameLst>
+                                      </p:cBhvr>
+                                      <p:to>
+                                        <p:strVal val="visible"/>
+                                      </p:to>
+                                    </p:set>
+                                    <p:animEffect transition="in" filter="fade">
+                                      <p:cBhvr>
+                                        <p:cTn id="42" dur="500"/>
+                                        <p:tgtEl>
+                                          <p:spTgt spid="2">
+                                            <p:txEl>
+                                              <p:pRg st="12" end="12"/>
+                                            </p:txEl>
+                                          </p:spTgt>
+                                        </p:tgtEl>
+                                      </p:cBhvr>
+                                    </p:animEffect>
+                                  </p:childTnLst>
+                                </p:cTn>
+                              </p:par>
+                              <p:par>
+                                <p:cTn id="43" presetID="10" presetClass="entr" presetSubtype="0" fill="hold" nodeType="withEffect">
+                                  <p:stCondLst>
+                                    <p:cond delay="0"/>
+                                  </p:stCondLst>
+                                  <p:childTnLst>
+                                    <p:set>
+                                      <p:cBhvr>
+                                        <p:cTn id="44" dur="1" fill="hold">
+                                          <p:stCondLst>
+                                            <p:cond delay="0"/>
+                                          </p:stCondLst>
+                                        </p:cTn>
+                                        <p:tgtEl>
+                                          <p:spTgt spid="2">
+                                            <p:txEl>
+                                              <p:pRg st="13" end="13"/>
+                                            </p:txEl>
+                                          </p:spTgt>
+                                        </p:tgtEl>
+                                        <p:attrNameLst>
+                                          <p:attrName>style.visibility</p:attrName>
+                                        </p:attrNameLst>
+                                      </p:cBhvr>
+                                      <p:to>
+                                        <p:strVal val="visible"/>
+                                      </p:to>
+                                    </p:set>
+                                    <p:animEffect transition="in" filter="fade">
+                                      <p:cBhvr>
+                                        <p:cTn id="45" dur="500"/>
+                                        <p:tgtEl>
+                                          <p:spTgt spid="2">
+                                            <p:txEl>
+                                              <p:pRg st="13" end="13"/>
+                                            </p:txEl>
+                                          </p:spTgt>
+                                        </p:tgtEl>
+                                      </p:cBhvr>
+                                    </p:animEffect>
+                                  </p:childTnLst>
+                                </p:cTn>
+                              </p:par>
+                              <p:par>
+                                <p:cTn id="46" presetID="10" presetClass="entr" presetSubtype="0" fill="hold" nodeType="withEffect">
+                                  <p:stCondLst>
+                                    <p:cond delay="0"/>
+                                  </p:stCondLst>
+                                  <p:childTnLst>
+                                    <p:set>
+                                      <p:cBhvr>
+                                        <p:cTn id="47" dur="1" fill="hold">
+                                          <p:stCondLst>
+                                            <p:cond delay="0"/>
+                                          </p:stCondLst>
+                                        </p:cTn>
+                                        <p:tgtEl>
+                                          <p:spTgt spid="2">
+                                            <p:txEl>
+                                              <p:pRg st="14" end="14"/>
+                                            </p:txEl>
+                                          </p:spTgt>
+                                        </p:tgtEl>
+                                        <p:attrNameLst>
+                                          <p:attrName>style.visibility</p:attrName>
+                                        </p:attrNameLst>
+                                      </p:cBhvr>
+                                      <p:to>
+                                        <p:strVal val="visible"/>
+                                      </p:to>
+                                    </p:set>
+                                    <p:animEffect transition="in" filter="fade">
+                                      <p:cBhvr>
+                                        <p:cTn id="48" dur="500"/>
+                                        <p:tgtEl>
+                                          <p:spTgt spid="2">
+                                            <p:txEl>
+                                              <p:pRg st="14" end="14"/>
+                                            </p:txEl>
+                                          </p:spTgt>
+                                        </p:tgtEl>
+                                      </p:cBhvr>
+                                    </p:animEffect>
+                                  </p:childTnLst>
+                                </p:cTn>
+                              </p:par>
+                            </p:childTnLst>
+                          </p:cTn>
+                        </p:par>
+                      </p:childTnLst>
+                    </p:cTn>
+                  </p:par>
+                  <p:par>
+                    <p:cTn id="49" fill="hold">
+                      <p:stCondLst>
+                        <p:cond delay="indefinite"/>
+                      </p:stCondLst>
+                      <p:childTnLst>
+                        <p:par>
+                          <p:cTn id="50" fill="hold">
+                            <p:stCondLst>
+                              <p:cond delay="0"/>
+                            </p:stCondLst>
+                            <p:childTnLst>
+                              <p:par>
+                                <p:cTn id="51" presetID="10" presetClass="entr" presetSubtype="0" fill="hold" nodeType="clickEffect">
+                                  <p:stCondLst>
+                                    <p:cond delay="0"/>
+                                  </p:stCondLst>
+                                  <p:childTnLst>
+                                    <p:set>
+                                      <p:cBhvr>
+                                        <p:cTn id="52" dur="1" fill="hold">
+                                          <p:stCondLst>
+                                            <p:cond delay="0"/>
+                                          </p:stCondLst>
+                                        </p:cTn>
+                                        <p:tgtEl>
+                                          <p:spTgt spid="2">
+                                            <p:txEl>
+                                              <p:pRg st="16" end="16"/>
+                                            </p:txEl>
+                                          </p:spTgt>
+                                        </p:tgtEl>
+                                        <p:attrNameLst>
+                                          <p:attrName>style.visibility</p:attrName>
+                                        </p:attrNameLst>
+                                      </p:cBhvr>
+                                      <p:to>
+                                        <p:strVal val="visible"/>
+                                      </p:to>
+                                    </p:set>
+                                    <p:animEffect transition="in" filter="fade">
+                                      <p:cBhvr>
+                                        <p:cTn id="53" dur="500"/>
+                                        <p:tgtEl>
+                                          <p:spTgt spid="2">
+                                            <p:txEl>
+                                              <p:pRg st="16" end="16"/>
+                                            </p:txEl>
+                                          </p:spTgt>
+                                        </p:tgtEl>
+                                      </p:cBhvr>
+                                    </p:animEffect>
+                                  </p:childTnLst>
+                                </p:cTn>
+                              </p:par>
+                              <p:par>
+                                <p:cTn id="54" presetID="10" presetClass="entr" presetSubtype="0" fill="hold" nodeType="withEffect">
+                                  <p:stCondLst>
+                                    <p:cond delay="0"/>
+                                  </p:stCondLst>
+                                  <p:childTnLst>
+                                    <p:set>
+                                      <p:cBhvr>
+                                        <p:cTn id="55" dur="1" fill="hold">
+                                          <p:stCondLst>
+                                            <p:cond delay="0"/>
+                                          </p:stCondLst>
+                                        </p:cTn>
+                                        <p:tgtEl>
+                                          <p:spTgt spid="2">
+                                            <p:txEl>
+                                              <p:pRg st="17" end="17"/>
+                                            </p:txEl>
+                                          </p:spTgt>
+                                        </p:tgtEl>
+                                        <p:attrNameLst>
+                                          <p:attrName>style.visibility</p:attrName>
+                                        </p:attrNameLst>
+                                      </p:cBhvr>
+                                      <p:to>
+                                        <p:strVal val="visible"/>
+                                      </p:to>
+                                    </p:set>
+                                    <p:animEffect transition="in" filter="fade">
+                                      <p:cBhvr>
+                                        <p:cTn id="56" dur="500"/>
+                                        <p:tgtEl>
+                                          <p:spTgt spid="2">
+                                            <p:txEl>
+                                              <p:pRg st="17" end="17"/>
+                                            </p:txEl>
+                                          </p:spTgt>
+                                        </p:tgtEl>
+                                      </p:cBhvr>
+                                    </p:animEffect>
+                                  </p:childTnLst>
+                                </p:cTn>
+                              </p:par>
+                              <p:par>
+                                <p:cTn id="57" presetID="10" presetClass="entr" presetSubtype="0" fill="hold" nodeType="withEffect">
+                                  <p:stCondLst>
+                                    <p:cond delay="0"/>
+                                  </p:stCondLst>
+                                  <p:childTnLst>
+                                    <p:set>
+                                      <p:cBhvr>
+                                        <p:cTn id="58" dur="1" fill="hold">
+                                          <p:stCondLst>
+                                            <p:cond delay="0"/>
+                                          </p:stCondLst>
+                                        </p:cTn>
+                                        <p:tgtEl>
+                                          <p:spTgt spid="2">
+                                            <p:txEl>
+                                              <p:pRg st="18" end="18"/>
+                                            </p:txEl>
+                                          </p:spTgt>
+                                        </p:tgtEl>
+                                        <p:attrNameLst>
+                                          <p:attrName>style.visibility</p:attrName>
+                                        </p:attrNameLst>
+                                      </p:cBhvr>
+                                      <p:to>
+                                        <p:strVal val="visible"/>
+                                      </p:to>
+                                    </p:set>
+                                    <p:animEffect transition="in" filter="fade">
+                                      <p:cBhvr>
+                                        <p:cTn id="59" dur="500"/>
+                                        <p:tgtEl>
+                                          <p:spTgt spid="2">
+                                            <p:txEl>
+                                              <p:pRg st="18" end="18"/>
+                                            </p:txEl>
+                                          </p:spTgt>
+                                        </p:tgtEl>
+                                      </p:cBhvr>
+                                    </p:animEffect>
+                                  </p:childTnLst>
+                                </p:cTn>
+                              </p:par>
+                              <p:par>
+                                <p:cTn id="60" presetID="10" presetClass="entr" presetSubtype="0" fill="hold" nodeType="withEffect">
+                                  <p:stCondLst>
+                                    <p:cond delay="0"/>
+                                  </p:stCondLst>
+                                  <p:childTnLst>
+                                    <p:set>
+                                      <p:cBhvr>
+                                        <p:cTn id="61" dur="1" fill="hold">
+                                          <p:stCondLst>
+                                            <p:cond delay="0"/>
+                                          </p:stCondLst>
+                                        </p:cTn>
+                                        <p:tgtEl>
+                                          <p:spTgt spid="2">
+                                            <p:txEl>
+                                              <p:pRg st="19" end="19"/>
+                                            </p:txEl>
+                                          </p:spTgt>
+                                        </p:tgtEl>
+                                        <p:attrNameLst>
+                                          <p:attrName>style.visibility</p:attrName>
+                                        </p:attrNameLst>
+                                      </p:cBhvr>
+                                      <p:to>
+                                        <p:strVal val="visible"/>
+                                      </p:to>
+                                    </p:set>
+                                    <p:animEffect transition="in" filter="fade">
+                                      <p:cBhvr>
+                                        <p:cTn id="62" dur="500"/>
+                                        <p:tgtEl>
+                                          <p:spTgt spid="2">
+                                            <p:txEl>
+                                              <p:pRg st="19" end="19"/>
+                                            </p:txEl>
+                                          </p:spTgt>
+                                        </p:tgtEl>
+                                      </p:cBhvr>
+                                    </p:animEffect>
+                                  </p:childTnLst>
+                                </p:cTn>
+                              </p:par>
+                              <p:par>
+                                <p:cTn id="63" presetID="10" presetClass="entr" presetSubtype="0" fill="hold" nodeType="withEffect">
+                                  <p:stCondLst>
+                                    <p:cond delay="0"/>
+                                  </p:stCondLst>
+                                  <p:childTnLst>
+                                    <p:set>
+                                      <p:cBhvr>
+                                        <p:cTn id="64" dur="1" fill="hold">
+                                          <p:stCondLst>
+                                            <p:cond delay="0"/>
+                                          </p:stCondLst>
+                                        </p:cTn>
+                                        <p:tgtEl>
+                                          <p:spTgt spid="2">
+                                            <p:txEl>
+                                              <p:pRg st="20" end="20"/>
+                                            </p:txEl>
+                                          </p:spTgt>
+                                        </p:tgtEl>
+                                        <p:attrNameLst>
+                                          <p:attrName>style.visibility</p:attrName>
+                                        </p:attrNameLst>
+                                      </p:cBhvr>
+                                      <p:to>
+                                        <p:strVal val="visible"/>
+                                      </p:to>
+                                    </p:set>
+                                    <p:animEffect transition="in" filter="fade">
+                                      <p:cBhvr>
+                                        <p:cTn id="65" dur="500"/>
+                                        <p:tgtEl>
+                                          <p:spTgt spid="2">
+                                            <p:txEl>
+                                              <p:pRg st="20" end="20"/>
+                                            </p:txEl>
+                                          </p:spTgt>
+                                        </p:tgtEl>
+                                      </p:cBhvr>
+                                    </p:animEffect>
+                                  </p:childTnLst>
+                                </p:cTn>
+                              </p:par>
+                              <p:par>
+                                <p:cTn id="66" presetID="10" presetClass="entr" presetSubtype="0" fill="hold" nodeType="withEffect">
+                                  <p:stCondLst>
+                                    <p:cond delay="0"/>
+                                  </p:stCondLst>
+                                  <p:childTnLst>
+                                    <p:set>
+                                      <p:cBhvr>
+                                        <p:cTn id="67" dur="1" fill="hold">
+                                          <p:stCondLst>
+                                            <p:cond delay="0"/>
+                                          </p:stCondLst>
+                                        </p:cTn>
+                                        <p:tgtEl>
+                                          <p:spTgt spid="2">
+                                            <p:txEl>
+                                              <p:pRg st="21" end="21"/>
+                                            </p:txEl>
+                                          </p:spTgt>
+                                        </p:tgtEl>
+                                        <p:attrNameLst>
+                                          <p:attrName>style.visibility</p:attrName>
+                                        </p:attrNameLst>
+                                      </p:cBhvr>
+                                      <p:to>
+                                        <p:strVal val="visible"/>
+                                      </p:to>
+                                    </p:set>
+                                    <p:animEffect transition="in" filter="fade">
+                                      <p:cBhvr>
+                                        <p:cTn id="68" dur="500"/>
+                                        <p:tgtEl>
+                                          <p:spTgt spid="2">
+                                            <p:txEl>
+                                              <p:pRg st="21" end="21"/>
+                                            </p:txEl>
+                                          </p:spTgt>
+                                        </p:tgtEl>
+                                      </p:cBhvr>
+                                    </p:animEffect>
+                                  </p:childTnLst>
+                                </p:cTn>
+                              </p:par>
+                              <p:par>
+                                <p:cTn id="69" presetID="10" presetClass="entr" presetSubtype="0" fill="hold" nodeType="withEffect">
+                                  <p:stCondLst>
+                                    <p:cond delay="0"/>
+                                  </p:stCondLst>
+                                  <p:childTnLst>
+                                    <p:set>
+                                      <p:cBhvr>
+                                        <p:cTn id="70" dur="1" fill="hold">
+                                          <p:stCondLst>
+                                            <p:cond delay="0"/>
+                                          </p:stCondLst>
+                                        </p:cTn>
+                                        <p:tgtEl>
+                                          <p:spTgt spid="2">
+                                            <p:txEl>
+                                              <p:pRg st="22" end="22"/>
+                                            </p:txEl>
+                                          </p:spTgt>
+                                        </p:tgtEl>
+                                        <p:attrNameLst>
+                                          <p:attrName>style.visibility</p:attrName>
+                                        </p:attrNameLst>
+                                      </p:cBhvr>
+                                      <p:to>
+                                        <p:strVal val="visible"/>
+                                      </p:to>
+                                    </p:set>
+                                    <p:animEffect transition="in" filter="fade">
+                                      <p:cBhvr>
+                                        <p:cTn id="71" dur="500"/>
+                                        <p:tgtEl>
+                                          <p:spTgt spid="2">
+                                            <p:txEl>
+                                              <p:pRg st="22" end="22"/>
+                                            </p:txEl>
+                                          </p:spTgt>
+                                        </p:tgtEl>
+                                      </p:cBhvr>
+                                    </p:animEffect>
+                                  </p:childTnLst>
+                                </p:cTn>
+                              </p:par>
+                              <p:par>
+                                <p:cTn id="72" presetID="10" presetClass="entr" presetSubtype="0" fill="hold" nodeType="withEffect">
+                                  <p:stCondLst>
+                                    <p:cond delay="0"/>
+                                  </p:stCondLst>
+                                  <p:childTnLst>
+                                    <p:set>
+                                      <p:cBhvr>
+                                        <p:cTn id="73" dur="1" fill="hold">
+                                          <p:stCondLst>
+                                            <p:cond delay="0"/>
+                                          </p:stCondLst>
+                                        </p:cTn>
+                                        <p:tgtEl>
+                                          <p:spTgt spid="2">
+                                            <p:txEl>
+                                              <p:pRg st="23" end="23"/>
+                                            </p:txEl>
+                                          </p:spTgt>
+                                        </p:tgtEl>
+                                        <p:attrNameLst>
+                                          <p:attrName>style.visibility</p:attrName>
+                                        </p:attrNameLst>
+                                      </p:cBhvr>
+                                      <p:to>
+                                        <p:strVal val="visible"/>
+                                      </p:to>
+                                    </p:set>
+                                    <p:animEffect transition="in" filter="fade">
+                                      <p:cBhvr>
+                                        <p:cTn id="74" dur="500"/>
+                                        <p:tgtEl>
+                                          <p:spTgt spid="2">
+                                            <p:txEl>
+                                              <p:pRg st="23" end="23"/>
+                                            </p:txEl>
+                                          </p:spTgt>
+                                        </p:tgtEl>
+                                      </p:cBhvr>
+                                    </p:animEffect>
+                                  </p:childTnLst>
+                                </p:cTn>
+                              </p:par>
+                              <p:par>
+                                <p:cTn id="75" presetID="10" presetClass="entr" presetSubtype="0" fill="hold" nodeType="withEffect">
+                                  <p:stCondLst>
+                                    <p:cond delay="0"/>
+                                  </p:stCondLst>
+                                  <p:childTnLst>
+                                    <p:set>
+                                      <p:cBhvr>
+                                        <p:cTn id="76" dur="1" fill="hold">
+                                          <p:stCondLst>
+                                            <p:cond delay="0"/>
+                                          </p:stCondLst>
+                                        </p:cTn>
+                                        <p:tgtEl>
+                                          <p:spTgt spid="2">
+                                            <p:txEl>
+                                              <p:pRg st="24" end="24"/>
+                                            </p:txEl>
+                                          </p:spTgt>
+                                        </p:tgtEl>
+                                        <p:attrNameLst>
+                                          <p:attrName>style.visibility</p:attrName>
+                                        </p:attrNameLst>
+                                      </p:cBhvr>
+                                      <p:to>
+                                        <p:strVal val="visible"/>
+                                      </p:to>
+                                    </p:set>
+                                    <p:animEffect transition="in" filter="fade">
+                                      <p:cBhvr>
+                                        <p:cTn id="77" dur="500"/>
+                                        <p:tgtEl>
+                                          <p:spTgt spid="2">
+                                            <p:txEl>
+                                              <p:pRg st="24" end="24"/>
+                                            </p:txEl>
+                                          </p:spTgt>
+                                        </p:tgtEl>
+                                      </p:cBhvr>
+                                    </p:animEffect>
+                                  </p:childTnLst>
+                                </p:cTn>
+                              </p:par>
+                              <p:par>
+                                <p:cTn id="78" presetID="10" presetClass="entr" presetSubtype="0" fill="hold" nodeType="withEffect">
+                                  <p:stCondLst>
+                                    <p:cond delay="0"/>
+                                  </p:stCondLst>
+                                  <p:childTnLst>
+                                    <p:set>
+                                      <p:cBhvr>
+                                        <p:cTn id="79" dur="1" fill="hold">
+                                          <p:stCondLst>
+                                            <p:cond delay="0"/>
+                                          </p:stCondLst>
+                                        </p:cTn>
+                                        <p:tgtEl>
+                                          <p:spTgt spid="2">
+                                            <p:txEl>
+                                              <p:pRg st="25" end="25"/>
+                                            </p:txEl>
+                                          </p:spTgt>
+                                        </p:tgtEl>
+                                        <p:attrNameLst>
+                                          <p:attrName>style.visibility</p:attrName>
+                                        </p:attrNameLst>
+                                      </p:cBhvr>
+                                      <p:to>
+                                        <p:strVal val="visible"/>
+                                      </p:to>
+                                    </p:set>
+                                    <p:animEffect transition="in" filter="fade">
+                                      <p:cBhvr>
+                                        <p:cTn id="80" dur="500"/>
+                                        <p:tgtEl>
+                                          <p:spTgt spid="2">
+                                            <p:txEl>
+                                              <p:pRg st="25" end="25"/>
+                                            </p:txEl>
+                                          </p:spTgt>
+                                        </p:tgtEl>
+                                      </p:cBhvr>
+                                    </p:animEffect>
+                                  </p:childTnLst>
+                                </p:cTn>
+                              </p:par>
+                              <p:par>
+                                <p:cTn id="81" presetID="10" presetClass="entr" presetSubtype="0" fill="hold" nodeType="withEffect">
+                                  <p:stCondLst>
+                                    <p:cond delay="0"/>
+                                  </p:stCondLst>
+                                  <p:childTnLst>
+                                    <p:set>
+                                      <p:cBhvr>
+                                        <p:cTn id="82" dur="1" fill="hold">
+                                          <p:stCondLst>
+                                            <p:cond delay="0"/>
+                                          </p:stCondLst>
+                                        </p:cTn>
+                                        <p:tgtEl>
+                                          <p:spTgt spid="2">
+                                            <p:txEl>
+                                              <p:pRg st="26" end="26"/>
+                                            </p:txEl>
+                                          </p:spTgt>
+                                        </p:tgtEl>
+                                        <p:attrNameLst>
+                                          <p:attrName>style.visibility</p:attrName>
+                                        </p:attrNameLst>
+                                      </p:cBhvr>
+                                      <p:to>
+                                        <p:strVal val="visible"/>
+                                      </p:to>
+                                    </p:set>
+                                    <p:animEffect transition="in" filter="fade">
+                                      <p:cBhvr>
+                                        <p:cTn id="83" dur="500"/>
+                                        <p:tgtEl>
+                                          <p:spTgt spid="2">
+                                            <p:txEl>
+                                              <p:pRg st="26" end="26"/>
+                                            </p:txEl>
+                                          </p:spTgt>
+                                        </p:tgtEl>
+                                      </p:cBhvr>
+                                    </p:animEffect>
+                                  </p:childTnLst>
+                                </p:cTn>
+                              </p:par>
+                              <p:par>
+                                <p:cTn id="84" presetID="10" presetClass="entr" presetSubtype="0" fill="hold" nodeType="withEffect">
+                                  <p:stCondLst>
+                                    <p:cond delay="0"/>
+                                  </p:stCondLst>
+                                  <p:childTnLst>
+                                    <p:set>
+                                      <p:cBhvr>
+                                        <p:cTn id="85" dur="1" fill="hold">
+                                          <p:stCondLst>
+                                            <p:cond delay="0"/>
+                                          </p:stCondLst>
+                                        </p:cTn>
+                                        <p:tgtEl>
+                                          <p:spTgt spid="2">
+                                            <p:txEl>
+                                              <p:pRg st="27" end="27"/>
+                                            </p:txEl>
+                                          </p:spTgt>
+                                        </p:tgtEl>
+                                        <p:attrNameLst>
+                                          <p:attrName>style.visibility</p:attrName>
+                                        </p:attrNameLst>
+                                      </p:cBhvr>
+                                      <p:to>
+                                        <p:strVal val="visible"/>
+                                      </p:to>
+                                    </p:set>
+                                    <p:animEffect transition="in" filter="fade">
+                                      <p:cBhvr>
+                                        <p:cTn id="86" dur="500"/>
+                                        <p:tgtEl>
+                                          <p:spTgt spid="2">
+                                            <p:txEl>
+                                              <p:pRg st="27" end="27"/>
+                                            </p:txEl>
+                                          </p:spTgt>
+                                        </p:tgtEl>
+                                      </p:cBhvr>
+                                    </p:animEffect>
+                                  </p:childTnLst>
+                                </p:cTn>
+                              </p:par>
+                              <p:par>
+                                <p:cTn id="87" presetID="10" presetClass="entr" presetSubtype="0" fill="hold" nodeType="withEffect">
+                                  <p:stCondLst>
+                                    <p:cond delay="0"/>
+                                  </p:stCondLst>
+                                  <p:childTnLst>
+                                    <p:set>
+                                      <p:cBhvr>
+                                        <p:cTn id="88" dur="1" fill="hold">
+                                          <p:stCondLst>
+                                            <p:cond delay="0"/>
+                                          </p:stCondLst>
+                                        </p:cTn>
+                                        <p:tgtEl>
+                                          <p:spTgt spid="2">
+                                            <p:txEl>
+                                              <p:pRg st="28" end="28"/>
+                                            </p:txEl>
+                                          </p:spTgt>
+                                        </p:tgtEl>
+                                        <p:attrNameLst>
+                                          <p:attrName>style.visibility</p:attrName>
+                                        </p:attrNameLst>
+                                      </p:cBhvr>
+                                      <p:to>
+                                        <p:strVal val="visible"/>
+                                      </p:to>
+                                    </p:set>
+                                    <p:animEffect transition="in" filter="fade">
+                                      <p:cBhvr>
+                                        <p:cTn id="89" dur="500"/>
+                                        <p:tgtEl>
+                                          <p:spTgt spid="2">
+                                            <p:txEl>
+                                              <p:pRg st="28" end="28"/>
+                                            </p:txEl>
+                                          </p:spTgt>
+                                        </p:tgtEl>
+                                      </p:cBhvr>
+                                    </p:animEffect>
+                                  </p:childTnLst>
+                                </p:cTn>
+                              </p:par>
+                              <p:par>
+                                <p:cTn id="90" presetID="10" presetClass="entr" presetSubtype="0" fill="hold" nodeType="withEffect">
+                                  <p:stCondLst>
+                                    <p:cond delay="0"/>
+                                  </p:stCondLst>
+                                  <p:childTnLst>
+                                    <p:set>
+                                      <p:cBhvr>
+                                        <p:cTn id="91" dur="1" fill="hold">
+                                          <p:stCondLst>
+                                            <p:cond delay="0"/>
+                                          </p:stCondLst>
+                                        </p:cTn>
+                                        <p:tgtEl>
+                                          <p:spTgt spid="2">
+                                            <p:txEl>
+                                              <p:pRg st="29" end="29"/>
+                                            </p:txEl>
+                                          </p:spTgt>
+                                        </p:tgtEl>
+                                        <p:attrNameLst>
+                                          <p:attrName>style.visibility</p:attrName>
+                                        </p:attrNameLst>
+                                      </p:cBhvr>
+                                      <p:to>
+                                        <p:strVal val="visible"/>
+                                      </p:to>
+                                    </p:set>
+                                    <p:animEffect transition="in" filter="fade">
+                                      <p:cBhvr>
+                                        <p:cTn id="92" dur="500"/>
+                                        <p:tgtEl>
+                                          <p:spTgt spid="2">
+                                            <p:txEl>
+                                              <p:pRg st="29" end="29"/>
+                                            </p:txEl>
+                                          </p:spTgt>
+                                        </p:tgtEl>
+                                      </p:cBhvr>
+                                    </p:animEffect>
+                                  </p:childTnLst>
+                                </p:cTn>
+                              </p:par>
+                            </p:childTnLst>
+                          </p:cTn>
+                        </p:par>
+                      </p:childTnLst>
+                    </p:cTn>
+                  </p:par>
+                  <p:par>
+                    <p:cTn id="93" fill="hold">
+                      <p:stCondLst>
+                        <p:cond delay="indefinite"/>
+                      </p:stCondLst>
+                      <p:childTnLst>
+                        <p:par>
+                          <p:cTn id="94" fill="hold">
+                            <p:stCondLst>
+                              <p:cond delay="0"/>
+                            </p:stCondLst>
+                            <p:childTnLst>
+                              <p:par>
+                                <p:cTn id="95" presetID="10" presetClass="entr" presetSubtype="0" fill="hold" grpId="0" nodeType="clickEffect">
+                                  <p:stCondLst>
+                                    <p:cond delay="0"/>
+                                  </p:stCondLst>
+                                  <p:childTnLst>
+                                    <p:set>
+                                      <p:cBhvr>
+                                        <p:cTn id="96" dur="1" fill="hold">
+                                          <p:stCondLst>
+                                            <p:cond delay="0"/>
+                                          </p:stCondLst>
+                                        </p:cTn>
+                                        <p:tgtEl>
+                                          <p:spTgt spid="3"/>
+                                        </p:tgtEl>
+                                        <p:attrNameLst>
+                                          <p:attrName>style.visibility</p:attrName>
+                                        </p:attrNameLst>
+                                      </p:cBhvr>
+                                      <p:to>
+                                        <p:strVal val="visible"/>
+                                      </p:to>
+                                    </p:set>
+                                    <p:animEffect transition="in" filter="fade">
+                                      <p:cBhvr>
+                                        <p:cTn id="97" dur="500"/>
+                                        <p:tgtEl>
+                                          <p:spTgt spid="3"/>
+                                        </p:tgtEl>
+                                      </p:cBhvr>
+                                    </p:animEffect>
+                                  </p:childTnLst>
+                                </p:cTn>
+                              </p:par>
+                            </p:childTnLst>
+                          </p:cTn>
+                        </p:par>
+                      </p:childTnLst>
+                    </p:cTn>
+                  </p:par>
+                </p:childTnLst>
+              </p:cTn>
+              <p:prevCondLst>
+                <p:cond evt="onPrev" delay="0">
+                  <p:tgtEl>
+                    <p:sldTgt/>
+                  </p:tgtEl>
+                </p:cond>
+              </p:prevCondLst>
+              <p:nextCondLst>
+                <p:cond evt="onNext" delay="0">
+                  <p:tgtEl>
+                    <p:sldTgt/>
+                  </p:tgtEl>
+                </p:cond>
+              </p:nextCondLst>
+            </p:seq>
+          </p:childTnLst>
+        </p:cTn>
       </p:par>
     </p:tnLst>
+    <p:bldLst>
+      <p:bldP spid="3" grpId="0" animBg="1"/>
+    </p:bldLst>
   </p:timing>
 </p:sld>
 </file>
@@ -15982,6 +20211,332 @@
     <p:tnLst>
       <p:par>
         <p:cTn id="1" dur="indefinite" restart="never" nodeType="tmRoot"/>
+      </p:par>
+    </p:tnLst>
+  </p:timing>
+</p:sld>
+</file>
+
+<file path=ppt/slides/slide20.xml><?xml version="1.0" encoding="utf-8"?>
+<p:sld xmlns:a="http://schemas.openxmlformats.org/drawingml/2006/main" xmlns:r="http://schemas.openxmlformats.org/officeDocument/2006/relationships" xmlns:p="http://schemas.openxmlformats.org/presentationml/2006/main">
+  <p:cSld>
+    <p:spTree>
+      <p:nvGrpSpPr>
+        <p:cNvPr id="1" name=""/>
+        <p:cNvGrpSpPr/>
+        <p:nvPr/>
+      </p:nvGrpSpPr>
+      <p:grpSpPr>
+        <a:xfrm>
+          <a:off x="0" y="0"/>
+          <a:ext cx="0" cy="0"/>
+          <a:chOff x="0" y="0"/>
+          <a:chExt cx="0" cy="0"/>
+        </a:xfrm>
+      </p:grpSpPr>
+      <p:pic>
+        <p:nvPicPr>
+          <p:cNvPr id="8" name="Without Dependencies"/>
+          <p:cNvPicPr>
+            <a:picLocks noChangeAspect="1"/>
+          </p:cNvPicPr>
+          <p:nvPr/>
+        </p:nvPicPr>
+        <p:blipFill>
+          <a:blip r:embed="rId2"/>
+          <a:stretch>
+            <a:fillRect/>
+          </a:stretch>
+        </p:blipFill>
+        <p:spPr>
+          <a:xfrm>
+            <a:off x="107503" y="908719"/>
+            <a:ext cx="7458751" cy="4248471"/>
+          </a:xfrm>
+          <a:prstGeom prst="rect">
+            <a:avLst/>
+          </a:prstGeom>
+        </p:spPr>
+      </p:pic>
+      <p:pic>
+        <p:nvPicPr>
+          <p:cNvPr id="4" name="With Dependencies"/>
+          <p:cNvPicPr>
+            <a:picLocks noChangeAspect="1"/>
+          </p:cNvPicPr>
+          <p:nvPr/>
+        </p:nvPicPr>
+        <p:blipFill>
+          <a:blip r:embed="rId3"/>
+          <a:stretch>
+            <a:fillRect/>
+          </a:stretch>
+        </p:blipFill>
+        <p:spPr>
+          <a:xfrm>
+            <a:off x="107504" y="657662"/>
+            <a:ext cx="8856984" cy="5497975"/>
+          </a:xfrm>
+          <a:prstGeom prst="rect">
+            <a:avLst/>
+          </a:prstGeom>
+        </p:spPr>
+      </p:pic>
+      <p:pic>
+        <p:nvPicPr>
+          <p:cNvPr id="5" name="Cycles Revealed"/>
+          <p:cNvPicPr>
+            <a:picLocks noChangeAspect="1"/>
+          </p:cNvPicPr>
+          <p:nvPr/>
+        </p:nvPicPr>
+        <p:blipFill>
+          <a:blip r:embed="rId4"/>
+          <a:stretch>
+            <a:fillRect/>
+          </a:stretch>
+        </p:blipFill>
+        <p:spPr>
+          <a:xfrm>
+            <a:off x="107504" y="657663"/>
+            <a:ext cx="8856984" cy="5510408"/>
+          </a:xfrm>
+          <a:prstGeom prst="rect">
+            <a:avLst/>
+          </a:prstGeom>
+        </p:spPr>
+      </p:pic>
+    </p:spTree>
+    <p:extLst>
+      <p:ext uri="{BB962C8B-B14F-4D97-AF65-F5344CB8AC3E}">
+        <p14:creationId xmlns:p14="http://schemas.microsoft.com/office/powerpoint/2010/main" val="4168886246"/>
+      </p:ext>
+    </p:extLst>
+  </p:cSld>
+  <p:clrMapOvr>
+    <a:masterClrMapping/>
+  </p:clrMapOvr>
+  <p:timing>
+    <p:tnLst>
+      <p:par>
+        <p:cTn id="1" dur="indefinite" restart="never" nodeType="tmRoot">
+          <p:childTnLst>
+            <p:seq concurrent="1" nextAc="seek">
+              <p:cTn id="2" dur="indefinite" nodeType="mainSeq">
+                <p:childTnLst>
+                  <p:par>
+                    <p:cTn id="3" fill="hold">
+                      <p:stCondLst>
+                        <p:cond delay="indefinite"/>
+                      </p:stCondLst>
+                      <p:childTnLst>
+                        <p:par>
+                          <p:cTn id="4" fill="hold">
+                            <p:stCondLst>
+                              <p:cond delay="0"/>
+                            </p:stCondLst>
+                            <p:childTnLst>
+                              <p:par>
+                                <p:cTn id="5" presetID="10" presetClass="entr" presetSubtype="0" fill="hold" nodeType="clickEffect">
+                                  <p:stCondLst>
+                                    <p:cond delay="0"/>
+                                  </p:stCondLst>
+                                  <p:childTnLst>
+                                    <p:set>
+                                      <p:cBhvr>
+                                        <p:cTn id="6" dur="1" fill="hold">
+                                          <p:stCondLst>
+                                            <p:cond delay="0"/>
+                                          </p:stCondLst>
+                                        </p:cTn>
+                                        <p:tgtEl>
+                                          <p:spTgt spid="4"/>
+                                        </p:tgtEl>
+                                        <p:attrNameLst>
+                                          <p:attrName>style.visibility</p:attrName>
+                                        </p:attrNameLst>
+                                      </p:cBhvr>
+                                      <p:to>
+                                        <p:strVal val="visible"/>
+                                      </p:to>
+                                    </p:set>
+                                    <p:animEffect transition="in" filter="fade">
+                                      <p:cBhvr>
+                                        <p:cTn id="7" dur="500"/>
+                                        <p:tgtEl>
+                                          <p:spTgt spid="4"/>
+                                        </p:tgtEl>
+                                      </p:cBhvr>
+                                    </p:animEffect>
+                                  </p:childTnLst>
+                                </p:cTn>
+                              </p:par>
+                            </p:childTnLst>
+                          </p:cTn>
+                        </p:par>
+                        <p:par>
+                          <p:cTn id="8" fill="hold">
+                            <p:stCondLst>
+                              <p:cond delay="500"/>
+                            </p:stCondLst>
+                            <p:childTnLst>
+                              <p:par>
+                                <p:cTn id="9" presetID="10" presetClass="exit" presetSubtype="0" fill="hold" nodeType="afterEffect">
+                                  <p:stCondLst>
+                                    <p:cond delay="0"/>
+                                  </p:stCondLst>
+                                  <p:childTnLst>
+                                    <p:animEffect transition="out" filter="fade">
+                                      <p:cBhvr>
+                                        <p:cTn id="10" dur="500"/>
+                                        <p:tgtEl>
+                                          <p:spTgt spid="8"/>
+                                        </p:tgtEl>
+                                      </p:cBhvr>
+                                    </p:animEffect>
+                                    <p:set>
+                                      <p:cBhvr>
+                                        <p:cTn id="11" dur="1" fill="hold">
+                                          <p:stCondLst>
+                                            <p:cond delay="499"/>
+                                          </p:stCondLst>
+                                        </p:cTn>
+                                        <p:tgtEl>
+                                          <p:spTgt spid="8"/>
+                                        </p:tgtEl>
+                                        <p:attrNameLst>
+                                          <p:attrName>style.visibility</p:attrName>
+                                        </p:attrNameLst>
+                                      </p:cBhvr>
+                                      <p:to>
+                                        <p:strVal val="hidden"/>
+                                      </p:to>
+                                    </p:set>
+                                  </p:childTnLst>
+                                </p:cTn>
+                              </p:par>
+                            </p:childTnLst>
+                          </p:cTn>
+                        </p:par>
+                      </p:childTnLst>
+                    </p:cTn>
+                  </p:par>
+                  <p:par>
+                    <p:cTn id="12" fill="hold">
+                      <p:stCondLst>
+                        <p:cond delay="indefinite"/>
+                      </p:stCondLst>
+                      <p:childTnLst>
+                        <p:par>
+                          <p:cTn id="13" fill="hold">
+                            <p:stCondLst>
+                              <p:cond delay="0"/>
+                            </p:stCondLst>
+                            <p:childTnLst>
+                              <p:par>
+                                <p:cTn id="14" presetID="10" presetClass="entr" presetSubtype="0" fill="hold" nodeType="clickEffect">
+                                  <p:stCondLst>
+                                    <p:cond delay="0"/>
+                                  </p:stCondLst>
+                                  <p:childTnLst>
+                                    <p:set>
+                                      <p:cBhvr>
+                                        <p:cTn id="15" dur="1" fill="hold">
+                                          <p:stCondLst>
+                                            <p:cond delay="0"/>
+                                          </p:stCondLst>
+                                        </p:cTn>
+                                        <p:tgtEl>
+                                          <p:spTgt spid="5"/>
+                                        </p:tgtEl>
+                                        <p:attrNameLst>
+                                          <p:attrName>style.visibility</p:attrName>
+                                        </p:attrNameLst>
+                                      </p:cBhvr>
+                                      <p:to>
+                                        <p:strVal val="visible"/>
+                                      </p:to>
+                                    </p:set>
+                                    <p:animEffect transition="in" filter="fade">
+                                      <p:cBhvr>
+                                        <p:cTn id="16" dur="500"/>
+                                        <p:tgtEl>
+                                          <p:spTgt spid="5"/>
+                                        </p:tgtEl>
+                                      </p:cBhvr>
+                                    </p:animEffect>
+                                  </p:childTnLst>
+                                </p:cTn>
+                              </p:par>
+                            </p:childTnLst>
+                          </p:cTn>
+                        </p:par>
+                        <p:par>
+                          <p:cTn id="17" fill="hold">
+                            <p:stCondLst>
+                              <p:cond delay="500"/>
+                            </p:stCondLst>
+                            <p:childTnLst>
+                              <p:par>
+                                <p:cTn id="18" presetID="10" presetClass="exit" presetSubtype="0" fill="hold" nodeType="afterEffect">
+                                  <p:stCondLst>
+                                    <p:cond delay="0"/>
+                                  </p:stCondLst>
+                                  <p:childTnLst>
+                                    <p:animEffect transition="out" filter="fade">
+                                      <p:cBhvr>
+                                        <p:cTn id="19" dur="500"/>
+                                        <p:tgtEl>
+                                          <p:spTgt spid="4"/>
+                                        </p:tgtEl>
+                                      </p:cBhvr>
+                                    </p:animEffect>
+                                    <p:set>
+                                      <p:cBhvr>
+                                        <p:cTn id="20" dur="1" fill="hold">
+                                          <p:stCondLst>
+                                            <p:cond delay="499"/>
+                                          </p:stCondLst>
+                                        </p:cTn>
+                                        <p:tgtEl>
+                                          <p:spTgt spid="4"/>
+                                        </p:tgtEl>
+                                        <p:attrNameLst>
+                                          <p:attrName>style.visibility</p:attrName>
+                                        </p:attrNameLst>
+                                      </p:cBhvr>
+                                      <p:to>
+                                        <p:strVal val="hidden"/>
+                                      </p:to>
+                                    </p:set>
+                                  </p:childTnLst>
+                                </p:cTn>
+                              </p:par>
+                            </p:childTnLst>
+                          </p:cTn>
+                        </p:par>
+                      </p:childTnLst>
+                    </p:cTn>
+                  </p:par>
+                </p:childTnLst>
+              </p:cTn>
+              <p:prevCondLst>
+                <p:cond evt="onPrev" delay="0">
+                  <p:tgtEl>
+                    <p:sldTgt/>
+                  </p:tgtEl>
+                </p:cond>
+              </p:prevCondLst>
+              <p:nextCondLst>
+                <p:cond evt="onNext" delay="0">
+                  <p:tgtEl>
+                    <p:sldTgt/>
+                  </p:tgtEl>
+                </p:cond>
+              </p:nextCondLst>
+            </p:seq>
+          </p:childTnLst>
+        </p:cTn>
       </p:par>
     </p:tnLst>
   </p:timing>
@@ -17392,8 +21947,12 @@
           <a:lstStyle/>
           <a:p>
             <a:r>
+              <a:rPr lang="ru-RU" dirty="0" smtClean="0"/>
+              <a:t>Клиент, создаёт </a:t>
+            </a:r>
+            <a:r>
               <a:rPr lang="ru-RU" dirty="0"/>
-              <a:t>Клиент, использующий паттерн «Посетитель» должен создать объект класса </a:t>
+              <a:t>объект класса </a:t>
             </a:r>
             <a:r>
               <a:rPr lang="en-US" dirty="0" err="1"/>
@@ -17401,13 +21960,49 @@
             </a:r>
             <a:r>
               <a:rPr lang="ru-RU" dirty="0"/>
-              <a:t>, а затем обойти всю структуру, посетив каждый ее элемент</a:t>
-            </a:r>
-          </a:p>
-          <a:p>
+              <a:t>, </a:t>
+            </a:r>
+            <a:r>
+              <a:rPr lang="ru-RU" dirty="0" smtClean="0"/>
+              <a:t>и обходит каждый элемент структуры</a:t>
+            </a:r>
+          </a:p>
+          <a:p>
+            <a:pPr lvl="1"/>
+            <a:r>
+              <a:rPr lang="ru-RU" dirty="0" smtClean="0"/>
+              <a:t>Вызывает </a:t>
+            </a:r>
+            <a:r>
+              <a:rPr lang="en-US" dirty="0" smtClean="0"/>
+              <a:t>Accept</a:t>
+            </a:r>
+            <a:r>
+              <a:rPr lang="ru-RU" dirty="0" smtClean="0"/>
+              <a:t> и передаёт туда посетителя</a:t>
+            </a:r>
+            <a:endParaRPr lang="ru-RU" dirty="0"/>
+          </a:p>
+          <a:p>
+            <a:r>
+              <a:rPr lang="ru-RU" dirty="0" smtClean="0"/>
+              <a:t>Посещаемый элемент вызывает </a:t>
+            </a:r>
             <a:r>
               <a:rPr lang="ru-RU" dirty="0"/>
-              <a:t>При посещении элемента, последний вызывает операцию посетителя, соответствующую своему классу, и передает себя в качестве аргумента</a:t>
+              <a:t>операцию </a:t>
+            </a:r>
+            <a:r>
+              <a:rPr lang="en-US" dirty="0" smtClean="0"/>
+              <a:t>Visit </a:t>
+            </a:r>
+            <a:r>
+              <a:rPr lang="ru-RU" dirty="0" smtClean="0"/>
+              <a:t>посетителя</a:t>
+            </a:r>
+            <a:r>
+              <a:rPr lang="ru-RU" dirty="0"/>
+              <a:t>, соответствующую своему классу, и передает себя в качестве аргумента</a:t>
             </a:r>
           </a:p>
         </p:txBody>
@@ -17425,9 +22020,200 @@
   <p:timing>
     <p:tnLst>
       <p:par>
-        <p:cTn id="1" dur="indefinite" restart="never" nodeType="tmRoot"/>
+        <p:cTn id="1" dur="indefinite" restart="never" nodeType="tmRoot">
+          <p:childTnLst>
+            <p:seq concurrent="1" nextAc="seek">
+              <p:cTn id="2" dur="indefinite" nodeType="mainSeq">
+                <p:childTnLst>
+                  <p:par>
+                    <p:cTn id="3" fill="hold">
+                      <p:stCondLst>
+                        <p:cond delay="indefinite"/>
+                      </p:stCondLst>
+                      <p:childTnLst>
+                        <p:par>
+                          <p:cTn id="4" fill="hold">
+                            <p:stCondLst>
+                              <p:cond delay="0"/>
+                            </p:stCondLst>
+                            <p:childTnLst>
+                              <p:par>
+                                <p:cTn id="5" presetID="10" presetClass="entr" presetSubtype="0" fill="hold" grpId="0" nodeType="clickEffect">
+                                  <p:stCondLst>
+                                    <p:cond delay="0"/>
+                                  </p:stCondLst>
+                                  <p:childTnLst>
+                                    <p:set>
+                                      <p:cBhvr>
+                                        <p:cTn id="6" dur="1" fill="hold">
+                                          <p:stCondLst>
+                                            <p:cond delay="0"/>
+                                          </p:stCondLst>
+                                        </p:cTn>
+                                        <p:tgtEl>
+                                          <p:spTgt spid="3">
+                                            <p:txEl>
+                                              <p:pRg st="0" end="0"/>
+                                            </p:txEl>
+                                          </p:spTgt>
+                                        </p:tgtEl>
+                                        <p:attrNameLst>
+                                          <p:attrName>style.visibility</p:attrName>
+                                        </p:attrNameLst>
+                                      </p:cBhvr>
+                                      <p:to>
+                                        <p:strVal val="visible"/>
+                                      </p:to>
+                                    </p:set>
+                                    <p:animEffect transition="in" filter="fade">
+                                      <p:cBhvr>
+                                        <p:cTn id="7" dur="500"/>
+                                        <p:tgtEl>
+                                          <p:spTgt spid="3">
+                                            <p:txEl>
+                                              <p:pRg st="0" end="0"/>
+                                            </p:txEl>
+                                          </p:spTgt>
+                                        </p:tgtEl>
+                                      </p:cBhvr>
+                                    </p:animEffect>
+                                  </p:childTnLst>
+                                </p:cTn>
+                              </p:par>
+                              <p:par>
+                                <p:cTn id="8" presetID="10" presetClass="entr" presetSubtype="0" fill="hold" grpId="0" nodeType="withEffect">
+                                  <p:stCondLst>
+                                    <p:cond delay="0"/>
+                                  </p:stCondLst>
+                                  <p:childTnLst>
+                                    <p:set>
+                                      <p:cBhvr>
+                                        <p:cTn id="9" dur="1" fill="hold">
+                                          <p:stCondLst>
+                                            <p:cond delay="0"/>
+                                          </p:stCondLst>
+                                        </p:cTn>
+                                        <p:tgtEl>
+                                          <p:spTgt spid="3">
+                                            <p:txEl>
+                                              <p:pRg st="1" end="1"/>
+                                            </p:txEl>
+                                          </p:spTgt>
+                                        </p:tgtEl>
+                                        <p:attrNameLst>
+                                          <p:attrName>style.visibility</p:attrName>
+                                        </p:attrNameLst>
+                                      </p:cBhvr>
+                                      <p:to>
+                                        <p:strVal val="visible"/>
+                                      </p:to>
+                                    </p:set>
+                                    <p:animEffect transition="in" filter="fade">
+                                      <p:cBhvr>
+                                        <p:cTn id="10" dur="500"/>
+                                        <p:tgtEl>
+                                          <p:spTgt spid="3">
+                                            <p:txEl>
+                                              <p:pRg st="1" end="1"/>
+                                            </p:txEl>
+                                          </p:spTgt>
+                                        </p:tgtEl>
+                                      </p:cBhvr>
+                                    </p:animEffect>
+                                  </p:childTnLst>
+                                </p:cTn>
+                              </p:par>
+                            </p:childTnLst>
+                          </p:cTn>
+                        </p:par>
+                      </p:childTnLst>
+                    </p:cTn>
+                  </p:par>
+                  <p:par>
+                    <p:cTn id="11" fill="hold">
+                      <p:stCondLst>
+                        <p:cond delay="indefinite"/>
+                      </p:stCondLst>
+                      <p:childTnLst>
+                        <p:par>
+                          <p:cTn id="12" fill="hold">
+                            <p:stCondLst>
+                              <p:cond delay="0"/>
+                            </p:stCondLst>
+                            <p:childTnLst>
+                              <p:par>
+                                <p:cTn id="13" presetID="10" presetClass="entr" presetSubtype="0" fill="hold" grpId="0" nodeType="clickEffect">
+                                  <p:stCondLst>
+                                    <p:cond delay="0"/>
+                                  </p:stCondLst>
+                                  <p:childTnLst>
+                                    <p:set>
+                                      <p:cBhvr>
+                                        <p:cTn id="14" dur="1" fill="hold">
+                                          <p:stCondLst>
+                                            <p:cond delay="0"/>
+                                          </p:stCondLst>
+                                        </p:cTn>
+                                        <p:tgtEl>
+                                          <p:spTgt spid="3">
+                                            <p:txEl>
+                                              <p:pRg st="2" end="2"/>
+                                            </p:txEl>
+                                          </p:spTgt>
+                                        </p:tgtEl>
+                                        <p:attrNameLst>
+                                          <p:attrName>style.visibility</p:attrName>
+                                        </p:attrNameLst>
+                                      </p:cBhvr>
+                                      <p:to>
+                                        <p:strVal val="visible"/>
+                                      </p:to>
+                                    </p:set>
+                                    <p:animEffect transition="in" filter="fade">
+                                      <p:cBhvr>
+                                        <p:cTn id="15" dur="500"/>
+                                        <p:tgtEl>
+                                          <p:spTgt spid="3">
+                                            <p:txEl>
+                                              <p:pRg st="2" end="2"/>
+                                            </p:txEl>
+                                          </p:spTgt>
+                                        </p:tgtEl>
+                                      </p:cBhvr>
+                                    </p:animEffect>
+                                  </p:childTnLst>
+                                </p:cTn>
+                              </p:par>
+                            </p:childTnLst>
+                          </p:cTn>
+                        </p:par>
+                      </p:childTnLst>
+                    </p:cTn>
+                  </p:par>
+                </p:childTnLst>
+              </p:cTn>
+              <p:prevCondLst>
+                <p:cond evt="onPrev" delay="0">
+                  <p:tgtEl>
+                    <p:sldTgt/>
+                  </p:tgtEl>
+                </p:cond>
+              </p:prevCondLst>
+              <p:nextCondLst>
+                <p:cond evt="onNext" delay="0">
+                  <p:tgtEl>
+                    <p:sldTgt/>
+                  </p:tgtEl>
+                </p:cond>
+              </p:nextCondLst>
+            </p:seq>
+          </p:childTnLst>
+        </p:cTn>
       </p:par>
     </p:tnLst>
+    <p:bldLst>
+      <p:bldP spid="3" grpId="0" build="p"/>
+    </p:bldLst>
   </p:timing>
 </p:sld>
 </file>
@@ -17567,13 +22353,33 @@
         <p:spPr/>
         <p:txBody>
           <a:bodyPr>
-            <a:normAutofit fontScale="92500" lnSpcReduction="10000"/>
+            <a:normAutofit lnSpcReduction="10000"/>
           </a:bodyPr>
           <a:lstStyle/>
           <a:p>
             <a:r>
               <a:rPr lang="ru-RU" dirty="0"/>
-              <a:t>В структуре присутствуют объекты многих классов с различными интерфейсами, над которыми хотелось бы выполнять операции, зависящие от конкретных классов</a:t>
+              <a:t>В структуре присутствуют объекты многих классов с различными </a:t>
+            </a:r>
+            <a:r>
+              <a:rPr lang="ru-RU" dirty="0" smtClean="0"/>
+              <a:t>интерфейсами</a:t>
+            </a:r>
+            <a:endParaRPr lang="en-US" dirty="0" smtClean="0"/>
+          </a:p>
+          <a:p>
+            <a:pPr lvl="1"/>
+            <a:r>
+              <a:rPr lang="ru-RU" dirty="0"/>
+              <a:t>Н</a:t>
+            </a:r>
+            <a:r>
+              <a:rPr lang="ru-RU" dirty="0" smtClean="0"/>
+              <a:t>ад ними нужно выполнять </a:t>
+            </a:r>
+            <a:r>
+              <a:rPr lang="ru-RU" dirty="0"/>
+              <a:t>операции, зависящие от конкретных классов</a:t>
             </a:r>
           </a:p>
           <a:p>
@@ -17584,7 +22390,11 @@
             </a:pPr>
             <a:r>
               <a:rPr lang="ru-RU" dirty="0"/>
-              <a:t>Над объектами, входящими в состав структуры, надо выполнять разнообразные, не связанные между собой операции, при этом не хотелось бы «засорять» классы такими операциями</a:t>
+              <a:t>Над объектами, входящими в состав структуры, надо выполнять разнообразные, не связанные между собой </a:t>
+            </a:r>
+            <a:r>
+              <a:rPr lang="ru-RU" dirty="0" smtClean="0"/>
+              <a:t>операции</a:t>
             </a:r>
           </a:p>
           <a:p>
@@ -17594,11 +22404,28 @@
               </a:lnSpc>
             </a:pPr>
             <a:r>
+              <a:rPr lang="ru-RU" dirty="0" smtClean="0"/>
+              <a:t>Не хочется «</a:t>
+            </a:r>
+            <a:r>
               <a:rPr lang="ru-RU" dirty="0"/>
-              <a:t>Посетитель позволяет объединить родственные операции, поместив их в отдельный класс</a:t>
-            </a:r>
-          </a:p>
-          <a:p>
+              <a:t>засорять» классы такими операциями</a:t>
+            </a:r>
+          </a:p>
+          <a:p>
+            <a:pPr lvl="1">
+              <a:lnSpc>
+                <a:spcPct val="90000"/>
+              </a:lnSpc>
+            </a:pPr>
+            <a:r>
+              <a:rPr lang="ru-RU" dirty="0"/>
+              <a:t>Посетитель позволяет объединить родственные операции, поместив их в отдельный </a:t>
+            </a:r>
+            <a:r>
+              <a:rPr lang="ru-RU" dirty="0" smtClean="0"/>
+              <a:t>класс</a:t>
+            </a:r>
             <a:endParaRPr lang="ru-RU" dirty="0"/>
           </a:p>
         </p:txBody>
@@ -17616,9 +22443,286 @@
   <p:timing>
     <p:tnLst>
       <p:par>
-        <p:cTn id="1" dur="indefinite" restart="never" nodeType="tmRoot"/>
+        <p:cTn id="1" dur="indefinite" restart="never" nodeType="tmRoot">
+          <p:childTnLst>
+            <p:seq concurrent="1" nextAc="seek">
+              <p:cTn id="2" dur="indefinite" nodeType="mainSeq">
+                <p:childTnLst>
+                  <p:par>
+                    <p:cTn id="3" fill="hold">
+                      <p:stCondLst>
+                        <p:cond delay="indefinite"/>
+                      </p:stCondLst>
+                      <p:childTnLst>
+                        <p:par>
+                          <p:cTn id="4" fill="hold">
+                            <p:stCondLst>
+                              <p:cond delay="0"/>
+                            </p:stCondLst>
+                            <p:childTnLst>
+                              <p:par>
+                                <p:cTn id="5" presetID="10" presetClass="entr" presetSubtype="0" fill="hold" grpId="0" nodeType="clickEffect">
+                                  <p:stCondLst>
+                                    <p:cond delay="0"/>
+                                  </p:stCondLst>
+                                  <p:childTnLst>
+                                    <p:set>
+                                      <p:cBhvr>
+                                        <p:cTn id="6" dur="1" fill="hold">
+                                          <p:stCondLst>
+                                            <p:cond delay="0"/>
+                                          </p:stCondLst>
+                                        </p:cTn>
+                                        <p:tgtEl>
+                                          <p:spTgt spid="51203">
+                                            <p:txEl>
+                                              <p:pRg st="0" end="0"/>
+                                            </p:txEl>
+                                          </p:spTgt>
+                                        </p:tgtEl>
+                                        <p:attrNameLst>
+                                          <p:attrName>style.visibility</p:attrName>
+                                        </p:attrNameLst>
+                                      </p:cBhvr>
+                                      <p:to>
+                                        <p:strVal val="visible"/>
+                                      </p:to>
+                                    </p:set>
+                                    <p:animEffect transition="in" filter="fade">
+                                      <p:cBhvr>
+                                        <p:cTn id="7" dur="500"/>
+                                        <p:tgtEl>
+                                          <p:spTgt spid="51203">
+                                            <p:txEl>
+                                              <p:pRg st="0" end="0"/>
+                                            </p:txEl>
+                                          </p:spTgt>
+                                        </p:tgtEl>
+                                      </p:cBhvr>
+                                    </p:animEffect>
+                                  </p:childTnLst>
+                                </p:cTn>
+                              </p:par>
+                              <p:par>
+                                <p:cTn id="8" presetID="10" presetClass="entr" presetSubtype="0" fill="hold" grpId="0" nodeType="withEffect">
+                                  <p:stCondLst>
+                                    <p:cond delay="0"/>
+                                  </p:stCondLst>
+                                  <p:childTnLst>
+                                    <p:set>
+                                      <p:cBhvr>
+                                        <p:cTn id="9" dur="1" fill="hold">
+                                          <p:stCondLst>
+                                            <p:cond delay="0"/>
+                                          </p:stCondLst>
+                                        </p:cTn>
+                                        <p:tgtEl>
+                                          <p:spTgt spid="51203">
+                                            <p:txEl>
+                                              <p:pRg st="1" end="1"/>
+                                            </p:txEl>
+                                          </p:spTgt>
+                                        </p:tgtEl>
+                                        <p:attrNameLst>
+                                          <p:attrName>style.visibility</p:attrName>
+                                        </p:attrNameLst>
+                                      </p:cBhvr>
+                                      <p:to>
+                                        <p:strVal val="visible"/>
+                                      </p:to>
+                                    </p:set>
+                                    <p:animEffect transition="in" filter="fade">
+                                      <p:cBhvr>
+                                        <p:cTn id="10" dur="500"/>
+                                        <p:tgtEl>
+                                          <p:spTgt spid="51203">
+                                            <p:txEl>
+                                              <p:pRg st="1" end="1"/>
+                                            </p:txEl>
+                                          </p:spTgt>
+                                        </p:tgtEl>
+                                      </p:cBhvr>
+                                    </p:animEffect>
+                                  </p:childTnLst>
+                                </p:cTn>
+                              </p:par>
+                            </p:childTnLst>
+                          </p:cTn>
+                        </p:par>
+                      </p:childTnLst>
+                    </p:cTn>
+                  </p:par>
+                  <p:par>
+                    <p:cTn id="11" fill="hold">
+                      <p:stCondLst>
+                        <p:cond delay="indefinite"/>
+                      </p:stCondLst>
+                      <p:childTnLst>
+                        <p:par>
+                          <p:cTn id="12" fill="hold">
+                            <p:stCondLst>
+                              <p:cond delay="0"/>
+                            </p:stCondLst>
+                            <p:childTnLst>
+                              <p:par>
+                                <p:cTn id="13" presetID="10" presetClass="entr" presetSubtype="0" fill="hold" grpId="0" nodeType="clickEffect">
+                                  <p:stCondLst>
+                                    <p:cond delay="0"/>
+                                  </p:stCondLst>
+                                  <p:childTnLst>
+                                    <p:set>
+                                      <p:cBhvr>
+                                        <p:cTn id="14" dur="1" fill="hold">
+                                          <p:stCondLst>
+                                            <p:cond delay="0"/>
+                                          </p:stCondLst>
+                                        </p:cTn>
+                                        <p:tgtEl>
+                                          <p:spTgt spid="51203">
+                                            <p:txEl>
+                                              <p:pRg st="2" end="2"/>
+                                            </p:txEl>
+                                          </p:spTgt>
+                                        </p:tgtEl>
+                                        <p:attrNameLst>
+                                          <p:attrName>style.visibility</p:attrName>
+                                        </p:attrNameLst>
+                                      </p:cBhvr>
+                                      <p:to>
+                                        <p:strVal val="visible"/>
+                                      </p:to>
+                                    </p:set>
+                                    <p:animEffect transition="in" filter="fade">
+                                      <p:cBhvr>
+                                        <p:cTn id="15" dur="500"/>
+                                        <p:tgtEl>
+                                          <p:spTgt spid="51203">
+                                            <p:txEl>
+                                              <p:pRg st="2" end="2"/>
+                                            </p:txEl>
+                                          </p:spTgt>
+                                        </p:tgtEl>
+                                      </p:cBhvr>
+                                    </p:animEffect>
+                                  </p:childTnLst>
+                                </p:cTn>
+                              </p:par>
+                              <p:par>
+                                <p:cTn id="16" presetID="10" presetClass="entr" presetSubtype="0" fill="hold" grpId="0" nodeType="withEffect">
+                                  <p:stCondLst>
+                                    <p:cond delay="0"/>
+                                  </p:stCondLst>
+                                  <p:childTnLst>
+                                    <p:set>
+                                      <p:cBhvr>
+                                        <p:cTn id="17" dur="1" fill="hold">
+                                          <p:stCondLst>
+                                            <p:cond delay="0"/>
+                                          </p:stCondLst>
+                                        </p:cTn>
+                                        <p:tgtEl>
+                                          <p:spTgt spid="51203">
+                                            <p:txEl>
+                                              <p:pRg st="3" end="3"/>
+                                            </p:txEl>
+                                          </p:spTgt>
+                                        </p:tgtEl>
+                                        <p:attrNameLst>
+                                          <p:attrName>style.visibility</p:attrName>
+                                        </p:attrNameLst>
+                                      </p:cBhvr>
+                                      <p:to>
+                                        <p:strVal val="visible"/>
+                                      </p:to>
+                                    </p:set>
+                                    <p:animEffect transition="in" filter="fade">
+                                      <p:cBhvr>
+                                        <p:cTn id="18" dur="500"/>
+                                        <p:tgtEl>
+                                          <p:spTgt spid="51203">
+                                            <p:txEl>
+                                              <p:pRg st="3" end="3"/>
+                                            </p:txEl>
+                                          </p:spTgt>
+                                        </p:tgtEl>
+                                      </p:cBhvr>
+                                    </p:animEffect>
+                                  </p:childTnLst>
+                                </p:cTn>
+                              </p:par>
+                              <p:par>
+                                <p:cTn id="19" presetID="10" presetClass="entr" presetSubtype="0" fill="hold" grpId="0" nodeType="withEffect">
+                                  <p:stCondLst>
+                                    <p:cond delay="0"/>
+                                  </p:stCondLst>
+                                  <p:childTnLst>
+                                    <p:set>
+                                      <p:cBhvr>
+                                        <p:cTn id="20" dur="1" fill="hold">
+                                          <p:stCondLst>
+                                            <p:cond delay="0"/>
+                                          </p:stCondLst>
+                                        </p:cTn>
+                                        <p:tgtEl>
+                                          <p:spTgt spid="51203">
+                                            <p:txEl>
+                                              <p:pRg st="4" end="4"/>
+                                            </p:txEl>
+                                          </p:spTgt>
+                                        </p:tgtEl>
+                                        <p:attrNameLst>
+                                          <p:attrName>style.visibility</p:attrName>
+                                        </p:attrNameLst>
+                                      </p:cBhvr>
+                                      <p:to>
+                                        <p:strVal val="visible"/>
+                                      </p:to>
+                                    </p:set>
+                                    <p:animEffect transition="in" filter="fade">
+                                      <p:cBhvr>
+                                        <p:cTn id="21" dur="500"/>
+                                        <p:tgtEl>
+                                          <p:spTgt spid="51203">
+                                            <p:txEl>
+                                              <p:pRg st="4" end="4"/>
+                                            </p:txEl>
+                                          </p:spTgt>
+                                        </p:tgtEl>
+                                      </p:cBhvr>
+                                    </p:animEffect>
+                                  </p:childTnLst>
+                                </p:cTn>
+                              </p:par>
+                            </p:childTnLst>
+                          </p:cTn>
+                        </p:par>
+                      </p:childTnLst>
+                    </p:cTn>
+                  </p:par>
+                </p:childTnLst>
+              </p:cTn>
+              <p:prevCondLst>
+                <p:cond evt="onPrev" delay="0">
+                  <p:tgtEl>
+                    <p:sldTgt/>
+                  </p:tgtEl>
+                </p:cond>
+              </p:prevCondLst>
+              <p:nextCondLst>
+                <p:cond evt="onNext" delay="0">
+                  <p:tgtEl>
+                    <p:sldTgt/>
+                  </p:tgtEl>
+                </p:cond>
+              </p:nextCondLst>
+            </p:seq>
+          </p:childTnLst>
+        </p:cTn>
       </p:par>
     </p:tnLst>
+    <p:bldLst>
+      <p:bldP spid="51203" grpId="0" build="p"/>
+    </p:bldLst>
   </p:timing>
 </p:sld>
 </file>
@@ -17868,9 +22972,433 @@
   <p:timing>
     <p:tnLst>
       <p:par>
-        <p:cTn id="1" dur="indefinite" restart="never" nodeType="tmRoot"/>
+        <p:cTn id="1" dur="indefinite" restart="never" nodeType="tmRoot">
+          <p:childTnLst>
+            <p:seq concurrent="1" nextAc="seek">
+              <p:cTn id="2" dur="indefinite" nodeType="mainSeq">
+                <p:childTnLst>
+                  <p:par>
+                    <p:cTn id="3" fill="hold">
+                      <p:stCondLst>
+                        <p:cond delay="indefinite"/>
+                      </p:stCondLst>
+                      <p:childTnLst>
+                        <p:par>
+                          <p:cTn id="4" fill="hold">
+                            <p:stCondLst>
+                              <p:cond delay="0"/>
+                            </p:stCondLst>
+                            <p:childTnLst>
+                              <p:par>
+                                <p:cTn id="5" presetID="10" presetClass="entr" presetSubtype="0" fill="hold" grpId="0" nodeType="clickEffect">
+                                  <p:stCondLst>
+                                    <p:cond delay="0"/>
+                                  </p:stCondLst>
+                                  <p:childTnLst>
+                                    <p:set>
+                                      <p:cBhvr>
+                                        <p:cTn id="6" dur="1" fill="hold">
+                                          <p:stCondLst>
+                                            <p:cond delay="0"/>
+                                          </p:stCondLst>
+                                        </p:cTn>
+                                        <p:tgtEl>
+                                          <p:spTgt spid="3">
+                                            <p:txEl>
+                                              <p:pRg st="0" end="0"/>
+                                            </p:txEl>
+                                          </p:spTgt>
+                                        </p:tgtEl>
+                                        <p:attrNameLst>
+                                          <p:attrName>style.visibility</p:attrName>
+                                        </p:attrNameLst>
+                                      </p:cBhvr>
+                                      <p:to>
+                                        <p:strVal val="visible"/>
+                                      </p:to>
+                                    </p:set>
+                                    <p:animEffect transition="in" filter="fade">
+                                      <p:cBhvr>
+                                        <p:cTn id="7" dur="500"/>
+                                        <p:tgtEl>
+                                          <p:spTgt spid="3">
+                                            <p:txEl>
+                                              <p:pRg st="0" end="0"/>
+                                            </p:txEl>
+                                          </p:spTgt>
+                                        </p:tgtEl>
+                                      </p:cBhvr>
+                                    </p:animEffect>
+                                  </p:childTnLst>
+                                </p:cTn>
+                              </p:par>
+                            </p:childTnLst>
+                          </p:cTn>
+                        </p:par>
+                      </p:childTnLst>
+                    </p:cTn>
+                  </p:par>
+                  <p:par>
+                    <p:cTn id="8" fill="hold">
+                      <p:stCondLst>
+                        <p:cond delay="indefinite"/>
+                      </p:stCondLst>
+                      <p:childTnLst>
+                        <p:par>
+                          <p:cTn id="9" fill="hold">
+                            <p:stCondLst>
+                              <p:cond delay="0"/>
+                            </p:stCondLst>
+                            <p:childTnLst>
+                              <p:par>
+                                <p:cTn id="10" presetID="10" presetClass="entr" presetSubtype="0" fill="hold" grpId="0" nodeType="clickEffect">
+                                  <p:stCondLst>
+                                    <p:cond delay="0"/>
+                                  </p:stCondLst>
+                                  <p:childTnLst>
+                                    <p:set>
+                                      <p:cBhvr>
+                                        <p:cTn id="11" dur="1" fill="hold">
+                                          <p:stCondLst>
+                                            <p:cond delay="0"/>
+                                          </p:stCondLst>
+                                        </p:cTn>
+                                        <p:tgtEl>
+                                          <p:spTgt spid="3">
+                                            <p:txEl>
+                                              <p:pRg st="1" end="1"/>
+                                            </p:txEl>
+                                          </p:spTgt>
+                                        </p:tgtEl>
+                                        <p:attrNameLst>
+                                          <p:attrName>style.visibility</p:attrName>
+                                        </p:attrNameLst>
+                                      </p:cBhvr>
+                                      <p:to>
+                                        <p:strVal val="visible"/>
+                                      </p:to>
+                                    </p:set>
+                                    <p:animEffect transition="in" filter="fade">
+                                      <p:cBhvr>
+                                        <p:cTn id="12" dur="500"/>
+                                        <p:tgtEl>
+                                          <p:spTgt spid="3">
+                                            <p:txEl>
+                                              <p:pRg st="1" end="1"/>
+                                            </p:txEl>
+                                          </p:spTgt>
+                                        </p:tgtEl>
+                                      </p:cBhvr>
+                                    </p:animEffect>
+                                  </p:childTnLst>
+                                </p:cTn>
+                              </p:par>
+                            </p:childTnLst>
+                          </p:cTn>
+                        </p:par>
+                      </p:childTnLst>
+                    </p:cTn>
+                  </p:par>
+                  <p:par>
+                    <p:cTn id="13" fill="hold">
+                      <p:stCondLst>
+                        <p:cond delay="indefinite"/>
+                      </p:stCondLst>
+                      <p:childTnLst>
+                        <p:par>
+                          <p:cTn id="14" fill="hold">
+                            <p:stCondLst>
+                              <p:cond delay="0"/>
+                            </p:stCondLst>
+                            <p:childTnLst>
+                              <p:par>
+                                <p:cTn id="15" presetID="10" presetClass="entr" presetSubtype="0" fill="hold" grpId="0" nodeType="clickEffect">
+                                  <p:stCondLst>
+                                    <p:cond delay="0"/>
+                                  </p:stCondLst>
+                                  <p:childTnLst>
+                                    <p:set>
+                                      <p:cBhvr>
+                                        <p:cTn id="16" dur="1" fill="hold">
+                                          <p:stCondLst>
+                                            <p:cond delay="0"/>
+                                          </p:stCondLst>
+                                        </p:cTn>
+                                        <p:tgtEl>
+                                          <p:spTgt spid="3">
+                                            <p:txEl>
+                                              <p:pRg st="2" end="2"/>
+                                            </p:txEl>
+                                          </p:spTgt>
+                                        </p:tgtEl>
+                                        <p:attrNameLst>
+                                          <p:attrName>style.visibility</p:attrName>
+                                        </p:attrNameLst>
+                                      </p:cBhvr>
+                                      <p:to>
+                                        <p:strVal val="visible"/>
+                                      </p:to>
+                                    </p:set>
+                                    <p:animEffect transition="in" filter="fade">
+                                      <p:cBhvr>
+                                        <p:cTn id="17" dur="500"/>
+                                        <p:tgtEl>
+                                          <p:spTgt spid="3">
+                                            <p:txEl>
+                                              <p:pRg st="2" end="2"/>
+                                            </p:txEl>
+                                          </p:spTgt>
+                                        </p:tgtEl>
+                                      </p:cBhvr>
+                                    </p:animEffect>
+                                  </p:childTnLst>
+                                </p:cTn>
+                              </p:par>
+                              <p:par>
+                                <p:cTn id="18" presetID="10" presetClass="entr" presetSubtype="0" fill="hold" grpId="0" nodeType="withEffect">
+                                  <p:stCondLst>
+                                    <p:cond delay="0"/>
+                                  </p:stCondLst>
+                                  <p:childTnLst>
+                                    <p:set>
+                                      <p:cBhvr>
+                                        <p:cTn id="19" dur="1" fill="hold">
+                                          <p:stCondLst>
+                                            <p:cond delay="0"/>
+                                          </p:stCondLst>
+                                        </p:cTn>
+                                        <p:tgtEl>
+                                          <p:spTgt spid="3">
+                                            <p:txEl>
+                                              <p:pRg st="3" end="3"/>
+                                            </p:txEl>
+                                          </p:spTgt>
+                                        </p:tgtEl>
+                                        <p:attrNameLst>
+                                          <p:attrName>style.visibility</p:attrName>
+                                        </p:attrNameLst>
+                                      </p:cBhvr>
+                                      <p:to>
+                                        <p:strVal val="visible"/>
+                                      </p:to>
+                                    </p:set>
+                                    <p:animEffect transition="in" filter="fade">
+                                      <p:cBhvr>
+                                        <p:cTn id="20" dur="500"/>
+                                        <p:tgtEl>
+                                          <p:spTgt spid="3">
+                                            <p:txEl>
+                                              <p:pRg st="3" end="3"/>
+                                            </p:txEl>
+                                          </p:spTgt>
+                                        </p:tgtEl>
+                                      </p:cBhvr>
+                                    </p:animEffect>
+                                  </p:childTnLst>
+                                </p:cTn>
+                              </p:par>
+                              <p:par>
+                                <p:cTn id="21" presetID="10" presetClass="entr" presetSubtype="0" fill="hold" grpId="0" nodeType="withEffect">
+                                  <p:stCondLst>
+                                    <p:cond delay="0"/>
+                                  </p:stCondLst>
+                                  <p:childTnLst>
+                                    <p:set>
+                                      <p:cBhvr>
+                                        <p:cTn id="22" dur="1" fill="hold">
+                                          <p:stCondLst>
+                                            <p:cond delay="0"/>
+                                          </p:stCondLst>
+                                        </p:cTn>
+                                        <p:tgtEl>
+                                          <p:spTgt spid="3">
+                                            <p:txEl>
+                                              <p:pRg st="4" end="4"/>
+                                            </p:txEl>
+                                          </p:spTgt>
+                                        </p:tgtEl>
+                                        <p:attrNameLst>
+                                          <p:attrName>style.visibility</p:attrName>
+                                        </p:attrNameLst>
+                                      </p:cBhvr>
+                                      <p:to>
+                                        <p:strVal val="visible"/>
+                                      </p:to>
+                                    </p:set>
+                                    <p:animEffect transition="in" filter="fade">
+                                      <p:cBhvr>
+                                        <p:cTn id="23" dur="500"/>
+                                        <p:tgtEl>
+                                          <p:spTgt spid="3">
+                                            <p:txEl>
+                                              <p:pRg st="4" end="4"/>
+                                            </p:txEl>
+                                          </p:spTgt>
+                                        </p:tgtEl>
+                                      </p:cBhvr>
+                                    </p:animEffect>
+                                  </p:childTnLst>
+                                </p:cTn>
+                              </p:par>
+                              <p:par>
+                                <p:cTn id="24" presetID="10" presetClass="entr" presetSubtype="0" fill="hold" grpId="0" nodeType="withEffect">
+                                  <p:stCondLst>
+                                    <p:cond delay="0"/>
+                                  </p:stCondLst>
+                                  <p:childTnLst>
+                                    <p:set>
+                                      <p:cBhvr>
+                                        <p:cTn id="25" dur="1" fill="hold">
+                                          <p:stCondLst>
+                                            <p:cond delay="0"/>
+                                          </p:stCondLst>
+                                        </p:cTn>
+                                        <p:tgtEl>
+                                          <p:spTgt spid="3">
+                                            <p:txEl>
+                                              <p:pRg st="5" end="5"/>
+                                            </p:txEl>
+                                          </p:spTgt>
+                                        </p:tgtEl>
+                                        <p:attrNameLst>
+                                          <p:attrName>style.visibility</p:attrName>
+                                        </p:attrNameLst>
+                                      </p:cBhvr>
+                                      <p:to>
+                                        <p:strVal val="visible"/>
+                                      </p:to>
+                                    </p:set>
+                                    <p:animEffect transition="in" filter="fade">
+                                      <p:cBhvr>
+                                        <p:cTn id="26" dur="500"/>
+                                        <p:tgtEl>
+                                          <p:spTgt spid="3">
+                                            <p:txEl>
+                                              <p:pRg st="5" end="5"/>
+                                            </p:txEl>
+                                          </p:spTgt>
+                                        </p:tgtEl>
+                                      </p:cBhvr>
+                                    </p:animEffect>
+                                  </p:childTnLst>
+                                </p:cTn>
+                              </p:par>
+                              <p:par>
+                                <p:cTn id="27" presetID="10" presetClass="entr" presetSubtype="0" fill="hold" grpId="0" nodeType="withEffect">
+                                  <p:stCondLst>
+                                    <p:cond delay="0"/>
+                                  </p:stCondLst>
+                                  <p:childTnLst>
+                                    <p:set>
+                                      <p:cBhvr>
+                                        <p:cTn id="28" dur="1" fill="hold">
+                                          <p:stCondLst>
+                                            <p:cond delay="0"/>
+                                          </p:stCondLst>
+                                        </p:cTn>
+                                        <p:tgtEl>
+                                          <p:spTgt spid="3">
+                                            <p:txEl>
+                                              <p:pRg st="6" end="6"/>
+                                            </p:txEl>
+                                          </p:spTgt>
+                                        </p:tgtEl>
+                                        <p:attrNameLst>
+                                          <p:attrName>style.visibility</p:attrName>
+                                        </p:attrNameLst>
+                                      </p:cBhvr>
+                                      <p:to>
+                                        <p:strVal val="visible"/>
+                                      </p:to>
+                                    </p:set>
+                                    <p:animEffect transition="in" filter="fade">
+                                      <p:cBhvr>
+                                        <p:cTn id="29" dur="500"/>
+                                        <p:tgtEl>
+                                          <p:spTgt spid="3">
+                                            <p:txEl>
+                                              <p:pRg st="6" end="6"/>
+                                            </p:txEl>
+                                          </p:spTgt>
+                                        </p:tgtEl>
+                                      </p:cBhvr>
+                                    </p:animEffect>
+                                  </p:childTnLst>
+                                </p:cTn>
+                              </p:par>
+                              <p:par>
+                                <p:cTn id="30" presetID="10" presetClass="entr" presetSubtype="0" fill="hold" grpId="0" nodeType="withEffect">
+                                  <p:stCondLst>
+                                    <p:cond delay="0"/>
+                                  </p:stCondLst>
+                                  <p:childTnLst>
+                                    <p:set>
+                                      <p:cBhvr>
+                                        <p:cTn id="31" dur="1" fill="hold">
+                                          <p:stCondLst>
+                                            <p:cond delay="0"/>
+                                          </p:stCondLst>
+                                        </p:cTn>
+                                        <p:tgtEl>
+                                          <p:spTgt spid="3">
+                                            <p:txEl>
+                                              <p:pRg st="7" end="7"/>
+                                            </p:txEl>
+                                          </p:spTgt>
+                                        </p:tgtEl>
+                                        <p:attrNameLst>
+                                          <p:attrName>style.visibility</p:attrName>
+                                        </p:attrNameLst>
+                                      </p:cBhvr>
+                                      <p:to>
+                                        <p:strVal val="visible"/>
+                                      </p:to>
+                                    </p:set>
+                                    <p:animEffect transition="in" filter="fade">
+                                      <p:cBhvr>
+                                        <p:cTn id="32" dur="500"/>
+                                        <p:tgtEl>
+                                          <p:spTgt spid="3">
+                                            <p:txEl>
+                                              <p:pRg st="7" end="7"/>
+                                            </p:txEl>
+                                          </p:spTgt>
+                                        </p:tgtEl>
+                                      </p:cBhvr>
+                                    </p:animEffect>
+                                  </p:childTnLst>
+                                </p:cTn>
+                              </p:par>
+                            </p:childTnLst>
+                          </p:cTn>
+                        </p:par>
+                      </p:childTnLst>
+                    </p:cTn>
+                  </p:par>
+                </p:childTnLst>
+              </p:cTn>
+              <p:prevCondLst>
+                <p:cond evt="onPrev" delay="0">
+                  <p:tgtEl>
+                    <p:sldTgt/>
+                  </p:tgtEl>
+                </p:cond>
+              </p:prevCondLst>
+              <p:nextCondLst>
+                <p:cond evt="onNext" delay="0">
+                  <p:tgtEl>
+                    <p:sldTgt/>
+                  </p:tgtEl>
+                </p:cond>
+              </p:nextCondLst>
+            </p:seq>
+          </p:childTnLst>
+        </p:cTn>
       </p:par>
     </p:tnLst>
+    <p:bldLst>
+      <p:bldP spid="3" grpId="0" build="p"/>
+    </p:bldLst>
   </p:timing>
 </p:sld>
 </file>

--- a/lectures/13.visitor/visitor.pptx
+++ b/lectures/13.visitor/visitor.pptx
@@ -20449,7 +20449,7 @@
           <a:p>
             <a:r>
               <a:rPr lang="ru-RU" dirty="0"/>
-              <a:t>Нельзя добавить конкретный элемент, не меняя интерфеййс Посетитель</a:t>
+              <a:t>Нельзя добавить конкретный элемент, не меняя интерфейс Посетитель</a:t>
             </a:r>
             <a:endParaRPr lang="en-US" dirty="0"/>
           </a:p>

--- a/lectures/13.visitor/visitor.pptx
+++ b/lectures/13.visitor/visitor.pptx
@@ -5,51 +5,53 @@
     <p:sldMasterId id="2147483684" r:id="rId1"/>
   </p:sldMasterIdLst>
   <p:notesMasterIdLst>
-    <p:notesMasterId r:id="rId39"/>
+    <p:notesMasterId r:id="rId41"/>
   </p:notesMasterIdLst>
   <p:sldIdLst>
     <p:sldId id="320" r:id="rId2"/>
-    <p:sldId id="262" r:id="rId3"/>
-    <p:sldId id="323" r:id="rId4"/>
-    <p:sldId id="272" r:id="rId5"/>
-    <p:sldId id="322" r:id="rId6"/>
-    <p:sldId id="258" r:id="rId7"/>
-    <p:sldId id="265" r:id="rId8"/>
-    <p:sldId id="261" r:id="rId9"/>
-    <p:sldId id="266" r:id="rId10"/>
-    <p:sldId id="259" r:id="rId11"/>
-    <p:sldId id="260" r:id="rId12"/>
-    <p:sldId id="257" r:id="rId13"/>
-    <p:sldId id="268" r:id="rId14"/>
-    <p:sldId id="275" r:id="rId15"/>
-    <p:sldId id="274" r:id="rId16"/>
-    <p:sldId id="269" r:id="rId17"/>
-    <p:sldId id="270" r:id="rId18"/>
-    <p:sldId id="271" r:id="rId19"/>
-    <p:sldId id="263" r:id="rId20"/>
-    <p:sldId id="264" r:id="rId21"/>
-    <p:sldId id="276" r:id="rId22"/>
-    <p:sldId id="324" r:id="rId23"/>
-    <p:sldId id="325" r:id="rId24"/>
-    <p:sldId id="326" r:id="rId25"/>
-    <p:sldId id="277" r:id="rId26"/>
-    <p:sldId id="327" r:id="rId27"/>
-    <p:sldId id="278" r:id="rId28"/>
-    <p:sldId id="279" r:id="rId29"/>
-    <p:sldId id="280" r:id="rId30"/>
-    <p:sldId id="281" r:id="rId31"/>
-    <p:sldId id="282" r:id="rId32"/>
-    <p:sldId id="283" r:id="rId33"/>
-    <p:sldId id="284" r:id="rId34"/>
-    <p:sldId id="285" r:id="rId35"/>
-    <p:sldId id="328" r:id="rId36"/>
-    <p:sldId id="329" r:id="rId37"/>
-    <p:sldId id="330" r:id="rId38"/>
+    <p:sldId id="331" r:id="rId3"/>
+    <p:sldId id="333" r:id="rId4"/>
+    <p:sldId id="262" r:id="rId5"/>
+    <p:sldId id="323" r:id="rId6"/>
+    <p:sldId id="272" r:id="rId7"/>
+    <p:sldId id="322" r:id="rId8"/>
+    <p:sldId id="258" r:id="rId9"/>
+    <p:sldId id="265" r:id="rId10"/>
+    <p:sldId id="261" r:id="rId11"/>
+    <p:sldId id="266" r:id="rId12"/>
+    <p:sldId id="259" r:id="rId13"/>
+    <p:sldId id="260" r:id="rId14"/>
+    <p:sldId id="257" r:id="rId15"/>
+    <p:sldId id="268" r:id="rId16"/>
+    <p:sldId id="275" r:id="rId17"/>
+    <p:sldId id="274" r:id="rId18"/>
+    <p:sldId id="269" r:id="rId19"/>
+    <p:sldId id="270" r:id="rId20"/>
+    <p:sldId id="271" r:id="rId21"/>
+    <p:sldId id="263" r:id="rId22"/>
+    <p:sldId id="264" r:id="rId23"/>
+    <p:sldId id="276" r:id="rId24"/>
+    <p:sldId id="324" r:id="rId25"/>
+    <p:sldId id="325" r:id="rId26"/>
+    <p:sldId id="326" r:id="rId27"/>
+    <p:sldId id="277" r:id="rId28"/>
+    <p:sldId id="327" r:id="rId29"/>
+    <p:sldId id="278" r:id="rId30"/>
+    <p:sldId id="279" r:id="rId31"/>
+    <p:sldId id="280" r:id="rId32"/>
+    <p:sldId id="281" r:id="rId33"/>
+    <p:sldId id="282" r:id="rId34"/>
+    <p:sldId id="283" r:id="rId35"/>
+    <p:sldId id="284" r:id="rId36"/>
+    <p:sldId id="285" r:id="rId37"/>
+    <p:sldId id="328" r:id="rId38"/>
+    <p:sldId id="329" r:id="rId39"/>
+    <p:sldId id="330" r:id="rId40"/>
   </p:sldIdLst>
   <p:sldSz cx="12192000" cy="6858000"/>
   <p:notesSz cx="6858000" cy="9144000"/>
   <p:custDataLst>
-    <p:tags r:id="rId40"/>
+    <p:tags r:id="rId42"/>
   </p:custDataLst>
   <p:defaultTextStyle>
     <a:defPPr>
@@ -247,7 +249,7 @@
           <a:p>
             <a:fld id="{2F3DCB6D-0B48-4A3D-B663-06C3F903A9D3}" type="datetimeFigureOut">
               <a:rPr lang="ru-RU" smtClean="0"/>
-              <a:t>29.11.2024</a:t>
+              <a:t>20.01.2025</a:t>
             </a:fld>
             <a:endParaRPr lang="ru-RU"/>
           </a:p>
@@ -587,7 +589,7 @@
             <a:fld id="{2BA51D53-1D63-4A9F-8701-A073A0EC8030}" type="slidenum">
               <a:rPr lang="ru-RU" smtClean="0"/>
               <a:pPr/>
-              <a:t>2</a:t>
+              <a:t>4</a:t>
             </a:fld>
             <a:endParaRPr lang="ru-RU"/>
           </a:p>
@@ -679,7 +681,7 @@
             <a:fld id="{2BA51D53-1D63-4A9F-8701-A073A0EC8030}" type="slidenum">
               <a:rPr lang="ru-RU" smtClean="0"/>
               <a:pPr/>
-              <a:t>19</a:t>
+              <a:t>21</a:t>
             </a:fld>
             <a:endParaRPr lang="ru-RU"/>
           </a:p>
@@ -771,7 +773,7 @@
             <a:fld id="{2BA51D53-1D63-4A9F-8701-A073A0EC8030}" type="slidenum">
               <a:rPr lang="ru-RU" smtClean="0"/>
               <a:pPr/>
-              <a:t>20</a:t>
+              <a:t>22</a:t>
             </a:fld>
             <a:endParaRPr lang="ru-RU"/>
           </a:p>
@@ -855,7 +857,7 @@
           <a:p>
             <a:fld id="{C72A1285-F988-4153-B7C5-B887A867730D}" type="slidenum">
               <a:rPr lang="ru-RU" smtClean="0"/>
-              <a:t>23</a:t>
+              <a:t>25</a:t>
             </a:fld>
             <a:endParaRPr lang="ru-RU"/>
           </a:p>
@@ -939,7 +941,7 @@
           <a:p>
             <a:fld id="{C72A1285-F988-4153-B7C5-B887A867730D}" type="slidenum">
               <a:rPr lang="ru-RU" smtClean="0"/>
-              <a:t>25</a:t>
+              <a:t>27</a:t>
             </a:fld>
             <a:endParaRPr lang="ru-RU"/>
           </a:p>
@@ -1047,7 +1049,7 @@
           <a:p>
             <a:fld id="{C72A1285-F988-4153-B7C5-B887A867730D}" type="slidenum">
               <a:rPr lang="ru-RU" smtClean="0"/>
-              <a:t>26</a:t>
+              <a:t>28</a:t>
             </a:fld>
             <a:endParaRPr lang="ru-RU"/>
           </a:p>
@@ -1163,7 +1165,7 @@
             <a:fld id="{2BA51D53-1D63-4A9F-8701-A073A0EC8030}" type="slidenum">
               <a:rPr lang="ru-RU" smtClean="0"/>
               <a:pPr/>
-              <a:t>3</a:t>
+              <a:t>5</a:t>
             </a:fld>
             <a:endParaRPr lang="ru-RU"/>
           </a:p>
@@ -1255,7 +1257,7 @@
             <a:fld id="{2BA51D53-1D63-4A9F-8701-A073A0EC8030}" type="slidenum">
               <a:rPr lang="ru-RU" smtClean="0"/>
               <a:pPr/>
-              <a:t>6</a:t>
+              <a:t>8</a:t>
             </a:fld>
             <a:endParaRPr lang="ru-RU"/>
           </a:p>
@@ -1344,7 +1346,7 @@
           <a:p>
             <a:fld id="{C72A1285-F988-4153-B7C5-B887A867730D}" type="slidenum">
               <a:rPr lang="ru-RU" smtClean="0"/>
-              <a:t>7</a:t>
+              <a:t>9</a:t>
             </a:fld>
             <a:endParaRPr lang="ru-RU"/>
           </a:p>
@@ -1436,7 +1438,7 @@
             <a:fld id="{2BA51D53-1D63-4A9F-8701-A073A0EC8030}" type="slidenum">
               <a:rPr lang="ru-RU" smtClean="0"/>
               <a:pPr/>
-              <a:t>8</a:t>
+              <a:t>10</a:t>
             </a:fld>
             <a:endParaRPr lang="ru-RU"/>
           </a:p>
@@ -1551,7 +1553,7 @@
           <a:p>
             <a:fld id="{C72A1285-F988-4153-B7C5-B887A867730D}" type="slidenum">
               <a:rPr lang="ru-RU" smtClean="0"/>
-              <a:t>9</a:t>
+              <a:t>11</a:t>
             </a:fld>
             <a:endParaRPr lang="ru-RU"/>
           </a:p>
@@ -1643,7 +1645,7 @@
             <a:fld id="{2BA51D53-1D63-4A9F-8701-A073A0EC8030}" type="slidenum">
               <a:rPr lang="ru-RU" smtClean="0"/>
               <a:pPr/>
-              <a:t>10</a:t>
+              <a:t>12</a:t>
             </a:fld>
             <a:endParaRPr lang="ru-RU"/>
           </a:p>
@@ -1735,7 +1737,7 @@
             <a:fld id="{2BA51D53-1D63-4A9F-8701-A073A0EC8030}" type="slidenum">
               <a:rPr lang="ru-RU" smtClean="0"/>
               <a:pPr/>
-              <a:t>11</a:t>
+              <a:t>13</a:t>
             </a:fld>
             <a:endParaRPr lang="ru-RU"/>
           </a:p>
@@ -1823,7 +1825,7 @@
           <a:p>
             <a:fld id="{C72A1285-F988-4153-B7C5-B887A867730D}" type="slidenum">
               <a:rPr lang="ru-RU" smtClean="0"/>
-              <a:t>17</a:t>
+              <a:t>19</a:t>
             </a:fld>
             <a:endParaRPr lang="ru-RU"/>
           </a:p>
@@ -1989,7 +1991,7 @@
           <a:p>
             <a:fld id="{2590F9C9-AB92-4E86-B698-DEC9BF4350FF}" type="datetimeFigureOut">
               <a:rPr lang="ru-RU" smtClean="0"/>
-              <a:t>29.11.2024</a:t>
+              <a:t>20.01.2025</a:t>
             </a:fld>
             <a:endParaRPr lang="ru-RU"/>
           </a:p>
@@ -2187,7 +2189,7 @@
           <a:p>
             <a:fld id="{2590F9C9-AB92-4E86-B698-DEC9BF4350FF}" type="datetimeFigureOut">
               <a:rPr lang="ru-RU" smtClean="0"/>
-              <a:t>29.11.2024</a:t>
+              <a:t>20.01.2025</a:t>
             </a:fld>
             <a:endParaRPr lang="ru-RU"/>
           </a:p>
@@ -2395,7 +2397,7 @@
           <a:p>
             <a:fld id="{2590F9C9-AB92-4E86-B698-DEC9BF4350FF}" type="datetimeFigureOut">
               <a:rPr lang="ru-RU" smtClean="0"/>
-              <a:t>29.11.2024</a:t>
+              <a:t>20.01.2025</a:t>
             </a:fld>
             <a:endParaRPr lang="ru-RU"/>
           </a:p>
@@ -2593,7 +2595,7 @@
           <a:p>
             <a:fld id="{2590F9C9-AB92-4E86-B698-DEC9BF4350FF}" type="datetimeFigureOut">
               <a:rPr lang="ru-RU" smtClean="0"/>
-              <a:t>29.11.2024</a:t>
+              <a:t>20.01.2025</a:t>
             </a:fld>
             <a:endParaRPr lang="ru-RU"/>
           </a:p>
@@ -2868,7 +2870,7 @@
           <a:p>
             <a:fld id="{2590F9C9-AB92-4E86-B698-DEC9BF4350FF}" type="datetimeFigureOut">
               <a:rPr lang="ru-RU" smtClean="0"/>
-              <a:t>29.11.2024</a:t>
+              <a:t>20.01.2025</a:t>
             </a:fld>
             <a:endParaRPr lang="ru-RU"/>
           </a:p>
@@ -3133,7 +3135,7 @@
           <a:p>
             <a:fld id="{2590F9C9-AB92-4E86-B698-DEC9BF4350FF}" type="datetimeFigureOut">
               <a:rPr lang="ru-RU" smtClean="0"/>
-              <a:t>29.11.2024</a:t>
+              <a:t>20.01.2025</a:t>
             </a:fld>
             <a:endParaRPr lang="ru-RU"/>
           </a:p>
@@ -3545,7 +3547,7 @@
           <a:p>
             <a:fld id="{2590F9C9-AB92-4E86-B698-DEC9BF4350FF}" type="datetimeFigureOut">
               <a:rPr lang="ru-RU" smtClean="0"/>
-              <a:t>29.11.2024</a:t>
+              <a:t>20.01.2025</a:t>
             </a:fld>
             <a:endParaRPr lang="ru-RU"/>
           </a:p>
@@ -3686,7 +3688,7 @@
           <a:p>
             <a:fld id="{2590F9C9-AB92-4E86-B698-DEC9BF4350FF}" type="datetimeFigureOut">
               <a:rPr lang="ru-RU" smtClean="0"/>
-              <a:t>29.11.2024</a:t>
+              <a:t>20.01.2025</a:t>
             </a:fld>
             <a:endParaRPr lang="ru-RU"/>
           </a:p>
@@ -3799,7 +3801,7 @@
           <a:p>
             <a:fld id="{2590F9C9-AB92-4E86-B698-DEC9BF4350FF}" type="datetimeFigureOut">
               <a:rPr lang="ru-RU" smtClean="0"/>
-              <a:t>29.11.2024</a:t>
+              <a:t>20.01.2025</a:t>
             </a:fld>
             <a:endParaRPr lang="ru-RU"/>
           </a:p>
@@ -4110,7 +4112,7 @@
           <a:p>
             <a:fld id="{2590F9C9-AB92-4E86-B698-DEC9BF4350FF}" type="datetimeFigureOut">
               <a:rPr lang="ru-RU" smtClean="0"/>
-              <a:t>29.11.2024</a:t>
+              <a:t>20.01.2025</a:t>
             </a:fld>
             <a:endParaRPr lang="ru-RU"/>
           </a:p>
@@ -4398,7 +4400,7 @@
           <a:p>
             <a:fld id="{2590F9C9-AB92-4E86-B698-DEC9BF4350FF}" type="datetimeFigureOut">
               <a:rPr lang="ru-RU" smtClean="0"/>
-              <a:t>29.11.2024</a:t>
+              <a:t>20.01.2025</a:t>
             </a:fld>
             <a:endParaRPr lang="ru-RU"/>
           </a:p>
@@ -4639,7 +4641,7 @@
           <a:p>
             <a:fld id="{2590F9C9-AB92-4E86-B698-DEC9BF4350FF}" type="datetimeFigureOut">
               <a:rPr lang="ru-RU" smtClean="0"/>
-              <a:t>29.11.2024</a:t>
+              <a:t>20.01.2025</a:t>
             </a:fld>
             <a:endParaRPr lang="ru-RU"/>
           </a:p>
@@ -5266,6 +5268,395 @@
       </p:grpSpPr>
       <p:sp>
         <p:nvSpPr>
+          <p:cNvPr id="2" name="Заголовок 1"/>
+          <p:cNvSpPr>
+            <a:spLocks noGrp="1"/>
+          </p:cNvSpPr>
+          <p:nvPr>
+            <p:ph type="title"/>
+          </p:nvPr>
+        </p:nvSpPr>
+        <p:spPr/>
+        <p:txBody>
+          <a:bodyPr/>
+          <a:lstStyle/>
+          <a:p>
+            <a:r>
+              <a:rPr lang="ru-RU" dirty="0"/>
+              <a:t>Отношения</a:t>
+            </a:r>
+          </a:p>
+        </p:txBody>
+      </p:sp>
+      <p:sp>
+        <p:nvSpPr>
+          <p:cNvPr id="3" name="Содержимое 2"/>
+          <p:cNvSpPr>
+            <a:spLocks noGrp="1"/>
+          </p:cNvSpPr>
+          <p:nvPr>
+            <p:ph idx="1"/>
+          </p:nvPr>
+        </p:nvSpPr>
+        <p:spPr/>
+        <p:txBody>
+          <a:bodyPr/>
+          <a:lstStyle/>
+          <a:p>
+            <a:r>
+              <a:rPr lang="ru-RU" dirty="0"/>
+              <a:t>Клиент создаёт объект класса </a:t>
+            </a:r>
+            <a:r>
+              <a:rPr lang="en-US" b="1" dirty="0" err="1"/>
+              <a:t>ConcreteVisitor</a:t>
+            </a:r>
+            <a:r>
+              <a:rPr lang="ru-RU" dirty="0"/>
+              <a:t>, и обходит каждый элемент структуры</a:t>
+            </a:r>
+          </a:p>
+          <a:p>
+            <a:pPr lvl="1"/>
+            <a:r>
+              <a:rPr lang="ru-RU" dirty="0"/>
+              <a:t>У каждого объекта вызывает метод </a:t>
+            </a:r>
+            <a:r>
+              <a:rPr lang="en-US" b="1" dirty="0"/>
+              <a:t>Accept</a:t>
+            </a:r>
+            <a:r>
+              <a:rPr lang="ru-RU" dirty="0"/>
+              <a:t>, куда передаёт посетителя</a:t>
+            </a:r>
+          </a:p>
+          <a:p>
+            <a:r>
+              <a:rPr lang="ru-RU" dirty="0"/>
+              <a:t>Посещаемый элемент вызывает операцию </a:t>
+            </a:r>
+            <a:r>
+              <a:rPr lang="en-US" b="1" dirty="0"/>
+              <a:t>Visit</a:t>
+            </a:r>
+            <a:r>
+              <a:rPr lang="en-US" dirty="0"/>
+              <a:t> </a:t>
+            </a:r>
+            <a:r>
+              <a:rPr lang="ru-RU" dirty="0"/>
+              <a:t>посетителя, соответствующую своему классу, и передает себя в качестве аргумента</a:t>
+            </a:r>
+          </a:p>
+        </p:txBody>
+      </p:sp>
+    </p:spTree>
+    <p:extLst>
+      <p:ext uri="{BB962C8B-B14F-4D97-AF65-F5344CB8AC3E}">
+        <p14:creationId xmlns:p14="http://schemas.microsoft.com/office/powerpoint/2010/main" val="1257085805"/>
+      </p:ext>
+    </p:extLst>
+  </p:cSld>
+  <p:clrMapOvr>
+    <a:masterClrMapping/>
+  </p:clrMapOvr>
+  <p:timing>
+    <p:tnLst>
+      <p:par>
+        <p:cTn id="1" dur="indefinite" restart="never" nodeType="tmRoot">
+          <p:childTnLst>
+            <p:seq concurrent="1" nextAc="seek">
+              <p:cTn id="2" dur="indefinite" nodeType="mainSeq">
+                <p:childTnLst>
+                  <p:par>
+                    <p:cTn id="3" fill="hold">
+                      <p:stCondLst>
+                        <p:cond delay="indefinite"/>
+                      </p:stCondLst>
+                      <p:childTnLst>
+                        <p:par>
+                          <p:cTn id="4" fill="hold">
+                            <p:stCondLst>
+                              <p:cond delay="0"/>
+                            </p:stCondLst>
+                            <p:childTnLst>
+                              <p:par>
+                                <p:cTn id="5" presetID="10" presetClass="entr" presetSubtype="0" fill="hold" grpId="0" nodeType="clickEffect">
+                                  <p:stCondLst>
+                                    <p:cond delay="0"/>
+                                  </p:stCondLst>
+                                  <p:childTnLst>
+                                    <p:set>
+                                      <p:cBhvr>
+                                        <p:cTn id="6" dur="1" fill="hold">
+                                          <p:stCondLst>
+                                            <p:cond delay="0"/>
+                                          </p:stCondLst>
+                                        </p:cTn>
+                                        <p:tgtEl>
+                                          <p:spTgt spid="3">
+                                            <p:txEl>
+                                              <p:pRg st="0" end="0"/>
+                                            </p:txEl>
+                                          </p:spTgt>
+                                        </p:tgtEl>
+                                        <p:attrNameLst>
+                                          <p:attrName>style.visibility</p:attrName>
+                                        </p:attrNameLst>
+                                      </p:cBhvr>
+                                      <p:to>
+                                        <p:strVal val="visible"/>
+                                      </p:to>
+                                    </p:set>
+                                    <p:animEffect transition="in" filter="fade">
+                                      <p:cBhvr>
+                                        <p:cTn id="7" dur="500"/>
+                                        <p:tgtEl>
+                                          <p:spTgt spid="3">
+                                            <p:txEl>
+                                              <p:pRg st="0" end="0"/>
+                                            </p:txEl>
+                                          </p:spTgt>
+                                        </p:tgtEl>
+                                      </p:cBhvr>
+                                    </p:animEffect>
+                                  </p:childTnLst>
+                                </p:cTn>
+                              </p:par>
+                              <p:par>
+                                <p:cTn id="8" presetID="10" presetClass="entr" presetSubtype="0" fill="hold" grpId="0" nodeType="withEffect">
+                                  <p:stCondLst>
+                                    <p:cond delay="0"/>
+                                  </p:stCondLst>
+                                  <p:childTnLst>
+                                    <p:set>
+                                      <p:cBhvr>
+                                        <p:cTn id="9" dur="1" fill="hold">
+                                          <p:stCondLst>
+                                            <p:cond delay="0"/>
+                                          </p:stCondLst>
+                                        </p:cTn>
+                                        <p:tgtEl>
+                                          <p:spTgt spid="3">
+                                            <p:txEl>
+                                              <p:pRg st="1" end="1"/>
+                                            </p:txEl>
+                                          </p:spTgt>
+                                        </p:tgtEl>
+                                        <p:attrNameLst>
+                                          <p:attrName>style.visibility</p:attrName>
+                                        </p:attrNameLst>
+                                      </p:cBhvr>
+                                      <p:to>
+                                        <p:strVal val="visible"/>
+                                      </p:to>
+                                    </p:set>
+                                    <p:animEffect transition="in" filter="fade">
+                                      <p:cBhvr>
+                                        <p:cTn id="10" dur="500"/>
+                                        <p:tgtEl>
+                                          <p:spTgt spid="3">
+                                            <p:txEl>
+                                              <p:pRg st="1" end="1"/>
+                                            </p:txEl>
+                                          </p:spTgt>
+                                        </p:tgtEl>
+                                      </p:cBhvr>
+                                    </p:animEffect>
+                                  </p:childTnLst>
+                                </p:cTn>
+                              </p:par>
+                            </p:childTnLst>
+                          </p:cTn>
+                        </p:par>
+                      </p:childTnLst>
+                    </p:cTn>
+                  </p:par>
+                  <p:par>
+                    <p:cTn id="11" fill="hold">
+                      <p:stCondLst>
+                        <p:cond delay="indefinite"/>
+                      </p:stCondLst>
+                      <p:childTnLst>
+                        <p:par>
+                          <p:cTn id="12" fill="hold">
+                            <p:stCondLst>
+                              <p:cond delay="0"/>
+                            </p:stCondLst>
+                            <p:childTnLst>
+                              <p:par>
+                                <p:cTn id="13" presetID="10" presetClass="entr" presetSubtype="0" fill="hold" grpId="0" nodeType="clickEffect">
+                                  <p:stCondLst>
+                                    <p:cond delay="0"/>
+                                  </p:stCondLst>
+                                  <p:childTnLst>
+                                    <p:set>
+                                      <p:cBhvr>
+                                        <p:cTn id="14" dur="1" fill="hold">
+                                          <p:stCondLst>
+                                            <p:cond delay="0"/>
+                                          </p:stCondLst>
+                                        </p:cTn>
+                                        <p:tgtEl>
+                                          <p:spTgt spid="3">
+                                            <p:txEl>
+                                              <p:pRg st="2" end="2"/>
+                                            </p:txEl>
+                                          </p:spTgt>
+                                        </p:tgtEl>
+                                        <p:attrNameLst>
+                                          <p:attrName>style.visibility</p:attrName>
+                                        </p:attrNameLst>
+                                      </p:cBhvr>
+                                      <p:to>
+                                        <p:strVal val="visible"/>
+                                      </p:to>
+                                    </p:set>
+                                    <p:animEffect transition="in" filter="fade">
+                                      <p:cBhvr>
+                                        <p:cTn id="15" dur="500"/>
+                                        <p:tgtEl>
+                                          <p:spTgt spid="3">
+                                            <p:txEl>
+                                              <p:pRg st="2" end="2"/>
+                                            </p:txEl>
+                                          </p:spTgt>
+                                        </p:tgtEl>
+                                      </p:cBhvr>
+                                    </p:animEffect>
+                                  </p:childTnLst>
+                                </p:cTn>
+                              </p:par>
+                            </p:childTnLst>
+                          </p:cTn>
+                        </p:par>
+                      </p:childTnLst>
+                    </p:cTn>
+                  </p:par>
+                </p:childTnLst>
+              </p:cTn>
+              <p:prevCondLst>
+                <p:cond evt="onPrev" delay="0">
+                  <p:tgtEl>
+                    <p:sldTgt/>
+                  </p:tgtEl>
+                </p:cond>
+              </p:prevCondLst>
+              <p:nextCondLst>
+                <p:cond evt="onNext" delay="0">
+                  <p:tgtEl>
+                    <p:sldTgt/>
+                  </p:tgtEl>
+                </p:cond>
+              </p:nextCondLst>
+            </p:seq>
+          </p:childTnLst>
+        </p:cTn>
+      </p:par>
+    </p:tnLst>
+    <p:bldLst>
+      <p:bldP spid="3" grpId="0" build="p"/>
+    </p:bldLst>
+  </p:timing>
+</p:sld>
+</file>
+
+<file path=ppt/slides/slide11.xml><?xml version="1.0" encoding="utf-8"?>
+<p:sld xmlns:a="http://schemas.openxmlformats.org/drawingml/2006/main" xmlns:r="http://schemas.openxmlformats.org/officeDocument/2006/relationships" xmlns:p="http://schemas.openxmlformats.org/presentationml/2006/main">
+  <p:cSld>
+    <p:spTree>
+      <p:nvGrpSpPr>
+        <p:cNvPr id="1" name=""/>
+        <p:cNvGrpSpPr/>
+        <p:nvPr/>
+      </p:nvGrpSpPr>
+      <p:grpSpPr>
+        <a:xfrm>
+          <a:off x="0" y="0"/>
+          <a:ext cx="0" cy="0"/>
+          <a:chOff x="0" y="0"/>
+          <a:chExt cx="0" cy="0"/>
+        </a:xfrm>
+      </p:grpSpPr>
+      <p:sp>
+        <p:nvSpPr>
+          <p:cNvPr id="4" name="Title 3"/>
+          <p:cNvSpPr>
+            <a:spLocks noGrp="1"/>
+          </p:cNvSpPr>
+          <p:nvPr>
+            <p:ph type="title"/>
+          </p:nvPr>
+        </p:nvSpPr>
+        <p:spPr/>
+        <p:txBody>
+          <a:bodyPr/>
+          <a:lstStyle/>
+          <a:p>
+            <a:r>
+              <a:rPr lang="ru-RU" dirty="0"/>
+              <a:t>Диаграмма взаимодействий</a:t>
+            </a:r>
+          </a:p>
+        </p:txBody>
+      </p:sp>
+      <p:pic>
+        <p:nvPicPr>
+          <p:cNvPr id="8" name="Picture 7"/>
+          <p:cNvPicPr>
+            <a:picLocks noChangeAspect="1"/>
+          </p:cNvPicPr>
+          <p:nvPr/>
+        </p:nvPicPr>
+        <p:blipFill>
+          <a:blip r:embed="rId3"/>
+          <a:stretch>
+            <a:fillRect/>
+          </a:stretch>
+        </p:blipFill>
+        <p:spPr>
+          <a:xfrm>
+            <a:off x="838201" y="1929867"/>
+            <a:ext cx="10311534" cy="4510434"/>
+          </a:xfrm>
+          <a:prstGeom prst="rect">
+            <a:avLst/>
+          </a:prstGeom>
+        </p:spPr>
+      </p:pic>
+    </p:spTree>
+    <p:extLst>
+      <p:ext uri="{BB962C8B-B14F-4D97-AF65-F5344CB8AC3E}">
+        <p14:creationId xmlns:p14="http://schemas.microsoft.com/office/powerpoint/2010/main" val="3746428033"/>
+      </p:ext>
+    </p:extLst>
+  </p:cSld>
+  <p:clrMapOvr>
+    <a:masterClrMapping/>
+  </p:clrMapOvr>
+</p:sld>
+</file>
+
+<file path=ppt/slides/slide12.xml><?xml version="1.0" encoding="utf-8"?>
+<p:sld xmlns:a="http://schemas.openxmlformats.org/drawingml/2006/main" xmlns:r="http://schemas.openxmlformats.org/officeDocument/2006/relationships" xmlns:p="http://schemas.openxmlformats.org/presentationml/2006/main">
+  <p:cSld>
+    <p:spTree>
+      <p:nvGrpSpPr>
+        <p:cNvPr id="1" name=""/>
+        <p:cNvGrpSpPr/>
+        <p:nvPr/>
+      </p:nvGrpSpPr>
+      <p:grpSpPr>
+        <a:xfrm>
+          <a:off x="0" y="0"/>
+          <a:ext cx="0" cy="0"/>
+          <a:chOff x="0" y="0"/>
+          <a:chExt cx="0" cy="0"/>
+        </a:xfrm>
+      </p:grpSpPr>
+      <p:sp>
+        <p:nvSpPr>
           <p:cNvPr id="51202" name="Rectangle 2"/>
           <p:cNvSpPr>
             <a:spLocks noGrp="1" noChangeArrowheads="1"/>
@@ -5648,7 +6039,7 @@
 </p:sld>
 </file>
 
-<file path=ppt/slides/slide11.xml><?xml version="1.0" encoding="utf-8"?>
+<file path=ppt/slides/slide13.xml><?xml version="1.0" encoding="utf-8"?>
 <p:sld xmlns:a="http://schemas.openxmlformats.org/drawingml/2006/main" xmlns:r="http://schemas.openxmlformats.org/officeDocument/2006/relationships" xmlns:p="http://schemas.openxmlformats.org/presentationml/2006/main">
   <p:cSld>
     <p:spTree>
@@ -5749,7 +6140,7 @@
 </p:sld>
 </file>
 
-<file path=ppt/slides/slide12.xml><?xml version="1.0" encoding="utf-8"?>
+<file path=ppt/slides/slide14.xml><?xml version="1.0" encoding="utf-8"?>
 <p:sld xmlns:a="http://schemas.openxmlformats.org/drawingml/2006/main" xmlns:r="http://schemas.openxmlformats.org/officeDocument/2006/relationships" xmlns:p="http://schemas.openxmlformats.org/presentationml/2006/main">
   <p:cSld>
     <p:spTree>
@@ -5832,7 +6223,7 @@
 </p:sld>
 </file>
 
-<file path=ppt/slides/slide13.xml><?xml version="1.0" encoding="utf-8"?>
+<file path=ppt/slides/slide15.xml><?xml version="1.0" encoding="utf-8"?>
 <p:sld xmlns:a="http://schemas.openxmlformats.org/drawingml/2006/main" xmlns:r="http://schemas.openxmlformats.org/officeDocument/2006/relationships" xmlns:p="http://schemas.openxmlformats.org/presentationml/2006/main">
   <p:cSld>
     <p:spTree>
@@ -6870,7 +7261,7 @@
 </p:sld>
 </file>
 
-<file path=ppt/slides/slide14.xml><?xml version="1.0" encoding="utf-8"?>
+<file path=ppt/slides/slide16.xml><?xml version="1.0" encoding="utf-8"?>
 <p:sld xmlns:a="http://schemas.openxmlformats.org/drawingml/2006/main" xmlns:r="http://schemas.openxmlformats.org/officeDocument/2006/relationships" xmlns:p="http://schemas.openxmlformats.org/presentationml/2006/main">
   <p:cSld>
     <p:spTree>
@@ -8532,7 +8923,7 @@
 </p:sld>
 </file>
 
-<file path=ppt/slides/slide15.xml><?xml version="1.0" encoding="utf-8"?>
+<file path=ppt/slides/slide17.xml><?xml version="1.0" encoding="utf-8"?>
 <p:sld xmlns:a="http://schemas.openxmlformats.org/drawingml/2006/main" xmlns:r="http://schemas.openxmlformats.org/officeDocument/2006/relationships" xmlns:p="http://schemas.openxmlformats.org/presentationml/2006/main">
   <p:cSld>
     <p:spTree>
@@ -9783,7 +10174,7 @@
 </p:sld>
 </file>
 
-<file path=ppt/slides/slide16.xml><?xml version="1.0" encoding="utf-8"?>
+<file path=ppt/slides/slide18.xml><?xml version="1.0" encoding="utf-8"?>
 <p:sld xmlns:a="http://schemas.openxmlformats.org/drawingml/2006/main" xmlns:r="http://schemas.openxmlformats.org/officeDocument/2006/relationships" xmlns:p="http://schemas.openxmlformats.org/presentationml/2006/main">
   <p:cSld>
     <p:spTree>
@@ -11688,7 +12079,7 @@
 </p:sld>
 </file>
 
-<file path=ppt/slides/slide17.xml><?xml version="1.0" encoding="utf-8"?>
+<file path=ppt/slides/slide19.xml><?xml version="1.0" encoding="utf-8"?>
 <p:sld xmlns:a="http://schemas.openxmlformats.org/drawingml/2006/main" xmlns:r="http://schemas.openxmlformats.org/officeDocument/2006/relationships" xmlns:p="http://schemas.openxmlformats.org/presentationml/2006/main">
   <p:cSld>
     <p:spTree>
@@ -15074,7 +15465,211 @@
 </p:sld>
 </file>
 
-<file path=ppt/slides/slide18.xml><?xml version="1.0" encoding="utf-8"?>
+<file path=ppt/slides/slide2.xml><?xml version="1.0" encoding="utf-8"?>
+<p:sld xmlns:a="http://schemas.openxmlformats.org/drawingml/2006/main" xmlns:r="http://schemas.openxmlformats.org/officeDocument/2006/relationships" xmlns:p="http://schemas.openxmlformats.org/presentationml/2006/main" show="0">
+  <p:cSld>
+    <p:spTree>
+      <p:nvGrpSpPr>
+        <p:cNvPr id="1" name="">
+          <a:extLst>
+            <a:ext uri="{FF2B5EF4-FFF2-40B4-BE49-F238E27FC236}">
+              <a16:creationId xmlns:a16="http://schemas.microsoft.com/office/drawing/2014/main" id="{62C0429B-7892-4042-B3D4-76FF2B6A1AC5}"/>
+            </a:ext>
+          </a:extLst>
+        </p:cNvPr>
+        <p:cNvGrpSpPr/>
+        <p:nvPr/>
+      </p:nvGrpSpPr>
+      <p:grpSpPr>
+        <a:xfrm>
+          <a:off x="0" y="0"/>
+          <a:ext cx="0" cy="0"/>
+          <a:chOff x="0" y="0"/>
+          <a:chExt cx="0" cy="0"/>
+        </a:xfrm>
+      </p:grpSpPr>
+      <p:pic>
+        <p:nvPicPr>
+          <p:cNvPr id="5" name="Picture 4">
+            <a:extLst>
+              <a:ext uri="{FF2B5EF4-FFF2-40B4-BE49-F238E27FC236}">
+                <a16:creationId xmlns:a16="http://schemas.microsoft.com/office/drawing/2014/main" id="{4C8350F4-B994-3A1D-FD6A-332485504543}"/>
+              </a:ext>
+            </a:extLst>
+          </p:cNvPr>
+          <p:cNvPicPr>
+            <a:picLocks noChangeAspect="1"/>
+          </p:cNvPicPr>
+          <p:nvPr/>
+        </p:nvPicPr>
+        <p:blipFill>
+          <a:blip r:embed="rId2"/>
+          <a:stretch>
+            <a:fillRect/>
+          </a:stretch>
+        </p:blipFill>
+        <p:spPr>
+          <a:xfrm>
+            <a:off x="0" y="0"/>
+            <a:ext cx="12191999" cy="6858000"/>
+          </a:xfrm>
+          <a:prstGeom prst="rect">
+            <a:avLst/>
+          </a:prstGeom>
+        </p:spPr>
+      </p:pic>
+      <p:sp>
+        <p:nvSpPr>
+          <p:cNvPr id="2" name="Заголовок 1">
+            <a:extLst>
+              <a:ext uri="{FF2B5EF4-FFF2-40B4-BE49-F238E27FC236}">
+                <a16:creationId xmlns:a16="http://schemas.microsoft.com/office/drawing/2014/main" id="{8364A0BF-A1F9-6146-CAEC-30743E92517D}"/>
+              </a:ext>
+            </a:extLst>
+          </p:cNvPr>
+          <p:cNvSpPr>
+            <a:spLocks noGrp="1"/>
+          </p:cNvSpPr>
+          <p:nvPr>
+            <p:ph type="ctrTitle"/>
+          </p:nvPr>
+        </p:nvSpPr>
+        <p:spPr>
+          <a:xfrm>
+            <a:off x="335360" y="1122362"/>
+            <a:ext cx="11521280" cy="3962822"/>
+          </a:xfrm>
+        </p:spPr>
+        <p:txBody>
+          <a:bodyPr>
+            <a:noAutofit/>
+          </a:bodyPr>
+          <a:lstStyle/>
+          <a:p>
+            <a:r>
+              <a:rPr lang="ru-RU" sz="8000" dirty="0">
+                <a:solidFill>
+                  <a:schemeClr val="bg1"/>
+                </a:solidFill>
+                <a:effectLst>
+                  <a:outerShdw blurRad="38100" dist="38100" dir="2700000" algn="tl">
+                    <a:srgbClr val="000000">
+                      <a:alpha val="43137"/>
+                    </a:srgbClr>
+                  </a:outerShdw>
+                </a:effectLst>
+                <a:latin typeface="Impact" panose="020B0806030902050204" pitchFamily="34" charset="0"/>
+              </a:rPr>
+              <a:t>Паттерн</a:t>
+            </a:r>
+            <a:br>
+              <a:rPr lang="en-US" sz="8000" dirty="0">
+                <a:solidFill>
+                  <a:schemeClr val="bg1"/>
+                </a:solidFill>
+                <a:effectLst>
+                  <a:outerShdw blurRad="38100" dist="38100" dir="2700000" algn="tl">
+                    <a:srgbClr val="000000">
+                      <a:alpha val="43137"/>
+                    </a:srgbClr>
+                  </a:outerShdw>
+                </a:effectLst>
+                <a:latin typeface="Impact" panose="020B0806030902050204" pitchFamily="34" charset="0"/>
+              </a:rPr>
+            </a:br>
+            <a:r>
+              <a:rPr lang="ru-RU" sz="8000" dirty="0">
+                <a:solidFill>
+                  <a:schemeClr val="bg1"/>
+                </a:solidFill>
+                <a:effectLst>
+                  <a:outerShdw blurRad="38100" dist="38100" dir="2700000" algn="tl">
+                    <a:srgbClr val="000000">
+                      <a:alpha val="43137"/>
+                    </a:srgbClr>
+                  </a:outerShdw>
+                </a:effectLst>
+                <a:latin typeface="Impact" panose="020B0806030902050204" pitchFamily="34" charset="0"/>
+              </a:rPr>
+              <a:t>проектирования</a:t>
+            </a:r>
+            <a:br>
+              <a:rPr lang="ru-RU" sz="8000" dirty="0">
+                <a:solidFill>
+                  <a:schemeClr val="bg1"/>
+                </a:solidFill>
+                <a:effectLst>
+                  <a:outerShdw blurRad="38100" dist="38100" dir="2700000" algn="tl">
+                    <a:srgbClr val="000000">
+                      <a:alpha val="43137"/>
+                    </a:srgbClr>
+                  </a:outerShdw>
+                </a:effectLst>
+                <a:latin typeface="Impact" panose="020B0806030902050204" pitchFamily="34" charset="0"/>
+              </a:rPr>
+            </a:br>
+            <a:r>
+              <a:rPr lang="ru-RU" sz="8000" dirty="0">
+                <a:solidFill>
+                  <a:schemeClr val="bg1"/>
+                </a:solidFill>
+                <a:effectLst>
+                  <a:outerShdw blurRad="38100" dist="38100" dir="2700000" algn="tl">
+                    <a:srgbClr val="000000">
+                      <a:alpha val="43137"/>
+                    </a:srgbClr>
+                  </a:outerShdw>
+                </a:effectLst>
+                <a:latin typeface="Impact" panose="020B0806030902050204" pitchFamily="34" charset="0"/>
+              </a:rPr>
+              <a:t> </a:t>
+            </a:r>
+            <a:r>
+              <a:rPr lang="ru-RU" sz="11500" dirty="0">
+                <a:solidFill>
+                  <a:schemeClr val="bg1"/>
+                </a:solidFill>
+                <a:effectLst>
+                  <a:outerShdw blurRad="38100" dist="38100" dir="2700000" algn="tl">
+                    <a:srgbClr val="000000">
+                      <a:alpha val="43137"/>
+                    </a:srgbClr>
+                  </a:outerShdw>
+                </a:effectLst>
+                <a:latin typeface="Impact" panose="020B0806030902050204" pitchFamily="34" charset="0"/>
+              </a:rPr>
+              <a:t>«Посетитель»</a:t>
+            </a:r>
+            <a:endParaRPr lang="ru-RU" sz="8800" dirty="0">
+              <a:solidFill>
+                <a:schemeClr val="bg1"/>
+              </a:solidFill>
+              <a:effectLst>
+                <a:outerShdw blurRad="38100" dist="38100" dir="2700000" algn="tl">
+                  <a:srgbClr val="000000">
+                    <a:alpha val="43137"/>
+                  </a:srgbClr>
+                </a:outerShdw>
+              </a:effectLst>
+              <a:latin typeface="Impact" panose="020B0806030902050204" pitchFamily="34" charset="0"/>
+            </a:endParaRPr>
+          </a:p>
+        </p:txBody>
+      </p:sp>
+    </p:spTree>
+    <p:extLst>
+      <p:ext uri="{BB962C8B-B14F-4D97-AF65-F5344CB8AC3E}">
+        <p14:creationId xmlns:p14="http://schemas.microsoft.com/office/powerpoint/2010/main" val="164378795"/>
+      </p:ext>
+    </p:extLst>
+  </p:cSld>
+  <p:clrMapOvr>
+    <a:masterClrMapping/>
+  </p:clrMapOvr>
+</p:sld>
+</file>
+
+<file path=ppt/slides/slide20.xml><?xml version="1.0" encoding="utf-8"?>
 <p:sld xmlns:a="http://schemas.openxmlformats.org/drawingml/2006/main" xmlns:r="http://schemas.openxmlformats.org/officeDocument/2006/relationships" xmlns:p="http://schemas.openxmlformats.org/presentationml/2006/main">
   <p:cSld>
     <p:spTree>
@@ -18727,7 +19322,7 @@
 </p:sld>
 </file>
 
-<file path=ppt/slides/slide19.xml><?xml version="1.0" encoding="utf-8"?>
+<file path=ppt/slides/slide21.xml><?xml version="1.0" encoding="utf-8"?>
 <p:sld xmlns:a="http://schemas.openxmlformats.org/drawingml/2006/main" xmlns:r="http://schemas.openxmlformats.org/officeDocument/2006/relationships" xmlns:p="http://schemas.openxmlformats.org/presentationml/2006/main">
   <p:cSld>
     <p:spTree>
@@ -19360,229 +19955,7 @@
 </p:sld>
 </file>
 
-<file path=ppt/slides/slide2.xml><?xml version="1.0" encoding="utf-8"?>
-<p:sld xmlns:a="http://schemas.openxmlformats.org/drawingml/2006/main" xmlns:r="http://schemas.openxmlformats.org/officeDocument/2006/relationships" xmlns:p="http://schemas.openxmlformats.org/presentationml/2006/main">
-  <p:cSld>
-    <p:spTree>
-      <p:nvGrpSpPr>
-        <p:cNvPr id="1" name=""/>
-        <p:cNvGrpSpPr/>
-        <p:nvPr/>
-      </p:nvGrpSpPr>
-      <p:grpSpPr>
-        <a:xfrm>
-          <a:off x="0" y="0"/>
-          <a:ext cx="0" cy="0"/>
-          <a:chOff x="0" y="0"/>
-          <a:chExt cx="0" cy="0"/>
-        </a:xfrm>
-      </p:grpSpPr>
-      <p:sp>
-        <p:nvSpPr>
-          <p:cNvPr id="2" name="Заголовок 1"/>
-          <p:cNvSpPr>
-            <a:spLocks noGrp="1"/>
-          </p:cNvSpPr>
-          <p:nvPr>
-            <p:ph type="title"/>
-          </p:nvPr>
-        </p:nvSpPr>
-        <p:spPr/>
-        <p:txBody>
-          <a:bodyPr/>
-          <a:lstStyle/>
-          <a:p>
-            <a:r>
-              <a:rPr lang="ru-RU" dirty="0"/>
-              <a:t>Программа для работы с фигурами</a:t>
-            </a:r>
-          </a:p>
-        </p:txBody>
-      </p:sp>
-      <p:pic>
-        <p:nvPicPr>
-          <p:cNvPr id="1026" name="Picture 2">
-            <a:extLst>
-              <a:ext uri="{FF2B5EF4-FFF2-40B4-BE49-F238E27FC236}">
-                <a16:creationId xmlns:a16="http://schemas.microsoft.com/office/drawing/2014/main" id="{49549D80-E46F-60C5-4A83-0722E2208BDB}"/>
-              </a:ext>
-            </a:extLst>
-          </p:cNvPr>
-          <p:cNvPicPr>
-            <a:picLocks noChangeAspect="1" noChangeArrowheads="1"/>
-          </p:cNvPicPr>
-          <p:nvPr/>
-        </p:nvPicPr>
-        <p:blipFill>
-          <a:blip r:embed="rId3" cstate="print">
-            <a:extLst>
-              <a:ext uri="{28A0092B-C50C-407E-A947-70E740481C1C}">
-                <a14:useLocalDpi xmlns:a14="http://schemas.microsoft.com/office/drawing/2010/main" val="0"/>
-              </a:ext>
-            </a:extLst>
-          </a:blip>
-          <a:srcRect/>
-          <a:stretch/>
-        </p:blipFill>
-        <p:spPr bwMode="auto">
-          <a:xfrm>
-            <a:off x="1460704" y="1556792"/>
-            <a:ext cx="9270592" cy="4304632"/>
-          </a:xfrm>
-          <a:prstGeom prst="rect">
-            <a:avLst/>
-          </a:prstGeom>
-          <a:noFill/>
-          <a:extLst>
-            <a:ext uri="{909E8E84-426E-40DD-AFC4-6F175D3DCCD1}">
-              <a14:hiddenFill xmlns:a14="http://schemas.microsoft.com/office/drawing/2010/main">
-                <a:solidFill>
-                  <a:srgbClr val="FFFFFF"/>
-                </a:solidFill>
-              </a14:hiddenFill>
-            </a:ext>
-          </a:extLst>
-        </p:spPr>
-      </p:pic>
-      <p:sp>
-        <p:nvSpPr>
-          <p:cNvPr id="4" name="TextBox 3">
-            <a:extLst>
-              <a:ext uri="{FF2B5EF4-FFF2-40B4-BE49-F238E27FC236}">
-                <a16:creationId xmlns:a16="http://schemas.microsoft.com/office/drawing/2014/main" id="{D7475B14-2F91-B673-C148-DCF3AC77009C}"/>
-              </a:ext>
-            </a:extLst>
-          </p:cNvPr>
-          <p:cNvSpPr txBox="1"/>
-          <p:nvPr/>
-        </p:nvSpPr>
-        <p:spPr>
-          <a:xfrm>
-            <a:off x="2855640" y="6237312"/>
-            <a:ext cx="5616624" cy="369332"/>
-          </a:xfrm>
-          <a:prstGeom prst="rect">
-            <a:avLst/>
-          </a:prstGeom>
-          <a:noFill/>
-        </p:spPr>
-        <p:txBody>
-          <a:bodyPr wrap="square" rtlCol="0">
-            <a:spAutoFit/>
-          </a:bodyPr>
-          <a:lstStyle/>
-          <a:p>
-            <a:r>
-              <a:rPr lang="ru-RU" dirty="0"/>
-              <a:t>Какой паттерн проектирования здесь спрятался</a:t>
-            </a:r>
-            <a:r>
-              <a:rPr lang="en-US" dirty="0"/>
-              <a:t>?</a:t>
-            </a:r>
-          </a:p>
-        </p:txBody>
-      </p:sp>
-    </p:spTree>
-    <p:extLst>
-      <p:ext uri="{BB962C8B-B14F-4D97-AF65-F5344CB8AC3E}">
-        <p14:creationId xmlns:p14="http://schemas.microsoft.com/office/powerpoint/2010/main" val="564352464"/>
-      </p:ext>
-    </p:extLst>
-  </p:cSld>
-  <p:clrMapOvr>
-    <a:masterClrMapping/>
-  </p:clrMapOvr>
-  <p:timing>
-    <p:tnLst>
-      <p:par>
-        <p:cTn id="1" dur="indefinite" restart="never" nodeType="tmRoot">
-          <p:childTnLst>
-            <p:seq concurrent="1" nextAc="seek">
-              <p:cTn id="2" dur="indefinite" nodeType="mainSeq">
-                <p:childTnLst>
-                  <p:par>
-                    <p:cTn id="3" fill="hold">
-                      <p:stCondLst>
-                        <p:cond delay="indefinite"/>
-                      </p:stCondLst>
-                      <p:childTnLst>
-                        <p:par>
-                          <p:cTn id="4" fill="hold">
-                            <p:stCondLst>
-                              <p:cond delay="0"/>
-                            </p:stCondLst>
-                            <p:childTnLst>
-                              <p:par>
-                                <p:cTn id="5" presetID="10" presetClass="entr" presetSubtype="0" fill="hold" grpId="0" nodeType="clickEffect">
-                                  <p:stCondLst>
-                                    <p:cond delay="0"/>
-                                  </p:stCondLst>
-                                  <p:childTnLst>
-                                    <p:set>
-                                      <p:cBhvr>
-                                        <p:cTn id="6" dur="1" fill="hold">
-                                          <p:stCondLst>
-                                            <p:cond delay="0"/>
-                                          </p:stCondLst>
-                                        </p:cTn>
-                                        <p:tgtEl>
-                                          <p:spTgt spid="4"/>
-                                        </p:tgtEl>
-                                        <p:attrNameLst>
-                                          <p:attrName>style.visibility</p:attrName>
-                                        </p:attrNameLst>
-                                      </p:cBhvr>
-                                      <p:to>
-                                        <p:strVal val="visible"/>
-                                      </p:to>
-                                    </p:set>
-                                    <p:animEffect transition="in" filter="fade">
-                                      <p:cBhvr>
-                                        <p:cTn id="7" dur="500"/>
-                                        <p:tgtEl>
-                                          <p:spTgt spid="4"/>
-                                        </p:tgtEl>
-                                      </p:cBhvr>
-                                    </p:animEffect>
-                                  </p:childTnLst>
-                                </p:cTn>
-                              </p:par>
-                            </p:childTnLst>
-                          </p:cTn>
-                        </p:par>
-                      </p:childTnLst>
-                    </p:cTn>
-                  </p:par>
-                </p:childTnLst>
-              </p:cTn>
-              <p:prevCondLst>
-                <p:cond evt="onPrev" delay="0">
-                  <p:tgtEl>
-                    <p:sldTgt/>
-                  </p:tgtEl>
-                </p:cond>
-              </p:prevCondLst>
-              <p:nextCondLst>
-                <p:cond evt="onNext" delay="0">
-                  <p:tgtEl>
-                    <p:sldTgt/>
-                  </p:tgtEl>
-                </p:cond>
-              </p:nextCondLst>
-            </p:seq>
-          </p:childTnLst>
-        </p:cTn>
-      </p:par>
-    </p:tnLst>
-    <p:bldLst>
-      <p:bldP spid="4" grpId="0"/>
-    </p:bldLst>
-  </p:timing>
-</p:sld>
-</file>
-
-<file path=ppt/slides/slide20.xml><?xml version="1.0" encoding="utf-8"?>
+<file path=ppt/slides/slide22.xml><?xml version="1.0" encoding="utf-8"?>
 <p:sld xmlns:a="http://schemas.openxmlformats.org/drawingml/2006/main" xmlns:r="http://schemas.openxmlformats.org/officeDocument/2006/relationships" xmlns:p="http://schemas.openxmlformats.org/presentationml/2006/main">
   <p:cSld>
     <p:spTree>
@@ -20046,7 +20419,7 @@
 </p:sld>
 </file>
 
-<file path=ppt/slides/slide21.xml><?xml version="1.0" encoding="utf-8"?>
+<file path=ppt/slides/slide23.xml><?xml version="1.0" encoding="utf-8"?>
 <p:sld xmlns:a="http://schemas.openxmlformats.org/drawingml/2006/main" xmlns:r="http://schemas.openxmlformats.org/officeDocument/2006/relationships" xmlns:p="http://schemas.openxmlformats.org/presentationml/2006/main">
   <p:cSld>
     <p:spTree>
@@ -20372,7 +20745,7 @@
 </p:sld>
 </file>
 
-<file path=ppt/slides/slide22.xml><?xml version="1.0" encoding="utf-8"?>
+<file path=ppt/slides/slide24.xml><?xml version="1.0" encoding="utf-8"?>
 <p:sld xmlns:a="http://schemas.openxmlformats.org/drawingml/2006/main" xmlns:r="http://schemas.openxmlformats.org/officeDocument/2006/relationships" xmlns:p="http://schemas.openxmlformats.org/presentationml/2006/main">
   <p:cSld>
     <p:spTree>
@@ -20468,7 +20841,7 @@
 </p:sld>
 </file>
 
-<file path=ppt/slides/slide23.xml><?xml version="1.0" encoding="utf-8"?>
+<file path=ppt/slides/slide25.xml><?xml version="1.0" encoding="utf-8"?>
 <p:sld xmlns:a="http://schemas.openxmlformats.org/drawingml/2006/main" xmlns:r="http://schemas.openxmlformats.org/officeDocument/2006/relationships" xmlns:p="http://schemas.openxmlformats.org/presentationml/2006/main">
   <p:cSld>
     <p:spTree>
@@ -20749,7 +21122,7 @@
 </p:sld>
 </file>
 
-<file path=ppt/slides/slide24.xml><?xml version="1.0" encoding="utf-8"?>
+<file path=ppt/slides/slide26.xml><?xml version="1.0" encoding="utf-8"?>
 <p:sld xmlns:a="http://schemas.openxmlformats.org/drawingml/2006/main" xmlns:r="http://schemas.openxmlformats.org/officeDocument/2006/relationships" xmlns:p="http://schemas.openxmlformats.org/presentationml/2006/main">
   <p:cSld>
     <p:spTree>
@@ -21097,7 +21470,7 @@
 </p:sld>
 </file>
 
-<file path=ppt/slides/slide25.xml><?xml version="1.0" encoding="utf-8"?>
+<file path=ppt/slides/slide27.xml><?xml version="1.0" encoding="utf-8"?>
 <p:sld xmlns:a="http://schemas.openxmlformats.org/drawingml/2006/main" xmlns:r="http://schemas.openxmlformats.org/officeDocument/2006/relationships" xmlns:p="http://schemas.openxmlformats.org/presentationml/2006/main">
   <p:cSld>
     <p:spTree>
@@ -21201,7 +21574,7 @@
 </p:sld>
 </file>
 
-<file path=ppt/slides/slide26.xml><?xml version="1.0" encoding="utf-8"?>
+<file path=ppt/slides/slide28.xml><?xml version="1.0" encoding="utf-8"?>
 <p:sld xmlns:a="http://schemas.openxmlformats.org/drawingml/2006/main" xmlns:r="http://schemas.openxmlformats.org/officeDocument/2006/relationships" xmlns:p="http://schemas.openxmlformats.org/presentationml/2006/main">
   <p:cSld>
     <p:spTree>
@@ -21310,7 +21683,7 @@
 </p:sld>
 </file>
 
-<file path=ppt/slides/slide27.xml><?xml version="1.0" encoding="utf-8"?>
+<file path=ppt/slides/slide29.xml><?xml version="1.0" encoding="utf-8"?>
 <p:sld xmlns:a="http://schemas.openxmlformats.org/drawingml/2006/main" xmlns:r="http://schemas.openxmlformats.org/officeDocument/2006/relationships" xmlns:p="http://schemas.openxmlformats.org/presentationml/2006/main">
   <p:cSld>
     <p:spTree>
@@ -22971,7 +23344,180 @@
 </p:sld>
 </file>
 
-<file path=ppt/slides/slide28.xml><?xml version="1.0" encoding="utf-8"?>
+<file path=ppt/slides/slide3.xml><?xml version="1.0" encoding="utf-8"?>
+<p:sld xmlns:a="http://schemas.openxmlformats.org/drawingml/2006/main" xmlns:r="http://schemas.openxmlformats.org/officeDocument/2006/relationships" xmlns:p="http://schemas.openxmlformats.org/presentationml/2006/main" show="0">
+  <p:cSld>
+    <p:spTree>
+      <p:nvGrpSpPr>
+        <p:cNvPr id="1" name="">
+          <a:extLst>
+            <a:ext uri="{FF2B5EF4-FFF2-40B4-BE49-F238E27FC236}">
+              <a16:creationId xmlns:a16="http://schemas.microsoft.com/office/drawing/2014/main" id="{18D9FBCC-9E6C-2913-A174-29AD18881C4C}"/>
+            </a:ext>
+          </a:extLst>
+        </p:cNvPr>
+        <p:cNvGrpSpPr/>
+        <p:nvPr/>
+      </p:nvGrpSpPr>
+      <p:grpSpPr>
+        <a:xfrm>
+          <a:off x="0" y="0"/>
+          <a:ext cx="0" cy="0"/>
+          <a:chOff x="0" y="0"/>
+          <a:chExt cx="0" cy="0"/>
+        </a:xfrm>
+      </p:grpSpPr>
+      <p:pic>
+        <p:nvPicPr>
+          <p:cNvPr id="5" name="Picture 4">
+            <a:extLst>
+              <a:ext uri="{FF2B5EF4-FFF2-40B4-BE49-F238E27FC236}">
+                <a16:creationId xmlns:a16="http://schemas.microsoft.com/office/drawing/2014/main" id="{B8C9E46F-6ED2-6AE7-D2FF-675BA7CF9AC6}"/>
+              </a:ext>
+            </a:extLst>
+          </p:cNvPr>
+          <p:cNvPicPr>
+            <a:picLocks noChangeAspect="1"/>
+          </p:cNvPicPr>
+          <p:nvPr/>
+        </p:nvPicPr>
+        <p:blipFill>
+          <a:blip r:embed="rId2"/>
+          <a:stretch>
+            <a:fillRect/>
+          </a:stretch>
+        </p:blipFill>
+        <p:spPr>
+          <a:xfrm>
+            <a:off x="0" y="0"/>
+            <a:ext cx="12191999" cy="6858000"/>
+          </a:xfrm>
+          <a:prstGeom prst="rect">
+            <a:avLst/>
+          </a:prstGeom>
+        </p:spPr>
+      </p:pic>
+      <p:sp>
+        <p:nvSpPr>
+          <p:cNvPr id="2" name="Заголовок 1">
+            <a:extLst>
+              <a:ext uri="{FF2B5EF4-FFF2-40B4-BE49-F238E27FC236}">
+                <a16:creationId xmlns:a16="http://schemas.microsoft.com/office/drawing/2014/main" id="{D4F23C9A-5E29-0423-86D9-AE90E964952C}"/>
+              </a:ext>
+            </a:extLst>
+          </p:cNvPr>
+          <p:cNvSpPr>
+            <a:spLocks noGrp="1"/>
+          </p:cNvSpPr>
+          <p:nvPr>
+            <p:ph type="ctrTitle"/>
+          </p:nvPr>
+        </p:nvSpPr>
+        <p:spPr>
+          <a:xfrm>
+            <a:off x="335360" y="1122362"/>
+            <a:ext cx="11521280" cy="3962822"/>
+          </a:xfrm>
+        </p:spPr>
+        <p:txBody>
+          <a:bodyPr>
+            <a:noAutofit/>
+          </a:bodyPr>
+          <a:lstStyle/>
+          <a:p>
+            <a:r>
+              <a:rPr lang="ru-RU" sz="8800" dirty="0">
+                <a:solidFill>
+                  <a:schemeClr val="bg1"/>
+                </a:solidFill>
+                <a:effectLst>
+                  <a:outerShdw blurRad="38100" dist="38100" dir="2700000" algn="tl">
+                    <a:srgbClr val="000000">
+                      <a:alpha val="43137"/>
+                    </a:srgbClr>
+                  </a:outerShdw>
+                </a:effectLst>
+                <a:latin typeface="Impact" panose="020B0806030902050204" pitchFamily="34" charset="0"/>
+              </a:rPr>
+              <a:t>Паттерн</a:t>
+            </a:r>
+            <a:br>
+              <a:rPr lang="ru-RU" sz="8000" dirty="0">
+                <a:solidFill>
+                  <a:schemeClr val="bg1"/>
+                </a:solidFill>
+                <a:effectLst>
+                  <a:outerShdw blurRad="38100" dist="38100" dir="2700000" algn="tl">
+                    <a:srgbClr val="000000">
+                      <a:alpha val="43137"/>
+                    </a:srgbClr>
+                  </a:outerShdw>
+                </a:effectLst>
+                <a:latin typeface="Impact" panose="020B0806030902050204" pitchFamily="34" charset="0"/>
+              </a:rPr>
+            </a:br>
+            <a:r>
+              <a:rPr lang="ru-RU" sz="8000" dirty="0">
+                <a:solidFill>
+                  <a:schemeClr val="bg1"/>
+                </a:solidFill>
+                <a:effectLst>
+                  <a:outerShdw blurRad="38100" dist="38100" dir="2700000" algn="tl">
+                    <a:srgbClr val="000000">
+                      <a:alpha val="43137"/>
+                    </a:srgbClr>
+                  </a:outerShdw>
+                </a:effectLst>
+                <a:latin typeface="Impact" panose="020B0806030902050204" pitchFamily="34" charset="0"/>
+              </a:rPr>
+              <a:t> </a:t>
+            </a:r>
+            <a:r>
+              <a:rPr lang="ru-RU" sz="11500" dirty="0">
+                <a:solidFill>
+                  <a:schemeClr val="bg1"/>
+                </a:solidFill>
+                <a:effectLst>
+                  <a:outerShdw blurRad="38100" dist="38100" dir="2700000" algn="tl">
+                    <a:srgbClr val="000000">
+                      <a:alpha val="43137"/>
+                    </a:srgbClr>
+                  </a:outerShdw>
+                </a:effectLst>
+                <a:latin typeface="Impact" panose="020B0806030902050204" pitchFamily="34" charset="0"/>
+              </a:rPr>
+              <a:t>«Посетитель»</a:t>
+            </a:r>
+            <a:endParaRPr lang="ru-RU" sz="8800" dirty="0">
+              <a:solidFill>
+                <a:schemeClr val="bg1"/>
+              </a:solidFill>
+              <a:effectLst>
+                <a:outerShdw blurRad="38100" dist="38100" dir="2700000" algn="tl">
+                  <a:srgbClr val="000000">
+                    <a:alpha val="43137"/>
+                  </a:srgbClr>
+                </a:outerShdw>
+              </a:effectLst>
+              <a:latin typeface="Impact" panose="020B0806030902050204" pitchFamily="34" charset="0"/>
+            </a:endParaRPr>
+          </a:p>
+        </p:txBody>
+      </p:sp>
+    </p:spTree>
+    <p:extLst>
+      <p:ext uri="{BB962C8B-B14F-4D97-AF65-F5344CB8AC3E}">
+        <p14:creationId xmlns:p14="http://schemas.microsoft.com/office/powerpoint/2010/main" val="3559245116"/>
+      </p:ext>
+    </p:extLst>
+  </p:cSld>
+  <p:clrMapOvr>
+    <a:masterClrMapping/>
+  </p:clrMapOvr>
+</p:sld>
+</file>
+
+<file path=ppt/slides/slide30.xml><?xml version="1.0" encoding="utf-8"?>
 <p:sld xmlns:a="http://schemas.openxmlformats.org/drawingml/2006/main" xmlns:r="http://schemas.openxmlformats.org/officeDocument/2006/relationships" xmlns:p="http://schemas.openxmlformats.org/presentationml/2006/main">
   <p:cSld>
     <p:spTree>
@@ -24429,7 +24975,7 @@
 </p:sld>
 </file>
 
-<file path=ppt/slides/slide29.xml><?xml version="1.0" encoding="utf-8"?>
+<file path=ppt/slides/slide31.xml><?xml version="1.0" encoding="utf-8"?>
 <p:sld xmlns:a="http://schemas.openxmlformats.org/drawingml/2006/main" xmlns:r="http://schemas.openxmlformats.org/officeDocument/2006/relationships" xmlns:p="http://schemas.openxmlformats.org/presentationml/2006/main">
   <p:cSld>
     <p:spTree>
@@ -25688,413 +26234,7 @@
 </p:sld>
 </file>
 
-<file path=ppt/slides/slide3.xml><?xml version="1.0" encoding="utf-8"?>
-<p:sld xmlns:a="http://schemas.openxmlformats.org/drawingml/2006/main" xmlns:r="http://schemas.openxmlformats.org/officeDocument/2006/relationships" xmlns:p="http://schemas.openxmlformats.org/presentationml/2006/main">
-  <p:cSld>
-    <p:spTree>
-      <p:nvGrpSpPr>
-        <p:cNvPr id="1" name="">
-          <a:extLst>
-            <a:ext uri="{FF2B5EF4-FFF2-40B4-BE49-F238E27FC236}">
-              <a16:creationId xmlns:a16="http://schemas.microsoft.com/office/drawing/2014/main" id="{82922D40-D981-CB73-6A84-4C0E38740564}"/>
-            </a:ext>
-          </a:extLst>
-        </p:cNvPr>
-        <p:cNvGrpSpPr/>
-        <p:nvPr/>
-      </p:nvGrpSpPr>
-      <p:grpSpPr>
-        <a:xfrm>
-          <a:off x="0" y="0"/>
-          <a:ext cx="0" cy="0"/>
-          <a:chOff x="0" y="0"/>
-          <a:chExt cx="0" cy="0"/>
-        </a:xfrm>
-      </p:grpSpPr>
-      <p:sp>
-        <p:nvSpPr>
-          <p:cNvPr id="2" name="Заголовок 1">
-            <a:extLst>
-              <a:ext uri="{FF2B5EF4-FFF2-40B4-BE49-F238E27FC236}">
-                <a16:creationId xmlns:a16="http://schemas.microsoft.com/office/drawing/2014/main" id="{AA14B276-F1EF-B6B9-FE9C-0359DF4B90F0}"/>
-              </a:ext>
-            </a:extLst>
-          </p:cNvPr>
-          <p:cNvSpPr>
-            <a:spLocks noGrp="1"/>
-          </p:cNvSpPr>
-          <p:nvPr>
-            <p:ph type="title"/>
-          </p:nvPr>
-        </p:nvSpPr>
-        <p:spPr/>
-        <p:txBody>
-          <a:bodyPr/>
-          <a:lstStyle/>
-          <a:p>
-            <a:r>
-              <a:rPr lang="ru-RU" dirty="0"/>
-              <a:t>Нужно сериализовать фигуры</a:t>
-            </a:r>
-          </a:p>
-        </p:txBody>
-      </p:sp>
-      <p:sp>
-        <p:nvSpPr>
-          <p:cNvPr id="3" name="Содержимое 2">
-            <a:extLst>
-              <a:ext uri="{FF2B5EF4-FFF2-40B4-BE49-F238E27FC236}">
-                <a16:creationId xmlns:a16="http://schemas.microsoft.com/office/drawing/2014/main" id="{9B73990C-EC16-055A-4EF4-C7EE5283ED9F}"/>
-              </a:ext>
-            </a:extLst>
-          </p:cNvPr>
-          <p:cNvSpPr>
-            <a:spLocks noGrp="1"/>
-          </p:cNvSpPr>
-          <p:nvPr>
-            <p:ph idx="1"/>
-          </p:nvPr>
-        </p:nvSpPr>
-        <p:spPr/>
-        <p:txBody>
-          <a:bodyPr>
-            <a:normAutofit/>
-          </a:bodyPr>
-          <a:lstStyle/>
-          <a:p>
-            <a:r>
-              <a:rPr lang="ru-RU" dirty="0"/>
-              <a:t>Ввывести информацию обо всех фигурах коллекции в поток вывода</a:t>
-            </a:r>
-            <a:endParaRPr lang="en-US" dirty="0"/>
-          </a:p>
-          <a:p>
-            <a:r>
-              <a:rPr lang="ru-RU" dirty="0"/>
-              <a:t>Предусмотреть возможность легкой смены формата вывода информации</a:t>
-            </a:r>
-          </a:p>
-          <a:p>
-            <a:pPr lvl="1"/>
-            <a:r>
-              <a:rPr lang="en-US" dirty="0"/>
-              <a:t>Plain text: Rectangle(20x30)</a:t>
-            </a:r>
-          </a:p>
-          <a:p>
-            <a:pPr lvl="1"/>
-            <a:r>
-              <a:rPr lang="en-US" dirty="0"/>
-              <a:t>XML: &lt;rectangle width=“20” height=“30” /&gt;</a:t>
-            </a:r>
-          </a:p>
-          <a:p>
-            <a:pPr lvl="1"/>
-            <a:r>
-              <a:rPr lang="ru-RU" dirty="0"/>
-              <a:t>Бинарный формат</a:t>
-            </a:r>
-          </a:p>
-        </p:txBody>
-      </p:sp>
-    </p:spTree>
-    <p:extLst>
-      <p:ext uri="{BB962C8B-B14F-4D97-AF65-F5344CB8AC3E}">
-        <p14:creationId xmlns:p14="http://schemas.microsoft.com/office/powerpoint/2010/main" val="650226889"/>
-      </p:ext>
-    </p:extLst>
-  </p:cSld>
-  <p:clrMapOvr>
-    <a:masterClrMapping/>
-  </p:clrMapOvr>
-  <p:timing>
-    <p:tnLst>
-      <p:par>
-        <p:cTn id="1" dur="indefinite" restart="never" nodeType="tmRoot">
-          <p:childTnLst>
-            <p:seq concurrent="1" nextAc="seek">
-              <p:cTn id="2" dur="indefinite" nodeType="mainSeq">
-                <p:childTnLst>
-                  <p:par>
-                    <p:cTn id="3" fill="hold">
-                      <p:stCondLst>
-                        <p:cond delay="indefinite"/>
-                      </p:stCondLst>
-                      <p:childTnLst>
-                        <p:par>
-                          <p:cTn id="4" fill="hold">
-                            <p:stCondLst>
-                              <p:cond delay="0"/>
-                            </p:stCondLst>
-                            <p:childTnLst>
-                              <p:par>
-                                <p:cTn id="5" presetID="10" presetClass="entr" presetSubtype="0" fill="hold" grpId="0" nodeType="clickEffect">
-                                  <p:stCondLst>
-                                    <p:cond delay="0"/>
-                                  </p:stCondLst>
-                                  <p:childTnLst>
-                                    <p:set>
-                                      <p:cBhvr>
-                                        <p:cTn id="6" dur="1" fill="hold">
-                                          <p:stCondLst>
-                                            <p:cond delay="0"/>
-                                          </p:stCondLst>
-                                        </p:cTn>
-                                        <p:tgtEl>
-                                          <p:spTgt spid="3">
-                                            <p:txEl>
-                                              <p:pRg st="0" end="0"/>
-                                            </p:txEl>
-                                          </p:spTgt>
-                                        </p:tgtEl>
-                                        <p:attrNameLst>
-                                          <p:attrName>style.visibility</p:attrName>
-                                        </p:attrNameLst>
-                                      </p:cBhvr>
-                                      <p:to>
-                                        <p:strVal val="visible"/>
-                                      </p:to>
-                                    </p:set>
-                                    <p:animEffect transition="in" filter="fade">
-                                      <p:cBhvr>
-                                        <p:cTn id="7" dur="500"/>
-                                        <p:tgtEl>
-                                          <p:spTgt spid="3">
-                                            <p:txEl>
-                                              <p:pRg st="0" end="0"/>
-                                            </p:txEl>
-                                          </p:spTgt>
-                                        </p:tgtEl>
-                                      </p:cBhvr>
-                                    </p:animEffect>
-                                  </p:childTnLst>
-                                </p:cTn>
-                              </p:par>
-                            </p:childTnLst>
-                          </p:cTn>
-                        </p:par>
-                      </p:childTnLst>
-                    </p:cTn>
-                  </p:par>
-                  <p:par>
-                    <p:cTn id="8" fill="hold">
-                      <p:stCondLst>
-                        <p:cond delay="indefinite"/>
-                      </p:stCondLst>
-                      <p:childTnLst>
-                        <p:par>
-                          <p:cTn id="9" fill="hold">
-                            <p:stCondLst>
-                              <p:cond delay="0"/>
-                            </p:stCondLst>
-                            <p:childTnLst>
-                              <p:par>
-                                <p:cTn id="10" presetID="10" presetClass="entr" presetSubtype="0" fill="hold" grpId="0" nodeType="clickEffect">
-                                  <p:stCondLst>
-                                    <p:cond delay="0"/>
-                                  </p:stCondLst>
-                                  <p:childTnLst>
-                                    <p:set>
-                                      <p:cBhvr>
-                                        <p:cTn id="11" dur="1" fill="hold">
-                                          <p:stCondLst>
-                                            <p:cond delay="0"/>
-                                          </p:stCondLst>
-                                        </p:cTn>
-                                        <p:tgtEl>
-                                          <p:spTgt spid="3">
-                                            <p:txEl>
-                                              <p:pRg st="1" end="1"/>
-                                            </p:txEl>
-                                          </p:spTgt>
-                                        </p:tgtEl>
-                                        <p:attrNameLst>
-                                          <p:attrName>style.visibility</p:attrName>
-                                        </p:attrNameLst>
-                                      </p:cBhvr>
-                                      <p:to>
-                                        <p:strVal val="visible"/>
-                                      </p:to>
-                                    </p:set>
-                                    <p:animEffect transition="in" filter="fade">
-                                      <p:cBhvr>
-                                        <p:cTn id="12" dur="500"/>
-                                        <p:tgtEl>
-                                          <p:spTgt spid="3">
-                                            <p:txEl>
-                                              <p:pRg st="1" end="1"/>
-                                            </p:txEl>
-                                          </p:spTgt>
-                                        </p:tgtEl>
-                                      </p:cBhvr>
-                                    </p:animEffect>
-                                  </p:childTnLst>
-                                </p:cTn>
-                              </p:par>
-                              <p:par>
-                                <p:cTn id="13" presetID="10" presetClass="entr" presetSubtype="0" fill="hold" grpId="0" nodeType="withEffect">
-                                  <p:stCondLst>
-                                    <p:cond delay="0"/>
-                                  </p:stCondLst>
-                                  <p:childTnLst>
-                                    <p:set>
-                                      <p:cBhvr>
-                                        <p:cTn id="14" dur="1" fill="hold">
-                                          <p:stCondLst>
-                                            <p:cond delay="0"/>
-                                          </p:stCondLst>
-                                        </p:cTn>
-                                        <p:tgtEl>
-                                          <p:spTgt spid="3">
-                                            <p:txEl>
-                                              <p:pRg st="2" end="2"/>
-                                            </p:txEl>
-                                          </p:spTgt>
-                                        </p:tgtEl>
-                                        <p:attrNameLst>
-                                          <p:attrName>style.visibility</p:attrName>
-                                        </p:attrNameLst>
-                                      </p:cBhvr>
-                                      <p:to>
-                                        <p:strVal val="visible"/>
-                                      </p:to>
-                                    </p:set>
-                                    <p:animEffect transition="in" filter="fade">
-                                      <p:cBhvr>
-                                        <p:cTn id="15" dur="500"/>
-                                        <p:tgtEl>
-                                          <p:spTgt spid="3">
-                                            <p:txEl>
-                                              <p:pRg st="2" end="2"/>
-                                            </p:txEl>
-                                          </p:spTgt>
-                                        </p:tgtEl>
-                                      </p:cBhvr>
-                                    </p:animEffect>
-                                  </p:childTnLst>
-                                </p:cTn>
-                              </p:par>
-                              <p:par>
-                                <p:cTn id="16" presetID="10" presetClass="entr" presetSubtype="0" fill="hold" grpId="0" nodeType="withEffect">
-                                  <p:stCondLst>
-                                    <p:cond delay="0"/>
-                                  </p:stCondLst>
-                                  <p:childTnLst>
-                                    <p:set>
-                                      <p:cBhvr>
-                                        <p:cTn id="17" dur="1" fill="hold">
-                                          <p:stCondLst>
-                                            <p:cond delay="0"/>
-                                          </p:stCondLst>
-                                        </p:cTn>
-                                        <p:tgtEl>
-                                          <p:spTgt spid="3">
-                                            <p:txEl>
-                                              <p:pRg st="3" end="3"/>
-                                            </p:txEl>
-                                          </p:spTgt>
-                                        </p:tgtEl>
-                                        <p:attrNameLst>
-                                          <p:attrName>style.visibility</p:attrName>
-                                        </p:attrNameLst>
-                                      </p:cBhvr>
-                                      <p:to>
-                                        <p:strVal val="visible"/>
-                                      </p:to>
-                                    </p:set>
-                                    <p:animEffect transition="in" filter="fade">
-                                      <p:cBhvr>
-                                        <p:cTn id="18" dur="500"/>
-                                        <p:tgtEl>
-                                          <p:spTgt spid="3">
-                                            <p:txEl>
-                                              <p:pRg st="3" end="3"/>
-                                            </p:txEl>
-                                          </p:spTgt>
-                                        </p:tgtEl>
-                                      </p:cBhvr>
-                                    </p:animEffect>
-                                  </p:childTnLst>
-                                </p:cTn>
-                              </p:par>
-                              <p:par>
-                                <p:cTn id="19" presetID="10" presetClass="entr" presetSubtype="0" fill="hold" grpId="0" nodeType="withEffect">
-                                  <p:stCondLst>
-                                    <p:cond delay="0"/>
-                                  </p:stCondLst>
-                                  <p:childTnLst>
-                                    <p:set>
-                                      <p:cBhvr>
-                                        <p:cTn id="20" dur="1" fill="hold">
-                                          <p:stCondLst>
-                                            <p:cond delay="0"/>
-                                          </p:stCondLst>
-                                        </p:cTn>
-                                        <p:tgtEl>
-                                          <p:spTgt spid="3">
-                                            <p:txEl>
-                                              <p:pRg st="4" end="4"/>
-                                            </p:txEl>
-                                          </p:spTgt>
-                                        </p:tgtEl>
-                                        <p:attrNameLst>
-                                          <p:attrName>style.visibility</p:attrName>
-                                        </p:attrNameLst>
-                                      </p:cBhvr>
-                                      <p:to>
-                                        <p:strVal val="visible"/>
-                                      </p:to>
-                                    </p:set>
-                                    <p:animEffect transition="in" filter="fade">
-                                      <p:cBhvr>
-                                        <p:cTn id="21" dur="500"/>
-                                        <p:tgtEl>
-                                          <p:spTgt spid="3">
-                                            <p:txEl>
-                                              <p:pRg st="4" end="4"/>
-                                            </p:txEl>
-                                          </p:spTgt>
-                                        </p:tgtEl>
-                                      </p:cBhvr>
-                                    </p:animEffect>
-                                  </p:childTnLst>
-                                </p:cTn>
-                              </p:par>
-                            </p:childTnLst>
-                          </p:cTn>
-                        </p:par>
-                      </p:childTnLst>
-                    </p:cTn>
-                  </p:par>
-                </p:childTnLst>
-              </p:cTn>
-              <p:prevCondLst>
-                <p:cond evt="onPrev" delay="0">
-                  <p:tgtEl>
-                    <p:sldTgt/>
-                  </p:tgtEl>
-                </p:cond>
-              </p:prevCondLst>
-              <p:nextCondLst>
-                <p:cond evt="onNext" delay="0">
-                  <p:tgtEl>
-                    <p:sldTgt/>
-                  </p:tgtEl>
-                </p:cond>
-              </p:nextCondLst>
-            </p:seq>
-          </p:childTnLst>
-        </p:cTn>
-      </p:par>
-    </p:tnLst>
-    <p:bldLst>
-      <p:bldP spid="3" grpId="0" build="p"/>
-    </p:bldLst>
-  </p:timing>
-</p:sld>
-</file>
-
-<file path=ppt/slides/slide30.xml><?xml version="1.0" encoding="utf-8"?>
+<file path=ppt/slides/slide32.xml><?xml version="1.0" encoding="utf-8"?>
 <p:sld xmlns:a="http://schemas.openxmlformats.org/drawingml/2006/main" xmlns:r="http://schemas.openxmlformats.org/officeDocument/2006/relationships" xmlns:p="http://schemas.openxmlformats.org/presentationml/2006/main">
   <p:cSld>
     <p:spTree>
@@ -27740,7 +27880,7 @@
 </p:sld>
 </file>
 
-<file path=ppt/slides/slide31.xml><?xml version="1.0" encoding="utf-8"?>
+<file path=ppt/slides/slide33.xml><?xml version="1.0" encoding="utf-8"?>
 <p:sld xmlns:a="http://schemas.openxmlformats.org/drawingml/2006/main" xmlns:r="http://schemas.openxmlformats.org/officeDocument/2006/relationships" xmlns:p="http://schemas.openxmlformats.org/presentationml/2006/main">
   <p:cSld>
     <p:spTree>
@@ -29669,7 +29809,7 @@
 </p:sld>
 </file>
 
-<file path=ppt/slides/slide32.xml><?xml version="1.0" encoding="utf-8"?>
+<file path=ppt/slides/slide34.xml><?xml version="1.0" encoding="utf-8"?>
 <p:sld xmlns:a="http://schemas.openxmlformats.org/drawingml/2006/main" xmlns:r="http://schemas.openxmlformats.org/officeDocument/2006/relationships" xmlns:p="http://schemas.openxmlformats.org/presentationml/2006/main">
   <p:cSld>
     <p:spTree>
@@ -31279,7 +31419,7 @@
 </p:sld>
 </file>
 
-<file path=ppt/slides/slide33.xml><?xml version="1.0" encoding="utf-8"?>
+<file path=ppt/slides/slide35.xml><?xml version="1.0" encoding="utf-8"?>
 <p:sld xmlns:a="http://schemas.openxmlformats.org/drawingml/2006/main" xmlns:r="http://schemas.openxmlformats.org/officeDocument/2006/relationships" xmlns:p="http://schemas.openxmlformats.org/presentationml/2006/main">
   <p:cSld>
     <p:spTree>
@@ -32174,7 +32314,7 @@
 </p:sld>
 </file>
 
-<file path=ppt/slides/slide34.xml><?xml version="1.0" encoding="utf-8"?>
+<file path=ppt/slides/slide36.xml><?xml version="1.0" encoding="utf-8"?>
 <p:sld xmlns:a="http://schemas.openxmlformats.org/drawingml/2006/main" xmlns:r="http://schemas.openxmlformats.org/officeDocument/2006/relationships" xmlns:p="http://schemas.openxmlformats.org/presentationml/2006/main">
   <p:cSld>
     <p:spTree>
@@ -33376,7 +33516,7 @@
 </p:sld>
 </file>
 
-<file path=ppt/slides/slide35.xml><?xml version="1.0" encoding="utf-8"?>
+<file path=ppt/slides/slide37.xml><?xml version="1.0" encoding="utf-8"?>
 <p:sld xmlns:a="http://schemas.openxmlformats.org/drawingml/2006/main" xmlns:r="http://schemas.openxmlformats.org/officeDocument/2006/relationships" xmlns:p="http://schemas.openxmlformats.org/presentationml/2006/main">
   <p:cSld>
     <p:spTree>
@@ -34787,6 +34927,15 @@
               <a:t>(</a:t>
             </a:r>
             <a:r>
+              <a:rPr lang="en-US" sz="1600" dirty="0">
+                <a:solidFill>
+                  <a:srgbClr val="000000"/>
+                </a:solidFill>
+                <a:latin typeface="Consolas" panose="020B0609020204030204" pitchFamily="49" charset="0"/>
+              </a:rPr>
+              <a:t>*</a:t>
+            </a:r>
+            <a:r>
               <a:rPr lang="en-US" sz="1600" b="0" dirty="0" err="1">
                 <a:solidFill>
                   <a:srgbClr val="0000FF"/>
@@ -34807,64 +34956,64 @@
               <a:t>&lt;</a:t>
             </a:r>
             <a:r>
+              <a:rPr lang="en-US" sz="1600" b="1" dirty="0">
+                <a:solidFill>
+                  <a:srgbClr val="0000FF"/>
+                </a:solidFill>
+                <a:effectLst/>
+                <a:latin typeface="Consolas" panose="020B0609020204030204" pitchFamily="49" charset="0"/>
+              </a:rPr>
+              <a:t>const</a:t>
+            </a:r>
+            <a:r>
               <a:rPr lang="en-US" sz="1600" b="0" dirty="0">
                 <a:solidFill>
-                  <a:srgbClr val="0000FF"/>
+                  <a:srgbClr val="3B3B3B"/>
                 </a:solidFill>
                 <a:effectLst/>
                 <a:latin typeface="Consolas" panose="020B0609020204030204" pitchFamily="49" charset="0"/>
               </a:rPr>
-              <a:t>const</a:t>
+              <a:t> </a:t>
+            </a:r>
+            <a:r>
+              <a:rPr lang="en-US" sz="1600" b="1" dirty="0">
+                <a:solidFill>
+                  <a:srgbClr val="267F99"/>
+                </a:solidFill>
+                <a:effectLst/>
+                <a:latin typeface="Consolas" panose="020B0609020204030204" pitchFamily="49" charset="0"/>
+              </a:rPr>
+              <a:t>T</a:t>
+            </a:r>
+            <a:r>
+              <a:rPr lang="ru-RU" sz="1600" b="0" dirty="0">
+                <a:solidFill>
+                  <a:srgbClr val="000000"/>
+                </a:solidFill>
+                <a:effectLst/>
+                <a:latin typeface="Consolas" panose="020B0609020204030204" pitchFamily="49" charset="0"/>
+              </a:rPr>
+              <a:t>*</a:t>
             </a:r>
             <a:r>
               <a:rPr lang="en-US" sz="1600" b="0" dirty="0">
                 <a:solidFill>
-                  <a:srgbClr val="3B3B3B"/>
+                  <a:srgbClr val="000000"/>
                 </a:solidFill>
                 <a:effectLst/>
                 <a:latin typeface="Consolas" panose="020B0609020204030204" pitchFamily="49" charset="0"/>
               </a:rPr>
-              <a:t> </a:t>
+              <a:t>&gt;</a:t>
             </a:r>
             <a:r>
               <a:rPr lang="en-US" sz="1600" b="0" dirty="0">
                 <a:solidFill>
-                  <a:srgbClr val="267F99"/>
+                  <a:srgbClr val="3B3B3B"/>
                 </a:solidFill>
                 <a:effectLst/>
                 <a:latin typeface="Consolas" panose="020B0609020204030204" pitchFamily="49" charset="0"/>
               </a:rPr>
-              <a:t>T</a:t>
-            </a:r>
-            <a:r>
-              <a:rPr lang="en-US" sz="1600" b="0" dirty="0">
-                <a:solidFill>
-                  <a:srgbClr val="000000"/>
-                </a:solidFill>
-                <a:effectLst/>
-                <a:latin typeface="Consolas" panose="020B0609020204030204" pitchFamily="49" charset="0"/>
-              </a:rPr>
-              <a:t>&amp;&gt;</a:t>
-            </a:r>
-            <a:r>
-              <a:rPr lang="en-US" sz="1600" b="0" dirty="0">
-                <a:solidFill>
-                  <a:srgbClr val="3B3B3B"/>
-                </a:solidFill>
-                <a:effectLst/>
-                <a:latin typeface="Consolas" panose="020B0609020204030204" pitchFamily="49" charset="0"/>
-              </a:rPr>
               <a:t>(</a:t>
-            </a:r>
-            <a:r>
-              <a:rPr lang="en-US" sz="1600" b="0" dirty="0">
-                <a:solidFill>
-                  <a:srgbClr val="000000"/>
-                </a:solidFill>
-                <a:effectLst/>
-                <a:latin typeface="Consolas" panose="020B0609020204030204" pitchFamily="49" charset="0"/>
-              </a:rPr>
-              <a:t>*</a:t>
             </a:r>
             <a:r>
               <a:rPr lang="en-US" sz="1600" b="0" dirty="0">
@@ -35765,7 +35914,7 @@
 </p:sld>
 </file>
 
-<file path=ppt/slides/slide36.xml><?xml version="1.0" encoding="utf-8"?>
+<file path=ppt/slides/slide38.xml><?xml version="1.0" encoding="utf-8"?>
 <p:sld xmlns:a="http://schemas.openxmlformats.org/drawingml/2006/main" xmlns:r="http://schemas.openxmlformats.org/officeDocument/2006/relationships" xmlns:p="http://schemas.openxmlformats.org/presentationml/2006/main">
   <p:cSld>
     <p:spTree>
@@ -37456,7 +37605,7 @@
 </p:sld>
 </file>
 
-<file path=ppt/slides/slide37.xml><?xml version="1.0" encoding="utf-8"?>
+<file path=ppt/slides/slide39.xml><?xml version="1.0" encoding="utf-8"?>
 <p:sld xmlns:a="http://schemas.openxmlformats.org/drawingml/2006/main" xmlns:r="http://schemas.openxmlformats.org/officeDocument/2006/relationships" xmlns:p="http://schemas.openxmlformats.org/presentationml/2006/main">
   <p:cSld>
     <p:spTree>
@@ -37572,6 +37721,634 @@
         </p:nvSpPr>
         <p:spPr/>
         <p:txBody>
+          <a:bodyPr/>
+          <a:lstStyle/>
+          <a:p>
+            <a:r>
+              <a:rPr lang="ru-RU" dirty="0"/>
+              <a:t>Программа для работы с фигурами</a:t>
+            </a:r>
+          </a:p>
+        </p:txBody>
+      </p:sp>
+      <p:pic>
+        <p:nvPicPr>
+          <p:cNvPr id="1026" name="Picture 2">
+            <a:extLst>
+              <a:ext uri="{FF2B5EF4-FFF2-40B4-BE49-F238E27FC236}">
+                <a16:creationId xmlns:a16="http://schemas.microsoft.com/office/drawing/2014/main" id="{49549D80-E46F-60C5-4A83-0722E2208BDB}"/>
+              </a:ext>
+            </a:extLst>
+          </p:cNvPr>
+          <p:cNvPicPr>
+            <a:picLocks noChangeAspect="1" noChangeArrowheads="1"/>
+          </p:cNvPicPr>
+          <p:nvPr/>
+        </p:nvPicPr>
+        <p:blipFill>
+          <a:blip r:embed="rId3" cstate="print">
+            <a:extLst>
+              <a:ext uri="{28A0092B-C50C-407E-A947-70E740481C1C}">
+                <a14:useLocalDpi xmlns:a14="http://schemas.microsoft.com/office/drawing/2010/main" val="0"/>
+              </a:ext>
+            </a:extLst>
+          </a:blip>
+          <a:srcRect/>
+          <a:stretch/>
+        </p:blipFill>
+        <p:spPr bwMode="auto">
+          <a:xfrm>
+            <a:off x="1460704" y="1556792"/>
+            <a:ext cx="9270592" cy="4304632"/>
+          </a:xfrm>
+          <a:prstGeom prst="rect">
+            <a:avLst/>
+          </a:prstGeom>
+          <a:noFill/>
+          <a:extLst>
+            <a:ext uri="{909E8E84-426E-40DD-AFC4-6F175D3DCCD1}">
+              <a14:hiddenFill xmlns:a14="http://schemas.microsoft.com/office/drawing/2010/main">
+                <a:solidFill>
+                  <a:srgbClr val="FFFFFF"/>
+                </a:solidFill>
+              </a14:hiddenFill>
+            </a:ext>
+          </a:extLst>
+        </p:spPr>
+      </p:pic>
+      <p:sp>
+        <p:nvSpPr>
+          <p:cNvPr id="4" name="TextBox 3">
+            <a:extLst>
+              <a:ext uri="{FF2B5EF4-FFF2-40B4-BE49-F238E27FC236}">
+                <a16:creationId xmlns:a16="http://schemas.microsoft.com/office/drawing/2014/main" id="{D7475B14-2F91-B673-C148-DCF3AC77009C}"/>
+              </a:ext>
+            </a:extLst>
+          </p:cNvPr>
+          <p:cNvSpPr txBox="1"/>
+          <p:nvPr/>
+        </p:nvSpPr>
+        <p:spPr>
+          <a:xfrm>
+            <a:off x="2855640" y="6237312"/>
+            <a:ext cx="5616624" cy="369332"/>
+          </a:xfrm>
+          <a:prstGeom prst="rect">
+            <a:avLst/>
+          </a:prstGeom>
+          <a:noFill/>
+        </p:spPr>
+        <p:txBody>
+          <a:bodyPr wrap="square" rtlCol="0">
+            <a:spAutoFit/>
+          </a:bodyPr>
+          <a:lstStyle/>
+          <a:p>
+            <a:r>
+              <a:rPr lang="ru-RU" dirty="0"/>
+              <a:t>Какой паттерн проектирования здесь спрятался</a:t>
+            </a:r>
+            <a:r>
+              <a:rPr lang="en-US" dirty="0"/>
+              <a:t>?</a:t>
+            </a:r>
+          </a:p>
+        </p:txBody>
+      </p:sp>
+    </p:spTree>
+    <p:extLst>
+      <p:ext uri="{BB962C8B-B14F-4D97-AF65-F5344CB8AC3E}">
+        <p14:creationId xmlns:p14="http://schemas.microsoft.com/office/powerpoint/2010/main" val="564352464"/>
+      </p:ext>
+    </p:extLst>
+  </p:cSld>
+  <p:clrMapOvr>
+    <a:masterClrMapping/>
+  </p:clrMapOvr>
+  <p:timing>
+    <p:tnLst>
+      <p:par>
+        <p:cTn id="1" dur="indefinite" restart="never" nodeType="tmRoot">
+          <p:childTnLst>
+            <p:seq concurrent="1" nextAc="seek">
+              <p:cTn id="2" dur="indefinite" nodeType="mainSeq">
+                <p:childTnLst>
+                  <p:par>
+                    <p:cTn id="3" fill="hold">
+                      <p:stCondLst>
+                        <p:cond delay="indefinite"/>
+                      </p:stCondLst>
+                      <p:childTnLst>
+                        <p:par>
+                          <p:cTn id="4" fill="hold">
+                            <p:stCondLst>
+                              <p:cond delay="0"/>
+                            </p:stCondLst>
+                            <p:childTnLst>
+                              <p:par>
+                                <p:cTn id="5" presetID="10" presetClass="entr" presetSubtype="0" fill="hold" grpId="0" nodeType="clickEffect">
+                                  <p:stCondLst>
+                                    <p:cond delay="0"/>
+                                  </p:stCondLst>
+                                  <p:childTnLst>
+                                    <p:set>
+                                      <p:cBhvr>
+                                        <p:cTn id="6" dur="1" fill="hold">
+                                          <p:stCondLst>
+                                            <p:cond delay="0"/>
+                                          </p:stCondLst>
+                                        </p:cTn>
+                                        <p:tgtEl>
+                                          <p:spTgt spid="4"/>
+                                        </p:tgtEl>
+                                        <p:attrNameLst>
+                                          <p:attrName>style.visibility</p:attrName>
+                                        </p:attrNameLst>
+                                      </p:cBhvr>
+                                      <p:to>
+                                        <p:strVal val="visible"/>
+                                      </p:to>
+                                    </p:set>
+                                    <p:animEffect transition="in" filter="fade">
+                                      <p:cBhvr>
+                                        <p:cTn id="7" dur="500"/>
+                                        <p:tgtEl>
+                                          <p:spTgt spid="4"/>
+                                        </p:tgtEl>
+                                      </p:cBhvr>
+                                    </p:animEffect>
+                                  </p:childTnLst>
+                                </p:cTn>
+                              </p:par>
+                            </p:childTnLst>
+                          </p:cTn>
+                        </p:par>
+                      </p:childTnLst>
+                    </p:cTn>
+                  </p:par>
+                </p:childTnLst>
+              </p:cTn>
+              <p:prevCondLst>
+                <p:cond evt="onPrev" delay="0">
+                  <p:tgtEl>
+                    <p:sldTgt/>
+                  </p:tgtEl>
+                </p:cond>
+              </p:prevCondLst>
+              <p:nextCondLst>
+                <p:cond evt="onNext" delay="0">
+                  <p:tgtEl>
+                    <p:sldTgt/>
+                  </p:tgtEl>
+                </p:cond>
+              </p:nextCondLst>
+            </p:seq>
+          </p:childTnLst>
+        </p:cTn>
+      </p:par>
+    </p:tnLst>
+    <p:bldLst>
+      <p:bldP spid="4" grpId="0"/>
+    </p:bldLst>
+  </p:timing>
+</p:sld>
+</file>
+
+<file path=ppt/slides/slide5.xml><?xml version="1.0" encoding="utf-8"?>
+<p:sld xmlns:a="http://schemas.openxmlformats.org/drawingml/2006/main" xmlns:r="http://schemas.openxmlformats.org/officeDocument/2006/relationships" xmlns:p="http://schemas.openxmlformats.org/presentationml/2006/main">
+  <p:cSld>
+    <p:spTree>
+      <p:nvGrpSpPr>
+        <p:cNvPr id="1" name="">
+          <a:extLst>
+            <a:ext uri="{FF2B5EF4-FFF2-40B4-BE49-F238E27FC236}">
+              <a16:creationId xmlns:a16="http://schemas.microsoft.com/office/drawing/2014/main" id="{82922D40-D981-CB73-6A84-4C0E38740564}"/>
+            </a:ext>
+          </a:extLst>
+        </p:cNvPr>
+        <p:cNvGrpSpPr/>
+        <p:nvPr/>
+      </p:nvGrpSpPr>
+      <p:grpSpPr>
+        <a:xfrm>
+          <a:off x="0" y="0"/>
+          <a:ext cx="0" cy="0"/>
+          <a:chOff x="0" y="0"/>
+          <a:chExt cx="0" cy="0"/>
+        </a:xfrm>
+      </p:grpSpPr>
+      <p:sp>
+        <p:nvSpPr>
+          <p:cNvPr id="2" name="Заголовок 1">
+            <a:extLst>
+              <a:ext uri="{FF2B5EF4-FFF2-40B4-BE49-F238E27FC236}">
+                <a16:creationId xmlns:a16="http://schemas.microsoft.com/office/drawing/2014/main" id="{AA14B276-F1EF-B6B9-FE9C-0359DF4B90F0}"/>
+              </a:ext>
+            </a:extLst>
+          </p:cNvPr>
+          <p:cNvSpPr>
+            <a:spLocks noGrp="1"/>
+          </p:cNvSpPr>
+          <p:nvPr>
+            <p:ph type="title"/>
+          </p:nvPr>
+        </p:nvSpPr>
+        <p:spPr/>
+        <p:txBody>
+          <a:bodyPr/>
+          <a:lstStyle/>
+          <a:p>
+            <a:r>
+              <a:rPr lang="ru-RU" dirty="0"/>
+              <a:t>Нужно сериализовать фигуры</a:t>
+            </a:r>
+          </a:p>
+        </p:txBody>
+      </p:sp>
+      <p:sp>
+        <p:nvSpPr>
+          <p:cNvPr id="3" name="Содержимое 2">
+            <a:extLst>
+              <a:ext uri="{FF2B5EF4-FFF2-40B4-BE49-F238E27FC236}">
+                <a16:creationId xmlns:a16="http://schemas.microsoft.com/office/drawing/2014/main" id="{9B73990C-EC16-055A-4EF4-C7EE5283ED9F}"/>
+              </a:ext>
+            </a:extLst>
+          </p:cNvPr>
+          <p:cNvSpPr>
+            <a:spLocks noGrp="1"/>
+          </p:cNvSpPr>
+          <p:nvPr>
+            <p:ph idx="1"/>
+          </p:nvPr>
+        </p:nvSpPr>
+        <p:spPr/>
+        <p:txBody>
+          <a:bodyPr>
+            <a:normAutofit/>
+          </a:bodyPr>
+          <a:lstStyle/>
+          <a:p>
+            <a:r>
+              <a:rPr lang="ru-RU" dirty="0"/>
+              <a:t>Ввывести информацию обо всех фигурах коллекции в поток вывода</a:t>
+            </a:r>
+            <a:endParaRPr lang="en-US" dirty="0"/>
+          </a:p>
+          <a:p>
+            <a:r>
+              <a:rPr lang="ru-RU" dirty="0"/>
+              <a:t>Предусмотреть возможность легкой смены формата вывода информации</a:t>
+            </a:r>
+          </a:p>
+          <a:p>
+            <a:pPr lvl="1"/>
+            <a:r>
+              <a:rPr lang="en-US" dirty="0"/>
+              <a:t>Plain text: Rectangle(20x30)</a:t>
+            </a:r>
+          </a:p>
+          <a:p>
+            <a:pPr lvl="1"/>
+            <a:r>
+              <a:rPr lang="en-US" dirty="0"/>
+              <a:t>XML: &lt;rectangle width=“20” height=“30” /&gt;</a:t>
+            </a:r>
+          </a:p>
+          <a:p>
+            <a:pPr lvl="1"/>
+            <a:r>
+              <a:rPr lang="ru-RU" dirty="0"/>
+              <a:t>Бинарный формат</a:t>
+            </a:r>
+          </a:p>
+        </p:txBody>
+      </p:sp>
+    </p:spTree>
+    <p:extLst>
+      <p:ext uri="{BB962C8B-B14F-4D97-AF65-F5344CB8AC3E}">
+        <p14:creationId xmlns:p14="http://schemas.microsoft.com/office/powerpoint/2010/main" val="650226889"/>
+      </p:ext>
+    </p:extLst>
+  </p:cSld>
+  <p:clrMapOvr>
+    <a:masterClrMapping/>
+  </p:clrMapOvr>
+  <p:timing>
+    <p:tnLst>
+      <p:par>
+        <p:cTn id="1" dur="indefinite" restart="never" nodeType="tmRoot">
+          <p:childTnLst>
+            <p:seq concurrent="1" nextAc="seek">
+              <p:cTn id="2" dur="indefinite" nodeType="mainSeq">
+                <p:childTnLst>
+                  <p:par>
+                    <p:cTn id="3" fill="hold">
+                      <p:stCondLst>
+                        <p:cond delay="indefinite"/>
+                      </p:stCondLst>
+                      <p:childTnLst>
+                        <p:par>
+                          <p:cTn id="4" fill="hold">
+                            <p:stCondLst>
+                              <p:cond delay="0"/>
+                            </p:stCondLst>
+                            <p:childTnLst>
+                              <p:par>
+                                <p:cTn id="5" presetID="10" presetClass="entr" presetSubtype="0" fill="hold" grpId="0" nodeType="clickEffect">
+                                  <p:stCondLst>
+                                    <p:cond delay="0"/>
+                                  </p:stCondLst>
+                                  <p:childTnLst>
+                                    <p:set>
+                                      <p:cBhvr>
+                                        <p:cTn id="6" dur="1" fill="hold">
+                                          <p:stCondLst>
+                                            <p:cond delay="0"/>
+                                          </p:stCondLst>
+                                        </p:cTn>
+                                        <p:tgtEl>
+                                          <p:spTgt spid="3">
+                                            <p:txEl>
+                                              <p:pRg st="0" end="0"/>
+                                            </p:txEl>
+                                          </p:spTgt>
+                                        </p:tgtEl>
+                                        <p:attrNameLst>
+                                          <p:attrName>style.visibility</p:attrName>
+                                        </p:attrNameLst>
+                                      </p:cBhvr>
+                                      <p:to>
+                                        <p:strVal val="visible"/>
+                                      </p:to>
+                                    </p:set>
+                                    <p:animEffect transition="in" filter="fade">
+                                      <p:cBhvr>
+                                        <p:cTn id="7" dur="500"/>
+                                        <p:tgtEl>
+                                          <p:spTgt spid="3">
+                                            <p:txEl>
+                                              <p:pRg st="0" end="0"/>
+                                            </p:txEl>
+                                          </p:spTgt>
+                                        </p:tgtEl>
+                                      </p:cBhvr>
+                                    </p:animEffect>
+                                  </p:childTnLst>
+                                </p:cTn>
+                              </p:par>
+                            </p:childTnLst>
+                          </p:cTn>
+                        </p:par>
+                      </p:childTnLst>
+                    </p:cTn>
+                  </p:par>
+                  <p:par>
+                    <p:cTn id="8" fill="hold">
+                      <p:stCondLst>
+                        <p:cond delay="indefinite"/>
+                      </p:stCondLst>
+                      <p:childTnLst>
+                        <p:par>
+                          <p:cTn id="9" fill="hold">
+                            <p:stCondLst>
+                              <p:cond delay="0"/>
+                            </p:stCondLst>
+                            <p:childTnLst>
+                              <p:par>
+                                <p:cTn id="10" presetID="10" presetClass="entr" presetSubtype="0" fill="hold" grpId="0" nodeType="clickEffect">
+                                  <p:stCondLst>
+                                    <p:cond delay="0"/>
+                                  </p:stCondLst>
+                                  <p:childTnLst>
+                                    <p:set>
+                                      <p:cBhvr>
+                                        <p:cTn id="11" dur="1" fill="hold">
+                                          <p:stCondLst>
+                                            <p:cond delay="0"/>
+                                          </p:stCondLst>
+                                        </p:cTn>
+                                        <p:tgtEl>
+                                          <p:spTgt spid="3">
+                                            <p:txEl>
+                                              <p:pRg st="1" end="1"/>
+                                            </p:txEl>
+                                          </p:spTgt>
+                                        </p:tgtEl>
+                                        <p:attrNameLst>
+                                          <p:attrName>style.visibility</p:attrName>
+                                        </p:attrNameLst>
+                                      </p:cBhvr>
+                                      <p:to>
+                                        <p:strVal val="visible"/>
+                                      </p:to>
+                                    </p:set>
+                                    <p:animEffect transition="in" filter="fade">
+                                      <p:cBhvr>
+                                        <p:cTn id="12" dur="500"/>
+                                        <p:tgtEl>
+                                          <p:spTgt spid="3">
+                                            <p:txEl>
+                                              <p:pRg st="1" end="1"/>
+                                            </p:txEl>
+                                          </p:spTgt>
+                                        </p:tgtEl>
+                                      </p:cBhvr>
+                                    </p:animEffect>
+                                  </p:childTnLst>
+                                </p:cTn>
+                              </p:par>
+                              <p:par>
+                                <p:cTn id="13" presetID="10" presetClass="entr" presetSubtype="0" fill="hold" grpId="0" nodeType="withEffect">
+                                  <p:stCondLst>
+                                    <p:cond delay="0"/>
+                                  </p:stCondLst>
+                                  <p:childTnLst>
+                                    <p:set>
+                                      <p:cBhvr>
+                                        <p:cTn id="14" dur="1" fill="hold">
+                                          <p:stCondLst>
+                                            <p:cond delay="0"/>
+                                          </p:stCondLst>
+                                        </p:cTn>
+                                        <p:tgtEl>
+                                          <p:spTgt spid="3">
+                                            <p:txEl>
+                                              <p:pRg st="2" end="2"/>
+                                            </p:txEl>
+                                          </p:spTgt>
+                                        </p:tgtEl>
+                                        <p:attrNameLst>
+                                          <p:attrName>style.visibility</p:attrName>
+                                        </p:attrNameLst>
+                                      </p:cBhvr>
+                                      <p:to>
+                                        <p:strVal val="visible"/>
+                                      </p:to>
+                                    </p:set>
+                                    <p:animEffect transition="in" filter="fade">
+                                      <p:cBhvr>
+                                        <p:cTn id="15" dur="500"/>
+                                        <p:tgtEl>
+                                          <p:spTgt spid="3">
+                                            <p:txEl>
+                                              <p:pRg st="2" end="2"/>
+                                            </p:txEl>
+                                          </p:spTgt>
+                                        </p:tgtEl>
+                                      </p:cBhvr>
+                                    </p:animEffect>
+                                  </p:childTnLst>
+                                </p:cTn>
+                              </p:par>
+                              <p:par>
+                                <p:cTn id="16" presetID="10" presetClass="entr" presetSubtype="0" fill="hold" grpId="0" nodeType="withEffect">
+                                  <p:stCondLst>
+                                    <p:cond delay="0"/>
+                                  </p:stCondLst>
+                                  <p:childTnLst>
+                                    <p:set>
+                                      <p:cBhvr>
+                                        <p:cTn id="17" dur="1" fill="hold">
+                                          <p:stCondLst>
+                                            <p:cond delay="0"/>
+                                          </p:stCondLst>
+                                        </p:cTn>
+                                        <p:tgtEl>
+                                          <p:spTgt spid="3">
+                                            <p:txEl>
+                                              <p:pRg st="3" end="3"/>
+                                            </p:txEl>
+                                          </p:spTgt>
+                                        </p:tgtEl>
+                                        <p:attrNameLst>
+                                          <p:attrName>style.visibility</p:attrName>
+                                        </p:attrNameLst>
+                                      </p:cBhvr>
+                                      <p:to>
+                                        <p:strVal val="visible"/>
+                                      </p:to>
+                                    </p:set>
+                                    <p:animEffect transition="in" filter="fade">
+                                      <p:cBhvr>
+                                        <p:cTn id="18" dur="500"/>
+                                        <p:tgtEl>
+                                          <p:spTgt spid="3">
+                                            <p:txEl>
+                                              <p:pRg st="3" end="3"/>
+                                            </p:txEl>
+                                          </p:spTgt>
+                                        </p:tgtEl>
+                                      </p:cBhvr>
+                                    </p:animEffect>
+                                  </p:childTnLst>
+                                </p:cTn>
+                              </p:par>
+                              <p:par>
+                                <p:cTn id="19" presetID="10" presetClass="entr" presetSubtype="0" fill="hold" grpId="0" nodeType="withEffect">
+                                  <p:stCondLst>
+                                    <p:cond delay="0"/>
+                                  </p:stCondLst>
+                                  <p:childTnLst>
+                                    <p:set>
+                                      <p:cBhvr>
+                                        <p:cTn id="20" dur="1" fill="hold">
+                                          <p:stCondLst>
+                                            <p:cond delay="0"/>
+                                          </p:stCondLst>
+                                        </p:cTn>
+                                        <p:tgtEl>
+                                          <p:spTgt spid="3">
+                                            <p:txEl>
+                                              <p:pRg st="4" end="4"/>
+                                            </p:txEl>
+                                          </p:spTgt>
+                                        </p:tgtEl>
+                                        <p:attrNameLst>
+                                          <p:attrName>style.visibility</p:attrName>
+                                        </p:attrNameLst>
+                                      </p:cBhvr>
+                                      <p:to>
+                                        <p:strVal val="visible"/>
+                                      </p:to>
+                                    </p:set>
+                                    <p:animEffect transition="in" filter="fade">
+                                      <p:cBhvr>
+                                        <p:cTn id="21" dur="500"/>
+                                        <p:tgtEl>
+                                          <p:spTgt spid="3">
+                                            <p:txEl>
+                                              <p:pRg st="4" end="4"/>
+                                            </p:txEl>
+                                          </p:spTgt>
+                                        </p:tgtEl>
+                                      </p:cBhvr>
+                                    </p:animEffect>
+                                  </p:childTnLst>
+                                </p:cTn>
+                              </p:par>
+                            </p:childTnLst>
+                          </p:cTn>
+                        </p:par>
+                      </p:childTnLst>
+                    </p:cTn>
+                  </p:par>
+                </p:childTnLst>
+              </p:cTn>
+              <p:prevCondLst>
+                <p:cond evt="onPrev" delay="0">
+                  <p:tgtEl>
+                    <p:sldTgt/>
+                  </p:tgtEl>
+                </p:cond>
+              </p:prevCondLst>
+              <p:nextCondLst>
+                <p:cond evt="onNext" delay="0">
+                  <p:tgtEl>
+                    <p:sldTgt/>
+                  </p:tgtEl>
+                </p:cond>
+              </p:nextCondLst>
+            </p:seq>
+          </p:childTnLst>
+        </p:cTn>
+      </p:par>
+    </p:tnLst>
+    <p:bldLst>
+      <p:bldP spid="3" grpId="0" build="p"/>
+    </p:bldLst>
+  </p:timing>
+</p:sld>
+</file>
+
+<file path=ppt/slides/slide6.xml><?xml version="1.0" encoding="utf-8"?>
+<p:sld xmlns:a="http://schemas.openxmlformats.org/drawingml/2006/main" xmlns:r="http://schemas.openxmlformats.org/officeDocument/2006/relationships" xmlns:p="http://schemas.openxmlformats.org/presentationml/2006/main">
+  <p:cSld>
+    <p:spTree>
+      <p:nvGrpSpPr>
+        <p:cNvPr id="1" name=""/>
+        <p:cNvGrpSpPr/>
+        <p:nvPr/>
+      </p:nvGrpSpPr>
+      <p:grpSpPr>
+        <a:xfrm>
+          <a:off x="0" y="0"/>
+          <a:ext cx="0" cy="0"/>
+          <a:chOff x="0" y="0"/>
+          <a:chExt cx="0" cy="0"/>
+        </a:xfrm>
+      </p:grpSpPr>
+      <p:sp>
+        <p:nvSpPr>
+          <p:cNvPr id="2" name="Заголовок 1"/>
+          <p:cNvSpPr>
+            <a:spLocks noGrp="1"/>
+          </p:cNvSpPr>
+          <p:nvPr>
+            <p:ph type="title"/>
+          </p:nvPr>
+        </p:nvSpPr>
+        <p:spPr/>
+        <p:txBody>
           <a:bodyPr>
             <a:normAutofit/>
           </a:bodyPr>
@@ -37642,7 +38419,7 @@
 </p:sld>
 </file>
 
-<file path=ppt/slides/slide5.xml><?xml version="1.0" encoding="utf-8"?>
+<file path=ppt/slides/slide7.xml><?xml version="1.0" encoding="utf-8"?>
 <p:sld xmlns:a="http://schemas.openxmlformats.org/drawingml/2006/main" xmlns:r="http://schemas.openxmlformats.org/officeDocument/2006/relationships" xmlns:p="http://schemas.openxmlformats.org/presentationml/2006/main">
   <p:cSld>
     <p:spTree>
@@ -38369,7 +39146,7 @@
 </p:sld>
 </file>
 
-<file path=ppt/slides/slide6.xml><?xml version="1.0" encoding="utf-8"?>
+<file path=ppt/slides/slide8.xml><?xml version="1.0" encoding="utf-8"?>
 <p:sld xmlns:a="http://schemas.openxmlformats.org/drawingml/2006/main" xmlns:r="http://schemas.openxmlformats.org/officeDocument/2006/relationships" xmlns:p="http://schemas.openxmlformats.org/presentationml/2006/main">
   <p:cSld>
     <p:spTree>
@@ -38449,7 +39226,7 @@
 </p:sld>
 </file>
 
-<file path=ppt/slides/slide7.xml><?xml version="1.0" encoding="utf-8"?>
+<file path=ppt/slides/slide9.xml><?xml version="1.0" encoding="utf-8"?>
 <p:sld xmlns:a="http://schemas.openxmlformats.org/drawingml/2006/main" xmlns:r="http://schemas.openxmlformats.org/officeDocument/2006/relationships" xmlns:p="http://schemas.openxmlformats.org/presentationml/2006/main">
   <p:cSld>
     <p:spTree>
@@ -39779,395 +40556,6 @@
 </p:sld>
 </file>
 
-<file path=ppt/slides/slide8.xml><?xml version="1.0" encoding="utf-8"?>
-<p:sld xmlns:a="http://schemas.openxmlformats.org/drawingml/2006/main" xmlns:r="http://schemas.openxmlformats.org/officeDocument/2006/relationships" xmlns:p="http://schemas.openxmlformats.org/presentationml/2006/main">
-  <p:cSld>
-    <p:spTree>
-      <p:nvGrpSpPr>
-        <p:cNvPr id="1" name=""/>
-        <p:cNvGrpSpPr/>
-        <p:nvPr/>
-      </p:nvGrpSpPr>
-      <p:grpSpPr>
-        <a:xfrm>
-          <a:off x="0" y="0"/>
-          <a:ext cx="0" cy="0"/>
-          <a:chOff x="0" y="0"/>
-          <a:chExt cx="0" cy="0"/>
-        </a:xfrm>
-      </p:grpSpPr>
-      <p:sp>
-        <p:nvSpPr>
-          <p:cNvPr id="2" name="Заголовок 1"/>
-          <p:cNvSpPr>
-            <a:spLocks noGrp="1"/>
-          </p:cNvSpPr>
-          <p:nvPr>
-            <p:ph type="title"/>
-          </p:nvPr>
-        </p:nvSpPr>
-        <p:spPr/>
-        <p:txBody>
-          <a:bodyPr/>
-          <a:lstStyle/>
-          <a:p>
-            <a:r>
-              <a:rPr lang="ru-RU" dirty="0"/>
-              <a:t>Отношения</a:t>
-            </a:r>
-          </a:p>
-        </p:txBody>
-      </p:sp>
-      <p:sp>
-        <p:nvSpPr>
-          <p:cNvPr id="3" name="Содержимое 2"/>
-          <p:cNvSpPr>
-            <a:spLocks noGrp="1"/>
-          </p:cNvSpPr>
-          <p:nvPr>
-            <p:ph idx="1"/>
-          </p:nvPr>
-        </p:nvSpPr>
-        <p:spPr/>
-        <p:txBody>
-          <a:bodyPr/>
-          <a:lstStyle/>
-          <a:p>
-            <a:r>
-              <a:rPr lang="ru-RU" dirty="0"/>
-              <a:t>Клиент создаёт объект класса </a:t>
-            </a:r>
-            <a:r>
-              <a:rPr lang="en-US" b="1" dirty="0" err="1"/>
-              <a:t>ConcreteVisitor</a:t>
-            </a:r>
-            <a:r>
-              <a:rPr lang="ru-RU" dirty="0"/>
-              <a:t>, и обходит каждый элемент структуры</a:t>
-            </a:r>
-          </a:p>
-          <a:p>
-            <a:pPr lvl="1"/>
-            <a:r>
-              <a:rPr lang="ru-RU" dirty="0"/>
-              <a:t>У каждого объекта вызывает метод </a:t>
-            </a:r>
-            <a:r>
-              <a:rPr lang="en-US" b="1" dirty="0"/>
-              <a:t>Accept</a:t>
-            </a:r>
-            <a:r>
-              <a:rPr lang="ru-RU" dirty="0"/>
-              <a:t>, куда передаёт посетителя</a:t>
-            </a:r>
-          </a:p>
-          <a:p>
-            <a:r>
-              <a:rPr lang="ru-RU" dirty="0"/>
-              <a:t>Посещаемый элемент вызывает операцию </a:t>
-            </a:r>
-            <a:r>
-              <a:rPr lang="en-US" b="1" dirty="0"/>
-              <a:t>Visit</a:t>
-            </a:r>
-            <a:r>
-              <a:rPr lang="en-US" dirty="0"/>
-              <a:t> </a:t>
-            </a:r>
-            <a:r>
-              <a:rPr lang="ru-RU" dirty="0"/>
-              <a:t>посетителя, соответствующую своему классу, и передает себя в качестве аргумента</a:t>
-            </a:r>
-          </a:p>
-        </p:txBody>
-      </p:sp>
-    </p:spTree>
-    <p:extLst>
-      <p:ext uri="{BB962C8B-B14F-4D97-AF65-F5344CB8AC3E}">
-        <p14:creationId xmlns:p14="http://schemas.microsoft.com/office/powerpoint/2010/main" val="1257085805"/>
-      </p:ext>
-    </p:extLst>
-  </p:cSld>
-  <p:clrMapOvr>
-    <a:masterClrMapping/>
-  </p:clrMapOvr>
-  <p:timing>
-    <p:tnLst>
-      <p:par>
-        <p:cTn id="1" dur="indefinite" restart="never" nodeType="tmRoot">
-          <p:childTnLst>
-            <p:seq concurrent="1" nextAc="seek">
-              <p:cTn id="2" dur="indefinite" nodeType="mainSeq">
-                <p:childTnLst>
-                  <p:par>
-                    <p:cTn id="3" fill="hold">
-                      <p:stCondLst>
-                        <p:cond delay="indefinite"/>
-                      </p:stCondLst>
-                      <p:childTnLst>
-                        <p:par>
-                          <p:cTn id="4" fill="hold">
-                            <p:stCondLst>
-                              <p:cond delay="0"/>
-                            </p:stCondLst>
-                            <p:childTnLst>
-                              <p:par>
-                                <p:cTn id="5" presetID="10" presetClass="entr" presetSubtype="0" fill="hold" grpId="0" nodeType="clickEffect">
-                                  <p:stCondLst>
-                                    <p:cond delay="0"/>
-                                  </p:stCondLst>
-                                  <p:childTnLst>
-                                    <p:set>
-                                      <p:cBhvr>
-                                        <p:cTn id="6" dur="1" fill="hold">
-                                          <p:stCondLst>
-                                            <p:cond delay="0"/>
-                                          </p:stCondLst>
-                                        </p:cTn>
-                                        <p:tgtEl>
-                                          <p:spTgt spid="3">
-                                            <p:txEl>
-                                              <p:pRg st="0" end="0"/>
-                                            </p:txEl>
-                                          </p:spTgt>
-                                        </p:tgtEl>
-                                        <p:attrNameLst>
-                                          <p:attrName>style.visibility</p:attrName>
-                                        </p:attrNameLst>
-                                      </p:cBhvr>
-                                      <p:to>
-                                        <p:strVal val="visible"/>
-                                      </p:to>
-                                    </p:set>
-                                    <p:animEffect transition="in" filter="fade">
-                                      <p:cBhvr>
-                                        <p:cTn id="7" dur="500"/>
-                                        <p:tgtEl>
-                                          <p:spTgt spid="3">
-                                            <p:txEl>
-                                              <p:pRg st="0" end="0"/>
-                                            </p:txEl>
-                                          </p:spTgt>
-                                        </p:tgtEl>
-                                      </p:cBhvr>
-                                    </p:animEffect>
-                                  </p:childTnLst>
-                                </p:cTn>
-                              </p:par>
-                              <p:par>
-                                <p:cTn id="8" presetID="10" presetClass="entr" presetSubtype="0" fill="hold" grpId="0" nodeType="withEffect">
-                                  <p:stCondLst>
-                                    <p:cond delay="0"/>
-                                  </p:stCondLst>
-                                  <p:childTnLst>
-                                    <p:set>
-                                      <p:cBhvr>
-                                        <p:cTn id="9" dur="1" fill="hold">
-                                          <p:stCondLst>
-                                            <p:cond delay="0"/>
-                                          </p:stCondLst>
-                                        </p:cTn>
-                                        <p:tgtEl>
-                                          <p:spTgt spid="3">
-                                            <p:txEl>
-                                              <p:pRg st="1" end="1"/>
-                                            </p:txEl>
-                                          </p:spTgt>
-                                        </p:tgtEl>
-                                        <p:attrNameLst>
-                                          <p:attrName>style.visibility</p:attrName>
-                                        </p:attrNameLst>
-                                      </p:cBhvr>
-                                      <p:to>
-                                        <p:strVal val="visible"/>
-                                      </p:to>
-                                    </p:set>
-                                    <p:animEffect transition="in" filter="fade">
-                                      <p:cBhvr>
-                                        <p:cTn id="10" dur="500"/>
-                                        <p:tgtEl>
-                                          <p:spTgt spid="3">
-                                            <p:txEl>
-                                              <p:pRg st="1" end="1"/>
-                                            </p:txEl>
-                                          </p:spTgt>
-                                        </p:tgtEl>
-                                      </p:cBhvr>
-                                    </p:animEffect>
-                                  </p:childTnLst>
-                                </p:cTn>
-                              </p:par>
-                            </p:childTnLst>
-                          </p:cTn>
-                        </p:par>
-                      </p:childTnLst>
-                    </p:cTn>
-                  </p:par>
-                  <p:par>
-                    <p:cTn id="11" fill="hold">
-                      <p:stCondLst>
-                        <p:cond delay="indefinite"/>
-                      </p:stCondLst>
-                      <p:childTnLst>
-                        <p:par>
-                          <p:cTn id="12" fill="hold">
-                            <p:stCondLst>
-                              <p:cond delay="0"/>
-                            </p:stCondLst>
-                            <p:childTnLst>
-                              <p:par>
-                                <p:cTn id="13" presetID="10" presetClass="entr" presetSubtype="0" fill="hold" grpId="0" nodeType="clickEffect">
-                                  <p:stCondLst>
-                                    <p:cond delay="0"/>
-                                  </p:stCondLst>
-                                  <p:childTnLst>
-                                    <p:set>
-                                      <p:cBhvr>
-                                        <p:cTn id="14" dur="1" fill="hold">
-                                          <p:stCondLst>
-                                            <p:cond delay="0"/>
-                                          </p:stCondLst>
-                                        </p:cTn>
-                                        <p:tgtEl>
-                                          <p:spTgt spid="3">
-                                            <p:txEl>
-                                              <p:pRg st="2" end="2"/>
-                                            </p:txEl>
-                                          </p:spTgt>
-                                        </p:tgtEl>
-                                        <p:attrNameLst>
-                                          <p:attrName>style.visibility</p:attrName>
-                                        </p:attrNameLst>
-                                      </p:cBhvr>
-                                      <p:to>
-                                        <p:strVal val="visible"/>
-                                      </p:to>
-                                    </p:set>
-                                    <p:animEffect transition="in" filter="fade">
-                                      <p:cBhvr>
-                                        <p:cTn id="15" dur="500"/>
-                                        <p:tgtEl>
-                                          <p:spTgt spid="3">
-                                            <p:txEl>
-                                              <p:pRg st="2" end="2"/>
-                                            </p:txEl>
-                                          </p:spTgt>
-                                        </p:tgtEl>
-                                      </p:cBhvr>
-                                    </p:animEffect>
-                                  </p:childTnLst>
-                                </p:cTn>
-                              </p:par>
-                            </p:childTnLst>
-                          </p:cTn>
-                        </p:par>
-                      </p:childTnLst>
-                    </p:cTn>
-                  </p:par>
-                </p:childTnLst>
-              </p:cTn>
-              <p:prevCondLst>
-                <p:cond evt="onPrev" delay="0">
-                  <p:tgtEl>
-                    <p:sldTgt/>
-                  </p:tgtEl>
-                </p:cond>
-              </p:prevCondLst>
-              <p:nextCondLst>
-                <p:cond evt="onNext" delay="0">
-                  <p:tgtEl>
-                    <p:sldTgt/>
-                  </p:tgtEl>
-                </p:cond>
-              </p:nextCondLst>
-            </p:seq>
-          </p:childTnLst>
-        </p:cTn>
-      </p:par>
-    </p:tnLst>
-    <p:bldLst>
-      <p:bldP spid="3" grpId="0" build="p"/>
-    </p:bldLst>
-  </p:timing>
-</p:sld>
-</file>
-
-<file path=ppt/slides/slide9.xml><?xml version="1.0" encoding="utf-8"?>
-<p:sld xmlns:a="http://schemas.openxmlformats.org/drawingml/2006/main" xmlns:r="http://schemas.openxmlformats.org/officeDocument/2006/relationships" xmlns:p="http://schemas.openxmlformats.org/presentationml/2006/main">
-  <p:cSld>
-    <p:spTree>
-      <p:nvGrpSpPr>
-        <p:cNvPr id="1" name=""/>
-        <p:cNvGrpSpPr/>
-        <p:nvPr/>
-      </p:nvGrpSpPr>
-      <p:grpSpPr>
-        <a:xfrm>
-          <a:off x="0" y="0"/>
-          <a:ext cx="0" cy="0"/>
-          <a:chOff x="0" y="0"/>
-          <a:chExt cx="0" cy="0"/>
-        </a:xfrm>
-      </p:grpSpPr>
-      <p:sp>
-        <p:nvSpPr>
-          <p:cNvPr id="4" name="Title 3"/>
-          <p:cNvSpPr>
-            <a:spLocks noGrp="1"/>
-          </p:cNvSpPr>
-          <p:nvPr>
-            <p:ph type="title"/>
-          </p:nvPr>
-        </p:nvSpPr>
-        <p:spPr/>
-        <p:txBody>
-          <a:bodyPr/>
-          <a:lstStyle/>
-          <a:p>
-            <a:r>
-              <a:rPr lang="ru-RU" dirty="0"/>
-              <a:t>Диаграмма взаимодействий</a:t>
-            </a:r>
-          </a:p>
-        </p:txBody>
-      </p:sp>
-      <p:pic>
-        <p:nvPicPr>
-          <p:cNvPr id="8" name="Picture 7"/>
-          <p:cNvPicPr>
-            <a:picLocks noChangeAspect="1"/>
-          </p:cNvPicPr>
-          <p:nvPr/>
-        </p:nvPicPr>
-        <p:blipFill>
-          <a:blip r:embed="rId3"/>
-          <a:stretch>
-            <a:fillRect/>
-          </a:stretch>
-        </p:blipFill>
-        <p:spPr>
-          <a:xfrm>
-            <a:off x="838201" y="1929867"/>
-            <a:ext cx="10311534" cy="4510434"/>
-          </a:xfrm>
-          <a:prstGeom prst="rect">
-            <a:avLst/>
-          </a:prstGeom>
-        </p:spPr>
-      </p:pic>
-    </p:spTree>
-    <p:extLst>
-      <p:ext uri="{BB962C8B-B14F-4D97-AF65-F5344CB8AC3E}">
-        <p14:creationId xmlns:p14="http://schemas.microsoft.com/office/powerpoint/2010/main" val="3746428033"/>
-      </p:ext>
-    </p:extLst>
-  </p:cSld>
-  <p:clrMapOvr>
-    <a:masterClrMapping/>
-  </p:clrMapOvr>
-</p:sld>
-</file>
-
 <file path=ppt/tags/tag1.xml><?xml version="1.0" encoding="utf-8"?>
 <p:tagLst xmlns:a="http://schemas.openxmlformats.org/drawingml/2006/main" xmlns:r="http://schemas.openxmlformats.org/officeDocument/2006/relationships" xmlns:p="http://schemas.openxmlformats.org/presentationml/2006/main">
   <p:tag name="ISPRING_RESOURCE_FOLDER" val="H:\teaching\institutps\2016\ood\lectures\07\07 - Адаптер, Фасад\"/>

--- a/lectures/13.visitor/visitor.pptx
+++ b/lectures/13.visitor/visitor.pptx
@@ -5,53 +5,51 @@
     <p:sldMasterId id="2147483684" r:id="rId1"/>
   </p:sldMasterIdLst>
   <p:notesMasterIdLst>
-    <p:notesMasterId r:id="rId41"/>
+    <p:notesMasterId r:id="rId39"/>
   </p:notesMasterIdLst>
   <p:sldIdLst>
     <p:sldId id="320" r:id="rId2"/>
-    <p:sldId id="331" r:id="rId3"/>
-    <p:sldId id="333" r:id="rId4"/>
-    <p:sldId id="262" r:id="rId5"/>
-    <p:sldId id="323" r:id="rId6"/>
-    <p:sldId id="272" r:id="rId7"/>
-    <p:sldId id="322" r:id="rId8"/>
-    <p:sldId id="258" r:id="rId9"/>
-    <p:sldId id="265" r:id="rId10"/>
-    <p:sldId id="261" r:id="rId11"/>
-    <p:sldId id="266" r:id="rId12"/>
-    <p:sldId id="259" r:id="rId13"/>
-    <p:sldId id="260" r:id="rId14"/>
-    <p:sldId id="257" r:id="rId15"/>
-    <p:sldId id="268" r:id="rId16"/>
-    <p:sldId id="275" r:id="rId17"/>
-    <p:sldId id="274" r:id="rId18"/>
-    <p:sldId id="269" r:id="rId19"/>
-    <p:sldId id="270" r:id="rId20"/>
-    <p:sldId id="271" r:id="rId21"/>
-    <p:sldId id="263" r:id="rId22"/>
-    <p:sldId id="264" r:id="rId23"/>
-    <p:sldId id="276" r:id="rId24"/>
-    <p:sldId id="324" r:id="rId25"/>
-    <p:sldId id="325" r:id="rId26"/>
-    <p:sldId id="326" r:id="rId27"/>
-    <p:sldId id="277" r:id="rId28"/>
-    <p:sldId id="327" r:id="rId29"/>
-    <p:sldId id="278" r:id="rId30"/>
-    <p:sldId id="279" r:id="rId31"/>
-    <p:sldId id="280" r:id="rId32"/>
-    <p:sldId id="281" r:id="rId33"/>
-    <p:sldId id="282" r:id="rId34"/>
-    <p:sldId id="283" r:id="rId35"/>
-    <p:sldId id="284" r:id="rId36"/>
-    <p:sldId id="285" r:id="rId37"/>
-    <p:sldId id="328" r:id="rId38"/>
-    <p:sldId id="329" r:id="rId39"/>
-    <p:sldId id="330" r:id="rId40"/>
+    <p:sldId id="262" r:id="rId3"/>
+    <p:sldId id="323" r:id="rId4"/>
+    <p:sldId id="272" r:id="rId5"/>
+    <p:sldId id="322" r:id="rId6"/>
+    <p:sldId id="258" r:id="rId7"/>
+    <p:sldId id="265" r:id="rId8"/>
+    <p:sldId id="261" r:id="rId9"/>
+    <p:sldId id="266" r:id="rId10"/>
+    <p:sldId id="259" r:id="rId11"/>
+    <p:sldId id="260" r:id="rId12"/>
+    <p:sldId id="257" r:id="rId13"/>
+    <p:sldId id="268" r:id="rId14"/>
+    <p:sldId id="275" r:id="rId15"/>
+    <p:sldId id="274" r:id="rId16"/>
+    <p:sldId id="269" r:id="rId17"/>
+    <p:sldId id="270" r:id="rId18"/>
+    <p:sldId id="271" r:id="rId19"/>
+    <p:sldId id="263" r:id="rId20"/>
+    <p:sldId id="264" r:id="rId21"/>
+    <p:sldId id="276" r:id="rId22"/>
+    <p:sldId id="324" r:id="rId23"/>
+    <p:sldId id="325" r:id="rId24"/>
+    <p:sldId id="326" r:id="rId25"/>
+    <p:sldId id="277" r:id="rId26"/>
+    <p:sldId id="327" r:id="rId27"/>
+    <p:sldId id="278" r:id="rId28"/>
+    <p:sldId id="279" r:id="rId29"/>
+    <p:sldId id="280" r:id="rId30"/>
+    <p:sldId id="281" r:id="rId31"/>
+    <p:sldId id="282" r:id="rId32"/>
+    <p:sldId id="283" r:id="rId33"/>
+    <p:sldId id="284" r:id="rId34"/>
+    <p:sldId id="285" r:id="rId35"/>
+    <p:sldId id="328" r:id="rId36"/>
+    <p:sldId id="329" r:id="rId37"/>
+    <p:sldId id="330" r:id="rId38"/>
   </p:sldIdLst>
   <p:sldSz cx="12192000" cy="6858000"/>
   <p:notesSz cx="6858000" cy="9144000"/>
   <p:custDataLst>
-    <p:tags r:id="rId42"/>
+    <p:tags r:id="rId40"/>
   </p:custDataLst>
   <p:defaultTextStyle>
     <a:defPPr>
@@ -249,7 +247,7 @@
           <a:p>
             <a:fld id="{2F3DCB6D-0B48-4A3D-B663-06C3F903A9D3}" type="datetimeFigureOut">
               <a:rPr lang="ru-RU" smtClean="0"/>
-              <a:t>20.01.2025</a:t>
+              <a:t>23.10.2025</a:t>
             </a:fld>
             <a:endParaRPr lang="ru-RU"/>
           </a:p>
@@ -589,7 +587,7 @@
             <a:fld id="{2BA51D53-1D63-4A9F-8701-A073A0EC8030}" type="slidenum">
               <a:rPr lang="ru-RU" smtClean="0"/>
               <a:pPr/>
-              <a:t>4</a:t>
+              <a:t>2</a:t>
             </a:fld>
             <a:endParaRPr lang="ru-RU"/>
           </a:p>
@@ -681,7 +679,7 @@
             <a:fld id="{2BA51D53-1D63-4A9F-8701-A073A0EC8030}" type="slidenum">
               <a:rPr lang="ru-RU" smtClean="0"/>
               <a:pPr/>
-              <a:t>21</a:t>
+              <a:t>19</a:t>
             </a:fld>
             <a:endParaRPr lang="ru-RU"/>
           </a:p>
@@ -773,7 +771,7 @@
             <a:fld id="{2BA51D53-1D63-4A9F-8701-A073A0EC8030}" type="slidenum">
               <a:rPr lang="ru-RU" smtClean="0"/>
               <a:pPr/>
-              <a:t>22</a:t>
+              <a:t>20</a:t>
             </a:fld>
             <a:endParaRPr lang="ru-RU"/>
           </a:p>
@@ -857,7 +855,7 @@
           <a:p>
             <a:fld id="{C72A1285-F988-4153-B7C5-B887A867730D}" type="slidenum">
               <a:rPr lang="ru-RU" smtClean="0"/>
-              <a:t>25</a:t>
+              <a:t>23</a:t>
             </a:fld>
             <a:endParaRPr lang="ru-RU"/>
           </a:p>
@@ -941,7 +939,7 @@
           <a:p>
             <a:fld id="{C72A1285-F988-4153-B7C5-B887A867730D}" type="slidenum">
               <a:rPr lang="ru-RU" smtClean="0"/>
-              <a:t>27</a:t>
+              <a:t>25</a:t>
             </a:fld>
             <a:endParaRPr lang="ru-RU"/>
           </a:p>
@@ -1049,7 +1047,7 @@
           <a:p>
             <a:fld id="{C72A1285-F988-4153-B7C5-B887A867730D}" type="slidenum">
               <a:rPr lang="ru-RU" smtClean="0"/>
-              <a:t>28</a:t>
+              <a:t>26</a:t>
             </a:fld>
             <a:endParaRPr lang="ru-RU"/>
           </a:p>
@@ -1165,7 +1163,7 @@
             <a:fld id="{2BA51D53-1D63-4A9F-8701-A073A0EC8030}" type="slidenum">
               <a:rPr lang="ru-RU" smtClean="0"/>
               <a:pPr/>
-              <a:t>5</a:t>
+              <a:t>3</a:t>
             </a:fld>
             <a:endParaRPr lang="ru-RU"/>
           </a:p>
@@ -1257,7 +1255,7 @@
             <a:fld id="{2BA51D53-1D63-4A9F-8701-A073A0EC8030}" type="slidenum">
               <a:rPr lang="ru-RU" smtClean="0"/>
               <a:pPr/>
-              <a:t>8</a:t>
+              <a:t>6</a:t>
             </a:fld>
             <a:endParaRPr lang="ru-RU"/>
           </a:p>
@@ -1346,7 +1344,7 @@
           <a:p>
             <a:fld id="{C72A1285-F988-4153-B7C5-B887A867730D}" type="slidenum">
               <a:rPr lang="ru-RU" smtClean="0"/>
-              <a:t>9</a:t>
+              <a:t>7</a:t>
             </a:fld>
             <a:endParaRPr lang="ru-RU"/>
           </a:p>
@@ -1438,7 +1436,7 @@
             <a:fld id="{2BA51D53-1D63-4A9F-8701-A073A0EC8030}" type="slidenum">
               <a:rPr lang="ru-RU" smtClean="0"/>
               <a:pPr/>
-              <a:t>10</a:t>
+              <a:t>8</a:t>
             </a:fld>
             <a:endParaRPr lang="ru-RU"/>
           </a:p>
@@ -1553,7 +1551,7 @@
           <a:p>
             <a:fld id="{C72A1285-F988-4153-B7C5-B887A867730D}" type="slidenum">
               <a:rPr lang="ru-RU" smtClean="0"/>
-              <a:t>11</a:t>
+              <a:t>9</a:t>
             </a:fld>
             <a:endParaRPr lang="ru-RU"/>
           </a:p>
@@ -1645,7 +1643,7 @@
             <a:fld id="{2BA51D53-1D63-4A9F-8701-A073A0EC8030}" type="slidenum">
               <a:rPr lang="ru-RU" smtClean="0"/>
               <a:pPr/>
-              <a:t>12</a:t>
+              <a:t>10</a:t>
             </a:fld>
             <a:endParaRPr lang="ru-RU"/>
           </a:p>
@@ -1737,7 +1735,7 @@
             <a:fld id="{2BA51D53-1D63-4A9F-8701-A073A0EC8030}" type="slidenum">
               <a:rPr lang="ru-RU" smtClean="0"/>
               <a:pPr/>
-              <a:t>13</a:t>
+              <a:t>11</a:t>
             </a:fld>
             <a:endParaRPr lang="ru-RU"/>
           </a:p>
@@ -1825,7 +1823,7 @@
           <a:p>
             <a:fld id="{C72A1285-F988-4153-B7C5-B887A867730D}" type="slidenum">
               <a:rPr lang="ru-RU" smtClean="0"/>
-              <a:t>19</a:t>
+              <a:t>17</a:t>
             </a:fld>
             <a:endParaRPr lang="ru-RU"/>
           </a:p>
@@ -1991,7 +1989,7 @@
           <a:p>
             <a:fld id="{2590F9C9-AB92-4E86-B698-DEC9BF4350FF}" type="datetimeFigureOut">
               <a:rPr lang="ru-RU" smtClean="0"/>
-              <a:t>20.01.2025</a:t>
+              <a:t>23.10.2025</a:t>
             </a:fld>
             <a:endParaRPr lang="ru-RU"/>
           </a:p>
@@ -2189,7 +2187,7 @@
           <a:p>
             <a:fld id="{2590F9C9-AB92-4E86-B698-DEC9BF4350FF}" type="datetimeFigureOut">
               <a:rPr lang="ru-RU" smtClean="0"/>
-              <a:t>20.01.2025</a:t>
+              <a:t>23.10.2025</a:t>
             </a:fld>
             <a:endParaRPr lang="ru-RU"/>
           </a:p>
@@ -2397,7 +2395,7 @@
           <a:p>
             <a:fld id="{2590F9C9-AB92-4E86-B698-DEC9BF4350FF}" type="datetimeFigureOut">
               <a:rPr lang="ru-RU" smtClean="0"/>
-              <a:t>20.01.2025</a:t>
+              <a:t>23.10.2025</a:t>
             </a:fld>
             <a:endParaRPr lang="ru-RU"/>
           </a:p>
@@ -2595,7 +2593,7 @@
           <a:p>
             <a:fld id="{2590F9C9-AB92-4E86-B698-DEC9BF4350FF}" type="datetimeFigureOut">
               <a:rPr lang="ru-RU" smtClean="0"/>
-              <a:t>20.01.2025</a:t>
+              <a:t>23.10.2025</a:t>
             </a:fld>
             <a:endParaRPr lang="ru-RU"/>
           </a:p>
@@ -2870,7 +2868,7 @@
           <a:p>
             <a:fld id="{2590F9C9-AB92-4E86-B698-DEC9BF4350FF}" type="datetimeFigureOut">
               <a:rPr lang="ru-RU" smtClean="0"/>
-              <a:t>20.01.2025</a:t>
+              <a:t>23.10.2025</a:t>
             </a:fld>
             <a:endParaRPr lang="ru-RU"/>
           </a:p>
@@ -3135,7 +3133,7 @@
           <a:p>
             <a:fld id="{2590F9C9-AB92-4E86-B698-DEC9BF4350FF}" type="datetimeFigureOut">
               <a:rPr lang="ru-RU" smtClean="0"/>
-              <a:t>20.01.2025</a:t>
+              <a:t>23.10.2025</a:t>
             </a:fld>
             <a:endParaRPr lang="ru-RU"/>
           </a:p>
@@ -3547,7 +3545,7 @@
           <a:p>
             <a:fld id="{2590F9C9-AB92-4E86-B698-DEC9BF4350FF}" type="datetimeFigureOut">
               <a:rPr lang="ru-RU" smtClean="0"/>
-              <a:t>20.01.2025</a:t>
+              <a:t>23.10.2025</a:t>
             </a:fld>
             <a:endParaRPr lang="ru-RU"/>
           </a:p>
@@ -3688,7 +3686,7 @@
           <a:p>
             <a:fld id="{2590F9C9-AB92-4E86-B698-DEC9BF4350FF}" type="datetimeFigureOut">
               <a:rPr lang="ru-RU" smtClean="0"/>
-              <a:t>20.01.2025</a:t>
+              <a:t>23.10.2025</a:t>
             </a:fld>
             <a:endParaRPr lang="ru-RU"/>
           </a:p>
@@ -3801,7 +3799,7 @@
           <a:p>
             <a:fld id="{2590F9C9-AB92-4E86-B698-DEC9BF4350FF}" type="datetimeFigureOut">
               <a:rPr lang="ru-RU" smtClean="0"/>
-              <a:t>20.01.2025</a:t>
+              <a:t>23.10.2025</a:t>
             </a:fld>
             <a:endParaRPr lang="ru-RU"/>
           </a:p>
@@ -4112,7 +4110,7 @@
           <a:p>
             <a:fld id="{2590F9C9-AB92-4E86-B698-DEC9BF4350FF}" type="datetimeFigureOut">
               <a:rPr lang="ru-RU" smtClean="0"/>
-              <a:t>20.01.2025</a:t>
+              <a:t>23.10.2025</a:t>
             </a:fld>
             <a:endParaRPr lang="ru-RU"/>
           </a:p>
@@ -4400,7 +4398,7 @@
           <a:p>
             <a:fld id="{2590F9C9-AB92-4E86-B698-DEC9BF4350FF}" type="datetimeFigureOut">
               <a:rPr lang="ru-RU" smtClean="0"/>
-              <a:t>20.01.2025</a:t>
+              <a:t>23.10.2025</a:t>
             </a:fld>
             <a:endParaRPr lang="ru-RU"/>
           </a:p>
@@ -4641,7 +4639,7 @@
           <a:p>
             <a:fld id="{2590F9C9-AB92-4E86-B698-DEC9BF4350FF}" type="datetimeFigureOut">
               <a:rPr lang="ru-RU" smtClean="0"/>
-              <a:t>20.01.2025</a:t>
+              <a:t>23.10.2025</a:t>
             </a:fld>
             <a:endParaRPr lang="ru-RU"/>
           </a:p>
@@ -5058,36 +5056,6 @@
           <a:chExt cx="0" cy="0"/>
         </a:xfrm>
       </p:grpSpPr>
-      <p:pic>
-        <p:nvPicPr>
-          <p:cNvPr id="5" name="Picture 4">
-            <a:extLst>
-              <a:ext uri="{FF2B5EF4-FFF2-40B4-BE49-F238E27FC236}">
-                <a16:creationId xmlns:a16="http://schemas.microsoft.com/office/drawing/2014/main" id="{754E85F0-DCD6-42D1-0560-0E0070092A4A}"/>
-              </a:ext>
-            </a:extLst>
-          </p:cNvPr>
-          <p:cNvPicPr>
-            <a:picLocks noChangeAspect="1"/>
-          </p:cNvPicPr>
-          <p:nvPr/>
-        </p:nvPicPr>
-        <p:blipFill>
-          <a:blip r:embed="rId2"/>
-          <a:stretch>
-            <a:fillRect/>
-          </a:stretch>
-        </p:blipFill>
-        <p:spPr>
-          <a:xfrm>
-            <a:off x="0" y="0"/>
-            <a:ext cx="12191999" cy="6858000"/>
-          </a:xfrm>
-          <a:prstGeom prst="rect">
-            <a:avLst/>
-          </a:prstGeom>
-        </p:spPr>
-      </p:pic>
       <p:sp>
         <p:nvSpPr>
           <p:cNvPr id="2" name="Заголовок 1"/>
@@ -5100,8 +5068,8 @@
         </p:nvSpPr>
         <p:spPr>
           <a:xfrm>
-            <a:off x="335360" y="1122362"/>
-            <a:ext cx="11521280" cy="3962822"/>
+            <a:off x="1524000" y="1122363"/>
+            <a:ext cx="9144000" cy="2387600"/>
           </a:xfrm>
         </p:spPr>
         <p:txBody>
@@ -5111,128 +5079,53 @@
           <a:lstStyle/>
           <a:p>
             <a:r>
-              <a:rPr lang="ru-RU" sz="8000" dirty="0">
-                <a:solidFill>
-                  <a:schemeClr val="bg1"/>
-                </a:solidFill>
-                <a:effectLst>
-                  <a:outerShdw blurRad="38100" dist="38100" dir="2700000" algn="tl">
-                    <a:srgbClr val="000000">
-                      <a:alpha val="43137"/>
-                    </a:srgbClr>
-                  </a:outerShdw>
-                </a:effectLst>
-                <a:latin typeface="Impact" panose="020B0806030902050204" pitchFamily="34" charset="0"/>
-              </a:rPr>
+              <a:rPr lang="ru-RU" dirty="0"/>
               <a:t>Паттерн</a:t>
             </a:r>
             <a:br>
-              <a:rPr lang="ru-RU" sz="8000" dirty="0">
-                <a:solidFill>
-                  <a:schemeClr val="bg1"/>
-                </a:solidFill>
-                <a:effectLst>
-                  <a:outerShdw blurRad="38100" dist="38100" dir="2700000" algn="tl">
-                    <a:srgbClr val="000000">
-                      <a:alpha val="43137"/>
-                    </a:srgbClr>
-                  </a:outerShdw>
-                </a:effectLst>
-                <a:latin typeface="Impact" panose="020B0806030902050204" pitchFamily="34" charset="0"/>
-              </a:rPr>
+              <a:rPr lang="ru-RU" dirty="0"/>
             </a:br>
             <a:r>
-              <a:rPr lang="ru-RU" sz="8000" dirty="0">
-                <a:solidFill>
-                  <a:schemeClr val="bg1"/>
-                </a:solidFill>
-                <a:effectLst>
-                  <a:outerShdw blurRad="38100" dist="38100" dir="2700000" algn="tl">
-                    <a:srgbClr val="000000">
-                      <a:alpha val="43137"/>
-                    </a:srgbClr>
-                  </a:outerShdw>
-                </a:effectLst>
-                <a:latin typeface="Impact" panose="020B0806030902050204" pitchFamily="34" charset="0"/>
-              </a:rPr>
-              <a:t> </a:t>
-            </a:r>
-            <a:r>
-              <a:rPr lang="ru-RU" sz="11500" dirty="0">
-                <a:solidFill>
-                  <a:schemeClr val="bg1"/>
-                </a:solidFill>
-                <a:effectLst>
-                  <a:outerShdw blurRad="38100" dist="38100" dir="2700000" algn="tl">
-                    <a:srgbClr val="000000">
-                      <a:alpha val="43137"/>
-                    </a:srgbClr>
-                  </a:outerShdw>
-                </a:effectLst>
-                <a:latin typeface="Impact" panose="020B0806030902050204" pitchFamily="34" charset="0"/>
-              </a:rPr>
-              <a:t>«Посетитель»</a:t>
+              <a:rPr lang="ru-RU" dirty="0"/>
+              <a:t> «Посетитель»</a:t>
             </a:r>
             <a:br>
-              <a:rPr lang="ru-RU" sz="11500" dirty="0">
-                <a:solidFill>
-                  <a:schemeClr val="bg1"/>
-                </a:solidFill>
-                <a:effectLst>
-                  <a:outerShdw blurRad="38100" dist="38100" dir="2700000" algn="tl">
-                    <a:srgbClr val="000000">
-                      <a:alpha val="43137"/>
-                    </a:srgbClr>
-                  </a:outerShdw>
-                </a:effectLst>
-                <a:latin typeface="Impact" panose="020B0806030902050204" pitchFamily="34" charset="0"/>
-              </a:rPr>
+              <a:rPr lang="ru-RU" dirty="0"/>
             </a:br>
             <a:r>
-              <a:rPr lang="ru-RU" sz="9600" dirty="0">
-                <a:solidFill>
-                  <a:schemeClr val="bg1"/>
-                </a:solidFill>
-                <a:effectLst>
-                  <a:outerShdw blurRad="38100" dist="38100" dir="2700000" algn="tl">
-                    <a:srgbClr val="000000">
-                      <a:alpha val="43137"/>
-                    </a:srgbClr>
-                  </a:outerShdw>
-                </a:effectLst>
-                <a:latin typeface="Impact" panose="020B0806030902050204" pitchFamily="34" charset="0"/>
-              </a:rPr>
+              <a:rPr lang="ru-RU" dirty="0"/>
               <a:t>(</a:t>
             </a:r>
             <a:r>
-              <a:rPr lang="en-US" sz="9600" dirty="0">
-                <a:solidFill>
-                  <a:schemeClr val="bg1"/>
-                </a:solidFill>
-                <a:effectLst>
-                  <a:outerShdw blurRad="38100" dist="38100" dir="2700000" algn="tl">
-                    <a:srgbClr val="000000">
-                      <a:alpha val="43137"/>
-                    </a:srgbClr>
-                  </a:outerShdw>
-                </a:effectLst>
-                <a:latin typeface="Impact" panose="020B0806030902050204" pitchFamily="34" charset="0"/>
-              </a:rPr>
+              <a:rPr lang="en-US" dirty="0"/>
               <a:t>Visitor)</a:t>
             </a:r>
-            <a:endParaRPr lang="ru-RU" sz="8800" dirty="0">
-              <a:solidFill>
-                <a:schemeClr val="bg1"/>
-              </a:solidFill>
-              <a:effectLst>
-                <a:outerShdw blurRad="38100" dist="38100" dir="2700000" algn="tl">
-                  <a:srgbClr val="000000">
-                    <a:alpha val="43137"/>
-                  </a:srgbClr>
-                </a:outerShdw>
-              </a:effectLst>
-              <a:latin typeface="Impact" panose="020B0806030902050204" pitchFamily="34" charset="0"/>
-            </a:endParaRPr>
+            <a:endParaRPr lang="ru-RU" dirty="0"/>
+          </a:p>
+        </p:txBody>
+      </p:sp>
+      <p:sp>
+        <p:nvSpPr>
+          <p:cNvPr id="6" name="Subtitle 5">
+            <a:extLst>
+              <a:ext uri="{FF2B5EF4-FFF2-40B4-BE49-F238E27FC236}">
+                <a16:creationId xmlns:a16="http://schemas.microsoft.com/office/drawing/2014/main" id="{52D45E05-266D-DA2E-0776-D39C35B52C49}"/>
+              </a:ext>
+            </a:extLst>
+          </p:cNvPr>
+          <p:cNvSpPr>
+            <a:spLocks noGrp="1"/>
+          </p:cNvSpPr>
+          <p:nvPr>
+            <p:ph type="subTitle" idx="1"/>
+          </p:nvPr>
+        </p:nvSpPr>
+        <p:spPr/>
+        <p:txBody>
+          <a:bodyPr/>
+          <a:lstStyle/>
+          <a:p>
+            <a:endParaRPr lang="en-US"/>
           </a:p>
         </p:txBody>
       </p:sp>
@@ -5250,395 +5143,6 @@
 </file>
 
 <file path=ppt/slides/slide10.xml><?xml version="1.0" encoding="utf-8"?>
-<p:sld xmlns:a="http://schemas.openxmlformats.org/drawingml/2006/main" xmlns:r="http://schemas.openxmlformats.org/officeDocument/2006/relationships" xmlns:p="http://schemas.openxmlformats.org/presentationml/2006/main">
-  <p:cSld>
-    <p:spTree>
-      <p:nvGrpSpPr>
-        <p:cNvPr id="1" name=""/>
-        <p:cNvGrpSpPr/>
-        <p:nvPr/>
-      </p:nvGrpSpPr>
-      <p:grpSpPr>
-        <a:xfrm>
-          <a:off x="0" y="0"/>
-          <a:ext cx="0" cy="0"/>
-          <a:chOff x="0" y="0"/>
-          <a:chExt cx="0" cy="0"/>
-        </a:xfrm>
-      </p:grpSpPr>
-      <p:sp>
-        <p:nvSpPr>
-          <p:cNvPr id="2" name="Заголовок 1"/>
-          <p:cNvSpPr>
-            <a:spLocks noGrp="1"/>
-          </p:cNvSpPr>
-          <p:nvPr>
-            <p:ph type="title"/>
-          </p:nvPr>
-        </p:nvSpPr>
-        <p:spPr/>
-        <p:txBody>
-          <a:bodyPr/>
-          <a:lstStyle/>
-          <a:p>
-            <a:r>
-              <a:rPr lang="ru-RU" dirty="0"/>
-              <a:t>Отношения</a:t>
-            </a:r>
-          </a:p>
-        </p:txBody>
-      </p:sp>
-      <p:sp>
-        <p:nvSpPr>
-          <p:cNvPr id="3" name="Содержимое 2"/>
-          <p:cNvSpPr>
-            <a:spLocks noGrp="1"/>
-          </p:cNvSpPr>
-          <p:nvPr>
-            <p:ph idx="1"/>
-          </p:nvPr>
-        </p:nvSpPr>
-        <p:spPr/>
-        <p:txBody>
-          <a:bodyPr/>
-          <a:lstStyle/>
-          <a:p>
-            <a:r>
-              <a:rPr lang="ru-RU" dirty="0"/>
-              <a:t>Клиент создаёт объект класса </a:t>
-            </a:r>
-            <a:r>
-              <a:rPr lang="en-US" b="1" dirty="0" err="1"/>
-              <a:t>ConcreteVisitor</a:t>
-            </a:r>
-            <a:r>
-              <a:rPr lang="ru-RU" dirty="0"/>
-              <a:t>, и обходит каждый элемент структуры</a:t>
-            </a:r>
-          </a:p>
-          <a:p>
-            <a:pPr lvl="1"/>
-            <a:r>
-              <a:rPr lang="ru-RU" dirty="0"/>
-              <a:t>У каждого объекта вызывает метод </a:t>
-            </a:r>
-            <a:r>
-              <a:rPr lang="en-US" b="1" dirty="0"/>
-              <a:t>Accept</a:t>
-            </a:r>
-            <a:r>
-              <a:rPr lang="ru-RU" dirty="0"/>
-              <a:t>, куда передаёт посетителя</a:t>
-            </a:r>
-          </a:p>
-          <a:p>
-            <a:r>
-              <a:rPr lang="ru-RU" dirty="0"/>
-              <a:t>Посещаемый элемент вызывает операцию </a:t>
-            </a:r>
-            <a:r>
-              <a:rPr lang="en-US" b="1" dirty="0"/>
-              <a:t>Visit</a:t>
-            </a:r>
-            <a:r>
-              <a:rPr lang="en-US" dirty="0"/>
-              <a:t> </a:t>
-            </a:r>
-            <a:r>
-              <a:rPr lang="ru-RU" dirty="0"/>
-              <a:t>посетителя, соответствующую своему классу, и передает себя в качестве аргумента</a:t>
-            </a:r>
-          </a:p>
-        </p:txBody>
-      </p:sp>
-    </p:spTree>
-    <p:extLst>
-      <p:ext uri="{BB962C8B-B14F-4D97-AF65-F5344CB8AC3E}">
-        <p14:creationId xmlns:p14="http://schemas.microsoft.com/office/powerpoint/2010/main" val="1257085805"/>
-      </p:ext>
-    </p:extLst>
-  </p:cSld>
-  <p:clrMapOvr>
-    <a:masterClrMapping/>
-  </p:clrMapOvr>
-  <p:timing>
-    <p:tnLst>
-      <p:par>
-        <p:cTn id="1" dur="indefinite" restart="never" nodeType="tmRoot">
-          <p:childTnLst>
-            <p:seq concurrent="1" nextAc="seek">
-              <p:cTn id="2" dur="indefinite" nodeType="mainSeq">
-                <p:childTnLst>
-                  <p:par>
-                    <p:cTn id="3" fill="hold">
-                      <p:stCondLst>
-                        <p:cond delay="indefinite"/>
-                      </p:stCondLst>
-                      <p:childTnLst>
-                        <p:par>
-                          <p:cTn id="4" fill="hold">
-                            <p:stCondLst>
-                              <p:cond delay="0"/>
-                            </p:stCondLst>
-                            <p:childTnLst>
-                              <p:par>
-                                <p:cTn id="5" presetID="10" presetClass="entr" presetSubtype="0" fill="hold" grpId="0" nodeType="clickEffect">
-                                  <p:stCondLst>
-                                    <p:cond delay="0"/>
-                                  </p:stCondLst>
-                                  <p:childTnLst>
-                                    <p:set>
-                                      <p:cBhvr>
-                                        <p:cTn id="6" dur="1" fill="hold">
-                                          <p:stCondLst>
-                                            <p:cond delay="0"/>
-                                          </p:stCondLst>
-                                        </p:cTn>
-                                        <p:tgtEl>
-                                          <p:spTgt spid="3">
-                                            <p:txEl>
-                                              <p:pRg st="0" end="0"/>
-                                            </p:txEl>
-                                          </p:spTgt>
-                                        </p:tgtEl>
-                                        <p:attrNameLst>
-                                          <p:attrName>style.visibility</p:attrName>
-                                        </p:attrNameLst>
-                                      </p:cBhvr>
-                                      <p:to>
-                                        <p:strVal val="visible"/>
-                                      </p:to>
-                                    </p:set>
-                                    <p:animEffect transition="in" filter="fade">
-                                      <p:cBhvr>
-                                        <p:cTn id="7" dur="500"/>
-                                        <p:tgtEl>
-                                          <p:spTgt spid="3">
-                                            <p:txEl>
-                                              <p:pRg st="0" end="0"/>
-                                            </p:txEl>
-                                          </p:spTgt>
-                                        </p:tgtEl>
-                                      </p:cBhvr>
-                                    </p:animEffect>
-                                  </p:childTnLst>
-                                </p:cTn>
-                              </p:par>
-                              <p:par>
-                                <p:cTn id="8" presetID="10" presetClass="entr" presetSubtype="0" fill="hold" grpId="0" nodeType="withEffect">
-                                  <p:stCondLst>
-                                    <p:cond delay="0"/>
-                                  </p:stCondLst>
-                                  <p:childTnLst>
-                                    <p:set>
-                                      <p:cBhvr>
-                                        <p:cTn id="9" dur="1" fill="hold">
-                                          <p:stCondLst>
-                                            <p:cond delay="0"/>
-                                          </p:stCondLst>
-                                        </p:cTn>
-                                        <p:tgtEl>
-                                          <p:spTgt spid="3">
-                                            <p:txEl>
-                                              <p:pRg st="1" end="1"/>
-                                            </p:txEl>
-                                          </p:spTgt>
-                                        </p:tgtEl>
-                                        <p:attrNameLst>
-                                          <p:attrName>style.visibility</p:attrName>
-                                        </p:attrNameLst>
-                                      </p:cBhvr>
-                                      <p:to>
-                                        <p:strVal val="visible"/>
-                                      </p:to>
-                                    </p:set>
-                                    <p:animEffect transition="in" filter="fade">
-                                      <p:cBhvr>
-                                        <p:cTn id="10" dur="500"/>
-                                        <p:tgtEl>
-                                          <p:spTgt spid="3">
-                                            <p:txEl>
-                                              <p:pRg st="1" end="1"/>
-                                            </p:txEl>
-                                          </p:spTgt>
-                                        </p:tgtEl>
-                                      </p:cBhvr>
-                                    </p:animEffect>
-                                  </p:childTnLst>
-                                </p:cTn>
-                              </p:par>
-                            </p:childTnLst>
-                          </p:cTn>
-                        </p:par>
-                      </p:childTnLst>
-                    </p:cTn>
-                  </p:par>
-                  <p:par>
-                    <p:cTn id="11" fill="hold">
-                      <p:stCondLst>
-                        <p:cond delay="indefinite"/>
-                      </p:stCondLst>
-                      <p:childTnLst>
-                        <p:par>
-                          <p:cTn id="12" fill="hold">
-                            <p:stCondLst>
-                              <p:cond delay="0"/>
-                            </p:stCondLst>
-                            <p:childTnLst>
-                              <p:par>
-                                <p:cTn id="13" presetID="10" presetClass="entr" presetSubtype="0" fill="hold" grpId="0" nodeType="clickEffect">
-                                  <p:stCondLst>
-                                    <p:cond delay="0"/>
-                                  </p:stCondLst>
-                                  <p:childTnLst>
-                                    <p:set>
-                                      <p:cBhvr>
-                                        <p:cTn id="14" dur="1" fill="hold">
-                                          <p:stCondLst>
-                                            <p:cond delay="0"/>
-                                          </p:stCondLst>
-                                        </p:cTn>
-                                        <p:tgtEl>
-                                          <p:spTgt spid="3">
-                                            <p:txEl>
-                                              <p:pRg st="2" end="2"/>
-                                            </p:txEl>
-                                          </p:spTgt>
-                                        </p:tgtEl>
-                                        <p:attrNameLst>
-                                          <p:attrName>style.visibility</p:attrName>
-                                        </p:attrNameLst>
-                                      </p:cBhvr>
-                                      <p:to>
-                                        <p:strVal val="visible"/>
-                                      </p:to>
-                                    </p:set>
-                                    <p:animEffect transition="in" filter="fade">
-                                      <p:cBhvr>
-                                        <p:cTn id="15" dur="500"/>
-                                        <p:tgtEl>
-                                          <p:spTgt spid="3">
-                                            <p:txEl>
-                                              <p:pRg st="2" end="2"/>
-                                            </p:txEl>
-                                          </p:spTgt>
-                                        </p:tgtEl>
-                                      </p:cBhvr>
-                                    </p:animEffect>
-                                  </p:childTnLst>
-                                </p:cTn>
-                              </p:par>
-                            </p:childTnLst>
-                          </p:cTn>
-                        </p:par>
-                      </p:childTnLst>
-                    </p:cTn>
-                  </p:par>
-                </p:childTnLst>
-              </p:cTn>
-              <p:prevCondLst>
-                <p:cond evt="onPrev" delay="0">
-                  <p:tgtEl>
-                    <p:sldTgt/>
-                  </p:tgtEl>
-                </p:cond>
-              </p:prevCondLst>
-              <p:nextCondLst>
-                <p:cond evt="onNext" delay="0">
-                  <p:tgtEl>
-                    <p:sldTgt/>
-                  </p:tgtEl>
-                </p:cond>
-              </p:nextCondLst>
-            </p:seq>
-          </p:childTnLst>
-        </p:cTn>
-      </p:par>
-    </p:tnLst>
-    <p:bldLst>
-      <p:bldP spid="3" grpId="0" build="p"/>
-    </p:bldLst>
-  </p:timing>
-</p:sld>
-</file>
-
-<file path=ppt/slides/slide11.xml><?xml version="1.0" encoding="utf-8"?>
-<p:sld xmlns:a="http://schemas.openxmlformats.org/drawingml/2006/main" xmlns:r="http://schemas.openxmlformats.org/officeDocument/2006/relationships" xmlns:p="http://schemas.openxmlformats.org/presentationml/2006/main">
-  <p:cSld>
-    <p:spTree>
-      <p:nvGrpSpPr>
-        <p:cNvPr id="1" name=""/>
-        <p:cNvGrpSpPr/>
-        <p:nvPr/>
-      </p:nvGrpSpPr>
-      <p:grpSpPr>
-        <a:xfrm>
-          <a:off x="0" y="0"/>
-          <a:ext cx="0" cy="0"/>
-          <a:chOff x="0" y="0"/>
-          <a:chExt cx="0" cy="0"/>
-        </a:xfrm>
-      </p:grpSpPr>
-      <p:sp>
-        <p:nvSpPr>
-          <p:cNvPr id="4" name="Title 3"/>
-          <p:cNvSpPr>
-            <a:spLocks noGrp="1"/>
-          </p:cNvSpPr>
-          <p:nvPr>
-            <p:ph type="title"/>
-          </p:nvPr>
-        </p:nvSpPr>
-        <p:spPr/>
-        <p:txBody>
-          <a:bodyPr/>
-          <a:lstStyle/>
-          <a:p>
-            <a:r>
-              <a:rPr lang="ru-RU" dirty="0"/>
-              <a:t>Диаграмма взаимодействий</a:t>
-            </a:r>
-          </a:p>
-        </p:txBody>
-      </p:sp>
-      <p:pic>
-        <p:nvPicPr>
-          <p:cNvPr id="8" name="Picture 7"/>
-          <p:cNvPicPr>
-            <a:picLocks noChangeAspect="1"/>
-          </p:cNvPicPr>
-          <p:nvPr/>
-        </p:nvPicPr>
-        <p:blipFill>
-          <a:blip r:embed="rId3"/>
-          <a:stretch>
-            <a:fillRect/>
-          </a:stretch>
-        </p:blipFill>
-        <p:spPr>
-          <a:xfrm>
-            <a:off x="838201" y="1929867"/>
-            <a:ext cx="10311534" cy="4510434"/>
-          </a:xfrm>
-          <a:prstGeom prst="rect">
-            <a:avLst/>
-          </a:prstGeom>
-        </p:spPr>
-      </p:pic>
-    </p:spTree>
-    <p:extLst>
-      <p:ext uri="{BB962C8B-B14F-4D97-AF65-F5344CB8AC3E}">
-        <p14:creationId xmlns:p14="http://schemas.microsoft.com/office/powerpoint/2010/main" val="3746428033"/>
-      </p:ext>
-    </p:extLst>
-  </p:cSld>
-  <p:clrMapOvr>
-    <a:masterClrMapping/>
-  </p:clrMapOvr>
-</p:sld>
-</file>
-
-<file path=ppt/slides/slide12.xml><?xml version="1.0" encoding="utf-8"?>
 <p:sld xmlns:a="http://schemas.openxmlformats.org/drawingml/2006/main" xmlns:r="http://schemas.openxmlformats.org/officeDocument/2006/relationships" xmlns:p="http://schemas.openxmlformats.org/presentationml/2006/main">
   <p:cSld>
     <p:spTree>
@@ -6039,7 +5543,7 @@
 </p:sld>
 </file>
 
-<file path=ppt/slides/slide13.xml><?xml version="1.0" encoding="utf-8"?>
+<file path=ppt/slides/slide11.xml><?xml version="1.0" encoding="utf-8"?>
 <p:sld xmlns:a="http://schemas.openxmlformats.org/drawingml/2006/main" xmlns:r="http://schemas.openxmlformats.org/officeDocument/2006/relationships" xmlns:p="http://schemas.openxmlformats.org/presentationml/2006/main">
   <p:cSld>
     <p:spTree>
@@ -6140,7 +5644,7 @@
 </p:sld>
 </file>
 
-<file path=ppt/slides/slide14.xml><?xml version="1.0" encoding="utf-8"?>
+<file path=ppt/slides/slide12.xml><?xml version="1.0" encoding="utf-8"?>
 <p:sld xmlns:a="http://schemas.openxmlformats.org/drawingml/2006/main" xmlns:r="http://schemas.openxmlformats.org/officeDocument/2006/relationships" xmlns:p="http://schemas.openxmlformats.org/presentationml/2006/main">
   <p:cSld>
     <p:spTree>
@@ -6223,7 +5727,7 @@
 </p:sld>
 </file>
 
-<file path=ppt/slides/slide15.xml><?xml version="1.0" encoding="utf-8"?>
+<file path=ppt/slides/slide13.xml><?xml version="1.0" encoding="utf-8"?>
 <p:sld xmlns:a="http://schemas.openxmlformats.org/drawingml/2006/main" xmlns:r="http://schemas.openxmlformats.org/officeDocument/2006/relationships" xmlns:p="http://schemas.openxmlformats.org/presentationml/2006/main">
   <p:cSld>
     <p:spTree>
@@ -7261,7 +6765,7 @@
 </p:sld>
 </file>
 
-<file path=ppt/slides/slide16.xml><?xml version="1.0" encoding="utf-8"?>
+<file path=ppt/slides/slide14.xml><?xml version="1.0" encoding="utf-8"?>
 <p:sld xmlns:a="http://schemas.openxmlformats.org/drawingml/2006/main" xmlns:r="http://schemas.openxmlformats.org/officeDocument/2006/relationships" xmlns:p="http://schemas.openxmlformats.org/presentationml/2006/main">
   <p:cSld>
     <p:spTree>
@@ -8923,7 +8427,7 @@
 </p:sld>
 </file>
 
-<file path=ppt/slides/slide17.xml><?xml version="1.0" encoding="utf-8"?>
+<file path=ppt/slides/slide15.xml><?xml version="1.0" encoding="utf-8"?>
 <p:sld xmlns:a="http://schemas.openxmlformats.org/drawingml/2006/main" xmlns:r="http://schemas.openxmlformats.org/officeDocument/2006/relationships" xmlns:p="http://schemas.openxmlformats.org/presentationml/2006/main">
   <p:cSld>
     <p:spTree>
@@ -10174,7 +9678,7 @@
 </p:sld>
 </file>
 
-<file path=ppt/slides/slide18.xml><?xml version="1.0" encoding="utf-8"?>
+<file path=ppt/slides/slide16.xml><?xml version="1.0" encoding="utf-8"?>
 <p:sld xmlns:a="http://schemas.openxmlformats.org/drawingml/2006/main" xmlns:r="http://schemas.openxmlformats.org/officeDocument/2006/relationships" xmlns:p="http://schemas.openxmlformats.org/presentationml/2006/main">
   <p:cSld>
     <p:spTree>
@@ -12079,7 +11583,7 @@
 </p:sld>
 </file>
 
-<file path=ppt/slides/slide19.xml><?xml version="1.0" encoding="utf-8"?>
+<file path=ppt/slides/slide17.xml><?xml version="1.0" encoding="utf-8"?>
 <p:sld xmlns:a="http://schemas.openxmlformats.org/drawingml/2006/main" xmlns:r="http://schemas.openxmlformats.org/officeDocument/2006/relationships" xmlns:p="http://schemas.openxmlformats.org/presentationml/2006/main">
   <p:cSld>
     <p:spTree>
@@ -15465,211 +14969,7 @@
 </p:sld>
 </file>
 
-<file path=ppt/slides/slide2.xml><?xml version="1.0" encoding="utf-8"?>
-<p:sld xmlns:a="http://schemas.openxmlformats.org/drawingml/2006/main" xmlns:r="http://schemas.openxmlformats.org/officeDocument/2006/relationships" xmlns:p="http://schemas.openxmlformats.org/presentationml/2006/main" show="0">
-  <p:cSld>
-    <p:spTree>
-      <p:nvGrpSpPr>
-        <p:cNvPr id="1" name="">
-          <a:extLst>
-            <a:ext uri="{FF2B5EF4-FFF2-40B4-BE49-F238E27FC236}">
-              <a16:creationId xmlns:a16="http://schemas.microsoft.com/office/drawing/2014/main" id="{62C0429B-7892-4042-B3D4-76FF2B6A1AC5}"/>
-            </a:ext>
-          </a:extLst>
-        </p:cNvPr>
-        <p:cNvGrpSpPr/>
-        <p:nvPr/>
-      </p:nvGrpSpPr>
-      <p:grpSpPr>
-        <a:xfrm>
-          <a:off x="0" y="0"/>
-          <a:ext cx="0" cy="0"/>
-          <a:chOff x="0" y="0"/>
-          <a:chExt cx="0" cy="0"/>
-        </a:xfrm>
-      </p:grpSpPr>
-      <p:pic>
-        <p:nvPicPr>
-          <p:cNvPr id="5" name="Picture 4">
-            <a:extLst>
-              <a:ext uri="{FF2B5EF4-FFF2-40B4-BE49-F238E27FC236}">
-                <a16:creationId xmlns:a16="http://schemas.microsoft.com/office/drawing/2014/main" id="{4C8350F4-B994-3A1D-FD6A-332485504543}"/>
-              </a:ext>
-            </a:extLst>
-          </p:cNvPr>
-          <p:cNvPicPr>
-            <a:picLocks noChangeAspect="1"/>
-          </p:cNvPicPr>
-          <p:nvPr/>
-        </p:nvPicPr>
-        <p:blipFill>
-          <a:blip r:embed="rId2"/>
-          <a:stretch>
-            <a:fillRect/>
-          </a:stretch>
-        </p:blipFill>
-        <p:spPr>
-          <a:xfrm>
-            <a:off x="0" y="0"/>
-            <a:ext cx="12191999" cy="6858000"/>
-          </a:xfrm>
-          <a:prstGeom prst="rect">
-            <a:avLst/>
-          </a:prstGeom>
-        </p:spPr>
-      </p:pic>
-      <p:sp>
-        <p:nvSpPr>
-          <p:cNvPr id="2" name="Заголовок 1">
-            <a:extLst>
-              <a:ext uri="{FF2B5EF4-FFF2-40B4-BE49-F238E27FC236}">
-                <a16:creationId xmlns:a16="http://schemas.microsoft.com/office/drawing/2014/main" id="{8364A0BF-A1F9-6146-CAEC-30743E92517D}"/>
-              </a:ext>
-            </a:extLst>
-          </p:cNvPr>
-          <p:cNvSpPr>
-            <a:spLocks noGrp="1"/>
-          </p:cNvSpPr>
-          <p:nvPr>
-            <p:ph type="ctrTitle"/>
-          </p:nvPr>
-        </p:nvSpPr>
-        <p:spPr>
-          <a:xfrm>
-            <a:off x="335360" y="1122362"/>
-            <a:ext cx="11521280" cy="3962822"/>
-          </a:xfrm>
-        </p:spPr>
-        <p:txBody>
-          <a:bodyPr>
-            <a:noAutofit/>
-          </a:bodyPr>
-          <a:lstStyle/>
-          <a:p>
-            <a:r>
-              <a:rPr lang="ru-RU" sz="8000" dirty="0">
-                <a:solidFill>
-                  <a:schemeClr val="bg1"/>
-                </a:solidFill>
-                <a:effectLst>
-                  <a:outerShdw blurRad="38100" dist="38100" dir="2700000" algn="tl">
-                    <a:srgbClr val="000000">
-                      <a:alpha val="43137"/>
-                    </a:srgbClr>
-                  </a:outerShdw>
-                </a:effectLst>
-                <a:latin typeface="Impact" panose="020B0806030902050204" pitchFamily="34" charset="0"/>
-              </a:rPr>
-              <a:t>Паттерн</a:t>
-            </a:r>
-            <a:br>
-              <a:rPr lang="en-US" sz="8000" dirty="0">
-                <a:solidFill>
-                  <a:schemeClr val="bg1"/>
-                </a:solidFill>
-                <a:effectLst>
-                  <a:outerShdw blurRad="38100" dist="38100" dir="2700000" algn="tl">
-                    <a:srgbClr val="000000">
-                      <a:alpha val="43137"/>
-                    </a:srgbClr>
-                  </a:outerShdw>
-                </a:effectLst>
-                <a:latin typeface="Impact" panose="020B0806030902050204" pitchFamily="34" charset="0"/>
-              </a:rPr>
-            </a:br>
-            <a:r>
-              <a:rPr lang="ru-RU" sz="8000" dirty="0">
-                <a:solidFill>
-                  <a:schemeClr val="bg1"/>
-                </a:solidFill>
-                <a:effectLst>
-                  <a:outerShdw blurRad="38100" dist="38100" dir="2700000" algn="tl">
-                    <a:srgbClr val="000000">
-                      <a:alpha val="43137"/>
-                    </a:srgbClr>
-                  </a:outerShdw>
-                </a:effectLst>
-                <a:latin typeface="Impact" panose="020B0806030902050204" pitchFamily="34" charset="0"/>
-              </a:rPr>
-              <a:t>проектирования</a:t>
-            </a:r>
-            <a:br>
-              <a:rPr lang="ru-RU" sz="8000" dirty="0">
-                <a:solidFill>
-                  <a:schemeClr val="bg1"/>
-                </a:solidFill>
-                <a:effectLst>
-                  <a:outerShdw blurRad="38100" dist="38100" dir="2700000" algn="tl">
-                    <a:srgbClr val="000000">
-                      <a:alpha val="43137"/>
-                    </a:srgbClr>
-                  </a:outerShdw>
-                </a:effectLst>
-                <a:latin typeface="Impact" panose="020B0806030902050204" pitchFamily="34" charset="0"/>
-              </a:rPr>
-            </a:br>
-            <a:r>
-              <a:rPr lang="ru-RU" sz="8000" dirty="0">
-                <a:solidFill>
-                  <a:schemeClr val="bg1"/>
-                </a:solidFill>
-                <a:effectLst>
-                  <a:outerShdw blurRad="38100" dist="38100" dir="2700000" algn="tl">
-                    <a:srgbClr val="000000">
-                      <a:alpha val="43137"/>
-                    </a:srgbClr>
-                  </a:outerShdw>
-                </a:effectLst>
-                <a:latin typeface="Impact" panose="020B0806030902050204" pitchFamily="34" charset="0"/>
-              </a:rPr>
-              <a:t> </a:t>
-            </a:r>
-            <a:r>
-              <a:rPr lang="ru-RU" sz="11500" dirty="0">
-                <a:solidFill>
-                  <a:schemeClr val="bg1"/>
-                </a:solidFill>
-                <a:effectLst>
-                  <a:outerShdw blurRad="38100" dist="38100" dir="2700000" algn="tl">
-                    <a:srgbClr val="000000">
-                      <a:alpha val="43137"/>
-                    </a:srgbClr>
-                  </a:outerShdw>
-                </a:effectLst>
-                <a:latin typeface="Impact" panose="020B0806030902050204" pitchFamily="34" charset="0"/>
-              </a:rPr>
-              <a:t>«Посетитель»</a:t>
-            </a:r>
-            <a:endParaRPr lang="ru-RU" sz="8800" dirty="0">
-              <a:solidFill>
-                <a:schemeClr val="bg1"/>
-              </a:solidFill>
-              <a:effectLst>
-                <a:outerShdw blurRad="38100" dist="38100" dir="2700000" algn="tl">
-                  <a:srgbClr val="000000">
-                    <a:alpha val="43137"/>
-                  </a:srgbClr>
-                </a:outerShdw>
-              </a:effectLst>
-              <a:latin typeface="Impact" panose="020B0806030902050204" pitchFamily="34" charset="0"/>
-            </a:endParaRPr>
-          </a:p>
-        </p:txBody>
-      </p:sp>
-    </p:spTree>
-    <p:extLst>
-      <p:ext uri="{BB962C8B-B14F-4D97-AF65-F5344CB8AC3E}">
-        <p14:creationId xmlns:p14="http://schemas.microsoft.com/office/powerpoint/2010/main" val="164378795"/>
-      </p:ext>
-    </p:extLst>
-  </p:cSld>
-  <p:clrMapOvr>
-    <a:masterClrMapping/>
-  </p:clrMapOvr>
-</p:sld>
-</file>
-
-<file path=ppt/slides/slide20.xml><?xml version="1.0" encoding="utf-8"?>
+<file path=ppt/slides/slide18.xml><?xml version="1.0" encoding="utf-8"?>
 <p:sld xmlns:a="http://schemas.openxmlformats.org/drawingml/2006/main" xmlns:r="http://schemas.openxmlformats.org/officeDocument/2006/relationships" xmlns:p="http://schemas.openxmlformats.org/presentationml/2006/main">
   <p:cSld>
     <p:spTree>
@@ -19322,7 +18622,7 @@
 </p:sld>
 </file>
 
-<file path=ppt/slides/slide21.xml><?xml version="1.0" encoding="utf-8"?>
+<file path=ppt/slides/slide19.xml><?xml version="1.0" encoding="utf-8"?>
 <p:sld xmlns:a="http://schemas.openxmlformats.org/drawingml/2006/main" xmlns:r="http://schemas.openxmlformats.org/officeDocument/2006/relationships" xmlns:p="http://schemas.openxmlformats.org/presentationml/2006/main">
   <p:cSld>
     <p:spTree>
@@ -19955,7 +19255,229 @@
 </p:sld>
 </file>
 
-<file path=ppt/slides/slide22.xml><?xml version="1.0" encoding="utf-8"?>
+<file path=ppt/slides/slide2.xml><?xml version="1.0" encoding="utf-8"?>
+<p:sld xmlns:a="http://schemas.openxmlformats.org/drawingml/2006/main" xmlns:r="http://schemas.openxmlformats.org/officeDocument/2006/relationships" xmlns:p="http://schemas.openxmlformats.org/presentationml/2006/main">
+  <p:cSld>
+    <p:spTree>
+      <p:nvGrpSpPr>
+        <p:cNvPr id="1" name=""/>
+        <p:cNvGrpSpPr/>
+        <p:nvPr/>
+      </p:nvGrpSpPr>
+      <p:grpSpPr>
+        <a:xfrm>
+          <a:off x="0" y="0"/>
+          <a:ext cx="0" cy="0"/>
+          <a:chOff x="0" y="0"/>
+          <a:chExt cx="0" cy="0"/>
+        </a:xfrm>
+      </p:grpSpPr>
+      <p:sp>
+        <p:nvSpPr>
+          <p:cNvPr id="2" name="Заголовок 1"/>
+          <p:cNvSpPr>
+            <a:spLocks noGrp="1"/>
+          </p:cNvSpPr>
+          <p:nvPr>
+            <p:ph type="title"/>
+          </p:nvPr>
+        </p:nvSpPr>
+        <p:spPr/>
+        <p:txBody>
+          <a:bodyPr/>
+          <a:lstStyle/>
+          <a:p>
+            <a:r>
+              <a:rPr lang="ru-RU" dirty="0"/>
+              <a:t>Программа для работы с фигурами</a:t>
+            </a:r>
+          </a:p>
+        </p:txBody>
+      </p:sp>
+      <p:pic>
+        <p:nvPicPr>
+          <p:cNvPr id="1026" name="Picture 2">
+            <a:extLst>
+              <a:ext uri="{FF2B5EF4-FFF2-40B4-BE49-F238E27FC236}">
+                <a16:creationId xmlns:a16="http://schemas.microsoft.com/office/drawing/2014/main" id="{49549D80-E46F-60C5-4A83-0722E2208BDB}"/>
+              </a:ext>
+            </a:extLst>
+          </p:cNvPr>
+          <p:cNvPicPr>
+            <a:picLocks noChangeAspect="1" noChangeArrowheads="1"/>
+          </p:cNvPicPr>
+          <p:nvPr/>
+        </p:nvPicPr>
+        <p:blipFill>
+          <a:blip r:embed="rId3" cstate="print">
+            <a:extLst>
+              <a:ext uri="{28A0092B-C50C-407E-A947-70E740481C1C}">
+                <a14:useLocalDpi xmlns:a14="http://schemas.microsoft.com/office/drawing/2010/main" val="0"/>
+              </a:ext>
+            </a:extLst>
+          </a:blip>
+          <a:srcRect/>
+          <a:stretch/>
+        </p:blipFill>
+        <p:spPr bwMode="auto">
+          <a:xfrm>
+            <a:off x="1460704" y="1556792"/>
+            <a:ext cx="9270592" cy="4304632"/>
+          </a:xfrm>
+          <a:prstGeom prst="rect">
+            <a:avLst/>
+          </a:prstGeom>
+          <a:noFill/>
+          <a:extLst>
+            <a:ext uri="{909E8E84-426E-40DD-AFC4-6F175D3DCCD1}">
+              <a14:hiddenFill xmlns:a14="http://schemas.microsoft.com/office/drawing/2010/main">
+                <a:solidFill>
+                  <a:srgbClr val="FFFFFF"/>
+                </a:solidFill>
+              </a14:hiddenFill>
+            </a:ext>
+          </a:extLst>
+        </p:spPr>
+      </p:pic>
+      <p:sp>
+        <p:nvSpPr>
+          <p:cNvPr id="4" name="TextBox 3">
+            <a:extLst>
+              <a:ext uri="{FF2B5EF4-FFF2-40B4-BE49-F238E27FC236}">
+                <a16:creationId xmlns:a16="http://schemas.microsoft.com/office/drawing/2014/main" id="{D7475B14-2F91-B673-C148-DCF3AC77009C}"/>
+              </a:ext>
+            </a:extLst>
+          </p:cNvPr>
+          <p:cNvSpPr txBox="1"/>
+          <p:nvPr/>
+        </p:nvSpPr>
+        <p:spPr>
+          <a:xfrm>
+            <a:off x="2855640" y="6237312"/>
+            <a:ext cx="5616624" cy="369332"/>
+          </a:xfrm>
+          <a:prstGeom prst="rect">
+            <a:avLst/>
+          </a:prstGeom>
+          <a:noFill/>
+        </p:spPr>
+        <p:txBody>
+          <a:bodyPr wrap="square" rtlCol="0">
+            <a:spAutoFit/>
+          </a:bodyPr>
+          <a:lstStyle/>
+          <a:p>
+            <a:r>
+              <a:rPr lang="ru-RU" dirty="0"/>
+              <a:t>Какой паттерн проектирования здесь спрятался</a:t>
+            </a:r>
+            <a:r>
+              <a:rPr lang="en-US" dirty="0"/>
+              <a:t>?</a:t>
+            </a:r>
+          </a:p>
+        </p:txBody>
+      </p:sp>
+    </p:spTree>
+    <p:extLst>
+      <p:ext uri="{BB962C8B-B14F-4D97-AF65-F5344CB8AC3E}">
+        <p14:creationId xmlns:p14="http://schemas.microsoft.com/office/powerpoint/2010/main" val="564352464"/>
+      </p:ext>
+    </p:extLst>
+  </p:cSld>
+  <p:clrMapOvr>
+    <a:masterClrMapping/>
+  </p:clrMapOvr>
+  <p:timing>
+    <p:tnLst>
+      <p:par>
+        <p:cTn id="1" dur="indefinite" restart="never" nodeType="tmRoot">
+          <p:childTnLst>
+            <p:seq concurrent="1" nextAc="seek">
+              <p:cTn id="2" dur="indefinite" nodeType="mainSeq">
+                <p:childTnLst>
+                  <p:par>
+                    <p:cTn id="3" fill="hold">
+                      <p:stCondLst>
+                        <p:cond delay="indefinite"/>
+                      </p:stCondLst>
+                      <p:childTnLst>
+                        <p:par>
+                          <p:cTn id="4" fill="hold">
+                            <p:stCondLst>
+                              <p:cond delay="0"/>
+                            </p:stCondLst>
+                            <p:childTnLst>
+                              <p:par>
+                                <p:cTn id="5" presetID="10" presetClass="entr" presetSubtype="0" fill="hold" grpId="0" nodeType="clickEffect">
+                                  <p:stCondLst>
+                                    <p:cond delay="0"/>
+                                  </p:stCondLst>
+                                  <p:childTnLst>
+                                    <p:set>
+                                      <p:cBhvr>
+                                        <p:cTn id="6" dur="1" fill="hold">
+                                          <p:stCondLst>
+                                            <p:cond delay="0"/>
+                                          </p:stCondLst>
+                                        </p:cTn>
+                                        <p:tgtEl>
+                                          <p:spTgt spid="4"/>
+                                        </p:tgtEl>
+                                        <p:attrNameLst>
+                                          <p:attrName>style.visibility</p:attrName>
+                                        </p:attrNameLst>
+                                      </p:cBhvr>
+                                      <p:to>
+                                        <p:strVal val="visible"/>
+                                      </p:to>
+                                    </p:set>
+                                    <p:animEffect transition="in" filter="fade">
+                                      <p:cBhvr>
+                                        <p:cTn id="7" dur="500"/>
+                                        <p:tgtEl>
+                                          <p:spTgt spid="4"/>
+                                        </p:tgtEl>
+                                      </p:cBhvr>
+                                    </p:animEffect>
+                                  </p:childTnLst>
+                                </p:cTn>
+                              </p:par>
+                            </p:childTnLst>
+                          </p:cTn>
+                        </p:par>
+                      </p:childTnLst>
+                    </p:cTn>
+                  </p:par>
+                </p:childTnLst>
+              </p:cTn>
+              <p:prevCondLst>
+                <p:cond evt="onPrev" delay="0">
+                  <p:tgtEl>
+                    <p:sldTgt/>
+                  </p:tgtEl>
+                </p:cond>
+              </p:prevCondLst>
+              <p:nextCondLst>
+                <p:cond evt="onNext" delay="0">
+                  <p:tgtEl>
+                    <p:sldTgt/>
+                  </p:tgtEl>
+                </p:cond>
+              </p:nextCondLst>
+            </p:seq>
+          </p:childTnLst>
+        </p:cTn>
+      </p:par>
+    </p:tnLst>
+    <p:bldLst>
+      <p:bldP spid="4" grpId="0"/>
+    </p:bldLst>
+  </p:timing>
+</p:sld>
+</file>
+
+<file path=ppt/slides/slide20.xml><?xml version="1.0" encoding="utf-8"?>
 <p:sld xmlns:a="http://schemas.openxmlformats.org/drawingml/2006/main" xmlns:r="http://schemas.openxmlformats.org/officeDocument/2006/relationships" xmlns:p="http://schemas.openxmlformats.org/presentationml/2006/main">
   <p:cSld>
     <p:spTree>
@@ -20419,7 +19941,7 @@
 </p:sld>
 </file>
 
-<file path=ppt/slides/slide23.xml><?xml version="1.0" encoding="utf-8"?>
+<file path=ppt/slides/slide21.xml><?xml version="1.0" encoding="utf-8"?>
 <p:sld xmlns:a="http://schemas.openxmlformats.org/drawingml/2006/main" xmlns:r="http://schemas.openxmlformats.org/officeDocument/2006/relationships" xmlns:p="http://schemas.openxmlformats.org/presentationml/2006/main">
   <p:cSld>
     <p:spTree>
@@ -20745,7 +20267,7 @@
 </p:sld>
 </file>
 
-<file path=ppt/slides/slide24.xml><?xml version="1.0" encoding="utf-8"?>
+<file path=ppt/slides/slide22.xml><?xml version="1.0" encoding="utf-8"?>
 <p:sld xmlns:a="http://schemas.openxmlformats.org/drawingml/2006/main" xmlns:r="http://schemas.openxmlformats.org/officeDocument/2006/relationships" xmlns:p="http://schemas.openxmlformats.org/presentationml/2006/main">
   <p:cSld>
     <p:spTree>
@@ -20841,7 +20363,7 @@
 </p:sld>
 </file>
 
-<file path=ppt/slides/slide25.xml><?xml version="1.0" encoding="utf-8"?>
+<file path=ppt/slides/slide23.xml><?xml version="1.0" encoding="utf-8"?>
 <p:sld xmlns:a="http://schemas.openxmlformats.org/drawingml/2006/main" xmlns:r="http://schemas.openxmlformats.org/officeDocument/2006/relationships" xmlns:p="http://schemas.openxmlformats.org/presentationml/2006/main">
   <p:cSld>
     <p:spTree>
@@ -21122,7 +20644,7 @@
 </p:sld>
 </file>
 
-<file path=ppt/slides/slide26.xml><?xml version="1.0" encoding="utf-8"?>
+<file path=ppt/slides/slide24.xml><?xml version="1.0" encoding="utf-8"?>
 <p:sld xmlns:a="http://schemas.openxmlformats.org/drawingml/2006/main" xmlns:r="http://schemas.openxmlformats.org/officeDocument/2006/relationships" xmlns:p="http://schemas.openxmlformats.org/presentationml/2006/main">
   <p:cSld>
     <p:spTree>
@@ -21470,7 +20992,7 @@
 </p:sld>
 </file>
 
-<file path=ppt/slides/slide27.xml><?xml version="1.0" encoding="utf-8"?>
+<file path=ppt/slides/slide25.xml><?xml version="1.0" encoding="utf-8"?>
 <p:sld xmlns:a="http://schemas.openxmlformats.org/drawingml/2006/main" xmlns:r="http://schemas.openxmlformats.org/officeDocument/2006/relationships" xmlns:p="http://schemas.openxmlformats.org/presentationml/2006/main">
   <p:cSld>
     <p:spTree>
@@ -21574,7 +21096,7 @@
 </p:sld>
 </file>
 
-<file path=ppt/slides/slide28.xml><?xml version="1.0" encoding="utf-8"?>
+<file path=ppt/slides/slide26.xml><?xml version="1.0" encoding="utf-8"?>
 <p:sld xmlns:a="http://schemas.openxmlformats.org/drawingml/2006/main" xmlns:r="http://schemas.openxmlformats.org/officeDocument/2006/relationships" xmlns:p="http://schemas.openxmlformats.org/presentationml/2006/main">
   <p:cSld>
     <p:spTree>
@@ -21683,7 +21205,7 @@
 </p:sld>
 </file>
 
-<file path=ppt/slides/slide29.xml><?xml version="1.0" encoding="utf-8"?>
+<file path=ppt/slides/slide27.xml><?xml version="1.0" encoding="utf-8"?>
 <p:sld xmlns:a="http://schemas.openxmlformats.org/drawingml/2006/main" xmlns:r="http://schemas.openxmlformats.org/officeDocument/2006/relationships" xmlns:p="http://schemas.openxmlformats.org/presentationml/2006/main">
   <p:cSld>
     <p:spTree>
@@ -23344,180 +22866,7 @@
 </p:sld>
 </file>
 
-<file path=ppt/slides/slide3.xml><?xml version="1.0" encoding="utf-8"?>
-<p:sld xmlns:a="http://schemas.openxmlformats.org/drawingml/2006/main" xmlns:r="http://schemas.openxmlformats.org/officeDocument/2006/relationships" xmlns:p="http://schemas.openxmlformats.org/presentationml/2006/main" show="0">
-  <p:cSld>
-    <p:spTree>
-      <p:nvGrpSpPr>
-        <p:cNvPr id="1" name="">
-          <a:extLst>
-            <a:ext uri="{FF2B5EF4-FFF2-40B4-BE49-F238E27FC236}">
-              <a16:creationId xmlns:a16="http://schemas.microsoft.com/office/drawing/2014/main" id="{18D9FBCC-9E6C-2913-A174-29AD18881C4C}"/>
-            </a:ext>
-          </a:extLst>
-        </p:cNvPr>
-        <p:cNvGrpSpPr/>
-        <p:nvPr/>
-      </p:nvGrpSpPr>
-      <p:grpSpPr>
-        <a:xfrm>
-          <a:off x="0" y="0"/>
-          <a:ext cx="0" cy="0"/>
-          <a:chOff x="0" y="0"/>
-          <a:chExt cx="0" cy="0"/>
-        </a:xfrm>
-      </p:grpSpPr>
-      <p:pic>
-        <p:nvPicPr>
-          <p:cNvPr id="5" name="Picture 4">
-            <a:extLst>
-              <a:ext uri="{FF2B5EF4-FFF2-40B4-BE49-F238E27FC236}">
-                <a16:creationId xmlns:a16="http://schemas.microsoft.com/office/drawing/2014/main" id="{B8C9E46F-6ED2-6AE7-D2FF-675BA7CF9AC6}"/>
-              </a:ext>
-            </a:extLst>
-          </p:cNvPr>
-          <p:cNvPicPr>
-            <a:picLocks noChangeAspect="1"/>
-          </p:cNvPicPr>
-          <p:nvPr/>
-        </p:nvPicPr>
-        <p:blipFill>
-          <a:blip r:embed="rId2"/>
-          <a:stretch>
-            <a:fillRect/>
-          </a:stretch>
-        </p:blipFill>
-        <p:spPr>
-          <a:xfrm>
-            <a:off x="0" y="0"/>
-            <a:ext cx="12191999" cy="6858000"/>
-          </a:xfrm>
-          <a:prstGeom prst="rect">
-            <a:avLst/>
-          </a:prstGeom>
-        </p:spPr>
-      </p:pic>
-      <p:sp>
-        <p:nvSpPr>
-          <p:cNvPr id="2" name="Заголовок 1">
-            <a:extLst>
-              <a:ext uri="{FF2B5EF4-FFF2-40B4-BE49-F238E27FC236}">
-                <a16:creationId xmlns:a16="http://schemas.microsoft.com/office/drawing/2014/main" id="{D4F23C9A-5E29-0423-86D9-AE90E964952C}"/>
-              </a:ext>
-            </a:extLst>
-          </p:cNvPr>
-          <p:cNvSpPr>
-            <a:spLocks noGrp="1"/>
-          </p:cNvSpPr>
-          <p:nvPr>
-            <p:ph type="ctrTitle"/>
-          </p:nvPr>
-        </p:nvSpPr>
-        <p:spPr>
-          <a:xfrm>
-            <a:off x="335360" y="1122362"/>
-            <a:ext cx="11521280" cy="3962822"/>
-          </a:xfrm>
-        </p:spPr>
-        <p:txBody>
-          <a:bodyPr>
-            <a:noAutofit/>
-          </a:bodyPr>
-          <a:lstStyle/>
-          <a:p>
-            <a:r>
-              <a:rPr lang="ru-RU" sz="8800" dirty="0">
-                <a:solidFill>
-                  <a:schemeClr val="bg1"/>
-                </a:solidFill>
-                <a:effectLst>
-                  <a:outerShdw blurRad="38100" dist="38100" dir="2700000" algn="tl">
-                    <a:srgbClr val="000000">
-                      <a:alpha val="43137"/>
-                    </a:srgbClr>
-                  </a:outerShdw>
-                </a:effectLst>
-                <a:latin typeface="Impact" panose="020B0806030902050204" pitchFamily="34" charset="0"/>
-              </a:rPr>
-              <a:t>Паттерн</a:t>
-            </a:r>
-            <a:br>
-              <a:rPr lang="ru-RU" sz="8000" dirty="0">
-                <a:solidFill>
-                  <a:schemeClr val="bg1"/>
-                </a:solidFill>
-                <a:effectLst>
-                  <a:outerShdw blurRad="38100" dist="38100" dir="2700000" algn="tl">
-                    <a:srgbClr val="000000">
-                      <a:alpha val="43137"/>
-                    </a:srgbClr>
-                  </a:outerShdw>
-                </a:effectLst>
-                <a:latin typeface="Impact" panose="020B0806030902050204" pitchFamily="34" charset="0"/>
-              </a:rPr>
-            </a:br>
-            <a:r>
-              <a:rPr lang="ru-RU" sz="8000" dirty="0">
-                <a:solidFill>
-                  <a:schemeClr val="bg1"/>
-                </a:solidFill>
-                <a:effectLst>
-                  <a:outerShdw blurRad="38100" dist="38100" dir="2700000" algn="tl">
-                    <a:srgbClr val="000000">
-                      <a:alpha val="43137"/>
-                    </a:srgbClr>
-                  </a:outerShdw>
-                </a:effectLst>
-                <a:latin typeface="Impact" panose="020B0806030902050204" pitchFamily="34" charset="0"/>
-              </a:rPr>
-              <a:t> </a:t>
-            </a:r>
-            <a:r>
-              <a:rPr lang="ru-RU" sz="11500" dirty="0">
-                <a:solidFill>
-                  <a:schemeClr val="bg1"/>
-                </a:solidFill>
-                <a:effectLst>
-                  <a:outerShdw blurRad="38100" dist="38100" dir="2700000" algn="tl">
-                    <a:srgbClr val="000000">
-                      <a:alpha val="43137"/>
-                    </a:srgbClr>
-                  </a:outerShdw>
-                </a:effectLst>
-                <a:latin typeface="Impact" panose="020B0806030902050204" pitchFamily="34" charset="0"/>
-              </a:rPr>
-              <a:t>«Посетитель»</a:t>
-            </a:r>
-            <a:endParaRPr lang="ru-RU" sz="8800" dirty="0">
-              <a:solidFill>
-                <a:schemeClr val="bg1"/>
-              </a:solidFill>
-              <a:effectLst>
-                <a:outerShdw blurRad="38100" dist="38100" dir="2700000" algn="tl">
-                  <a:srgbClr val="000000">
-                    <a:alpha val="43137"/>
-                  </a:srgbClr>
-                </a:outerShdw>
-              </a:effectLst>
-              <a:latin typeface="Impact" panose="020B0806030902050204" pitchFamily="34" charset="0"/>
-            </a:endParaRPr>
-          </a:p>
-        </p:txBody>
-      </p:sp>
-    </p:spTree>
-    <p:extLst>
-      <p:ext uri="{BB962C8B-B14F-4D97-AF65-F5344CB8AC3E}">
-        <p14:creationId xmlns:p14="http://schemas.microsoft.com/office/powerpoint/2010/main" val="3559245116"/>
-      </p:ext>
-    </p:extLst>
-  </p:cSld>
-  <p:clrMapOvr>
-    <a:masterClrMapping/>
-  </p:clrMapOvr>
-</p:sld>
-</file>
-
-<file path=ppt/slides/slide30.xml><?xml version="1.0" encoding="utf-8"?>
+<file path=ppt/slides/slide28.xml><?xml version="1.0" encoding="utf-8"?>
 <p:sld xmlns:a="http://schemas.openxmlformats.org/drawingml/2006/main" xmlns:r="http://schemas.openxmlformats.org/officeDocument/2006/relationships" xmlns:p="http://schemas.openxmlformats.org/presentationml/2006/main">
   <p:cSld>
     <p:spTree>
@@ -24975,7 +24324,7 @@
 </p:sld>
 </file>
 
-<file path=ppt/slides/slide31.xml><?xml version="1.0" encoding="utf-8"?>
+<file path=ppt/slides/slide29.xml><?xml version="1.0" encoding="utf-8"?>
 <p:sld xmlns:a="http://schemas.openxmlformats.org/drawingml/2006/main" xmlns:r="http://schemas.openxmlformats.org/officeDocument/2006/relationships" xmlns:p="http://schemas.openxmlformats.org/presentationml/2006/main">
   <p:cSld>
     <p:spTree>
@@ -26234,7 +25583,413 @@
 </p:sld>
 </file>
 
-<file path=ppt/slides/slide32.xml><?xml version="1.0" encoding="utf-8"?>
+<file path=ppt/slides/slide3.xml><?xml version="1.0" encoding="utf-8"?>
+<p:sld xmlns:a="http://schemas.openxmlformats.org/drawingml/2006/main" xmlns:r="http://schemas.openxmlformats.org/officeDocument/2006/relationships" xmlns:p="http://schemas.openxmlformats.org/presentationml/2006/main">
+  <p:cSld>
+    <p:spTree>
+      <p:nvGrpSpPr>
+        <p:cNvPr id="1" name="">
+          <a:extLst>
+            <a:ext uri="{FF2B5EF4-FFF2-40B4-BE49-F238E27FC236}">
+              <a16:creationId xmlns:a16="http://schemas.microsoft.com/office/drawing/2014/main" id="{82922D40-D981-CB73-6A84-4C0E38740564}"/>
+            </a:ext>
+          </a:extLst>
+        </p:cNvPr>
+        <p:cNvGrpSpPr/>
+        <p:nvPr/>
+      </p:nvGrpSpPr>
+      <p:grpSpPr>
+        <a:xfrm>
+          <a:off x="0" y="0"/>
+          <a:ext cx="0" cy="0"/>
+          <a:chOff x="0" y="0"/>
+          <a:chExt cx="0" cy="0"/>
+        </a:xfrm>
+      </p:grpSpPr>
+      <p:sp>
+        <p:nvSpPr>
+          <p:cNvPr id="2" name="Заголовок 1">
+            <a:extLst>
+              <a:ext uri="{FF2B5EF4-FFF2-40B4-BE49-F238E27FC236}">
+                <a16:creationId xmlns:a16="http://schemas.microsoft.com/office/drawing/2014/main" id="{AA14B276-F1EF-B6B9-FE9C-0359DF4B90F0}"/>
+              </a:ext>
+            </a:extLst>
+          </p:cNvPr>
+          <p:cNvSpPr>
+            <a:spLocks noGrp="1"/>
+          </p:cNvSpPr>
+          <p:nvPr>
+            <p:ph type="title"/>
+          </p:nvPr>
+        </p:nvSpPr>
+        <p:spPr/>
+        <p:txBody>
+          <a:bodyPr/>
+          <a:lstStyle/>
+          <a:p>
+            <a:r>
+              <a:rPr lang="ru-RU" dirty="0"/>
+              <a:t>Нужно сериализовать фигуры</a:t>
+            </a:r>
+          </a:p>
+        </p:txBody>
+      </p:sp>
+      <p:sp>
+        <p:nvSpPr>
+          <p:cNvPr id="3" name="Содержимое 2">
+            <a:extLst>
+              <a:ext uri="{FF2B5EF4-FFF2-40B4-BE49-F238E27FC236}">
+                <a16:creationId xmlns:a16="http://schemas.microsoft.com/office/drawing/2014/main" id="{9B73990C-EC16-055A-4EF4-C7EE5283ED9F}"/>
+              </a:ext>
+            </a:extLst>
+          </p:cNvPr>
+          <p:cNvSpPr>
+            <a:spLocks noGrp="1"/>
+          </p:cNvSpPr>
+          <p:nvPr>
+            <p:ph idx="1"/>
+          </p:nvPr>
+        </p:nvSpPr>
+        <p:spPr/>
+        <p:txBody>
+          <a:bodyPr>
+            <a:normAutofit/>
+          </a:bodyPr>
+          <a:lstStyle/>
+          <a:p>
+            <a:r>
+              <a:rPr lang="ru-RU" dirty="0"/>
+              <a:t>Ввывести информацию обо всех фигурах коллекции в поток вывода</a:t>
+            </a:r>
+            <a:endParaRPr lang="en-US" dirty="0"/>
+          </a:p>
+          <a:p>
+            <a:r>
+              <a:rPr lang="ru-RU" dirty="0"/>
+              <a:t>Предусмотреть возможность легкой смены формата вывода информации</a:t>
+            </a:r>
+          </a:p>
+          <a:p>
+            <a:pPr lvl="1"/>
+            <a:r>
+              <a:rPr lang="en-US" dirty="0"/>
+              <a:t>Plain text: Rectangle(20x30)</a:t>
+            </a:r>
+          </a:p>
+          <a:p>
+            <a:pPr lvl="1"/>
+            <a:r>
+              <a:rPr lang="en-US" dirty="0"/>
+              <a:t>XML: &lt;rectangle width=“20” height=“30” /&gt;</a:t>
+            </a:r>
+          </a:p>
+          <a:p>
+            <a:pPr lvl="1"/>
+            <a:r>
+              <a:rPr lang="ru-RU" dirty="0"/>
+              <a:t>Бинарный формат</a:t>
+            </a:r>
+          </a:p>
+        </p:txBody>
+      </p:sp>
+    </p:spTree>
+    <p:extLst>
+      <p:ext uri="{BB962C8B-B14F-4D97-AF65-F5344CB8AC3E}">
+        <p14:creationId xmlns:p14="http://schemas.microsoft.com/office/powerpoint/2010/main" val="650226889"/>
+      </p:ext>
+    </p:extLst>
+  </p:cSld>
+  <p:clrMapOvr>
+    <a:masterClrMapping/>
+  </p:clrMapOvr>
+  <p:timing>
+    <p:tnLst>
+      <p:par>
+        <p:cTn id="1" dur="indefinite" restart="never" nodeType="tmRoot">
+          <p:childTnLst>
+            <p:seq concurrent="1" nextAc="seek">
+              <p:cTn id="2" dur="indefinite" nodeType="mainSeq">
+                <p:childTnLst>
+                  <p:par>
+                    <p:cTn id="3" fill="hold">
+                      <p:stCondLst>
+                        <p:cond delay="indefinite"/>
+                      </p:stCondLst>
+                      <p:childTnLst>
+                        <p:par>
+                          <p:cTn id="4" fill="hold">
+                            <p:stCondLst>
+                              <p:cond delay="0"/>
+                            </p:stCondLst>
+                            <p:childTnLst>
+                              <p:par>
+                                <p:cTn id="5" presetID="10" presetClass="entr" presetSubtype="0" fill="hold" grpId="0" nodeType="clickEffect">
+                                  <p:stCondLst>
+                                    <p:cond delay="0"/>
+                                  </p:stCondLst>
+                                  <p:childTnLst>
+                                    <p:set>
+                                      <p:cBhvr>
+                                        <p:cTn id="6" dur="1" fill="hold">
+                                          <p:stCondLst>
+                                            <p:cond delay="0"/>
+                                          </p:stCondLst>
+                                        </p:cTn>
+                                        <p:tgtEl>
+                                          <p:spTgt spid="3">
+                                            <p:txEl>
+                                              <p:pRg st="0" end="0"/>
+                                            </p:txEl>
+                                          </p:spTgt>
+                                        </p:tgtEl>
+                                        <p:attrNameLst>
+                                          <p:attrName>style.visibility</p:attrName>
+                                        </p:attrNameLst>
+                                      </p:cBhvr>
+                                      <p:to>
+                                        <p:strVal val="visible"/>
+                                      </p:to>
+                                    </p:set>
+                                    <p:animEffect transition="in" filter="fade">
+                                      <p:cBhvr>
+                                        <p:cTn id="7" dur="500"/>
+                                        <p:tgtEl>
+                                          <p:spTgt spid="3">
+                                            <p:txEl>
+                                              <p:pRg st="0" end="0"/>
+                                            </p:txEl>
+                                          </p:spTgt>
+                                        </p:tgtEl>
+                                      </p:cBhvr>
+                                    </p:animEffect>
+                                  </p:childTnLst>
+                                </p:cTn>
+                              </p:par>
+                            </p:childTnLst>
+                          </p:cTn>
+                        </p:par>
+                      </p:childTnLst>
+                    </p:cTn>
+                  </p:par>
+                  <p:par>
+                    <p:cTn id="8" fill="hold">
+                      <p:stCondLst>
+                        <p:cond delay="indefinite"/>
+                      </p:stCondLst>
+                      <p:childTnLst>
+                        <p:par>
+                          <p:cTn id="9" fill="hold">
+                            <p:stCondLst>
+                              <p:cond delay="0"/>
+                            </p:stCondLst>
+                            <p:childTnLst>
+                              <p:par>
+                                <p:cTn id="10" presetID="10" presetClass="entr" presetSubtype="0" fill="hold" grpId="0" nodeType="clickEffect">
+                                  <p:stCondLst>
+                                    <p:cond delay="0"/>
+                                  </p:stCondLst>
+                                  <p:childTnLst>
+                                    <p:set>
+                                      <p:cBhvr>
+                                        <p:cTn id="11" dur="1" fill="hold">
+                                          <p:stCondLst>
+                                            <p:cond delay="0"/>
+                                          </p:stCondLst>
+                                        </p:cTn>
+                                        <p:tgtEl>
+                                          <p:spTgt spid="3">
+                                            <p:txEl>
+                                              <p:pRg st="1" end="1"/>
+                                            </p:txEl>
+                                          </p:spTgt>
+                                        </p:tgtEl>
+                                        <p:attrNameLst>
+                                          <p:attrName>style.visibility</p:attrName>
+                                        </p:attrNameLst>
+                                      </p:cBhvr>
+                                      <p:to>
+                                        <p:strVal val="visible"/>
+                                      </p:to>
+                                    </p:set>
+                                    <p:animEffect transition="in" filter="fade">
+                                      <p:cBhvr>
+                                        <p:cTn id="12" dur="500"/>
+                                        <p:tgtEl>
+                                          <p:spTgt spid="3">
+                                            <p:txEl>
+                                              <p:pRg st="1" end="1"/>
+                                            </p:txEl>
+                                          </p:spTgt>
+                                        </p:tgtEl>
+                                      </p:cBhvr>
+                                    </p:animEffect>
+                                  </p:childTnLst>
+                                </p:cTn>
+                              </p:par>
+                              <p:par>
+                                <p:cTn id="13" presetID="10" presetClass="entr" presetSubtype="0" fill="hold" grpId="0" nodeType="withEffect">
+                                  <p:stCondLst>
+                                    <p:cond delay="0"/>
+                                  </p:stCondLst>
+                                  <p:childTnLst>
+                                    <p:set>
+                                      <p:cBhvr>
+                                        <p:cTn id="14" dur="1" fill="hold">
+                                          <p:stCondLst>
+                                            <p:cond delay="0"/>
+                                          </p:stCondLst>
+                                        </p:cTn>
+                                        <p:tgtEl>
+                                          <p:spTgt spid="3">
+                                            <p:txEl>
+                                              <p:pRg st="2" end="2"/>
+                                            </p:txEl>
+                                          </p:spTgt>
+                                        </p:tgtEl>
+                                        <p:attrNameLst>
+                                          <p:attrName>style.visibility</p:attrName>
+                                        </p:attrNameLst>
+                                      </p:cBhvr>
+                                      <p:to>
+                                        <p:strVal val="visible"/>
+                                      </p:to>
+                                    </p:set>
+                                    <p:animEffect transition="in" filter="fade">
+                                      <p:cBhvr>
+                                        <p:cTn id="15" dur="500"/>
+                                        <p:tgtEl>
+                                          <p:spTgt spid="3">
+                                            <p:txEl>
+                                              <p:pRg st="2" end="2"/>
+                                            </p:txEl>
+                                          </p:spTgt>
+                                        </p:tgtEl>
+                                      </p:cBhvr>
+                                    </p:animEffect>
+                                  </p:childTnLst>
+                                </p:cTn>
+                              </p:par>
+                              <p:par>
+                                <p:cTn id="16" presetID="10" presetClass="entr" presetSubtype="0" fill="hold" grpId="0" nodeType="withEffect">
+                                  <p:stCondLst>
+                                    <p:cond delay="0"/>
+                                  </p:stCondLst>
+                                  <p:childTnLst>
+                                    <p:set>
+                                      <p:cBhvr>
+                                        <p:cTn id="17" dur="1" fill="hold">
+                                          <p:stCondLst>
+                                            <p:cond delay="0"/>
+                                          </p:stCondLst>
+                                        </p:cTn>
+                                        <p:tgtEl>
+                                          <p:spTgt spid="3">
+                                            <p:txEl>
+                                              <p:pRg st="3" end="3"/>
+                                            </p:txEl>
+                                          </p:spTgt>
+                                        </p:tgtEl>
+                                        <p:attrNameLst>
+                                          <p:attrName>style.visibility</p:attrName>
+                                        </p:attrNameLst>
+                                      </p:cBhvr>
+                                      <p:to>
+                                        <p:strVal val="visible"/>
+                                      </p:to>
+                                    </p:set>
+                                    <p:animEffect transition="in" filter="fade">
+                                      <p:cBhvr>
+                                        <p:cTn id="18" dur="500"/>
+                                        <p:tgtEl>
+                                          <p:spTgt spid="3">
+                                            <p:txEl>
+                                              <p:pRg st="3" end="3"/>
+                                            </p:txEl>
+                                          </p:spTgt>
+                                        </p:tgtEl>
+                                      </p:cBhvr>
+                                    </p:animEffect>
+                                  </p:childTnLst>
+                                </p:cTn>
+                              </p:par>
+                              <p:par>
+                                <p:cTn id="19" presetID="10" presetClass="entr" presetSubtype="0" fill="hold" grpId="0" nodeType="withEffect">
+                                  <p:stCondLst>
+                                    <p:cond delay="0"/>
+                                  </p:stCondLst>
+                                  <p:childTnLst>
+                                    <p:set>
+                                      <p:cBhvr>
+                                        <p:cTn id="20" dur="1" fill="hold">
+                                          <p:stCondLst>
+                                            <p:cond delay="0"/>
+                                          </p:stCondLst>
+                                        </p:cTn>
+                                        <p:tgtEl>
+                                          <p:spTgt spid="3">
+                                            <p:txEl>
+                                              <p:pRg st="4" end="4"/>
+                                            </p:txEl>
+                                          </p:spTgt>
+                                        </p:tgtEl>
+                                        <p:attrNameLst>
+                                          <p:attrName>style.visibility</p:attrName>
+                                        </p:attrNameLst>
+                                      </p:cBhvr>
+                                      <p:to>
+                                        <p:strVal val="visible"/>
+                                      </p:to>
+                                    </p:set>
+                                    <p:animEffect transition="in" filter="fade">
+                                      <p:cBhvr>
+                                        <p:cTn id="21" dur="500"/>
+                                        <p:tgtEl>
+                                          <p:spTgt spid="3">
+                                            <p:txEl>
+                                              <p:pRg st="4" end="4"/>
+                                            </p:txEl>
+                                          </p:spTgt>
+                                        </p:tgtEl>
+                                      </p:cBhvr>
+                                    </p:animEffect>
+                                  </p:childTnLst>
+                                </p:cTn>
+                              </p:par>
+                            </p:childTnLst>
+                          </p:cTn>
+                        </p:par>
+                      </p:childTnLst>
+                    </p:cTn>
+                  </p:par>
+                </p:childTnLst>
+              </p:cTn>
+              <p:prevCondLst>
+                <p:cond evt="onPrev" delay="0">
+                  <p:tgtEl>
+                    <p:sldTgt/>
+                  </p:tgtEl>
+                </p:cond>
+              </p:prevCondLst>
+              <p:nextCondLst>
+                <p:cond evt="onNext" delay="0">
+                  <p:tgtEl>
+                    <p:sldTgt/>
+                  </p:tgtEl>
+                </p:cond>
+              </p:nextCondLst>
+            </p:seq>
+          </p:childTnLst>
+        </p:cTn>
+      </p:par>
+    </p:tnLst>
+    <p:bldLst>
+      <p:bldP spid="3" grpId="0" build="p"/>
+    </p:bldLst>
+  </p:timing>
+</p:sld>
+</file>
+
+<file path=ppt/slides/slide30.xml><?xml version="1.0" encoding="utf-8"?>
 <p:sld xmlns:a="http://schemas.openxmlformats.org/drawingml/2006/main" xmlns:r="http://schemas.openxmlformats.org/officeDocument/2006/relationships" xmlns:p="http://schemas.openxmlformats.org/presentationml/2006/main">
   <p:cSld>
     <p:spTree>
@@ -27880,7 +27635,7 @@
 </p:sld>
 </file>
 
-<file path=ppt/slides/slide33.xml><?xml version="1.0" encoding="utf-8"?>
+<file path=ppt/slides/slide31.xml><?xml version="1.0" encoding="utf-8"?>
 <p:sld xmlns:a="http://schemas.openxmlformats.org/drawingml/2006/main" xmlns:r="http://schemas.openxmlformats.org/officeDocument/2006/relationships" xmlns:p="http://schemas.openxmlformats.org/presentationml/2006/main">
   <p:cSld>
     <p:spTree>
@@ -29809,7 +29564,7 @@
 </p:sld>
 </file>
 
-<file path=ppt/slides/slide34.xml><?xml version="1.0" encoding="utf-8"?>
+<file path=ppt/slides/slide32.xml><?xml version="1.0" encoding="utf-8"?>
 <p:sld xmlns:a="http://schemas.openxmlformats.org/drawingml/2006/main" xmlns:r="http://schemas.openxmlformats.org/officeDocument/2006/relationships" xmlns:p="http://schemas.openxmlformats.org/presentationml/2006/main">
   <p:cSld>
     <p:spTree>
@@ -31419,7 +31174,7 @@
 </p:sld>
 </file>
 
-<file path=ppt/slides/slide35.xml><?xml version="1.0" encoding="utf-8"?>
+<file path=ppt/slides/slide33.xml><?xml version="1.0" encoding="utf-8"?>
 <p:sld xmlns:a="http://schemas.openxmlformats.org/drawingml/2006/main" xmlns:r="http://schemas.openxmlformats.org/officeDocument/2006/relationships" xmlns:p="http://schemas.openxmlformats.org/presentationml/2006/main">
   <p:cSld>
     <p:spTree>
@@ -32314,7 +32069,7 @@
 </p:sld>
 </file>
 
-<file path=ppt/slides/slide36.xml><?xml version="1.0" encoding="utf-8"?>
+<file path=ppt/slides/slide34.xml><?xml version="1.0" encoding="utf-8"?>
 <p:sld xmlns:a="http://schemas.openxmlformats.org/drawingml/2006/main" xmlns:r="http://schemas.openxmlformats.org/officeDocument/2006/relationships" xmlns:p="http://schemas.openxmlformats.org/presentationml/2006/main">
   <p:cSld>
     <p:spTree>
@@ -33516,7 +33271,7 @@
 </p:sld>
 </file>
 
-<file path=ppt/slides/slide37.xml><?xml version="1.0" encoding="utf-8"?>
+<file path=ppt/slides/slide35.xml><?xml version="1.0" encoding="utf-8"?>
 <p:sld xmlns:a="http://schemas.openxmlformats.org/drawingml/2006/main" xmlns:r="http://schemas.openxmlformats.org/officeDocument/2006/relationships" xmlns:p="http://schemas.openxmlformats.org/presentationml/2006/main">
   <p:cSld>
     <p:spTree>
@@ -35914,7 +35669,7 @@
 </p:sld>
 </file>
 
-<file path=ppt/slides/slide38.xml><?xml version="1.0" encoding="utf-8"?>
+<file path=ppt/slides/slide36.xml><?xml version="1.0" encoding="utf-8"?>
 <p:sld xmlns:a="http://schemas.openxmlformats.org/drawingml/2006/main" xmlns:r="http://schemas.openxmlformats.org/officeDocument/2006/relationships" xmlns:p="http://schemas.openxmlformats.org/presentationml/2006/main">
   <p:cSld>
     <p:spTree>
@@ -37605,7 +37360,7 @@
 </p:sld>
 </file>
 
-<file path=ppt/slides/slide39.xml><?xml version="1.0" encoding="utf-8"?>
+<file path=ppt/slides/slide37.xml><?xml version="1.0" encoding="utf-8"?>
 <p:sld xmlns:a="http://schemas.openxmlformats.org/drawingml/2006/main" xmlns:r="http://schemas.openxmlformats.org/officeDocument/2006/relationships" xmlns:p="http://schemas.openxmlformats.org/presentationml/2006/main">
   <p:cSld>
     <p:spTree>
@@ -37721,634 +37476,6 @@
         </p:nvSpPr>
         <p:spPr/>
         <p:txBody>
-          <a:bodyPr/>
-          <a:lstStyle/>
-          <a:p>
-            <a:r>
-              <a:rPr lang="ru-RU" dirty="0"/>
-              <a:t>Программа для работы с фигурами</a:t>
-            </a:r>
-          </a:p>
-        </p:txBody>
-      </p:sp>
-      <p:pic>
-        <p:nvPicPr>
-          <p:cNvPr id="1026" name="Picture 2">
-            <a:extLst>
-              <a:ext uri="{FF2B5EF4-FFF2-40B4-BE49-F238E27FC236}">
-                <a16:creationId xmlns:a16="http://schemas.microsoft.com/office/drawing/2014/main" id="{49549D80-E46F-60C5-4A83-0722E2208BDB}"/>
-              </a:ext>
-            </a:extLst>
-          </p:cNvPr>
-          <p:cNvPicPr>
-            <a:picLocks noChangeAspect="1" noChangeArrowheads="1"/>
-          </p:cNvPicPr>
-          <p:nvPr/>
-        </p:nvPicPr>
-        <p:blipFill>
-          <a:blip r:embed="rId3" cstate="print">
-            <a:extLst>
-              <a:ext uri="{28A0092B-C50C-407E-A947-70E740481C1C}">
-                <a14:useLocalDpi xmlns:a14="http://schemas.microsoft.com/office/drawing/2010/main" val="0"/>
-              </a:ext>
-            </a:extLst>
-          </a:blip>
-          <a:srcRect/>
-          <a:stretch/>
-        </p:blipFill>
-        <p:spPr bwMode="auto">
-          <a:xfrm>
-            <a:off x="1460704" y="1556792"/>
-            <a:ext cx="9270592" cy="4304632"/>
-          </a:xfrm>
-          <a:prstGeom prst="rect">
-            <a:avLst/>
-          </a:prstGeom>
-          <a:noFill/>
-          <a:extLst>
-            <a:ext uri="{909E8E84-426E-40DD-AFC4-6F175D3DCCD1}">
-              <a14:hiddenFill xmlns:a14="http://schemas.microsoft.com/office/drawing/2010/main">
-                <a:solidFill>
-                  <a:srgbClr val="FFFFFF"/>
-                </a:solidFill>
-              </a14:hiddenFill>
-            </a:ext>
-          </a:extLst>
-        </p:spPr>
-      </p:pic>
-      <p:sp>
-        <p:nvSpPr>
-          <p:cNvPr id="4" name="TextBox 3">
-            <a:extLst>
-              <a:ext uri="{FF2B5EF4-FFF2-40B4-BE49-F238E27FC236}">
-                <a16:creationId xmlns:a16="http://schemas.microsoft.com/office/drawing/2014/main" id="{D7475B14-2F91-B673-C148-DCF3AC77009C}"/>
-              </a:ext>
-            </a:extLst>
-          </p:cNvPr>
-          <p:cNvSpPr txBox="1"/>
-          <p:nvPr/>
-        </p:nvSpPr>
-        <p:spPr>
-          <a:xfrm>
-            <a:off x="2855640" y="6237312"/>
-            <a:ext cx="5616624" cy="369332"/>
-          </a:xfrm>
-          <a:prstGeom prst="rect">
-            <a:avLst/>
-          </a:prstGeom>
-          <a:noFill/>
-        </p:spPr>
-        <p:txBody>
-          <a:bodyPr wrap="square" rtlCol="0">
-            <a:spAutoFit/>
-          </a:bodyPr>
-          <a:lstStyle/>
-          <a:p>
-            <a:r>
-              <a:rPr lang="ru-RU" dirty="0"/>
-              <a:t>Какой паттерн проектирования здесь спрятался</a:t>
-            </a:r>
-            <a:r>
-              <a:rPr lang="en-US" dirty="0"/>
-              <a:t>?</a:t>
-            </a:r>
-          </a:p>
-        </p:txBody>
-      </p:sp>
-    </p:spTree>
-    <p:extLst>
-      <p:ext uri="{BB962C8B-B14F-4D97-AF65-F5344CB8AC3E}">
-        <p14:creationId xmlns:p14="http://schemas.microsoft.com/office/powerpoint/2010/main" val="564352464"/>
-      </p:ext>
-    </p:extLst>
-  </p:cSld>
-  <p:clrMapOvr>
-    <a:masterClrMapping/>
-  </p:clrMapOvr>
-  <p:timing>
-    <p:tnLst>
-      <p:par>
-        <p:cTn id="1" dur="indefinite" restart="never" nodeType="tmRoot">
-          <p:childTnLst>
-            <p:seq concurrent="1" nextAc="seek">
-              <p:cTn id="2" dur="indefinite" nodeType="mainSeq">
-                <p:childTnLst>
-                  <p:par>
-                    <p:cTn id="3" fill="hold">
-                      <p:stCondLst>
-                        <p:cond delay="indefinite"/>
-                      </p:stCondLst>
-                      <p:childTnLst>
-                        <p:par>
-                          <p:cTn id="4" fill="hold">
-                            <p:stCondLst>
-                              <p:cond delay="0"/>
-                            </p:stCondLst>
-                            <p:childTnLst>
-                              <p:par>
-                                <p:cTn id="5" presetID="10" presetClass="entr" presetSubtype="0" fill="hold" grpId="0" nodeType="clickEffect">
-                                  <p:stCondLst>
-                                    <p:cond delay="0"/>
-                                  </p:stCondLst>
-                                  <p:childTnLst>
-                                    <p:set>
-                                      <p:cBhvr>
-                                        <p:cTn id="6" dur="1" fill="hold">
-                                          <p:stCondLst>
-                                            <p:cond delay="0"/>
-                                          </p:stCondLst>
-                                        </p:cTn>
-                                        <p:tgtEl>
-                                          <p:spTgt spid="4"/>
-                                        </p:tgtEl>
-                                        <p:attrNameLst>
-                                          <p:attrName>style.visibility</p:attrName>
-                                        </p:attrNameLst>
-                                      </p:cBhvr>
-                                      <p:to>
-                                        <p:strVal val="visible"/>
-                                      </p:to>
-                                    </p:set>
-                                    <p:animEffect transition="in" filter="fade">
-                                      <p:cBhvr>
-                                        <p:cTn id="7" dur="500"/>
-                                        <p:tgtEl>
-                                          <p:spTgt spid="4"/>
-                                        </p:tgtEl>
-                                      </p:cBhvr>
-                                    </p:animEffect>
-                                  </p:childTnLst>
-                                </p:cTn>
-                              </p:par>
-                            </p:childTnLst>
-                          </p:cTn>
-                        </p:par>
-                      </p:childTnLst>
-                    </p:cTn>
-                  </p:par>
-                </p:childTnLst>
-              </p:cTn>
-              <p:prevCondLst>
-                <p:cond evt="onPrev" delay="0">
-                  <p:tgtEl>
-                    <p:sldTgt/>
-                  </p:tgtEl>
-                </p:cond>
-              </p:prevCondLst>
-              <p:nextCondLst>
-                <p:cond evt="onNext" delay="0">
-                  <p:tgtEl>
-                    <p:sldTgt/>
-                  </p:tgtEl>
-                </p:cond>
-              </p:nextCondLst>
-            </p:seq>
-          </p:childTnLst>
-        </p:cTn>
-      </p:par>
-    </p:tnLst>
-    <p:bldLst>
-      <p:bldP spid="4" grpId="0"/>
-    </p:bldLst>
-  </p:timing>
-</p:sld>
-</file>
-
-<file path=ppt/slides/slide5.xml><?xml version="1.0" encoding="utf-8"?>
-<p:sld xmlns:a="http://schemas.openxmlformats.org/drawingml/2006/main" xmlns:r="http://schemas.openxmlformats.org/officeDocument/2006/relationships" xmlns:p="http://schemas.openxmlformats.org/presentationml/2006/main">
-  <p:cSld>
-    <p:spTree>
-      <p:nvGrpSpPr>
-        <p:cNvPr id="1" name="">
-          <a:extLst>
-            <a:ext uri="{FF2B5EF4-FFF2-40B4-BE49-F238E27FC236}">
-              <a16:creationId xmlns:a16="http://schemas.microsoft.com/office/drawing/2014/main" id="{82922D40-D981-CB73-6A84-4C0E38740564}"/>
-            </a:ext>
-          </a:extLst>
-        </p:cNvPr>
-        <p:cNvGrpSpPr/>
-        <p:nvPr/>
-      </p:nvGrpSpPr>
-      <p:grpSpPr>
-        <a:xfrm>
-          <a:off x="0" y="0"/>
-          <a:ext cx="0" cy="0"/>
-          <a:chOff x="0" y="0"/>
-          <a:chExt cx="0" cy="0"/>
-        </a:xfrm>
-      </p:grpSpPr>
-      <p:sp>
-        <p:nvSpPr>
-          <p:cNvPr id="2" name="Заголовок 1">
-            <a:extLst>
-              <a:ext uri="{FF2B5EF4-FFF2-40B4-BE49-F238E27FC236}">
-                <a16:creationId xmlns:a16="http://schemas.microsoft.com/office/drawing/2014/main" id="{AA14B276-F1EF-B6B9-FE9C-0359DF4B90F0}"/>
-              </a:ext>
-            </a:extLst>
-          </p:cNvPr>
-          <p:cNvSpPr>
-            <a:spLocks noGrp="1"/>
-          </p:cNvSpPr>
-          <p:nvPr>
-            <p:ph type="title"/>
-          </p:nvPr>
-        </p:nvSpPr>
-        <p:spPr/>
-        <p:txBody>
-          <a:bodyPr/>
-          <a:lstStyle/>
-          <a:p>
-            <a:r>
-              <a:rPr lang="ru-RU" dirty="0"/>
-              <a:t>Нужно сериализовать фигуры</a:t>
-            </a:r>
-          </a:p>
-        </p:txBody>
-      </p:sp>
-      <p:sp>
-        <p:nvSpPr>
-          <p:cNvPr id="3" name="Содержимое 2">
-            <a:extLst>
-              <a:ext uri="{FF2B5EF4-FFF2-40B4-BE49-F238E27FC236}">
-                <a16:creationId xmlns:a16="http://schemas.microsoft.com/office/drawing/2014/main" id="{9B73990C-EC16-055A-4EF4-C7EE5283ED9F}"/>
-              </a:ext>
-            </a:extLst>
-          </p:cNvPr>
-          <p:cNvSpPr>
-            <a:spLocks noGrp="1"/>
-          </p:cNvSpPr>
-          <p:nvPr>
-            <p:ph idx="1"/>
-          </p:nvPr>
-        </p:nvSpPr>
-        <p:spPr/>
-        <p:txBody>
-          <a:bodyPr>
-            <a:normAutofit/>
-          </a:bodyPr>
-          <a:lstStyle/>
-          <a:p>
-            <a:r>
-              <a:rPr lang="ru-RU" dirty="0"/>
-              <a:t>Ввывести информацию обо всех фигурах коллекции в поток вывода</a:t>
-            </a:r>
-            <a:endParaRPr lang="en-US" dirty="0"/>
-          </a:p>
-          <a:p>
-            <a:r>
-              <a:rPr lang="ru-RU" dirty="0"/>
-              <a:t>Предусмотреть возможность легкой смены формата вывода информации</a:t>
-            </a:r>
-          </a:p>
-          <a:p>
-            <a:pPr lvl="1"/>
-            <a:r>
-              <a:rPr lang="en-US" dirty="0"/>
-              <a:t>Plain text: Rectangle(20x30)</a:t>
-            </a:r>
-          </a:p>
-          <a:p>
-            <a:pPr lvl="1"/>
-            <a:r>
-              <a:rPr lang="en-US" dirty="0"/>
-              <a:t>XML: &lt;rectangle width=“20” height=“30” /&gt;</a:t>
-            </a:r>
-          </a:p>
-          <a:p>
-            <a:pPr lvl="1"/>
-            <a:r>
-              <a:rPr lang="ru-RU" dirty="0"/>
-              <a:t>Бинарный формат</a:t>
-            </a:r>
-          </a:p>
-        </p:txBody>
-      </p:sp>
-    </p:spTree>
-    <p:extLst>
-      <p:ext uri="{BB962C8B-B14F-4D97-AF65-F5344CB8AC3E}">
-        <p14:creationId xmlns:p14="http://schemas.microsoft.com/office/powerpoint/2010/main" val="650226889"/>
-      </p:ext>
-    </p:extLst>
-  </p:cSld>
-  <p:clrMapOvr>
-    <a:masterClrMapping/>
-  </p:clrMapOvr>
-  <p:timing>
-    <p:tnLst>
-      <p:par>
-        <p:cTn id="1" dur="indefinite" restart="never" nodeType="tmRoot">
-          <p:childTnLst>
-            <p:seq concurrent="1" nextAc="seek">
-              <p:cTn id="2" dur="indefinite" nodeType="mainSeq">
-                <p:childTnLst>
-                  <p:par>
-                    <p:cTn id="3" fill="hold">
-                      <p:stCondLst>
-                        <p:cond delay="indefinite"/>
-                      </p:stCondLst>
-                      <p:childTnLst>
-                        <p:par>
-                          <p:cTn id="4" fill="hold">
-                            <p:stCondLst>
-                              <p:cond delay="0"/>
-                            </p:stCondLst>
-                            <p:childTnLst>
-                              <p:par>
-                                <p:cTn id="5" presetID="10" presetClass="entr" presetSubtype="0" fill="hold" grpId="0" nodeType="clickEffect">
-                                  <p:stCondLst>
-                                    <p:cond delay="0"/>
-                                  </p:stCondLst>
-                                  <p:childTnLst>
-                                    <p:set>
-                                      <p:cBhvr>
-                                        <p:cTn id="6" dur="1" fill="hold">
-                                          <p:stCondLst>
-                                            <p:cond delay="0"/>
-                                          </p:stCondLst>
-                                        </p:cTn>
-                                        <p:tgtEl>
-                                          <p:spTgt spid="3">
-                                            <p:txEl>
-                                              <p:pRg st="0" end="0"/>
-                                            </p:txEl>
-                                          </p:spTgt>
-                                        </p:tgtEl>
-                                        <p:attrNameLst>
-                                          <p:attrName>style.visibility</p:attrName>
-                                        </p:attrNameLst>
-                                      </p:cBhvr>
-                                      <p:to>
-                                        <p:strVal val="visible"/>
-                                      </p:to>
-                                    </p:set>
-                                    <p:animEffect transition="in" filter="fade">
-                                      <p:cBhvr>
-                                        <p:cTn id="7" dur="500"/>
-                                        <p:tgtEl>
-                                          <p:spTgt spid="3">
-                                            <p:txEl>
-                                              <p:pRg st="0" end="0"/>
-                                            </p:txEl>
-                                          </p:spTgt>
-                                        </p:tgtEl>
-                                      </p:cBhvr>
-                                    </p:animEffect>
-                                  </p:childTnLst>
-                                </p:cTn>
-                              </p:par>
-                            </p:childTnLst>
-                          </p:cTn>
-                        </p:par>
-                      </p:childTnLst>
-                    </p:cTn>
-                  </p:par>
-                  <p:par>
-                    <p:cTn id="8" fill="hold">
-                      <p:stCondLst>
-                        <p:cond delay="indefinite"/>
-                      </p:stCondLst>
-                      <p:childTnLst>
-                        <p:par>
-                          <p:cTn id="9" fill="hold">
-                            <p:stCondLst>
-                              <p:cond delay="0"/>
-                            </p:stCondLst>
-                            <p:childTnLst>
-                              <p:par>
-                                <p:cTn id="10" presetID="10" presetClass="entr" presetSubtype="0" fill="hold" grpId="0" nodeType="clickEffect">
-                                  <p:stCondLst>
-                                    <p:cond delay="0"/>
-                                  </p:stCondLst>
-                                  <p:childTnLst>
-                                    <p:set>
-                                      <p:cBhvr>
-                                        <p:cTn id="11" dur="1" fill="hold">
-                                          <p:stCondLst>
-                                            <p:cond delay="0"/>
-                                          </p:stCondLst>
-                                        </p:cTn>
-                                        <p:tgtEl>
-                                          <p:spTgt spid="3">
-                                            <p:txEl>
-                                              <p:pRg st="1" end="1"/>
-                                            </p:txEl>
-                                          </p:spTgt>
-                                        </p:tgtEl>
-                                        <p:attrNameLst>
-                                          <p:attrName>style.visibility</p:attrName>
-                                        </p:attrNameLst>
-                                      </p:cBhvr>
-                                      <p:to>
-                                        <p:strVal val="visible"/>
-                                      </p:to>
-                                    </p:set>
-                                    <p:animEffect transition="in" filter="fade">
-                                      <p:cBhvr>
-                                        <p:cTn id="12" dur="500"/>
-                                        <p:tgtEl>
-                                          <p:spTgt spid="3">
-                                            <p:txEl>
-                                              <p:pRg st="1" end="1"/>
-                                            </p:txEl>
-                                          </p:spTgt>
-                                        </p:tgtEl>
-                                      </p:cBhvr>
-                                    </p:animEffect>
-                                  </p:childTnLst>
-                                </p:cTn>
-                              </p:par>
-                              <p:par>
-                                <p:cTn id="13" presetID="10" presetClass="entr" presetSubtype="0" fill="hold" grpId="0" nodeType="withEffect">
-                                  <p:stCondLst>
-                                    <p:cond delay="0"/>
-                                  </p:stCondLst>
-                                  <p:childTnLst>
-                                    <p:set>
-                                      <p:cBhvr>
-                                        <p:cTn id="14" dur="1" fill="hold">
-                                          <p:stCondLst>
-                                            <p:cond delay="0"/>
-                                          </p:stCondLst>
-                                        </p:cTn>
-                                        <p:tgtEl>
-                                          <p:spTgt spid="3">
-                                            <p:txEl>
-                                              <p:pRg st="2" end="2"/>
-                                            </p:txEl>
-                                          </p:spTgt>
-                                        </p:tgtEl>
-                                        <p:attrNameLst>
-                                          <p:attrName>style.visibility</p:attrName>
-                                        </p:attrNameLst>
-                                      </p:cBhvr>
-                                      <p:to>
-                                        <p:strVal val="visible"/>
-                                      </p:to>
-                                    </p:set>
-                                    <p:animEffect transition="in" filter="fade">
-                                      <p:cBhvr>
-                                        <p:cTn id="15" dur="500"/>
-                                        <p:tgtEl>
-                                          <p:spTgt spid="3">
-                                            <p:txEl>
-                                              <p:pRg st="2" end="2"/>
-                                            </p:txEl>
-                                          </p:spTgt>
-                                        </p:tgtEl>
-                                      </p:cBhvr>
-                                    </p:animEffect>
-                                  </p:childTnLst>
-                                </p:cTn>
-                              </p:par>
-                              <p:par>
-                                <p:cTn id="16" presetID="10" presetClass="entr" presetSubtype="0" fill="hold" grpId="0" nodeType="withEffect">
-                                  <p:stCondLst>
-                                    <p:cond delay="0"/>
-                                  </p:stCondLst>
-                                  <p:childTnLst>
-                                    <p:set>
-                                      <p:cBhvr>
-                                        <p:cTn id="17" dur="1" fill="hold">
-                                          <p:stCondLst>
-                                            <p:cond delay="0"/>
-                                          </p:stCondLst>
-                                        </p:cTn>
-                                        <p:tgtEl>
-                                          <p:spTgt spid="3">
-                                            <p:txEl>
-                                              <p:pRg st="3" end="3"/>
-                                            </p:txEl>
-                                          </p:spTgt>
-                                        </p:tgtEl>
-                                        <p:attrNameLst>
-                                          <p:attrName>style.visibility</p:attrName>
-                                        </p:attrNameLst>
-                                      </p:cBhvr>
-                                      <p:to>
-                                        <p:strVal val="visible"/>
-                                      </p:to>
-                                    </p:set>
-                                    <p:animEffect transition="in" filter="fade">
-                                      <p:cBhvr>
-                                        <p:cTn id="18" dur="500"/>
-                                        <p:tgtEl>
-                                          <p:spTgt spid="3">
-                                            <p:txEl>
-                                              <p:pRg st="3" end="3"/>
-                                            </p:txEl>
-                                          </p:spTgt>
-                                        </p:tgtEl>
-                                      </p:cBhvr>
-                                    </p:animEffect>
-                                  </p:childTnLst>
-                                </p:cTn>
-                              </p:par>
-                              <p:par>
-                                <p:cTn id="19" presetID="10" presetClass="entr" presetSubtype="0" fill="hold" grpId="0" nodeType="withEffect">
-                                  <p:stCondLst>
-                                    <p:cond delay="0"/>
-                                  </p:stCondLst>
-                                  <p:childTnLst>
-                                    <p:set>
-                                      <p:cBhvr>
-                                        <p:cTn id="20" dur="1" fill="hold">
-                                          <p:stCondLst>
-                                            <p:cond delay="0"/>
-                                          </p:stCondLst>
-                                        </p:cTn>
-                                        <p:tgtEl>
-                                          <p:spTgt spid="3">
-                                            <p:txEl>
-                                              <p:pRg st="4" end="4"/>
-                                            </p:txEl>
-                                          </p:spTgt>
-                                        </p:tgtEl>
-                                        <p:attrNameLst>
-                                          <p:attrName>style.visibility</p:attrName>
-                                        </p:attrNameLst>
-                                      </p:cBhvr>
-                                      <p:to>
-                                        <p:strVal val="visible"/>
-                                      </p:to>
-                                    </p:set>
-                                    <p:animEffect transition="in" filter="fade">
-                                      <p:cBhvr>
-                                        <p:cTn id="21" dur="500"/>
-                                        <p:tgtEl>
-                                          <p:spTgt spid="3">
-                                            <p:txEl>
-                                              <p:pRg st="4" end="4"/>
-                                            </p:txEl>
-                                          </p:spTgt>
-                                        </p:tgtEl>
-                                      </p:cBhvr>
-                                    </p:animEffect>
-                                  </p:childTnLst>
-                                </p:cTn>
-                              </p:par>
-                            </p:childTnLst>
-                          </p:cTn>
-                        </p:par>
-                      </p:childTnLst>
-                    </p:cTn>
-                  </p:par>
-                </p:childTnLst>
-              </p:cTn>
-              <p:prevCondLst>
-                <p:cond evt="onPrev" delay="0">
-                  <p:tgtEl>
-                    <p:sldTgt/>
-                  </p:tgtEl>
-                </p:cond>
-              </p:prevCondLst>
-              <p:nextCondLst>
-                <p:cond evt="onNext" delay="0">
-                  <p:tgtEl>
-                    <p:sldTgt/>
-                  </p:tgtEl>
-                </p:cond>
-              </p:nextCondLst>
-            </p:seq>
-          </p:childTnLst>
-        </p:cTn>
-      </p:par>
-    </p:tnLst>
-    <p:bldLst>
-      <p:bldP spid="3" grpId="0" build="p"/>
-    </p:bldLst>
-  </p:timing>
-</p:sld>
-</file>
-
-<file path=ppt/slides/slide6.xml><?xml version="1.0" encoding="utf-8"?>
-<p:sld xmlns:a="http://schemas.openxmlformats.org/drawingml/2006/main" xmlns:r="http://schemas.openxmlformats.org/officeDocument/2006/relationships" xmlns:p="http://schemas.openxmlformats.org/presentationml/2006/main">
-  <p:cSld>
-    <p:spTree>
-      <p:nvGrpSpPr>
-        <p:cNvPr id="1" name=""/>
-        <p:cNvGrpSpPr/>
-        <p:nvPr/>
-      </p:nvGrpSpPr>
-      <p:grpSpPr>
-        <a:xfrm>
-          <a:off x="0" y="0"/>
-          <a:ext cx="0" cy="0"/>
-          <a:chOff x="0" y="0"/>
-          <a:chExt cx="0" cy="0"/>
-        </a:xfrm>
-      </p:grpSpPr>
-      <p:sp>
-        <p:nvSpPr>
-          <p:cNvPr id="2" name="Заголовок 1"/>
-          <p:cNvSpPr>
-            <a:spLocks noGrp="1"/>
-          </p:cNvSpPr>
-          <p:nvPr>
-            <p:ph type="title"/>
-          </p:nvPr>
-        </p:nvSpPr>
-        <p:spPr/>
-        <p:txBody>
           <a:bodyPr>
             <a:normAutofit/>
           </a:bodyPr>
@@ -38419,7 +37546,7 @@
 </p:sld>
 </file>
 
-<file path=ppt/slides/slide7.xml><?xml version="1.0" encoding="utf-8"?>
+<file path=ppt/slides/slide5.xml><?xml version="1.0" encoding="utf-8"?>
 <p:sld xmlns:a="http://schemas.openxmlformats.org/drawingml/2006/main" xmlns:r="http://schemas.openxmlformats.org/officeDocument/2006/relationships" xmlns:p="http://schemas.openxmlformats.org/presentationml/2006/main">
   <p:cSld>
     <p:spTree>
@@ -39146,7 +38273,7 @@
 </p:sld>
 </file>
 
-<file path=ppt/slides/slide8.xml><?xml version="1.0" encoding="utf-8"?>
+<file path=ppt/slides/slide6.xml><?xml version="1.0" encoding="utf-8"?>
 <p:sld xmlns:a="http://schemas.openxmlformats.org/drawingml/2006/main" xmlns:r="http://schemas.openxmlformats.org/officeDocument/2006/relationships" xmlns:p="http://schemas.openxmlformats.org/presentationml/2006/main">
   <p:cSld>
     <p:spTree>
@@ -39226,7 +38353,7 @@
 </p:sld>
 </file>
 
-<file path=ppt/slides/slide9.xml><?xml version="1.0" encoding="utf-8"?>
+<file path=ppt/slides/slide7.xml><?xml version="1.0" encoding="utf-8"?>
 <p:sld xmlns:a="http://schemas.openxmlformats.org/drawingml/2006/main" xmlns:r="http://schemas.openxmlformats.org/officeDocument/2006/relationships" xmlns:p="http://schemas.openxmlformats.org/presentationml/2006/main">
   <p:cSld>
     <p:spTree>
@@ -40556,6 +39683,395 @@
 </p:sld>
 </file>
 
+<file path=ppt/slides/slide8.xml><?xml version="1.0" encoding="utf-8"?>
+<p:sld xmlns:a="http://schemas.openxmlformats.org/drawingml/2006/main" xmlns:r="http://schemas.openxmlformats.org/officeDocument/2006/relationships" xmlns:p="http://schemas.openxmlformats.org/presentationml/2006/main">
+  <p:cSld>
+    <p:spTree>
+      <p:nvGrpSpPr>
+        <p:cNvPr id="1" name=""/>
+        <p:cNvGrpSpPr/>
+        <p:nvPr/>
+      </p:nvGrpSpPr>
+      <p:grpSpPr>
+        <a:xfrm>
+          <a:off x="0" y="0"/>
+          <a:ext cx="0" cy="0"/>
+          <a:chOff x="0" y="0"/>
+          <a:chExt cx="0" cy="0"/>
+        </a:xfrm>
+      </p:grpSpPr>
+      <p:sp>
+        <p:nvSpPr>
+          <p:cNvPr id="2" name="Заголовок 1"/>
+          <p:cNvSpPr>
+            <a:spLocks noGrp="1"/>
+          </p:cNvSpPr>
+          <p:nvPr>
+            <p:ph type="title"/>
+          </p:nvPr>
+        </p:nvSpPr>
+        <p:spPr/>
+        <p:txBody>
+          <a:bodyPr/>
+          <a:lstStyle/>
+          <a:p>
+            <a:r>
+              <a:rPr lang="ru-RU" dirty="0"/>
+              <a:t>Отношения</a:t>
+            </a:r>
+          </a:p>
+        </p:txBody>
+      </p:sp>
+      <p:sp>
+        <p:nvSpPr>
+          <p:cNvPr id="3" name="Содержимое 2"/>
+          <p:cNvSpPr>
+            <a:spLocks noGrp="1"/>
+          </p:cNvSpPr>
+          <p:nvPr>
+            <p:ph idx="1"/>
+          </p:nvPr>
+        </p:nvSpPr>
+        <p:spPr/>
+        <p:txBody>
+          <a:bodyPr/>
+          <a:lstStyle/>
+          <a:p>
+            <a:r>
+              <a:rPr lang="ru-RU" dirty="0"/>
+              <a:t>Клиент создаёт объект класса </a:t>
+            </a:r>
+            <a:r>
+              <a:rPr lang="en-US" b="1" dirty="0" err="1"/>
+              <a:t>ConcreteVisitor</a:t>
+            </a:r>
+            <a:r>
+              <a:rPr lang="ru-RU" dirty="0"/>
+              <a:t>, и обходит каждый элемент структуры</a:t>
+            </a:r>
+          </a:p>
+          <a:p>
+            <a:pPr lvl="1"/>
+            <a:r>
+              <a:rPr lang="ru-RU" dirty="0"/>
+              <a:t>У каждого объекта вызывает метод </a:t>
+            </a:r>
+            <a:r>
+              <a:rPr lang="en-US" b="1" dirty="0"/>
+              <a:t>Accept</a:t>
+            </a:r>
+            <a:r>
+              <a:rPr lang="ru-RU" dirty="0"/>
+              <a:t>, куда передаёт посетителя</a:t>
+            </a:r>
+          </a:p>
+          <a:p>
+            <a:r>
+              <a:rPr lang="ru-RU" dirty="0"/>
+              <a:t>Посещаемый элемент вызывает операцию </a:t>
+            </a:r>
+            <a:r>
+              <a:rPr lang="en-US" b="1" dirty="0"/>
+              <a:t>Visit</a:t>
+            </a:r>
+            <a:r>
+              <a:rPr lang="en-US" dirty="0"/>
+              <a:t> </a:t>
+            </a:r>
+            <a:r>
+              <a:rPr lang="ru-RU" dirty="0"/>
+              <a:t>посетителя, соответствующую своему классу, и передает себя в качестве аргумента</a:t>
+            </a:r>
+          </a:p>
+        </p:txBody>
+      </p:sp>
+    </p:spTree>
+    <p:extLst>
+      <p:ext uri="{BB962C8B-B14F-4D97-AF65-F5344CB8AC3E}">
+        <p14:creationId xmlns:p14="http://schemas.microsoft.com/office/powerpoint/2010/main" val="1257085805"/>
+      </p:ext>
+    </p:extLst>
+  </p:cSld>
+  <p:clrMapOvr>
+    <a:masterClrMapping/>
+  </p:clrMapOvr>
+  <p:timing>
+    <p:tnLst>
+      <p:par>
+        <p:cTn id="1" dur="indefinite" restart="never" nodeType="tmRoot">
+          <p:childTnLst>
+            <p:seq concurrent="1" nextAc="seek">
+              <p:cTn id="2" dur="indefinite" nodeType="mainSeq">
+                <p:childTnLst>
+                  <p:par>
+                    <p:cTn id="3" fill="hold">
+                      <p:stCondLst>
+                        <p:cond delay="indefinite"/>
+                      </p:stCondLst>
+                      <p:childTnLst>
+                        <p:par>
+                          <p:cTn id="4" fill="hold">
+                            <p:stCondLst>
+                              <p:cond delay="0"/>
+                            </p:stCondLst>
+                            <p:childTnLst>
+                              <p:par>
+                                <p:cTn id="5" presetID="10" presetClass="entr" presetSubtype="0" fill="hold" grpId="0" nodeType="clickEffect">
+                                  <p:stCondLst>
+                                    <p:cond delay="0"/>
+                                  </p:stCondLst>
+                                  <p:childTnLst>
+                                    <p:set>
+                                      <p:cBhvr>
+                                        <p:cTn id="6" dur="1" fill="hold">
+                                          <p:stCondLst>
+                                            <p:cond delay="0"/>
+                                          </p:stCondLst>
+                                        </p:cTn>
+                                        <p:tgtEl>
+                                          <p:spTgt spid="3">
+                                            <p:txEl>
+                                              <p:pRg st="0" end="0"/>
+                                            </p:txEl>
+                                          </p:spTgt>
+                                        </p:tgtEl>
+                                        <p:attrNameLst>
+                                          <p:attrName>style.visibility</p:attrName>
+                                        </p:attrNameLst>
+                                      </p:cBhvr>
+                                      <p:to>
+                                        <p:strVal val="visible"/>
+                                      </p:to>
+                                    </p:set>
+                                    <p:animEffect transition="in" filter="fade">
+                                      <p:cBhvr>
+                                        <p:cTn id="7" dur="500"/>
+                                        <p:tgtEl>
+                                          <p:spTgt spid="3">
+                                            <p:txEl>
+                                              <p:pRg st="0" end="0"/>
+                                            </p:txEl>
+                                          </p:spTgt>
+                                        </p:tgtEl>
+                                      </p:cBhvr>
+                                    </p:animEffect>
+                                  </p:childTnLst>
+                                </p:cTn>
+                              </p:par>
+                              <p:par>
+                                <p:cTn id="8" presetID="10" presetClass="entr" presetSubtype="0" fill="hold" grpId="0" nodeType="withEffect">
+                                  <p:stCondLst>
+                                    <p:cond delay="0"/>
+                                  </p:stCondLst>
+                                  <p:childTnLst>
+                                    <p:set>
+                                      <p:cBhvr>
+                                        <p:cTn id="9" dur="1" fill="hold">
+                                          <p:stCondLst>
+                                            <p:cond delay="0"/>
+                                          </p:stCondLst>
+                                        </p:cTn>
+                                        <p:tgtEl>
+                                          <p:spTgt spid="3">
+                                            <p:txEl>
+                                              <p:pRg st="1" end="1"/>
+                                            </p:txEl>
+                                          </p:spTgt>
+                                        </p:tgtEl>
+                                        <p:attrNameLst>
+                                          <p:attrName>style.visibility</p:attrName>
+                                        </p:attrNameLst>
+                                      </p:cBhvr>
+                                      <p:to>
+                                        <p:strVal val="visible"/>
+                                      </p:to>
+                                    </p:set>
+                                    <p:animEffect transition="in" filter="fade">
+                                      <p:cBhvr>
+                                        <p:cTn id="10" dur="500"/>
+                                        <p:tgtEl>
+                                          <p:spTgt spid="3">
+                                            <p:txEl>
+                                              <p:pRg st="1" end="1"/>
+                                            </p:txEl>
+                                          </p:spTgt>
+                                        </p:tgtEl>
+                                      </p:cBhvr>
+                                    </p:animEffect>
+                                  </p:childTnLst>
+                                </p:cTn>
+                              </p:par>
+                            </p:childTnLst>
+                          </p:cTn>
+                        </p:par>
+                      </p:childTnLst>
+                    </p:cTn>
+                  </p:par>
+                  <p:par>
+                    <p:cTn id="11" fill="hold">
+                      <p:stCondLst>
+                        <p:cond delay="indefinite"/>
+                      </p:stCondLst>
+                      <p:childTnLst>
+                        <p:par>
+                          <p:cTn id="12" fill="hold">
+                            <p:stCondLst>
+                              <p:cond delay="0"/>
+                            </p:stCondLst>
+                            <p:childTnLst>
+                              <p:par>
+                                <p:cTn id="13" presetID="10" presetClass="entr" presetSubtype="0" fill="hold" grpId="0" nodeType="clickEffect">
+                                  <p:stCondLst>
+                                    <p:cond delay="0"/>
+                                  </p:stCondLst>
+                                  <p:childTnLst>
+                                    <p:set>
+                                      <p:cBhvr>
+                                        <p:cTn id="14" dur="1" fill="hold">
+                                          <p:stCondLst>
+                                            <p:cond delay="0"/>
+                                          </p:stCondLst>
+                                        </p:cTn>
+                                        <p:tgtEl>
+                                          <p:spTgt spid="3">
+                                            <p:txEl>
+                                              <p:pRg st="2" end="2"/>
+                                            </p:txEl>
+                                          </p:spTgt>
+                                        </p:tgtEl>
+                                        <p:attrNameLst>
+                                          <p:attrName>style.visibility</p:attrName>
+                                        </p:attrNameLst>
+                                      </p:cBhvr>
+                                      <p:to>
+                                        <p:strVal val="visible"/>
+                                      </p:to>
+                                    </p:set>
+                                    <p:animEffect transition="in" filter="fade">
+                                      <p:cBhvr>
+                                        <p:cTn id="15" dur="500"/>
+                                        <p:tgtEl>
+                                          <p:spTgt spid="3">
+                                            <p:txEl>
+                                              <p:pRg st="2" end="2"/>
+                                            </p:txEl>
+                                          </p:spTgt>
+                                        </p:tgtEl>
+                                      </p:cBhvr>
+                                    </p:animEffect>
+                                  </p:childTnLst>
+                                </p:cTn>
+                              </p:par>
+                            </p:childTnLst>
+                          </p:cTn>
+                        </p:par>
+                      </p:childTnLst>
+                    </p:cTn>
+                  </p:par>
+                </p:childTnLst>
+              </p:cTn>
+              <p:prevCondLst>
+                <p:cond evt="onPrev" delay="0">
+                  <p:tgtEl>
+                    <p:sldTgt/>
+                  </p:tgtEl>
+                </p:cond>
+              </p:prevCondLst>
+              <p:nextCondLst>
+                <p:cond evt="onNext" delay="0">
+                  <p:tgtEl>
+                    <p:sldTgt/>
+                  </p:tgtEl>
+                </p:cond>
+              </p:nextCondLst>
+            </p:seq>
+          </p:childTnLst>
+        </p:cTn>
+      </p:par>
+    </p:tnLst>
+    <p:bldLst>
+      <p:bldP spid="3" grpId="0" build="p"/>
+    </p:bldLst>
+  </p:timing>
+</p:sld>
+</file>
+
+<file path=ppt/slides/slide9.xml><?xml version="1.0" encoding="utf-8"?>
+<p:sld xmlns:a="http://schemas.openxmlformats.org/drawingml/2006/main" xmlns:r="http://schemas.openxmlformats.org/officeDocument/2006/relationships" xmlns:p="http://schemas.openxmlformats.org/presentationml/2006/main">
+  <p:cSld>
+    <p:spTree>
+      <p:nvGrpSpPr>
+        <p:cNvPr id="1" name=""/>
+        <p:cNvGrpSpPr/>
+        <p:nvPr/>
+      </p:nvGrpSpPr>
+      <p:grpSpPr>
+        <a:xfrm>
+          <a:off x="0" y="0"/>
+          <a:ext cx="0" cy="0"/>
+          <a:chOff x="0" y="0"/>
+          <a:chExt cx="0" cy="0"/>
+        </a:xfrm>
+      </p:grpSpPr>
+      <p:sp>
+        <p:nvSpPr>
+          <p:cNvPr id="4" name="Title 3"/>
+          <p:cNvSpPr>
+            <a:spLocks noGrp="1"/>
+          </p:cNvSpPr>
+          <p:nvPr>
+            <p:ph type="title"/>
+          </p:nvPr>
+        </p:nvSpPr>
+        <p:spPr/>
+        <p:txBody>
+          <a:bodyPr/>
+          <a:lstStyle/>
+          <a:p>
+            <a:r>
+              <a:rPr lang="ru-RU" dirty="0"/>
+              <a:t>Диаграмма взаимодействий</a:t>
+            </a:r>
+          </a:p>
+        </p:txBody>
+      </p:sp>
+      <p:pic>
+        <p:nvPicPr>
+          <p:cNvPr id="8" name="Picture 7"/>
+          <p:cNvPicPr>
+            <a:picLocks noChangeAspect="1"/>
+          </p:cNvPicPr>
+          <p:nvPr/>
+        </p:nvPicPr>
+        <p:blipFill>
+          <a:blip r:embed="rId3"/>
+          <a:stretch>
+            <a:fillRect/>
+          </a:stretch>
+        </p:blipFill>
+        <p:spPr>
+          <a:xfrm>
+            <a:off x="838201" y="1929867"/>
+            <a:ext cx="10311534" cy="4510434"/>
+          </a:xfrm>
+          <a:prstGeom prst="rect">
+            <a:avLst/>
+          </a:prstGeom>
+        </p:spPr>
+      </p:pic>
+    </p:spTree>
+    <p:extLst>
+      <p:ext uri="{BB962C8B-B14F-4D97-AF65-F5344CB8AC3E}">
+        <p14:creationId xmlns:p14="http://schemas.microsoft.com/office/powerpoint/2010/main" val="3746428033"/>
+      </p:ext>
+    </p:extLst>
+  </p:cSld>
+  <p:clrMapOvr>
+    <a:masterClrMapping/>
+  </p:clrMapOvr>
+</p:sld>
+</file>
+
 <file path=ppt/tags/tag1.xml><?xml version="1.0" encoding="utf-8"?>
 <p:tagLst xmlns:a="http://schemas.openxmlformats.org/drawingml/2006/main" xmlns:r="http://schemas.openxmlformats.org/officeDocument/2006/relationships" xmlns:p="http://schemas.openxmlformats.org/presentationml/2006/main">
   <p:tag name="ISPRING_RESOURCE_FOLDER" val="H:\teaching\institutps\2016\ood\lectures\07\07 - Адаптер, Фасад\"/>
